--- a/PPP.pptx
+++ b/PPP.pptx
@@ -6,7 +6,14 @@
   </p:sldMasterIdLst>
   <p:sldIdLst>
     <p:sldId id="256" r:id="rId2"/>
-    <p:sldId id="257" r:id="rId3"/>
+    <p:sldId id="258" r:id="rId3"/>
+    <p:sldId id="257" r:id="rId4"/>
+    <p:sldId id="259" r:id="rId5"/>
+    <p:sldId id="260" r:id="rId6"/>
+    <p:sldId id="261" r:id="rId7"/>
+    <p:sldId id="262" r:id="rId8"/>
+    <p:sldId id="263" r:id="rId9"/>
+    <p:sldId id="264" r:id="rId10"/>
   </p:sldIdLst>
   <p:sldSz cx="12192000" cy="6858000"/>
   <p:notesSz cx="6858000" cy="9144000"/>
@@ -105,6 +112,11 @@
       </a:defRPr>
     </a:lvl9pPr>
   </p:defaultTextStyle>
+  <p:extLst>
+    <p:ext uri="{EFAFB233-063F-42B5-8137-9DF3F51BA10A}">
+      <p15:sldGuideLst xmlns:p15="http://schemas.microsoft.com/office/powerpoint/2012/main"/>
+    </p:ext>
+  </p:extLst>
 </p:presentation>
 </file>
 
@@ -3687,13 +3699,13 @@
   <p:clrMapOvr>
     <a:masterClrMapping/>
   </p:clrMapOvr>
-  <mc:AlternateContent xmlns:mc="http://schemas.openxmlformats.org/markup-compatibility/2006">
-    <mc:Choice xmlns:p14="http://schemas.microsoft.com/office/powerpoint/2010/main" Requires="p14">
+  <mc:AlternateContent xmlns:mc="http://schemas.openxmlformats.org/markup-compatibility/2006" xmlns:p14="http://schemas.microsoft.com/office/powerpoint/2010/main">
+    <mc:Choice Requires="p14">
       <p:transition spd="med" p14:dur="700">
         <p:fade/>
       </p:transition>
     </mc:Choice>
-    <mc:Fallback>
+    <mc:Fallback xmlns="">
       <p:transition spd="med">
         <p:fade/>
       </p:transition>
@@ -3718,7 +3730,7 @@
         <p:cNvPr id="1" name="">
           <a:extLst>
             <a:ext uri="{FF2B5EF4-FFF2-40B4-BE49-F238E27FC236}">
-              <a16:creationId xmlns:a16="http://schemas.microsoft.com/office/drawing/2014/main" id="{F6481F28-B89D-6EC8-C826-65D4C9D557A5}"/>
+              <a16:creationId xmlns:a16="http://schemas.microsoft.com/office/drawing/2014/main" id="{75638CF7-0D5B-3B9A-E146-450F068939E7}"/>
             </a:ext>
           </a:extLst>
         </p:cNvPr>
@@ -3738,7 +3750,7 @@
           <p:cNvPr id="11" name="Rectangle 10">
             <a:extLst>
               <a:ext uri="{FF2B5EF4-FFF2-40B4-BE49-F238E27FC236}">
-                <a16:creationId xmlns:a16="http://schemas.microsoft.com/office/drawing/2014/main" id="{BA2C21DF-58BE-2231-11EA-A150283A92CF}"/>
+                <a16:creationId xmlns:a16="http://schemas.microsoft.com/office/drawing/2014/main" id="{28083630-35E2-5A70-B338-816D65C5328B}"/>
               </a:ext>
               <a:ext uri="{C183D7F6-B498-43B3-948B-1728B52AA6E4}">
                 <adec:decorative xmlns:adec="http://schemas.microsoft.com/office/drawing/2017/decorative" val="1"/>
@@ -3814,6 +3826,316 @@
           <p:cNvPr id="13" name="Rectangle 12">
             <a:extLst>
               <a:ext uri="{FF2B5EF4-FFF2-40B4-BE49-F238E27FC236}">
+                <a16:creationId xmlns:a16="http://schemas.microsoft.com/office/drawing/2014/main" id="{50602340-9535-54CD-306C-0CC231873097}"/>
+              </a:ext>
+              <a:ext uri="{C183D7F6-B498-43B3-948B-1728B52AA6E4}">
+                <adec:decorative xmlns:adec="http://schemas.microsoft.com/office/drawing/2017/decorative" val="1"/>
+              </a:ext>
+            </a:extLst>
+          </p:cNvPr>
+          <p:cNvSpPr>
+            <a:spLocks noGrp="1" noRot="1" noChangeAspect="1" noMove="1" noResize="1" noEditPoints="1" noAdjustHandles="1" noChangeArrowheads="1" noChangeShapeType="1" noTextEdit="1"/>
+          </p:cNvSpPr>
+          <p:nvPr>
+            <p:extLst>
+              <p:ext uri="{386F3935-93C4-4BCD-93E2-E3B085C9AB24}">
+                <p16:designElem xmlns:p16="http://schemas.microsoft.com/office/powerpoint/2015/main" val="1"/>
+              </p:ext>
+            </p:extLst>
+          </p:nvPr>
+        </p:nvSpPr>
+        <p:spPr>
+          <a:xfrm>
+            <a:off x="685800" y="685800"/>
+            <a:ext cx="10820400" cy="5486400"/>
+          </a:xfrm>
+          <a:prstGeom prst="rect">
+            <a:avLst/>
+          </a:prstGeom>
+          <a:solidFill>
+            <a:schemeClr val="accent2">
+              <a:lumMod val="20000"/>
+              <a:lumOff val="80000"/>
+            </a:schemeClr>
+          </a:solidFill>
+          <a:ln>
+            <a:noFill/>
+          </a:ln>
+        </p:spPr>
+        <p:style>
+          <a:lnRef idx="2">
+            <a:schemeClr val="accent1">
+              <a:shade val="50000"/>
+            </a:schemeClr>
+          </a:lnRef>
+          <a:fillRef idx="1">
+            <a:schemeClr val="accent1"/>
+          </a:fillRef>
+          <a:effectRef idx="0">
+            <a:schemeClr val="accent1"/>
+          </a:effectRef>
+          <a:fontRef idx="minor">
+            <a:schemeClr val="lt1"/>
+          </a:fontRef>
+        </p:style>
+        <p:txBody>
+          <a:bodyPr rtlCol="0" anchor="ctr"/>
+          <a:lstStyle/>
+          <a:p>
+            <a:pPr algn="ctr"/>
+            <a:endParaRPr lang="en-US">
+              <a:solidFill>
+                <a:schemeClr val="bg2"/>
+              </a:solidFill>
+            </a:endParaRPr>
+          </a:p>
+        </p:txBody>
+      </p:sp>
+      <p:pic>
+        <p:nvPicPr>
+          <p:cNvPr id="18" name="Picture 17" descr="A screenshot of a phone&#10;&#10;AI-generated content may be incorrect.">
+            <a:extLst>
+              <a:ext uri="{FF2B5EF4-FFF2-40B4-BE49-F238E27FC236}">
+                <a16:creationId xmlns:a16="http://schemas.microsoft.com/office/drawing/2014/main" id="{940EEC60-0692-2341-CF2B-3ED0E37F3FF7}"/>
+              </a:ext>
+            </a:extLst>
+          </p:cNvPr>
+          <p:cNvPicPr>
+            <a:picLocks noChangeAspect="1"/>
+          </p:cNvPicPr>
+          <p:nvPr/>
+        </p:nvPicPr>
+        <p:blipFill>
+          <a:blip r:embed="rId2">
+            <a:extLst>
+              <a:ext uri="{28A0092B-C50C-407E-A947-70E740481C1C}">
+                <a14:useLocalDpi xmlns:a14="http://schemas.microsoft.com/office/drawing/2010/main" val="0"/>
+              </a:ext>
+            </a:extLst>
+          </a:blip>
+          <a:stretch>
+            <a:fillRect/>
+          </a:stretch>
+        </p:blipFill>
+        <p:spPr>
+          <a:xfrm>
+            <a:off x="3047035" y="1109270"/>
+            <a:ext cx="2140522" cy="4639458"/>
+          </a:xfrm>
+          <a:prstGeom prst="rect">
+            <a:avLst/>
+          </a:prstGeom>
+        </p:spPr>
+      </p:pic>
+      <p:pic>
+        <p:nvPicPr>
+          <p:cNvPr id="20" name="Picture 19" descr="A close-up of a phone&#10;&#10;AI-generated content may be incorrect.">
+            <a:extLst>
+              <a:ext uri="{FF2B5EF4-FFF2-40B4-BE49-F238E27FC236}">
+                <a16:creationId xmlns:a16="http://schemas.microsoft.com/office/drawing/2014/main" id="{EA300359-EB0F-5453-A490-025E3435641A}"/>
+              </a:ext>
+            </a:extLst>
+          </p:cNvPr>
+          <p:cNvPicPr>
+            <a:picLocks noChangeAspect="1"/>
+          </p:cNvPicPr>
+          <p:nvPr/>
+        </p:nvPicPr>
+        <p:blipFill>
+          <a:blip r:embed="rId3">
+            <a:extLst>
+              <a:ext uri="{28A0092B-C50C-407E-A947-70E740481C1C}">
+                <a14:useLocalDpi xmlns:a14="http://schemas.microsoft.com/office/drawing/2010/main" val="0"/>
+              </a:ext>
+            </a:extLst>
+          </a:blip>
+          <a:stretch>
+            <a:fillRect/>
+          </a:stretch>
+        </p:blipFill>
+        <p:spPr>
+          <a:xfrm>
+            <a:off x="5187557" y="1109272"/>
+            <a:ext cx="2139949" cy="4639456"/>
+          </a:xfrm>
+          <a:prstGeom prst="rect">
+            <a:avLst/>
+          </a:prstGeom>
+        </p:spPr>
+      </p:pic>
+      <p:pic>
+        <p:nvPicPr>
+          <p:cNvPr id="22" name="Picture 21" descr="A screenshot of a phone&#10;&#10;AI-generated content may be incorrect.">
+            <a:extLst>
+              <a:ext uri="{FF2B5EF4-FFF2-40B4-BE49-F238E27FC236}">
+                <a16:creationId xmlns:a16="http://schemas.microsoft.com/office/drawing/2014/main" id="{8D59E61F-E7E5-746F-F740-CB32F9188D71}"/>
+              </a:ext>
+            </a:extLst>
+          </p:cNvPr>
+          <p:cNvPicPr>
+            <a:picLocks noChangeAspect="1"/>
+          </p:cNvPicPr>
+          <p:nvPr/>
+        </p:nvPicPr>
+        <p:blipFill>
+          <a:blip r:embed="rId4">
+            <a:extLst>
+              <a:ext uri="{28A0092B-C50C-407E-A947-70E740481C1C}">
+                <a14:useLocalDpi xmlns:a14="http://schemas.microsoft.com/office/drawing/2010/main" val="0"/>
+              </a:ext>
+            </a:extLst>
+          </a:blip>
+          <a:stretch>
+            <a:fillRect/>
+          </a:stretch>
+        </p:blipFill>
+        <p:spPr>
+          <a:xfrm>
+            <a:off x="7327506" y="1109270"/>
+            <a:ext cx="2139949" cy="4639455"/>
+          </a:xfrm>
+          <a:prstGeom prst="rect">
+            <a:avLst/>
+          </a:prstGeom>
+        </p:spPr>
+      </p:pic>
+    </p:spTree>
+    <p:extLst>
+      <p:ext uri="{BB962C8B-B14F-4D97-AF65-F5344CB8AC3E}">
+        <p14:creationId xmlns:p14="http://schemas.microsoft.com/office/powerpoint/2010/main" val="42097904"/>
+      </p:ext>
+    </p:extLst>
+  </p:cSld>
+  <p:clrMapOvr>
+    <a:masterClrMapping/>
+  </p:clrMapOvr>
+  <mc:AlternateContent xmlns:mc="http://schemas.openxmlformats.org/markup-compatibility/2006">
+    <mc:Choice xmlns:p14="http://schemas.microsoft.com/office/powerpoint/2010/main" Requires="p14">
+      <p:transition spd="slow" p14:dur="800">
+        <p:circle/>
+      </p:transition>
+    </mc:Choice>
+    <mc:Fallback>
+      <p:transition spd="slow">
+        <p:circle/>
+      </p:transition>
+    </mc:Fallback>
+  </mc:AlternateContent>
+</p:sld>
+</file>
+
+<file path=ppt/slides/slide3.xml><?xml version="1.0" encoding="utf-8"?>
+<p:sld xmlns:a="http://schemas.openxmlformats.org/drawingml/2006/main" xmlns:r="http://schemas.openxmlformats.org/officeDocument/2006/relationships" xmlns:p="http://schemas.openxmlformats.org/presentationml/2006/main">
+  <p:cSld>
+    <p:bg>
+      <p:bgPr>
+        <a:solidFill>
+          <a:schemeClr val="bg1"/>
+        </a:solidFill>
+        <a:effectLst/>
+      </p:bgPr>
+    </p:bg>
+    <p:spTree>
+      <p:nvGrpSpPr>
+        <p:cNvPr id="1" name="">
+          <a:extLst>
+            <a:ext uri="{FF2B5EF4-FFF2-40B4-BE49-F238E27FC236}">
+              <a16:creationId xmlns:a16="http://schemas.microsoft.com/office/drawing/2014/main" id="{F6481F28-B89D-6EC8-C826-65D4C9D557A5}"/>
+            </a:ext>
+          </a:extLst>
+        </p:cNvPr>
+        <p:cNvGrpSpPr/>
+        <p:nvPr/>
+      </p:nvGrpSpPr>
+      <p:grpSpPr>
+        <a:xfrm>
+          <a:off x="0" y="0"/>
+          <a:ext cx="0" cy="0"/>
+          <a:chOff x="0" y="0"/>
+          <a:chExt cx="0" cy="0"/>
+        </a:xfrm>
+      </p:grpSpPr>
+      <p:sp useBgFill="1">
+        <p:nvSpPr>
+          <p:cNvPr id="11" name="Rectangle 10">
+            <a:extLst>
+              <a:ext uri="{FF2B5EF4-FFF2-40B4-BE49-F238E27FC236}">
+                <a16:creationId xmlns:a16="http://schemas.microsoft.com/office/drawing/2014/main" id="{BA2C21DF-58BE-2231-11EA-A150283A92CF}"/>
+              </a:ext>
+              <a:ext uri="{C183D7F6-B498-43B3-948B-1728B52AA6E4}">
+                <adec:decorative xmlns:adec="http://schemas.microsoft.com/office/drawing/2017/decorative" val="1"/>
+              </a:ext>
+            </a:extLst>
+          </p:cNvPr>
+          <p:cNvSpPr>
+            <a:spLocks noGrp="1" noRot="1" noChangeAspect="1" noMove="1" noResize="1" noEditPoints="1" noAdjustHandles="1" noChangeArrowheads="1" noChangeShapeType="1" noTextEdit="1"/>
+          </p:cNvSpPr>
+          <p:nvPr>
+            <p:extLst>
+              <p:ext uri="{386F3935-93C4-4BCD-93E2-E3B085C9AB24}">
+                <p16:designElem xmlns:p16="http://schemas.microsoft.com/office/powerpoint/2015/main" val="1"/>
+              </p:ext>
+            </p:extLst>
+          </p:nvPr>
+        </p:nvSpPr>
+        <p:spPr>
+          <a:xfrm>
+            <a:off x="0" y="0"/>
+            <a:ext cx="12192000" cy="6858000"/>
+          </a:xfrm>
+          <a:prstGeom prst="rect">
+            <a:avLst/>
+          </a:prstGeom>
+          <a:ln w="12700" cap="flat" cmpd="sng" algn="ctr">
+            <a:noFill/>
+            <a:prstDash val="solid"/>
+            <a:miter lim="800000"/>
+          </a:ln>
+          <a:effectLst/>
+          <a:extLst>
+            <a:ext uri="{91240B29-F687-4F45-9708-019B960494DF}">
+              <a14:hiddenLine xmlns:a14="http://schemas.microsoft.com/office/drawing/2010/main" w="12700" cap="flat" cmpd="sng" algn="ctr">
+                <a:solidFill>
+                  <a:schemeClr val="accent1">
+                    <a:shade val="50000"/>
+                  </a:schemeClr>
+                </a:solidFill>
+                <a:prstDash val="solid"/>
+                <a:miter lim="800000"/>
+              </a14:hiddenLine>
+            </a:ext>
+          </a:extLst>
+        </p:spPr>
+        <p:style>
+          <a:lnRef idx="2">
+            <a:schemeClr val="accent1">
+              <a:shade val="50000"/>
+            </a:schemeClr>
+          </a:lnRef>
+          <a:fillRef idx="1">
+            <a:schemeClr val="accent1"/>
+          </a:fillRef>
+          <a:effectRef idx="0">
+            <a:schemeClr val="accent1"/>
+          </a:effectRef>
+          <a:fontRef idx="minor">
+            <a:schemeClr val="lt1"/>
+          </a:fontRef>
+        </p:style>
+        <p:txBody>
+          <a:bodyPr rtlCol="0" anchor="ctr"/>
+          <a:lstStyle/>
+          <a:p>
+            <a:pPr algn="ctr"/>
+            <a:endParaRPr lang="en-US"/>
+          </a:p>
+        </p:txBody>
+      </p:sp>
+      <p:sp>
+        <p:nvSpPr>
+          <p:cNvPr id="13" name="Rectangle 12">
+            <a:extLst>
+              <a:ext uri="{FF2B5EF4-FFF2-40B4-BE49-F238E27FC236}">
                 <a16:creationId xmlns:a16="http://schemas.microsoft.com/office/drawing/2014/main" id="{A08665E0-9F26-E149-DFBA-E9706B191CCA}"/>
               </a:ext>
               <a:ext uri="{C183D7F6-B498-43B3-948B-1728B52AA6E4}">
@@ -4347,6 +4669,3399 @@
     <mc:Fallback>
       <p:transition spd="slow">
         <p:split orient="vert"/>
+      </p:transition>
+    </mc:Fallback>
+  </mc:AlternateContent>
+</p:sld>
+</file>
+
+<file path=ppt/slides/slide4.xml><?xml version="1.0" encoding="utf-8"?>
+<p:sld xmlns:a="http://schemas.openxmlformats.org/drawingml/2006/main" xmlns:r="http://schemas.openxmlformats.org/officeDocument/2006/relationships" xmlns:p="http://schemas.openxmlformats.org/presentationml/2006/main">
+  <p:cSld>
+    <p:bg>
+      <p:bgPr>
+        <a:solidFill>
+          <a:schemeClr val="bg1"/>
+        </a:solidFill>
+        <a:effectLst/>
+      </p:bgPr>
+    </p:bg>
+    <p:spTree>
+      <p:nvGrpSpPr>
+        <p:cNvPr id="1" name="">
+          <a:extLst>
+            <a:ext uri="{FF2B5EF4-FFF2-40B4-BE49-F238E27FC236}">
+              <a16:creationId xmlns:a16="http://schemas.microsoft.com/office/drawing/2014/main" id="{11B3FB8E-B8E6-27AD-65DA-5EA18A261082}"/>
+            </a:ext>
+          </a:extLst>
+        </p:cNvPr>
+        <p:cNvGrpSpPr/>
+        <p:nvPr/>
+      </p:nvGrpSpPr>
+      <p:grpSpPr>
+        <a:xfrm>
+          <a:off x="0" y="0"/>
+          <a:ext cx="0" cy="0"/>
+          <a:chOff x="0" y="0"/>
+          <a:chExt cx="0" cy="0"/>
+        </a:xfrm>
+      </p:grpSpPr>
+      <p:sp>
+        <p:nvSpPr>
+          <p:cNvPr id="18" name="Rectangle 17">
+            <a:extLst>
+              <a:ext uri="{FF2B5EF4-FFF2-40B4-BE49-F238E27FC236}">
+                <a16:creationId xmlns:a16="http://schemas.microsoft.com/office/drawing/2014/main" id="{F3060C83-F051-4F0E-ABAD-AA0DFC48B218}"/>
+              </a:ext>
+              <a:ext uri="{C183D7F6-B498-43B3-948B-1728B52AA6E4}">
+                <adec:decorative xmlns:adec="http://schemas.microsoft.com/office/drawing/2017/decorative" val="1"/>
+              </a:ext>
+            </a:extLst>
+          </p:cNvPr>
+          <p:cNvSpPr>
+            <a:spLocks noGrp="1" noRot="1" noChangeAspect="1" noMove="1" noResize="1" noEditPoints="1" noAdjustHandles="1" noChangeArrowheads="1" noChangeShapeType="1" noTextEdit="1"/>
+          </p:cNvSpPr>
+          <p:nvPr>
+            <p:extLst>
+              <p:ext uri="{386F3935-93C4-4BCD-93E2-E3B085C9AB24}">
+                <p16:designElem xmlns:p16="http://schemas.microsoft.com/office/powerpoint/2015/main" val="1"/>
+              </p:ext>
+            </p:extLst>
+          </p:nvPr>
+        </p:nvSpPr>
+        <p:spPr>
+          <a:xfrm>
+            <a:off x="0" y="0"/>
+            <a:ext cx="12192000" cy="6858000"/>
+          </a:xfrm>
+          <a:prstGeom prst="rect">
+            <a:avLst/>
+          </a:prstGeom>
+          <a:solidFill>
+            <a:schemeClr val="bg1"/>
+          </a:solidFill>
+          <a:ln>
+            <a:noFill/>
+          </a:ln>
+        </p:spPr>
+        <p:style>
+          <a:lnRef idx="2">
+            <a:schemeClr val="accent1">
+              <a:shade val="50000"/>
+            </a:schemeClr>
+          </a:lnRef>
+          <a:fillRef idx="1">
+            <a:schemeClr val="accent1"/>
+          </a:fillRef>
+          <a:effectRef idx="0">
+            <a:schemeClr val="accent1"/>
+          </a:effectRef>
+          <a:fontRef idx="minor">
+            <a:schemeClr val="lt1"/>
+          </a:fontRef>
+        </p:style>
+        <p:txBody>
+          <a:bodyPr rtlCol="0" anchor="ctr"/>
+          <a:lstStyle/>
+          <a:p>
+            <a:pPr algn="ctr"/>
+            <a:endParaRPr lang="en-US" dirty="0"/>
+          </a:p>
+        </p:txBody>
+      </p:sp>
+      <p:sp>
+        <p:nvSpPr>
+          <p:cNvPr id="20" name="Freeform: Shape 19">
+            <a:extLst>
+              <a:ext uri="{FF2B5EF4-FFF2-40B4-BE49-F238E27FC236}">
+                <a16:creationId xmlns:a16="http://schemas.microsoft.com/office/drawing/2014/main" id="{83C98ABE-055B-441F-B07E-44F97F083C39}"/>
+              </a:ext>
+              <a:ext uri="{C183D7F6-B498-43B3-948B-1728B52AA6E4}">
+                <adec:decorative xmlns:adec="http://schemas.microsoft.com/office/drawing/2017/decorative" val="1"/>
+              </a:ext>
+            </a:extLst>
+          </p:cNvPr>
+          <p:cNvSpPr>
+            <a:spLocks noGrp="1" noRot="1" noChangeAspect="1" noMove="1" noResize="1" noEditPoints="1" noAdjustHandles="1" noChangeArrowheads="1" noChangeShapeType="1" noTextEdit="1"/>
+          </p:cNvSpPr>
+          <p:nvPr>
+            <p:extLst>
+              <p:ext uri="{386F3935-93C4-4BCD-93E2-E3B085C9AB24}">
+                <p16:designElem xmlns:p16="http://schemas.microsoft.com/office/powerpoint/2015/main" val="1"/>
+              </p:ext>
+            </p:extLst>
+          </p:nvPr>
+        </p:nvSpPr>
+        <p:spPr>
+          <a:xfrm rot="18900000" flipH="1">
+            <a:off x="-376156" y="-253670"/>
+            <a:ext cx="1827638" cy="1376989"/>
+          </a:xfrm>
+          <a:custGeom>
+            <a:avLst/>
+            <a:gdLst>
+              <a:gd name="connsiteX0" fmla="*/ 0 w 1827638"/>
+              <a:gd name="connsiteY0" fmla="*/ 987379 h 1376989"/>
+              <a:gd name="connsiteX1" fmla="*/ 987379 w 1827638"/>
+              <a:gd name="connsiteY1" fmla="*/ 0 h 1376989"/>
+              <a:gd name="connsiteX2" fmla="*/ 1827638 w 1827638"/>
+              <a:gd name="connsiteY2" fmla="*/ 840260 h 1376989"/>
+              <a:gd name="connsiteX3" fmla="*/ 1827638 w 1827638"/>
+              <a:gd name="connsiteY3" fmla="*/ 1376989 h 1376989"/>
+              <a:gd name="connsiteX4" fmla="*/ 0 w 1827638"/>
+              <a:gd name="connsiteY4" fmla="*/ 1376989 h 1376989"/>
+            </a:gdLst>
+            <a:ahLst/>
+            <a:cxnLst>
+              <a:cxn ang="0">
+                <a:pos x="connsiteX0" y="connsiteY0"/>
+              </a:cxn>
+              <a:cxn ang="0">
+                <a:pos x="connsiteX1" y="connsiteY1"/>
+              </a:cxn>
+              <a:cxn ang="0">
+                <a:pos x="connsiteX2" y="connsiteY2"/>
+              </a:cxn>
+              <a:cxn ang="0">
+                <a:pos x="connsiteX3" y="connsiteY3"/>
+              </a:cxn>
+              <a:cxn ang="0">
+                <a:pos x="connsiteX4" y="connsiteY4"/>
+              </a:cxn>
+            </a:cxnLst>
+            <a:rect l="l" t="t" r="r" b="b"/>
+            <a:pathLst>
+              <a:path w="1827638" h="1376989">
+                <a:moveTo>
+                  <a:pt x="0" y="987379"/>
+                </a:moveTo>
+                <a:lnTo>
+                  <a:pt x="987379" y="0"/>
+                </a:lnTo>
+                <a:lnTo>
+                  <a:pt x="1827638" y="840260"/>
+                </a:lnTo>
+                <a:lnTo>
+                  <a:pt x="1827638" y="1376989"/>
+                </a:lnTo>
+                <a:lnTo>
+                  <a:pt x="0" y="1376989"/>
+                </a:lnTo>
+                <a:close/>
+              </a:path>
+            </a:pathLst>
+          </a:custGeom>
+          <a:solidFill>
+            <a:schemeClr val="accent1">
+              <a:alpha val="30000"/>
+            </a:schemeClr>
+          </a:solidFill>
+          <a:ln>
+            <a:noFill/>
+          </a:ln>
+        </p:spPr>
+        <p:style>
+          <a:lnRef idx="2">
+            <a:schemeClr val="accent1">
+              <a:shade val="50000"/>
+            </a:schemeClr>
+          </a:lnRef>
+          <a:fillRef idx="1">
+            <a:schemeClr val="accent1"/>
+          </a:fillRef>
+          <a:effectRef idx="0">
+            <a:schemeClr val="accent1"/>
+          </a:effectRef>
+          <a:fontRef idx="minor">
+            <a:schemeClr val="lt1"/>
+          </a:fontRef>
+        </p:style>
+        <p:txBody>
+          <a:bodyPr rtlCol="0" anchor="ctr"/>
+          <a:lstStyle/>
+          <a:p>
+            <a:pPr algn="ctr"/>
+            <a:endParaRPr lang="en-US" dirty="0"/>
+          </a:p>
+        </p:txBody>
+      </p:sp>
+      <p:sp>
+        <p:nvSpPr>
+          <p:cNvPr id="22" name="Rectangle 21">
+            <a:extLst>
+              <a:ext uri="{FF2B5EF4-FFF2-40B4-BE49-F238E27FC236}">
+                <a16:creationId xmlns:a16="http://schemas.microsoft.com/office/drawing/2014/main" id="{29FDB030-9B49-4CED-8CCD-4D99382388AC}"/>
+              </a:ext>
+              <a:ext uri="{C183D7F6-B498-43B3-948B-1728B52AA6E4}">
+                <adec:decorative xmlns:adec="http://schemas.microsoft.com/office/drawing/2017/decorative" val="1"/>
+              </a:ext>
+            </a:extLst>
+          </p:cNvPr>
+          <p:cNvSpPr>
+            <a:spLocks noGrp="1" noRot="1" noChangeAspect="1" noMove="1" noResize="1" noEditPoints="1" noAdjustHandles="1" noChangeArrowheads="1" noChangeShapeType="1" noTextEdit="1"/>
+          </p:cNvSpPr>
+          <p:nvPr>
+            <p:extLst>
+              <p:ext uri="{386F3935-93C4-4BCD-93E2-E3B085C9AB24}">
+                <p16:designElem xmlns:p16="http://schemas.microsoft.com/office/powerpoint/2015/main" val="1"/>
+              </p:ext>
+            </p:extLst>
+          </p:nvPr>
+        </p:nvSpPr>
+        <p:spPr>
+          <a:xfrm rot="18900000" flipH="1">
+            <a:off x="891641" y="422146"/>
+            <a:ext cx="645368" cy="645368"/>
+          </a:xfrm>
+          <a:prstGeom prst="rect">
+            <a:avLst/>
+          </a:prstGeom>
+          <a:solidFill>
+            <a:schemeClr val="accent1">
+              <a:alpha val="30000"/>
+            </a:schemeClr>
+          </a:solidFill>
+          <a:ln>
+            <a:noFill/>
+          </a:ln>
+        </p:spPr>
+        <p:style>
+          <a:lnRef idx="2">
+            <a:schemeClr val="accent1">
+              <a:shade val="50000"/>
+            </a:schemeClr>
+          </a:lnRef>
+          <a:fillRef idx="1">
+            <a:schemeClr val="accent1"/>
+          </a:fillRef>
+          <a:effectRef idx="0">
+            <a:schemeClr val="accent1"/>
+          </a:effectRef>
+          <a:fontRef idx="minor">
+            <a:schemeClr val="lt1"/>
+          </a:fontRef>
+        </p:style>
+        <p:txBody>
+          <a:bodyPr rtlCol="0" anchor="ctr"/>
+          <a:lstStyle/>
+          <a:p>
+            <a:pPr algn="ctr"/>
+            <a:endParaRPr lang="en-US"/>
+          </a:p>
+        </p:txBody>
+      </p:sp>
+      <p:sp>
+        <p:nvSpPr>
+          <p:cNvPr id="24" name="Rectangle 23">
+            <a:extLst>
+              <a:ext uri="{FF2B5EF4-FFF2-40B4-BE49-F238E27FC236}">
+                <a16:creationId xmlns:a16="http://schemas.microsoft.com/office/drawing/2014/main" id="{3783CA14-24A1-485C-8B30-D6A5D87987AD}"/>
+              </a:ext>
+              <a:ext uri="{C183D7F6-B498-43B3-948B-1728B52AA6E4}">
+                <adec:decorative xmlns:adec="http://schemas.microsoft.com/office/drawing/2017/decorative" val="1"/>
+              </a:ext>
+            </a:extLst>
+          </p:cNvPr>
+          <p:cNvSpPr>
+            <a:spLocks noGrp="1" noRot="1" noChangeAspect="1" noMove="1" noResize="1" noEditPoints="1" noAdjustHandles="1" noChangeArrowheads="1" noChangeShapeType="1" noTextEdit="1"/>
+          </p:cNvSpPr>
+          <p:nvPr>
+            <p:extLst>
+              <p:ext uri="{386F3935-93C4-4BCD-93E2-E3B085C9AB24}">
+                <p16:designElem xmlns:p16="http://schemas.microsoft.com/office/powerpoint/2015/main" val="1"/>
+              </p:ext>
+            </p:extLst>
+          </p:nvPr>
+        </p:nvSpPr>
+        <p:spPr>
+          <a:xfrm rot="18900000" flipH="1">
+            <a:off x="10043482" y="655140"/>
+            <a:ext cx="687472" cy="687472"/>
+          </a:xfrm>
+          <a:prstGeom prst="rect">
+            <a:avLst/>
+          </a:prstGeom>
+          <a:solidFill>
+            <a:schemeClr val="accent4">
+              <a:alpha val="30000"/>
+            </a:schemeClr>
+          </a:solidFill>
+          <a:ln>
+            <a:noFill/>
+          </a:ln>
+        </p:spPr>
+        <p:style>
+          <a:lnRef idx="2">
+            <a:schemeClr val="accent1">
+              <a:shade val="50000"/>
+            </a:schemeClr>
+          </a:lnRef>
+          <a:fillRef idx="1">
+            <a:schemeClr val="accent1"/>
+          </a:fillRef>
+          <a:effectRef idx="0">
+            <a:schemeClr val="accent1"/>
+          </a:effectRef>
+          <a:fontRef idx="minor">
+            <a:schemeClr val="lt1"/>
+          </a:fontRef>
+        </p:style>
+        <p:txBody>
+          <a:bodyPr rtlCol="0" anchor="ctr"/>
+          <a:lstStyle/>
+          <a:p>
+            <a:pPr algn="ctr"/>
+            <a:endParaRPr lang="en-US"/>
+          </a:p>
+        </p:txBody>
+      </p:sp>
+      <p:sp>
+        <p:nvSpPr>
+          <p:cNvPr id="26" name="Freeform: Shape 25">
+            <a:extLst>
+              <a:ext uri="{FF2B5EF4-FFF2-40B4-BE49-F238E27FC236}">
+                <a16:creationId xmlns:a16="http://schemas.microsoft.com/office/drawing/2014/main" id="{9A97C86A-04D6-40F7-AE84-31AB43E6A846}"/>
+              </a:ext>
+              <a:ext uri="{C183D7F6-B498-43B3-948B-1728B52AA6E4}">
+                <adec:decorative xmlns:adec="http://schemas.microsoft.com/office/drawing/2017/decorative" val="1"/>
+              </a:ext>
+            </a:extLst>
+          </p:cNvPr>
+          <p:cNvSpPr>
+            <a:spLocks noGrp="1" noRot="1" noChangeAspect="1" noMove="1" noResize="1" noEditPoints="1" noAdjustHandles="1" noChangeArrowheads="1" noChangeShapeType="1" noTextEdit="1"/>
+          </p:cNvSpPr>
+          <p:nvPr>
+            <p:extLst>
+              <p:ext uri="{386F3935-93C4-4BCD-93E2-E3B085C9AB24}">
+                <p16:designElem xmlns:p16="http://schemas.microsoft.com/office/powerpoint/2015/main" val="1"/>
+              </p:ext>
+            </p:extLst>
+          </p:nvPr>
+        </p:nvSpPr>
+        <p:spPr>
+          <a:xfrm rot="10800000" flipH="1">
+            <a:off x="9356643" y="0"/>
+            <a:ext cx="2835357" cy="1480837"/>
+          </a:xfrm>
+          <a:custGeom>
+            <a:avLst/>
+            <a:gdLst>
+              <a:gd name="connsiteX0" fmla="*/ 2835357 w 2835357"/>
+              <a:gd name="connsiteY0" fmla="*/ 1480837 h 1480837"/>
+              <a:gd name="connsiteX1" fmla="*/ 0 w 2835357"/>
+              <a:gd name="connsiteY1" fmla="*/ 1480837 h 1480837"/>
+              <a:gd name="connsiteX2" fmla="*/ 1552727 w 2835357"/>
+              <a:gd name="connsiteY2" fmla="*/ 0 h 1480837"/>
+              <a:gd name="connsiteX3" fmla="*/ 2835357 w 2835357"/>
+              <a:gd name="connsiteY3" fmla="*/ 1223245 h 1480837"/>
+            </a:gdLst>
+            <a:ahLst/>
+            <a:cxnLst>
+              <a:cxn ang="0">
+                <a:pos x="connsiteX0" y="connsiteY0"/>
+              </a:cxn>
+              <a:cxn ang="0">
+                <a:pos x="connsiteX1" y="connsiteY1"/>
+              </a:cxn>
+              <a:cxn ang="0">
+                <a:pos x="connsiteX2" y="connsiteY2"/>
+              </a:cxn>
+              <a:cxn ang="0">
+                <a:pos x="connsiteX3" y="connsiteY3"/>
+              </a:cxn>
+            </a:cxnLst>
+            <a:rect l="l" t="t" r="r" b="b"/>
+            <a:pathLst>
+              <a:path w="2835357" h="1480837">
+                <a:moveTo>
+                  <a:pt x="2835357" y="1480837"/>
+                </a:moveTo>
+                <a:lnTo>
+                  <a:pt x="0" y="1480837"/>
+                </a:lnTo>
+                <a:lnTo>
+                  <a:pt x="1552727" y="0"/>
+                </a:lnTo>
+                <a:lnTo>
+                  <a:pt x="2835357" y="1223245"/>
+                </a:lnTo>
+                <a:close/>
+              </a:path>
+            </a:pathLst>
+          </a:custGeom>
+          <a:solidFill>
+            <a:schemeClr val="accent4">
+              <a:alpha val="30000"/>
+            </a:schemeClr>
+          </a:solidFill>
+          <a:ln>
+            <a:noFill/>
+          </a:ln>
+        </p:spPr>
+        <p:style>
+          <a:lnRef idx="2">
+            <a:schemeClr val="accent1">
+              <a:shade val="50000"/>
+            </a:schemeClr>
+          </a:lnRef>
+          <a:fillRef idx="1">
+            <a:schemeClr val="accent1"/>
+          </a:fillRef>
+          <a:effectRef idx="0">
+            <a:schemeClr val="accent1"/>
+          </a:effectRef>
+          <a:fontRef idx="minor">
+            <a:schemeClr val="lt1"/>
+          </a:fontRef>
+        </p:style>
+        <p:txBody>
+          <a:bodyPr wrap="square" rtlCol="0" anchor="ctr">
+            <a:noAutofit/>
+          </a:bodyPr>
+          <a:lstStyle/>
+          <a:p>
+            <a:pPr algn="ctr"/>
+            <a:endParaRPr lang="en-US" dirty="0"/>
+          </a:p>
+        </p:txBody>
+      </p:sp>
+      <p:sp>
+        <p:nvSpPr>
+          <p:cNvPr id="28" name="Isosceles Triangle 27">
+            <a:extLst>
+              <a:ext uri="{FF2B5EF4-FFF2-40B4-BE49-F238E27FC236}">
+                <a16:creationId xmlns:a16="http://schemas.microsoft.com/office/drawing/2014/main" id="{FF9F2414-84E8-453E-B1F3-389FDE8192D9}"/>
+              </a:ext>
+              <a:ext uri="{C183D7F6-B498-43B3-948B-1728B52AA6E4}">
+                <adec:decorative xmlns:adec="http://schemas.microsoft.com/office/drawing/2017/decorative" val="1"/>
+              </a:ext>
+            </a:extLst>
+          </p:cNvPr>
+          <p:cNvSpPr>
+            <a:spLocks noGrp="1" noRot="1" noChangeAspect="1" noMove="1" noResize="1" noEditPoints="1" noAdjustHandles="1" noChangeArrowheads="1" noChangeShapeType="1" noTextEdit="1"/>
+          </p:cNvSpPr>
+          <p:nvPr>
+            <p:extLst>
+              <p:ext uri="{386F3935-93C4-4BCD-93E2-E3B085C9AB24}">
+                <p16:designElem xmlns:p16="http://schemas.microsoft.com/office/powerpoint/2015/main" val="1"/>
+              </p:ext>
+            </p:extLst>
+          </p:nvPr>
+        </p:nvSpPr>
+        <p:spPr>
+          <a:xfrm flipH="1">
+            <a:off x="7976344" y="6115501"/>
+            <a:ext cx="1494513" cy="742499"/>
+          </a:xfrm>
+          <a:prstGeom prst="triangle">
+            <a:avLst/>
+          </a:prstGeom>
+          <a:solidFill>
+            <a:schemeClr val="accent1">
+              <a:alpha val="30000"/>
+            </a:schemeClr>
+          </a:solidFill>
+          <a:ln>
+            <a:noFill/>
+          </a:ln>
+        </p:spPr>
+        <p:style>
+          <a:lnRef idx="2">
+            <a:schemeClr val="accent1">
+              <a:shade val="50000"/>
+            </a:schemeClr>
+          </a:lnRef>
+          <a:fillRef idx="1">
+            <a:schemeClr val="accent1"/>
+          </a:fillRef>
+          <a:effectRef idx="0">
+            <a:schemeClr val="accent1"/>
+          </a:effectRef>
+          <a:fontRef idx="minor">
+            <a:schemeClr val="lt1"/>
+          </a:fontRef>
+        </p:style>
+        <p:txBody>
+          <a:bodyPr rtlCol="0" anchor="ctr"/>
+          <a:lstStyle/>
+          <a:p>
+            <a:pPr algn="ctr"/>
+            <a:endParaRPr lang="en-US"/>
+          </a:p>
+        </p:txBody>
+      </p:sp>
+      <p:pic>
+        <p:nvPicPr>
+          <p:cNvPr id="5" name="Picture 4" descr="A screenshot of a phone&#10;&#10;AI-generated content may be incorrect.">
+            <a:extLst>
+              <a:ext uri="{FF2B5EF4-FFF2-40B4-BE49-F238E27FC236}">
+                <a16:creationId xmlns:a16="http://schemas.microsoft.com/office/drawing/2014/main" id="{7F5EDD95-EF0C-B851-0351-2D22D3B8C703}"/>
+              </a:ext>
+            </a:extLst>
+          </p:cNvPr>
+          <p:cNvPicPr>
+            <a:picLocks noChangeAspect="1"/>
+          </p:cNvPicPr>
+          <p:nvPr/>
+        </p:nvPicPr>
+        <p:blipFill>
+          <a:blip r:embed="rId2"/>
+          <a:stretch>
+            <a:fillRect/>
+          </a:stretch>
+        </p:blipFill>
+        <p:spPr>
+          <a:xfrm>
+            <a:off x="4717162" y="643467"/>
+            <a:ext cx="2757676" cy="5571065"/>
+          </a:xfrm>
+          <a:prstGeom prst="rect">
+            <a:avLst/>
+          </a:prstGeom>
+          <a:ln>
+            <a:noFill/>
+          </a:ln>
+        </p:spPr>
+      </p:pic>
+      <p:sp>
+        <p:nvSpPr>
+          <p:cNvPr id="30" name="Isosceles Triangle 29">
+            <a:extLst>
+              <a:ext uri="{FF2B5EF4-FFF2-40B4-BE49-F238E27FC236}">
+                <a16:creationId xmlns:a16="http://schemas.microsoft.com/office/drawing/2014/main" id="{3ECA69A1-7536-43AC-85EF-C7106179F5ED}"/>
+              </a:ext>
+              <a:ext uri="{C183D7F6-B498-43B3-948B-1728B52AA6E4}">
+                <adec:decorative xmlns:adec="http://schemas.microsoft.com/office/drawing/2017/decorative" val="1"/>
+              </a:ext>
+            </a:extLst>
+          </p:cNvPr>
+          <p:cNvSpPr>
+            <a:spLocks noGrp="1" noRot="1" noChangeAspect="1" noMove="1" noResize="1" noEditPoints="1" noAdjustHandles="1" noChangeArrowheads="1" noChangeShapeType="1" noTextEdit="1"/>
+          </p:cNvSpPr>
+          <p:nvPr>
+            <p:extLst>
+              <p:ext uri="{386F3935-93C4-4BCD-93E2-E3B085C9AB24}">
+                <p16:designElem xmlns:p16="http://schemas.microsoft.com/office/powerpoint/2015/main" val="1"/>
+              </p:ext>
+            </p:extLst>
+          </p:nvPr>
+        </p:nvSpPr>
+        <p:spPr>
+          <a:xfrm flipH="1">
+            <a:off x="7604080" y="6453143"/>
+            <a:ext cx="814903" cy="404857"/>
+          </a:xfrm>
+          <a:prstGeom prst="triangle">
+            <a:avLst/>
+          </a:prstGeom>
+          <a:solidFill>
+            <a:schemeClr val="accent1">
+              <a:alpha val="30000"/>
+            </a:schemeClr>
+          </a:solidFill>
+          <a:ln>
+            <a:noFill/>
+          </a:ln>
+        </p:spPr>
+        <p:style>
+          <a:lnRef idx="2">
+            <a:schemeClr val="accent1">
+              <a:shade val="50000"/>
+            </a:schemeClr>
+          </a:lnRef>
+          <a:fillRef idx="1">
+            <a:schemeClr val="accent1"/>
+          </a:fillRef>
+          <a:effectRef idx="0">
+            <a:schemeClr val="accent1"/>
+          </a:effectRef>
+          <a:fontRef idx="minor">
+            <a:schemeClr val="lt1"/>
+          </a:fontRef>
+        </p:style>
+        <p:txBody>
+          <a:bodyPr rtlCol="0" anchor="ctr"/>
+          <a:lstStyle/>
+          <a:p>
+            <a:pPr algn="ctr"/>
+            <a:endParaRPr lang="en-US"/>
+          </a:p>
+        </p:txBody>
+      </p:sp>
+    </p:spTree>
+    <p:extLst>
+      <p:ext uri="{BB962C8B-B14F-4D97-AF65-F5344CB8AC3E}">
+        <p14:creationId xmlns:p14="http://schemas.microsoft.com/office/powerpoint/2010/main" val="2083936505"/>
+      </p:ext>
+    </p:extLst>
+  </p:cSld>
+  <p:clrMapOvr>
+    <a:masterClrMapping/>
+  </p:clrMapOvr>
+  <mc:AlternateContent xmlns:mc="http://schemas.openxmlformats.org/markup-compatibility/2006">
+    <mc:Choice xmlns:p159="http://schemas.microsoft.com/office/powerpoint/2015/09/main" Requires="p159">
+      <p:transition xmlns:p14="http://schemas.microsoft.com/office/powerpoint/2010/main" spd="slow" p14:dur="2000">
+        <p159:morph option="byObject"/>
+      </p:transition>
+    </mc:Choice>
+    <mc:Fallback>
+      <p:transition spd="slow">
+        <p:fade/>
+      </p:transition>
+    </mc:Fallback>
+  </mc:AlternateContent>
+</p:sld>
+</file>
+
+<file path=ppt/slides/slide5.xml><?xml version="1.0" encoding="utf-8"?>
+<p:sld xmlns:a="http://schemas.openxmlformats.org/drawingml/2006/main" xmlns:r="http://schemas.openxmlformats.org/officeDocument/2006/relationships" xmlns:p="http://schemas.openxmlformats.org/presentationml/2006/main">
+  <p:cSld>
+    <p:bg>
+      <p:bgPr>
+        <a:solidFill>
+          <a:schemeClr val="bg1"/>
+        </a:solidFill>
+        <a:effectLst/>
+      </p:bgPr>
+    </p:bg>
+    <p:spTree>
+      <p:nvGrpSpPr>
+        <p:cNvPr id="1" name="">
+          <a:extLst>
+            <a:ext uri="{FF2B5EF4-FFF2-40B4-BE49-F238E27FC236}">
+              <a16:creationId xmlns:a16="http://schemas.microsoft.com/office/drawing/2014/main" id="{A7A3D6BE-1E78-2850-9A8D-4C8B2EE5D008}"/>
+            </a:ext>
+          </a:extLst>
+        </p:cNvPr>
+        <p:cNvGrpSpPr/>
+        <p:nvPr/>
+      </p:nvGrpSpPr>
+      <p:grpSpPr>
+        <a:xfrm>
+          <a:off x="0" y="0"/>
+          <a:ext cx="0" cy="0"/>
+          <a:chOff x="0" y="0"/>
+          <a:chExt cx="0" cy="0"/>
+        </a:xfrm>
+      </p:grpSpPr>
+      <p:sp>
+        <p:nvSpPr>
+          <p:cNvPr id="35" name="Rectangle 34">
+            <a:extLst>
+              <a:ext uri="{FF2B5EF4-FFF2-40B4-BE49-F238E27FC236}">
+                <a16:creationId xmlns:a16="http://schemas.microsoft.com/office/drawing/2014/main" id="{86FF76B9-219D-4469-AF87-0236D29032F1}"/>
+              </a:ext>
+              <a:ext uri="{C183D7F6-B498-43B3-948B-1728B52AA6E4}">
+                <adec:decorative xmlns:adec="http://schemas.microsoft.com/office/drawing/2017/decorative" val="1"/>
+              </a:ext>
+            </a:extLst>
+          </p:cNvPr>
+          <p:cNvSpPr>
+            <a:spLocks noGrp="1" noRot="1" noChangeAspect="1" noMove="1" noResize="1" noEditPoints="1" noAdjustHandles="1" noChangeArrowheads="1" noChangeShapeType="1" noTextEdit="1"/>
+          </p:cNvSpPr>
+          <p:nvPr>
+            <p:extLst>
+              <p:ext uri="{386F3935-93C4-4BCD-93E2-E3B085C9AB24}">
+                <p16:designElem xmlns:p16="http://schemas.microsoft.com/office/powerpoint/2015/main" val="1"/>
+              </p:ext>
+            </p:extLst>
+          </p:nvPr>
+        </p:nvSpPr>
+        <p:spPr>
+          <a:xfrm>
+            <a:off x="0" y="0"/>
+            <a:ext cx="12192000" cy="6858000"/>
+          </a:xfrm>
+          <a:prstGeom prst="rect">
+            <a:avLst/>
+          </a:prstGeom>
+          <a:solidFill>
+            <a:schemeClr val="bg1"/>
+          </a:solidFill>
+          <a:ln>
+            <a:noFill/>
+          </a:ln>
+        </p:spPr>
+        <p:style>
+          <a:lnRef idx="2">
+            <a:schemeClr val="accent1">
+              <a:shade val="50000"/>
+            </a:schemeClr>
+          </a:lnRef>
+          <a:fillRef idx="1">
+            <a:schemeClr val="accent1"/>
+          </a:fillRef>
+          <a:effectRef idx="0">
+            <a:schemeClr val="accent1"/>
+          </a:effectRef>
+          <a:fontRef idx="minor">
+            <a:schemeClr val="lt1"/>
+          </a:fontRef>
+        </p:style>
+        <p:txBody>
+          <a:bodyPr rtlCol="0" anchor="ctr"/>
+          <a:lstStyle/>
+          <a:p>
+            <a:pPr algn="ctr"/>
+            <a:endParaRPr lang="en-US" dirty="0"/>
+          </a:p>
+        </p:txBody>
+      </p:sp>
+      <p:grpSp>
+        <p:nvGrpSpPr>
+          <p:cNvPr id="37" name="Group 36">
+            <a:extLst>
+              <a:ext uri="{FF2B5EF4-FFF2-40B4-BE49-F238E27FC236}">
+                <a16:creationId xmlns:a16="http://schemas.microsoft.com/office/drawing/2014/main" id="{DB88BD78-87E1-424D-B479-C37D8E41B12E}"/>
+              </a:ext>
+              <a:ext uri="{C183D7F6-B498-43B3-948B-1728B52AA6E4}">
+                <adec:decorative xmlns:adec="http://schemas.microsoft.com/office/drawing/2017/decorative" val="1"/>
+              </a:ext>
+            </a:extLst>
+          </p:cNvPr>
+          <p:cNvGrpSpPr>
+            <a:grpSpLocks noGrp="1" noUngrp="1" noRot="1" noChangeAspect="1" noMove="1" noResize="1"/>
+          </p:cNvGrpSpPr>
+          <p:nvPr>
+            <p:extLst>
+              <p:ext uri="{386F3935-93C4-4BCD-93E2-E3B085C9AB24}">
+                <p16:designElem xmlns:p16="http://schemas.microsoft.com/office/powerpoint/2015/main" val="1"/>
+              </p:ext>
+            </p:extLst>
+          </p:nvPr>
+        </p:nvGrpSpPr>
+        <p:grpSpPr>
+          <a:xfrm flipH="1">
+            <a:off x="10964637" y="2358"/>
+            <a:ext cx="1876653" cy="1766008"/>
+            <a:chOff x="-648769" y="2358"/>
+            <a:chExt cx="1876653" cy="1766008"/>
+          </a:xfrm>
+        </p:grpSpPr>
+        <p:sp>
+          <p:nvSpPr>
+            <p:cNvPr id="38" name="Freeform: Shape 37">
+              <a:extLst>
+                <a:ext uri="{FF2B5EF4-FFF2-40B4-BE49-F238E27FC236}">
+                  <a16:creationId xmlns:a16="http://schemas.microsoft.com/office/drawing/2014/main" id="{C05EB894-9410-4B20-95E4-7A25101AB895}"/>
+                </a:ext>
+                <a:ext uri="{C183D7F6-B498-43B3-948B-1728B52AA6E4}">
+                  <adec:decorative xmlns:adec="http://schemas.microsoft.com/office/drawing/2017/decorative" val="1"/>
+                </a:ext>
+              </a:extLst>
+            </p:cNvPr>
+            <p:cNvSpPr/>
+            <p:nvPr>
+              <p:extLst>
+                <p:ext uri="{386F3935-93C4-4BCD-93E2-E3B085C9AB24}">
+                  <p16:designElem xmlns:p16="http://schemas.microsoft.com/office/powerpoint/2015/main" val="1"/>
+                </p:ext>
+              </p:extLst>
+            </p:nvPr>
+          </p:nvSpPr>
+          <p:spPr>
+            <a:xfrm rot="2700000">
+              <a:off x="-415188" y="-231223"/>
+              <a:ext cx="1409491" cy="1876653"/>
+            </a:xfrm>
+            <a:custGeom>
+              <a:avLst/>
+              <a:gdLst>
+                <a:gd name="connsiteX0" fmla="*/ 0 w 1409491"/>
+                <a:gd name="connsiteY0" fmla="*/ 643075 h 1876653"/>
+                <a:gd name="connsiteX1" fmla="*/ 643075 w 1409491"/>
+                <a:gd name="connsiteY1" fmla="*/ 0 h 1876653"/>
+                <a:gd name="connsiteX2" fmla="*/ 1409491 w 1409491"/>
+                <a:gd name="connsiteY2" fmla="*/ 0 h 1876653"/>
+                <a:gd name="connsiteX3" fmla="*/ 1409491 w 1409491"/>
+                <a:gd name="connsiteY3" fmla="*/ 1876653 h 1876653"/>
+                <a:gd name="connsiteX4" fmla="*/ 1233578 w 1409491"/>
+                <a:gd name="connsiteY4" fmla="*/ 1876653 h 1876653"/>
+              </a:gdLst>
+              <a:ahLst/>
+              <a:cxnLst>
+                <a:cxn ang="0">
+                  <a:pos x="connsiteX0" y="connsiteY0"/>
+                </a:cxn>
+                <a:cxn ang="0">
+                  <a:pos x="connsiteX1" y="connsiteY1"/>
+                </a:cxn>
+                <a:cxn ang="0">
+                  <a:pos x="connsiteX2" y="connsiteY2"/>
+                </a:cxn>
+                <a:cxn ang="0">
+                  <a:pos x="connsiteX3" y="connsiteY3"/>
+                </a:cxn>
+                <a:cxn ang="0">
+                  <a:pos x="connsiteX4" y="connsiteY4"/>
+                </a:cxn>
+              </a:cxnLst>
+              <a:rect l="l" t="t" r="r" b="b"/>
+              <a:pathLst>
+                <a:path w="1409491" h="1876653">
+                  <a:moveTo>
+                    <a:pt x="0" y="643075"/>
+                  </a:moveTo>
+                  <a:lnTo>
+                    <a:pt x="643075" y="0"/>
+                  </a:lnTo>
+                  <a:lnTo>
+                    <a:pt x="1409491" y="0"/>
+                  </a:lnTo>
+                  <a:lnTo>
+                    <a:pt x="1409491" y="1876653"/>
+                  </a:lnTo>
+                  <a:lnTo>
+                    <a:pt x="1233578" y="1876653"/>
+                  </a:lnTo>
+                  <a:close/>
+                </a:path>
+              </a:pathLst>
+            </a:custGeom>
+            <a:solidFill>
+              <a:schemeClr val="accent1">
+                <a:alpha val="30000"/>
+              </a:schemeClr>
+            </a:solidFill>
+            <a:ln>
+              <a:noFill/>
+            </a:ln>
+          </p:spPr>
+          <p:style>
+            <a:lnRef idx="2">
+              <a:schemeClr val="accent1">
+                <a:shade val="50000"/>
+              </a:schemeClr>
+            </a:lnRef>
+            <a:fillRef idx="1">
+              <a:schemeClr val="accent1"/>
+            </a:fillRef>
+            <a:effectRef idx="0">
+              <a:schemeClr val="accent1"/>
+            </a:effectRef>
+            <a:fontRef idx="minor">
+              <a:schemeClr val="lt1"/>
+            </a:fontRef>
+          </p:style>
+          <p:txBody>
+            <a:bodyPr rtlCol="0" anchor="ctr"/>
+            <a:lstStyle/>
+            <a:p>
+              <a:pPr algn="ctr"/>
+              <a:endParaRPr lang="en-US"/>
+            </a:p>
+          </p:txBody>
+        </p:sp>
+        <p:sp>
+          <p:nvSpPr>
+            <p:cNvPr id="39" name="Rectangle 38">
+              <a:extLst>
+                <a:ext uri="{FF2B5EF4-FFF2-40B4-BE49-F238E27FC236}">
+                  <a16:creationId xmlns:a16="http://schemas.microsoft.com/office/drawing/2014/main" id="{166E38B6-B050-4340-8E8F-3A971DADC031}"/>
+                </a:ext>
+                <a:ext uri="{C183D7F6-B498-43B3-948B-1728B52AA6E4}">
+                  <adec:decorative xmlns:adec="http://schemas.microsoft.com/office/drawing/2017/decorative" val="1"/>
+                </a:ext>
+              </a:extLst>
+            </p:cNvPr>
+            <p:cNvSpPr/>
+            <p:nvPr>
+              <p:extLst>
+                <p:ext uri="{386F3935-93C4-4BCD-93E2-E3B085C9AB24}">
+                  <p16:designElem xmlns:p16="http://schemas.microsoft.com/office/powerpoint/2015/main" val="1"/>
+                </p:ext>
+              </p:extLst>
+            </p:nvPr>
+          </p:nvSpPr>
+          <p:spPr>
+            <a:xfrm rot="2700000">
+              <a:off x="301285" y="1282788"/>
+              <a:ext cx="485578" cy="485578"/>
+            </a:xfrm>
+            <a:prstGeom prst="rect">
+              <a:avLst/>
+            </a:prstGeom>
+            <a:solidFill>
+              <a:schemeClr val="accent1">
+                <a:alpha val="30000"/>
+              </a:schemeClr>
+            </a:solidFill>
+            <a:ln>
+              <a:noFill/>
+            </a:ln>
+          </p:spPr>
+          <p:style>
+            <a:lnRef idx="2">
+              <a:schemeClr val="accent1">
+                <a:shade val="50000"/>
+              </a:schemeClr>
+            </a:lnRef>
+            <a:fillRef idx="1">
+              <a:schemeClr val="accent1"/>
+            </a:fillRef>
+            <a:effectRef idx="0">
+              <a:schemeClr val="accent1"/>
+            </a:effectRef>
+            <a:fontRef idx="minor">
+              <a:schemeClr val="lt1"/>
+            </a:fontRef>
+          </p:style>
+          <p:txBody>
+            <a:bodyPr rtlCol="0" anchor="ctr"/>
+            <a:lstStyle/>
+            <a:p>
+              <a:pPr algn="ctr"/>
+              <a:endParaRPr lang="en-US"/>
+            </a:p>
+          </p:txBody>
+        </p:sp>
+      </p:grpSp>
+      <p:sp>
+        <p:nvSpPr>
+          <p:cNvPr id="41" name="Rectangle 40">
+            <a:extLst>
+              <a:ext uri="{FF2B5EF4-FFF2-40B4-BE49-F238E27FC236}">
+                <a16:creationId xmlns:a16="http://schemas.microsoft.com/office/drawing/2014/main" id="{2E80C965-DB6D-4F81-9E9E-B027384D0BD6}"/>
+              </a:ext>
+              <a:ext uri="{C183D7F6-B498-43B3-948B-1728B52AA6E4}">
+                <adec:decorative xmlns:adec="http://schemas.microsoft.com/office/drawing/2017/decorative" val="1"/>
+              </a:ext>
+            </a:extLst>
+          </p:cNvPr>
+          <p:cNvSpPr>
+            <a:spLocks noGrp="1" noRot="1" noChangeAspect="1" noMove="1" noResize="1" noEditPoints="1" noAdjustHandles="1" noChangeArrowheads="1" noChangeShapeType="1" noTextEdit="1"/>
+          </p:cNvSpPr>
+          <p:nvPr>
+            <p:extLst>
+              <p:ext uri="{386F3935-93C4-4BCD-93E2-E3B085C9AB24}">
+                <p16:designElem xmlns:p16="http://schemas.microsoft.com/office/powerpoint/2015/main" val="1"/>
+              </p:ext>
+            </p:extLst>
+          </p:nvPr>
+        </p:nvSpPr>
+        <p:spPr>
+          <a:xfrm rot="2700000">
+            <a:off x="2737196" y="6033666"/>
+            <a:ext cx="645368" cy="645368"/>
+          </a:xfrm>
+          <a:prstGeom prst="rect">
+            <a:avLst/>
+          </a:prstGeom>
+          <a:solidFill>
+            <a:schemeClr val="accent4">
+              <a:alpha val="30000"/>
+            </a:schemeClr>
+          </a:solidFill>
+          <a:ln>
+            <a:noFill/>
+          </a:ln>
+        </p:spPr>
+        <p:style>
+          <a:lnRef idx="2">
+            <a:schemeClr val="accent1">
+              <a:shade val="50000"/>
+            </a:schemeClr>
+          </a:lnRef>
+          <a:fillRef idx="1">
+            <a:schemeClr val="accent1"/>
+          </a:fillRef>
+          <a:effectRef idx="0">
+            <a:schemeClr val="accent1"/>
+          </a:effectRef>
+          <a:fontRef idx="minor">
+            <a:schemeClr val="lt1"/>
+          </a:fontRef>
+        </p:style>
+        <p:txBody>
+          <a:bodyPr rtlCol="0" anchor="ctr"/>
+          <a:lstStyle/>
+          <a:p>
+            <a:pPr algn="ctr"/>
+            <a:endParaRPr lang="en-US"/>
+          </a:p>
+        </p:txBody>
+      </p:sp>
+      <p:sp>
+        <p:nvSpPr>
+          <p:cNvPr id="43" name="Isosceles Triangle 42">
+            <a:extLst>
+              <a:ext uri="{FF2B5EF4-FFF2-40B4-BE49-F238E27FC236}">
+                <a16:creationId xmlns:a16="http://schemas.microsoft.com/office/drawing/2014/main" id="{633C5E46-DAC5-4661-9C87-22B08E2A512F}"/>
+              </a:ext>
+              <a:ext uri="{C183D7F6-B498-43B3-948B-1728B52AA6E4}">
+                <adec:decorative xmlns:adec="http://schemas.microsoft.com/office/drawing/2017/decorative" val="1"/>
+              </a:ext>
+            </a:extLst>
+          </p:cNvPr>
+          <p:cNvSpPr>
+            <a:spLocks noGrp="1" noRot="1" noChangeAspect="1" noMove="1" noResize="1" noEditPoints="1" noAdjustHandles="1" noChangeArrowheads="1" noChangeShapeType="1" noTextEdit="1"/>
+          </p:cNvSpPr>
+          <p:nvPr>
+            <p:extLst>
+              <p:ext uri="{386F3935-93C4-4BCD-93E2-E3B085C9AB24}">
+                <p16:designElem xmlns:p16="http://schemas.microsoft.com/office/powerpoint/2015/main" val="1"/>
+              </p:ext>
+            </p:extLst>
+          </p:nvPr>
+        </p:nvSpPr>
+        <p:spPr>
+          <a:xfrm>
+            <a:off x="1343436" y="5721108"/>
+            <a:ext cx="2261965" cy="1136891"/>
+          </a:xfrm>
+          <a:prstGeom prst="triangle">
+            <a:avLst>
+              <a:gd name="adj" fmla="val 50000"/>
+            </a:avLst>
+          </a:prstGeom>
+          <a:solidFill>
+            <a:schemeClr val="accent4">
+              <a:alpha val="30000"/>
+            </a:schemeClr>
+          </a:solidFill>
+          <a:ln>
+            <a:noFill/>
+          </a:ln>
+        </p:spPr>
+        <p:style>
+          <a:lnRef idx="2">
+            <a:schemeClr val="accent1">
+              <a:shade val="50000"/>
+            </a:schemeClr>
+          </a:lnRef>
+          <a:fillRef idx="1">
+            <a:schemeClr val="accent1"/>
+          </a:fillRef>
+          <a:effectRef idx="0">
+            <a:schemeClr val="accent1"/>
+          </a:effectRef>
+          <a:fontRef idx="minor">
+            <a:schemeClr val="lt1"/>
+          </a:fontRef>
+        </p:style>
+        <p:txBody>
+          <a:bodyPr rtlCol="0" anchor="ctr"/>
+          <a:lstStyle/>
+          <a:p>
+            <a:pPr algn="ctr"/>
+            <a:endParaRPr lang="en-US"/>
+          </a:p>
+        </p:txBody>
+      </p:sp>
+      <p:pic>
+        <p:nvPicPr>
+          <p:cNvPr id="3" name="Picture 2" descr="A screenshot of a phone&#10;&#10;AI-generated content may be incorrect.">
+            <a:extLst>
+              <a:ext uri="{FF2B5EF4-FFF2-40B4-BE49-F238E27FC236}">
+                <a16:creationId xmlns:a16="http://schemas.microsoft.com/office/drawing/2014/main" id="{4846193D-9C31-49AB-F0CD-2C618FE1EE38}"/>
+              </a:ext>
+            </a:extLst>
+          </p:cNvPr>
+          <p:cNvPicPr>
+            <a:picLocks noChangeAspect="1"/>
+          </p:cNvPicPr>
+          <p:nvPr/>
+        </p:nvPicPr>
+        <p:blipFill>
+          <a:blip r:embed="rId2"/>
+          <a:stretch>
+            <a:fillRect/>
+          </a:stretch>
+        </p:blipFill>
+        <p:spPr>
+          <a:xfrm>
+            <a:off x="4731089" y="643467"/>
+            <a:ext cx="2729822" cy="5571065"/>
+          </a:xfrm>
+          <a:prstGeom prst="rect">
+            <a:avLst/>
+          </a:prstGeom>
+          <a:ln>
+            <a:noFill/>
+          </a:ln>
+        </p:spPr>
+      </p:pic>
+    </p:spTree>
+    <p:extLst>
+      <p:ext uri="{BB962C8B-B14F-4D97-AF65-F5344CB8AC3E}">
+        <p14:creationId xmlns:p14="http://schemas.microsoft.com/office/powerpoint/2010/main" val="4260575478"/>
+      </p:ext>
+    </p:extLst>
+  </p:cSld>
+  <p:clrMapOvr>
+    <a:masterClrMapping/>
+  </p:clrMapOvr>
+  <mc:AlternateContent xmlns:mc="http://schemas.openxmlformats.org/markup-compatibility/2006">
+    <mc:Choice xmlns:p14="http://schemas.microsoft.com/office/powerpoint/2010/main" Requires="p14">
+      <p:transition spd="med" p14:dur="700">
+        <p:fade/>
+      </p:transition>
+    </mc:Choice>
+    <mc:Fallback>
+      <p:transition spd="med">
+        <p:fade/>
+      </p:transition>
+    </mc:Fallback>
+  </mc:AlternateContent>
+</p:sld>
+</file>
+
+<file path=ppt/slides/slide6.xml><?xml version="1.0" encoding="utf-8"?>
+<p:sld xmlns:a="http://schemas.openxmlformats.org/drawingml/2006/main" xmlns:r="http://schemas.openxmlformats.org/officeDocument/2006/relationships" xmlns:p="http://schemas.openxmlformats.org/presentationml/2006/main">
+  <p:cSld>
+    <p:bg>
+      <p:bgPr>
+        <a:solidFill>
+          <a:schemeClr val="bg1"/>
+        </a:solidFill>
+        <a:effectLst/>
+      </p:bgPr>
+    </p:bg>
+    <p:spTree>
+      <p:nvGrpSpPr>
+        <p:cNvPr id="1" name="">
+          <a:extLst>
+            <a:ext uri="{FF2B5EF4-FFF2-40B4-BE49-F238E27FC236}">
+              <a16:creationId xmlns:a16="http://schemas.microsoft.com/office/drawing/2014/main" id="{90E4E87F-75B8-E5EA-2C7D-E54598583E20}"/>
+            </a:ext>
+          </a:extLst>
+        </p:cNvPr>
+        <p:cNvGrpSpPr/>
+        <p:nvPr/>
+      </p:nvGrpSpPr>
+      <p:grpSpPr>
+        <a:xfrm>
+          <a:off x="0" y="0"/>
+          <a:ext cx="0" cy="0"/>
+          <a:chOff x="0" y="0"/>
+          <a:chExt cx="0" cy="0"/>
+        </a:xfrm>
+      </p:grpSpPr>
+      <p:sp>
+        <p:nvSpPr>
+          <p:cNvPr id="35" name="Rectangle 34">
+            <a:extLst>
+              <a:ext uri="{FF2B5EF4-FFF2-40B4-BE49-F238E27FC236}">
+                <a16:creationId xmlns:a16="http://schemas.microsoft.com/office/drawing/2014/main" id="{F3060C83-F051-4F0E-ABAD-AA0DFC48B218}"/>
+              </a:ext>
+              <a:ext uri="{C183D7F6-B498-43B3-948B-1728B52AA6E4}">
+                <adec:decorative xmlns:adec="http://schemas.microsoft.com/office/drawing/2017/decorative" val="1"/>
+              </a:ext>
+            </a:extLst>
+          </p:cNvPr>
+          <p:cNvSpPr>
+            <a:spLocks noGrp="1" noRot="1" noChangeAspect="1" noMove="1" noResize="1" noEditPoints="1" noAdjustHandles="1" noChangeArrowheads="1" noChangeShapeType="1" noTextEdit="1"/>
+          </p:cNvSpPr>
+          <p:nvPr>
+            <p:extLst>
+              <p:ext uri="{386F3935-93C4-4BCD-93E2-E3B085C9AB24}">
+                <p16:designElem xmlns:p16="http://schemas.microsoft.com/office/powerpoint/2015/main" val="1"/>
+              </p:ext>
+            </p:extLst>
+          </p:nvPr>
+        </p:nvSpPr>
+        <p:spPr>
+          <a:xfrm>
+            <a:off x="0" y="0"/>
+            <a:ext cx="12192000" cy="6858000"/>
+          </a:xfrm>
+          <a:prstGeom prst="rect">
+            <a:avLst/>
+          </a:prstGeom>
+          <a:solidFill>
+            <a:schemeClr val="bg1"/>
+          </a:solidFill>
+          <a:ln>
+            <a:noFill/>
+          </a:ln>
+        </p:spPr>
+        <p:style>
+          <a:lnRef idx="2">
+            <a:schemeClr val="accent1">
+              <a:shade val="50000"/>
+            </a:schemeClr>
+          </a:lnRef>
+          <a:fillRef idx="1">
+            <a:schemeClr val="accent1"/>
+          </a:fillRef>
+          <a:effectRef idx="0">
+            <a:schemeClr val="accent1"/>
+          </a:effectRef>
+          <a:fontRef idx="minor">
+            <a:schemeClr val="lt1"/>
+          </a:fontRef>
+        </p:style>
+        <p:txBody>
+          <a:bodyPr rtlCol="0" anchor="ctr"/>
+          <a:lstStyle/>
+          <a:p>
+            <a:pPr algn="ctr"/>
+            <a:endParaRPr lang="en-US" dirty="0"/>
+          </a:p>
+        </p:txBody>
+      </p:sp>
+      <p:sp>
+        <p:nvSpPr>
+          <p:cNvPr id="37" name="Freeform: Shape 36">
+            <a:extLst>
+              <a:ext uri="{FF2B5EF4-FFF2-40B4-BE49-F238E27FC236}">
+                <a16:creationId xmlns:a16="http://schemas.microsoft.com/office/drawing/2014/main" id="{83C98ABE-055B-441F-B07E-44F97F083C39}"/>
+              </a:ext>
+              <a:ext uri="{C183D7F6-B498-43B3-948B-1728B52AA6E4}">
+                <adec:decorative xmlns:adec="http://schemas.microsoft.com/office/drawing/2017/decorative" val="1"/>
+              </a:ext>
+            </a:extLst>
+          </p:cNvPr>
+          <p:cNvSpPr>
+            <a:spLocks noGrp="1" noRot="1" noChangeAspect="1" noMove="1" noResize="1" noEditPoints="1" noAdjustHandles="1" noChangeArrowheads="1" noChangeShapeType="1" noTextEdit="1"/>
+          </p:cNvSpPr>
+          <p:nvPr>
+            <p:extLst>
+              <p:ext uri="{386F3935-93C4-4BCD-93E2-E3B085C9AB24}">
+                <p16:designElem xmlns:p16="http://schemas.microsoft.com/office/powerpoint/2015/main" val="1"/>
+              </p:ext>
+            </p:extLst>
+          </p:nvPr>
+        </p:nvSpPr>
+        <p:spPr>
+          <a:xfrm rot="18900000" flipH="1">
+            <a:off x="-376156" y="-253670"/>
+            <a:ext cx="1827638" cy="1376989"/>
+          </a:xfrm>
+          <a:custGeom>
+            <a:avLst/>
+            <a:gdLst>
+              <a:gd name="connsiteX0" fmla="*/ 0 w 1827638"/>
+              <a:gd name="connsiteY0" fmla="*/ 987379 h 1376989"/>
+              <a:gd name="connsiteX1" fmla="*/ 987379 w 1827638"/>
+              <a:gd name="connsiteY1" fmla="*/ 0 h 1376989"/>
+              <a:gd name="connsiteX2" fmla="*/ 1827638 w 1827638"/>
+              <a:gd name="connsiteY2" fmla="*/ 840260 h 1376989"/>
+              <a:gd name="connsiteX3" fmla="*/ 1827638 w 1827638"/>
+              <a:gd name="connsiteY3" fmla="*/ 1376989 h 1376989"/>
+              <a:gd name="connsiteX4" fmla="*/ 0 w 1827638"/>
+              <a:gd name="connsiteY4" fmla="*/ 1376989 h 1376989"/>
+            </a:gdLst>
+            <a:ahLst/>
+            <a:cxnLst>
+              <a:cxn ang="0">
+                <a:pos x="connsiteX0" y="connsiteY0"/>
+              </a:cxn>
+              <a:cxn ang="0">
+                <a:pos x="connsiteX1" y="connsiteY1"/>
+              </a:cxn>
+              <a:cxn ang="0">
+                <a:pos x="connsiteX2" y="connsiteY2"/>
+              </a:cxn>
+              <a:cxn ang="0">
+                <a:pos x="connsiteX3" y="connsiteY3"/>
+              </a:cxn>
+              <a:cxn ang="0">
+                <a:pos x="connsiteX4" y="connsiteY4"/>
+              </a:cxn>
+            </a:cxnLst>
+            <a:rect l="l" t="t" r="r" b="b"/>
+            <a:pathLst>
+              <a:path w="1827638" h="1376989">
+                <a:moveTo>
+                  <a:pt x="0" y="987379"/>
+                </a:moveTo>
+                <a:lnTo>
+                  <a:pt x="987379" y="0"/>
+                </a:lnTo>
+                <a:lnTo>
+                  <a:pt x="1827638" y="840260"/>
+                </a:lnTo>
+                <a:lnTo>
+                  <a:pt x="1827638" y="1376989"/>
+                </a:lnTo>
+                <a:lnTo>
+                  <a:pt x="0" y="1376989"/>
+                </a:lnTo>
+                <a:close/>
+              </a:path>
+            </a:pathLst>
+          </a:custGeom>
+          <a:solidFill>
+            <a:schemeClr val="accent1">
+              <a:alpha val="30000"/>
+            </a:schemeClr>
+          </a:solidFill>
+          <a:ln>
+            <a:noFill/>
+          </a:ln>
+        </p:spPr>
+        <p:style>
+          <a:lnRef idx="2">
+            <a:schemeClr val="accent1">
+              <a:shade val="50000"/>
+            </a:schemeClr>
+          </a:lnRef>
+          <a:fillRef idx="1">
+            <a:schemeClr val="accent1"/>
+          </a:fillRef>
+          <a:effectRef idx="0">
+            <a:schemeClr val="accent1"/>
+          </a:effectRef>
+          <a:fontRef idx="minor">
+            <a:schemeClr val="lt1"/>
+          </a:fontRef>
+        </p:style>
+        <p:txBody>
+          <a:bodyPr rtlCol="0" anchor="ctr"/>
+          <a:lstStyle/>
+          <a:p>
+            <a:pPr algn="ctr"/>
+            <a:endParaRPr lang="en-US" dirty="0"/>
+          </a:p>
+        </p:txBody>
+      </p:sp>
+      <p:sp>
+        <p:nvSpPr>
+          <p:cNvPr id="39" name="Rectangle 38">
+            <a:extLst>
+              <a:ext uri="{FF2B5EF4-FFF2-40B4-BE49-F238E27FC236}">
+                <a16:creationId xmlns:a16="http://schemas.microsoft.com/office/drawing/2014/main" id="{29FDB030-9B49-4CED-8CCD-4D99382388AC}"/>
+              </a:ext>
+              <a:ext uri="{C183D7F6-B498-43B3-948B-1728B52AA6E4}">
+                <adec:decorative xmlns:adec="http://schemas.microsoft.com/office/drawing/2017/decorative" val="1"/>
+              </a:ext>
+            </a:extLst>
+          </p:cNvPr>
+          <p:cNvSpPr>
+            <a:spLocks noGrp="1" noRot="1" noChangeAspect="1" noMove="1" noResize="1" noEditPoints="1" noAdjustHandles="1" noChangeArrowheads="1" noChangeShapeType="1" noTextEdit="1"/>
+          </p:cNvSpPr>
+          <p:nvPr>
+            <p:extLst>
+              <p:ext uri="{386F3935-93C4-4BCD-93E2-E3B085C9AB24}">
+                <p16:designElem xmlns:p16="http://schemas.microsoft.com/office/powerpoint/2015/main" val="1"/>
+              </p:ext>
+            </p:extLst>
+          </p:nvPr>
+        </p:nvSpPr>
+        <p:spPr>
+          <a:xfrm rot="18900000" flipH="1">
+            <a:off x="891641" y="422146"/>
+            <a:ext cx="645368" cy="645368"/>
+          </a:xfrm>
+          <a:prstGeom prst="rect">
+            <a:avLst/>
+          </a:prstGeom>
+          <a:solidFill>
+            <a:schemeClr val="accent1">
+              <a:alpha val="30000"/>
+            </a:schemeClr>
+          </a:solidFill>
+          <a:ln>
+            <a:noFill/>
+          </a:ln>
+        </p:spPr>
+        <p:style>
+          <a:lnRef idx="2">
+            <a:schemeClr val="accent1">
+              <a:shade val="50000"/>
+            </a:schemeClr>
+          </a:lnRef>
+          <a:fillRef idx="1">
+            <a:schemeClr val="accent1"/>
+          </a:fillRef>
+          <a:effectRef idx="0">
+            <a:schemeClr val="accent1"/>
+          </a:effectRef>
+          <a:fontRef idx="minor">
+            <a:schemeClr val="lt1"/>
+          </a:fontRef>
+        </p:style>
+        <p:txBody>
+          <a:bodyPr rtlCol="0" anchor="ctr"/>
+          <a:lstStyle/>
+          <a:p>
+            <a:pPr algn="ctr"/>
+            <a:endParaRPr lang="en-US"/>
+          </a:p>
+        </p:txBody>
+      </p:sp>
+      <p:sp>
+        <p:nvSpPr>
+          <p:cNvPr id="41" name="Rectangle 40">
+            <a:extLst>
+              <a:ext uri="{FF2B5EF4-FFF2-40B4-BE49-F238E27FC236}">
+                <a16:creationId xmlns:a16="http://schemas.microsoft.com/office/drawing/2014/main" id="{3783CA14-24A1-485C-8B30-D6A5D87987AD}"/>
+              </a:ext>
+              <a:ext uri="{C183D7F6-B498-43B3-948B-1728B52AA6E4}">
+                <adec:decorative xmlns:adec="http://schemas.microsoft.com/office/drawing/2017/decorative" val="1"/>
+              </a:ext>
+            </a:extLst>
+          </p:cNvPr>
+          <p:cNvSpPr>
+            <a:spLocks noGrp="1" noRot="1" noChangeAspect="1" noMove="1" noResize="1" noEditPoints="1" noAdjustHandles="1" noChangeArrowheads="1" noChangeShapeType="1" noTextEdit="1"/>
+          </p:cNvSpPr>
+          <p:nvPr>
+            <p:extLst>
+              <p:ext uri="{386F3935-93C4-4BCD-93E2-E3B085C9AB24}">
+                <p16:designElem xmlns:p16="http://schemas.microsoft.com/office/powerpoint/2015/main" val="1"/>
+              </p:ext>
+            </p:extLst>
+          </p:nvPr>
+        </p:nvSpPr>
+        <p:spPr>
+          <a:xfrm rot="18900000" flipH="1">
+            <a:off x="10043482" y="655140"/>
+            <a:ext cx="687472" cy="687472"/>
+          </a:xfrm>
+          <a:prstGeom prst="rect">
+            <a:avLst/>
+          </a:prstGeom>
+          <a:solidFill>
+            <a:schemeClr val="accent4">
+              <a:alpha val="30000"/>
+            </a:schemeClr>
+          </a:solidFill>
+          <a:ln>
+            <a:noFill/>
+          </a:ln>
+        </p:spPr>
+        <p:style>
+          <a:lnRef idx="2">
+            <a:schemeClr val="accent1">
+              <a:shade val="50000"/>
+            </a:schemeClr>
+          </a:lnRef>
+          <a:fillRef idx="1">
+            <a:schemeClr val="accent1"/>
+          </a:fillRef>
+          <a:effectRef idx="0">
+            <a:schemeClr val="accent1"/>
+          </a:effectRef>
+          <a:fontRef idx="minor">
+            <a:schemeClr val="lt1"/>
+          </a:fontRef>
+        </p:style>
+        <p:txBody>
+          <a:bodyPr rtlCol="0" anchor="ctr"/>
+          <a:lstStyle/>
+          <a:p>
+            <a:pPr algn="ctr"/>
+            <a:endParaRPr lang="en-US"/>
+          </a:p>
+        </p:txBody>
+      </p:sp>
+      <p:sp>
+        <p:nvSpPr>
+          <p:cNvPr id="43" name="Freeform: Shape 42">
+            <a:extLst>
+              <a:ext uri="{FF2B5EF4-FFF2-40B4-BE49-F238E27FC236}">
+                <a16:creationId xmlns:a16="http://schemas.microsoft.com/office/drawing/2014/main" id="{9A97C86A-04D6-40F7-AE84-31AB43E6A846}"/>
+              </a:ext>
+              <a:ext uri="{C183D7F6-B498-43B3-948B-1728B52AA6E4}">
+                <adec:decorative xmlns:adec="http://schemas.microsoft.com/office/drawing/2017/decorative" val="1"/>
+              </a:ext>
+            </a:extLst>
+          </p:cNvPr>
+          <p:cNvSpPr>
+            <a:spLocks noGrp="1" noRot="1" noChangeAspect="1" noMove="1" noResize="1" noEditPoints="1" noAdjustHandles="1" noChangeArrowheads="1" noChangeShapeType="1" noTextEdit="1"/>
+          </p:cNvSpPr>
+          <p:nvPr>
+            <p:extLst>
+              <p:ext uri="{386F3935-93C4-4BCD-93E2-E3B085C9AB24}">
+                <p16:designElem xmlns:p16="http://schemas.microsoft.com/office/powerpoint/2015/main" val="1"/>
+              </p:ext>
+            </p:extLst>
+          </p:nvPr>
+        </p:nvSpPr>
+        <p:spPr>
+          <a:xfrm rot="10800000" flipH="1">
+            <a:off x="9356643" y="0"/>
+            <a:ext cx="2835357" cy="1480837"/>
+          </a:xfrm>
+          <a:custGeom>
+            <a:avLst/>
+            <a:gdLst>
+              <a:gd name="connsiteX0" fmla="*/ 2835357 w 2835357"/>
+              <a:gd name="connsiteY0" fmla="*/ 1480837 h 1480837"/>
+              <a:gd name="connsiteX1" fmla="*/ 0 w 2835357"/>
+              <a:gd name="connsiteY1" fmla="*/ 1480837 h 1480837"/>
+              <a:gd name="connsiteX2" fmla="*/ 1552727 w 2835357"/>
+              <a:gd name="connsiteY2" fmla="*/ 0 h 1480837"/>
+              <a:gd name="connsiteX3" fmla="*/ 2835357 w 2835357"/>
+              <a:gd name="connsiteY3" fmla="*/ 1223245 h 1480837"/>
+            </a:gdLst>
+            <a:ahLst/>
+            <a:cxnLst>
+              <a:cxn ang="0">
+                <a:pos x="connsiteX0" y="connsiteY0"/>
+              </a:cxn>
+              <a:cxn ang="0">
+                <a:pos x="connsiteX1" y="connsiteY1"/>
+              </a:cxn>
+              <a:cxn ang="0">
+                <a:pos x="connsiteX2" y="connsiteY2"/>
+              </a:cxn>
+              <a:cxn ang="0">
+                <a:pos x="connsiteX3" y="connsiteY3"/>
+              </a:cxn>
+            </a:cxnLst>
+            <a:rect l="l" t="t" r="r" b="b"/>
+            <a:pathLst>
+              <a:path w="2835357" h="1480837">
+                <a:moveTo>
+                  <a:pt x="2835357" y="1480837"/>
+                </a:moveTo>
+                <a:lnTo>
+                  <a:pt x="0" y="1480837"/>
+                </a:lnTo>
+                <a:lnTo>
+                  <a:pt x="1552727" y="0"/>
+                </a:lnTo>
+                <a:lnTo>
+                  <a:pt x="2835357" y="1223245"/>
+                </a:lnTo>
+                <a:close/>
+              </a:path>
+            </a:pathLst>
+          </a:custGeom>
+          <a:solidFill>
+            <a:schemeClr val="accent4">
+              <a:alpha val="30000"/>
+            </a:schemeClr>
+          </a:solidFill>
+          <a:ln>
+            <a:noFill/>
+          </a:ln>
+        </p:spPr>
+        <p:style>
+          <a:lnRef idx="2">
+            <a:schemeClr val="accent1">
+              <a:shade val="50000"/>
+            </a:schemeClr>
+          </a:lnRef>
+          <a:fillRef idx="1">
+            <a:schemeClr val="accent1"/>
+          </a:fillRef>
+          <a:effectRef idx="0">
+            <a:schemeClr val="accent1"/>
+          </a:effectRef>
+          <a:fontRef idx="minor">
+            <a:schemeClr val="lt1"/>
+          </a:fontRef>
+        </p:style>
+        <p:txBody>
+          <a:bodyPr wrap="square" rtlCol="0" anchor="ctr">
+            <a:noAutofit/>
+          </a:bodyPr>
+          <a:lstStyle/>
+          <a:p>
+            <a:pPr algn="ctr"/>
+            <a:endParaRPr lang="en-US" dirty="0"/>
+          </a:p>
+        </p:txBody>
+      </p:sp>
+      <p:sp>
+        <p:nvSpPr>
+          <p:cNvPr id="45" name="Isosceles Triangle 44">
+            <a:extLst>
+              <a:ext uri="{FF2B5EF4-FFF2-40B4-BE49-F238E27FC236}">
+                <a16:creationId xmlns:a16="http://schemas.microsoft.com/office/drawing/2014/main" id="{FF9F2414-84E8-453E-B1F3-389FDE8192D9}"/>
+              </a:ext>
+              <a:ext uri="{C183D7F6-B498-43B3-948B-1728B52AA6E4}">
+                <adec:decorative xmlns:adec="http://schemas.microsoft.com/office/drawing/2017/decorative" val="1"/>
+              </a:ext>
+            </a:extLst>
+          </p:cNvPr>
+          <p:cNvSpPr>
+            <a:spLocks noGrp="1" noRot="1" noChangeAspect="1" noMove="1" noResize="1" noEditPoints="1" noAdjustHandles="1" noChangeArrowheads="1" noChangeShapeType="1" noTextEdit="1"/>
+          </p:cNvSpPr>
+          <p:nvPr>
+            <p:extLst>
+              <p:ext uri="{386F3935-93C4-4BCD-93E2-E3B085C9AB24}">
+                <p16:designElem xmlns:p16="http://schemas.microsoft.com/office/powerpoint/2015/main" val="1"/>
+              </p:ext>
+            </p:extLst>
+          </p:nvPr>
+        </p:nvSpPr>
+        <p:spPr>
+          <a:xfrm flipH="1">
+            <a:off x="7976344" y="6115501"/>
+            <a:ext cx="1494513" cy="742499"/>
+          </a:xfrm>
+          <a:prstGeom prst="triangle">
+            <a:avLst/>
+          </a:prstGeom>
+          <a:solidFill>
+            <a:schemeClr val="accent1">
+              <a:alpha val="30000"/>
+            </a:schemeClr>
+          </a:solidFill>
+          <a:ln>
+            <a:noFill/>
+          </a:ln>
+        </p:spPr>
+        <p:style>
+          <a:lnRef idx="2">
+            <a:schemeClr val="accent1">
+              <a:shade val="50000"/>
+            </a:schemeClr>
+          </a:lnRef>
+          <a:fillRef idx="1">
+            <a:schemeClr val="accent1"/>
+          </a:fillRef>
+          <a:effectRef idx="0">
+            <a:schemeClr val="accent1"/>
+          </a:effectRef>
+          <a:fontRef idx="minor">
+            <a:schemeClr val="lt1"/>
+          </a:fontRef>
+        </p:style>
+        <p:txBody>
+          <a:bodyPr rtlCol="0" anchor="ctr"/>
+          <a:lstStyle/>
+          <a:p>
+            <a:pPr algn="ctr"/>
+            <a:endParaRPr lang="en-US"/>
+          </a:p>
+        </p:txBody>
+      </p:sp>
+      <p:pic>
+        <p:nvPicPr>
+          <p:cNvPr id="3" name="Picture 2" descr="A cell phone on a white background&#10;&#10;AI-generated content may be incorrect.">
+            <a:extLst>
+              <a:ext uri="{FF2B5EF4-FFF2-40B4-BE49-F238E27FC236}">
+                <a16:creationId xmlns:a16="http://schemas.microsoft.com/office/drawing/2014/main" id="{F0551802-91E6-BAD5-ED0F-B47E1EDEB232}"/>
+              </a:ext>
+            </a:extLst>
+          </p:cNvPr>
+          <p:cNvPicPr>
+            <a:picLocks noChangeAspect="1"/>
+          </p:cNvPicPr>
+          <p:nvPr/>
+        </p:nvPicPr>
+        <p:blipFill>
+          <a:blip r:embed="rId2"/>
+          <a:stretch>
+            <a:fillRect/>
+          </a:stretch>
+        </p:blipFill>
+        <p:spPr>
+          <a:xfrm>
+            <a:off x="4717162" y="643467"/>
+            <a:ext cx="2757676" cy="5571065"/>
+          </a:xfrm>
+          <a:prstGeom prst="rect">
+            <a:avLst/>
+          </a:prstGeom>
+          <a:ln>
+            <a:noFill/>
+          </a:ln>
+        </p:spPr>
+      </p:pic>
+      <p:sp>
+        <p:nvSpPr>
+          <p:cNvPr id="47" name="Isosceles Triangle 46">
+            <a:extLst>
+              <a:ext uri="{FF2B5EF4-FFF2-40B4-BE49-F238E27FC236}">
+                <a16:creationId xmlns:a16="http://schemas.microsoft.com/office/drawing/2014/main" id="{3ECA69A1-7536-43AC-85EF-C7106179F5ED}"/>
+              </a:ext>
+              <a:ext uri="{C183D7F6-B498-43B3-948B-1728B52AA6E4}">
+                <adec:decorative xmlns:adec="http://schemas.microsoft.com/office/drawing/2017/decorative" val="1"/>
+              </a:ext>
+            </a:extLst>
+          </p:cNvPr>
+          <p:cNvSpPr>
+            <a:spLocks noGrp="1" noRot="1" noChangeAspect="1" noMove="1" noResize="1" noEditPoints="1" noAdjustHandles="1" noChangeArrowheads="1" noChangeShapeType="1" noTextEdit="1"/>
+          </p:cNvSpPr>
+          <p:nvPr>
+            <p:extLst>
+              <p:ext uri="{386F3935-93C4-4BCD-93E2-E3B085C9AB24}">
+                <p16:designElem xmlns:p16="http://schemas.microsoft.com/office/powerpoint/2015/main" val="1"/>
+              </p:ext>
+            </p:extLst>
+          </p:nvPr>
+        </p:nvSpPr>
+        <p:spPr>
+          <a:xfrm flipH="1">
+            <a:off x="7604080" y="6453143"/>
+            <a:ext cx="814903" cy="404857"/>
+          </a:xfrm>
+          <a:prstGeom prst="triangle">
+            <a:avLst/>
+          </a:prstGeom>
+          <a:solidFill>
+            <a:schemeClr val="accent1">
+              <a:alpha val="30000"/>
+            </a:schemeClr>
+          </a:solidFill>
+          <a:ln>
+            <a:noFill/>
+          </a:ln>
+        </p:spPr>
+        <p:style>
+          <a:lnRef idx="2">
+            <a:schemeClr val="accent1">
+              <a:shade val="50000"/>
+            </a:schemeClr>
+          </a:lnRef>
+          <a:fillRef idx="1">
+            <a:schemeClr val="accent1"/>
+          </a:fillRef>
+          <a:effectRef idx="0">
+            <a:schemeClr val="accent1"/>
+          </a:effectRef>
+          <a:fontRef idx="minor">
+            <a:schemeClr val="lt1"/>
+          </a:fontRef>
+        </p:style>
+        <p:txBody>
+          <a:bodyPr rtlCol="0" anchor="ctr"/>
+          <a:lstStyle/>
+          <a:p>
+            <a:pPr algn="ctr"/>
+            <a:endParaRPr lang="en-US"/>
+          </a:p>
+        </p:txBody>
+      </p:sp>
+    </p:spTree>
+    <p:extLst>
+      <p:ext uri="{BB962C8B-B14F-4D97-AF65-F5344CB8AC3E}">
+        <p14:creationId xmlns:p14="http://schemas.microsoft.com/office/powerpoint/2010/main" val="3446779950"/>
+      </p:ext>
+    </p:extLst>
+  </p:cSld>
+  <p:clrMapOvr>
+    <a:masterClrMapping/>
+  </p:clrMapOvr>
+  <mc:AlternateContent xmlns:mc="http://schemas.openxmlformats.org/markup-compatibility/2006">
+    <mc:Choice xmlns:p14="http://schemas.microsoft.com/office/powerpoint/2010/main" Requires="p14">
+      <p:transition spd="med" p14:dur="700">
+        <p:fade/>
+      </p:transition>
+    </mc:Choice>
+    <mc:Fallback>
+      <p:transition spd="med">
+        <p:fade/>
+      </p:transition>
+    </mc:Fallback>
+  </mc:AlternateContent>
+</p:sld>
+</file>
+
+<file path=ppt/slides/slide7.xml><?xml version="1.0" encoding="utf-8"?>
+<p:sld xmlns:a="http://schemas.openxmlformats.org/drawingml/2006/main" xmlns:r="http://schemas.openxmlformats.org/officeDocument/2006/relationships" xmlns:p="http://schemas.openxmlformats.org/presentationml/2006/main">
+  <p:cSld>
+    <p:bg>
+      <p:bgPr>
+        <a:solidFill>
+          <a:schemeClr val="bg1"/>
+        </a:solidFill>
+        <a:effectLst/>
+      </p:bgPr>
+    </p:bg>
+    <p:spTree>
+      <p:nvGrpSpPr>
+        <p:cNvPr id="1" name="">
+          <a:extLst>
+            <a:ext uri="{FF2B5EF4-FFF2-40B4-BE49-F238E27FC236}">
+              <a16:creationId xmlns:a16="http://schemas.microsoft.com/office/drawing/2014/main" id="{CE8CE167-C0C1-2A43-29A1-AD01A309A849}"/>
+            </a:ext>
+          </a:extLst>
+        </p:cNvPr>
+        <p:cNvGrpSpPr/>
+        <p:nvPr/>
+      </p:nvGrpSpPr>
+      <p:grpSpPr>
+        <a:xfrm>
+          <a:off x="0" y="0"/>
+          <a:ext cx="0" cy="0"/>
+          <a:chOff x="0" y="0"/>
+          <a:chExt cx="0" cy="0"/>
+        </a:xfrm>
+      </p:grpSpPr>
+      <p:sp>
+        <p:nvSpPr>
+          <p:cNvPr id="35" name="Rectangle 34">
+            <a:extLst>
+              <a:ext uri="{FF2B5EF4-FFF2-40B4-BE49-F238E27FC236}">
+                <a16:creationId xmlns:a16="http://schemas.microsoft.com/office/drawing/2014/main" id="{86FF76B9-219D-4469-AF87-0236D29032F1}"/>
+              </a:ext>
+              <a:ext uri="{C183D7F6-B498-43B3-948B-1728B52AA6E4}">
+                <adec:decorative xmlns:adec="http://schemas.microsoft.com/office/drawing/2017/decorative" val="1"/>
+              </a:ext>
+            </a:extLst>
+          </p:cNvPr>
+          <p:cNvSpPr>
+            <a:spLocks noGrp="1" noRot="1" noChangeAspect="1" noMove="1" noResize="1" noEditPoints="1" noAdjustHandles="1" noChangeArrowheads="1" noChangeShapeType="1" noTextEdit="1"/>
+          </p:cNvSpPr>
+          <p:nvPr>
+            <p:extLst>
+              <p:ext uri="{386F3935-93C4-4BCD-93E2-E3B085C9AB24}">
+                <p16:designElem xmlns:p16="http://schemas.microsoft.com/office/powerpoint/2015/main" val="1"/>
+              </p:ext>
+            </p:extLst>
+          </p:nvPr>
+        </p:nvSpPr>
+        <p:spPr>
+          <a:xfrm>
+            <a:off x="0" y="0"/>
+            <a:ext cx="12192000" cy="6858000"/>
+          </a:xfrm>
+          <a:prstGeom prst="rect">
+            <a:avLst/>
+          </a:prstGeom>
+          <a:solidFill>
+            <a:schemeClr val="bg1"/>
+          </a:solidFill>
+          <a:ln>
+            <a:noFill/>
+          </a:ln>
+        </p:spPr>
+        <p:style>
+          <a:lnRef idx="2">
+            <a:schemeClr val="accent1">
+              <a:shade val="50000"/>
+            </a:schemeClr>
+          </a:lnRef>
+          <a:fillRef idx="1">
+            <a:schemeClr val="accent1"/>
+          </a:fillRef>
+          <a:effectRef idx="0">
+            <a:schemeClr val="accent1"/>
+          </a:effectRef>
+          <a:fontRef idx="minor">
+            <a:schemeClr val="lt1"/>
+          </a:fontRef>
+        </p:style>
+        <p:txBody>
+          <a:bodyPr rtlCol="0" anchor="ctr"/>
+          <a:lstStyle/>
+          <a:p>
+            <a:pPr algn="ctr"/>
+            <a:endParaRPr lang="en-US" dirty="0"/>
+          </a:p>
+        </p:txBody>
+      </p:sp>
+      <p:grpSp>
+        <p:nvGrpSpPr>
+          <p:cNvPr id="37" name="Group 36">
+            <a:extLst>
+              <a:ext uri="{FF2B5EF4-FFF2-40B4-BE49-F238E27FC236}">
+                <a16:creationId xmlns:a16="http://schemas.microsoft.com/office/drawing/2014/main" id="{DB88BD78-87E1-424D-B479-C37D8E41B12E}"/>
+              </a:ext>
+              <a:ext uri="{C183D7F6-B498-43B3-948B-1728B52AA6E4}">
+                <adec:decorative xmlns:adec="http://schemas.microsoft.com/office/drawing/2017/decorative" val="1"/>
+              </a:ext>
+            </a:extLst>
+          </p:cNvPr>
+          <p:cNvGrpSpPr>
+            <a:grpSpLocks noGrp="1" noUngrp="1" noRot="1" noChangeAspect="1" noMove="1" noResize="1"/>
+          </p:cNvGrpSpPr>
+          <p:nvPr>
+            <p:extLst>
+              <p:ext uri="{386F3935-93C4-4BCD-93E2-E3B085C9AB24}">
+                <p16:designElem xmlns:p16="http://schemas.microsoft.com/office/powerpoint/2015/main" val="1"/>
+              </p:ext>
+            </p:extLst>
+          </p:nvPr>
+        </p:nvGrpSpPr>
+        <p:grpSpPr>
+          <a:xfrm flipH="1">
+            <a:off x="10964637" y="2358"/>
+            <a:ext cx="1876653" cy="1766008"/>
+            <a:chOff x="-648769" y="2358"/>
+            <a:chExt cx="1876653" cy="1766008"/>
+          </a:xfrm>
+        </p:grpSpPr>
+        <p:sp>
+          <p:nvSpPr>
+            <p:cNvPr id="38" name="Freeform: Shape 37">
+              <a:extLst>
+                <a:ext uri="{FF2B5EF4-FFF2-40B4-BE49-F238E27FC236}">
+                  <a16:creationId xmlns:a16="http://schemas.microsoft.com/office/drawing/2014/main" id="{C05EB894-9410-4B20-95E4-7A25101AB895}"/>
+                </a:ext>
+                <a:ext uri="{C183D7F6-B498-43B3-948B-1728B52AA6E4}">
+                  <adec:decorative xmlns:adec="http://schemas.microsoft.com/office/drawing/2017/decorative" val="1"/>
+                </a:ext>
+              </a:extLst>
+            </p:cNvPr>
+            <p:cNvSpPr/>
+            <p:nvPr>
+              <p:extLst>
+                <p:ext uri="{386F3935-93C4-4BCD-93E2-E3B085C9AB24}">
+                  <p16:designElem xmlns:p16="http://schemas.microsoft.com/office/powerpoint/2015/main" val="1"/>
+                </p:ext>
+              </p:extLst>
+            </p:nvPr>
+          </p:nvSpPr>
+          <p:spPr>
+            <a:xfrm rot="2700000">
+              <a:off x="-415188" y="-231223"/>
+              <a:ext cx="1409491" cy="1876653"/>
+            </a:xfrm>
+            <a:custGeom>
+              <a:avLst/>
+              <a:gdLst>
+                <a:gd name="connsiteX0" fmla="*/ 0 w 1409491"/>
+                <a:gd name="connsiteY0" fmla="*/ 643075 h 1876653"/>
+                <a:gd name="connsiteX1" fmla="*/ 643075 w 1409491"/>
+                <a:gd name="connsiteY1" fmla="*/ 0 h 1876653"/>
+                <a:gd name="connsiteX2" fmla="*/ 1409491 w 1409491"/>
+                <a:gd name="connsiteY2" fmla="*/ 0 h 1876653"/>
+                <a:gd name="connsiteX3" fmla="*/ 1409491 w 1409491"/>
+                <a:gd name="connsiteY3" fmla="*/ 1876653 h 1876653"/>
+                <a:gd name="connsiteX4" fmla="*/ 1233578 w 1409491"/>
+                <a:gd name="connsiteY4" fmla="*/ 1876653 h 1876653"/>
+              </a:gdLst>
+              <a:ahLst/>
+              <a:cxnLst>
+                <a:cxn ang="0">
+                  <a:pos x="connsiteX0" y="connsiteY0"/>
+                </a:cxn>
+                <a:cxn ang="0">
+                  <a:pos x="connsiteX1" y="connsiteY1"/>
+                </a:cxn>
+                <a:cxn ang="0">
+                  <a:pos x="connsiteX2" y="connsiteY2"/>
+                </a:cxn>
+                <a:cxn ang="0">
+                  <a:pos x="connsiteX3" y="connsiteY3"/>
+                </a:cxn>
+                <a:cxn ang="0">
+                  <a:pos x="connsiteX4" y="connsiteY4"/>
+                </a:cxn>
+              </a:cxnLst>
+              <a:rect l="l" t="t" r="r" b="b"/>
+              <a:pathLst>
+                <a:path w="1409491" h="1876653">
+                  <a:moveTo>
+                    <a:pt x="0" y="643075"/>
+                  </a:moveTo>
+                  <a:lnTo>
+                    <a:pt x="643075" y="0"/>
+                  </a:lnTo>
+                  <a:lnTo>
+                    <a:pt x="1409491" y="0"/>
+                  </a:lnTo>
+                  <a:lnTo>
+                    <a:pt x="1409491" y="1876653"/>
+                  </a:lnTo>
+                  <a:lnTo>
+                    <a:pt x="1233578" y="1876653"/>
+                  </a:lnTo>
+                  <a:close/>
+                </a:path>
+              </a:pathLst>
+            </a:custGeom>
+            <a:solidFill>
+              <a:schemeClr val="accent1">
+                <a:alpha val="30000"/>
+              </a:schemeClr>
+            </a:solidFill>
+            <a:ln>
+              <a:noFill/>
+            </a:ln>
+          </p:spPr>
+          <p:style>
+            <a:lnRef idx="2">
+              <a:schemeClr val="accent1">
+                <a:shade val="50000"/>
+              </a:schemeClr>
+            </a:lnRef>
+            <a:fillRef idx="1">
+              <a:schemeClr val="accent1"/>
+            </a:fillRef>
+            <a:effectRef idx="0">
+              <a:schemeClr val="accent1"/>
+            </a:effectRef>
+            <a:fontRef idx="minor">
+              <a:schemeClr val="lt1"/>
+            </a:fontRef>
+          </p:style>
+          <p:txBody>
+            <a:bodyPr rtlCol="0" anchor="ctr"/>
+            <a:lstStyle/>
+            <a:p>
+              <a:pPr algn="ctr"/>
+              <a:endParaRPr lang="en-US"/>
+            </a:p>
+          </p:txBody>
+        </p:sp>
+        <p:sp>
+          <p:nvSpPr>
+            <p:cNvPr id="39" name="Rectangle 38">
+              <a:extLst>
+                <a:ext uri="{FF2B5EF4-FFF2-40B4-BE49-F238E27FC236}">
+                  <a16:creationId xmlns:a16="http://schemas.microsoft.com/office/drawing/2014/main" id="{166E38B6-B050-4340-8E8F-3A971DADC031}"/>
+                </a:ext>
+                <a:ext uri="{C183D7F6-B498-43B3-948B-1728B52AA6E4}">
+                  <adec:decorative xmlns:adec="http://schemas.microsoft.com/office/drawing/2017/decorative" val="1"/>
+                </a:ext>
+              </a:extLst>
+            </p:cNvPr>
+            <p:cNvSpPr/>
+            <p:nvPr>
+              <p:extLst>
+                <p:ext uri="{386F3935-93C4-4BCD-93E2-E3B085C9AB24}">
+                  <p16:designElem xmlns:p16="http://schemas.microsoft.com/office/powerpoint/2015/main" val="1"/>
+                </p:ext>
+              </p:extLst>
+            </p:nvPr>
+          </p:nvSpPr>
+          <p:spPr>
+            <a:xfrm rot="2700000">
+              <a:off x="301285" y="1282788"/>
+              <a:ext cx="485578" cy="485578"/>
+            </a:xfrm>
+            <a:prstGeom prst="rect">
+              <a:avLst/>
+            </a:prstGeom>
+            <a:solidFill>
+              <a:schemeClr val="accent1">
+                <a:alpha val="30000"/>
+              </a:schemeClr>
+            </a:solidFill>
+            <a:ln>
+              <a:noFill/>
+            </a:ln>
+          </p:spPr>
+          <p:style>
+            <a:lnRef idx="2">
+              <a:schemeClr val="accent1">
+                <a:shade val="50000"/>
+              </a:schemeClr>
+            </a:lnRef>
+            <a:fillRef idx="1">
+              <a:schemeClr val="accent1"/>
+            </a:fillRef>
+            <a:effectRef idx="0">
+              <a:schemeClr val="accent1"/>
+            </a:effectRef>
+            <a:fontRef idx="minor">
+              <a:schemeClr val="lt1"/>
+            </a:fontRef>
+          </p:style>
+          <p:txBody>
+            <a:bodyPr rtlCol="0" anchor="ctr"/>
+            <a:lstStyle/>
+            <a:p>
+              <a:pPr algn="ctr"/>
+              <a:endParaRPr lang="en-US"/>
+            </a:p>
+          </p:txBody>
+        </p:sp>
+      </p:grpSp>
+      <p:sp>
+        <p:nvSpPr>
+          <p:cNvPr id="41" name="Rectangle 40">
+            <a:extLst>
+              <a:ext uri="{FF2B5EF4-FFF2-40B4-BE49-F238E27FC236}">
+                <a16:creationId xmlns:a16="http://schemas.microsoft.com/office/drawing/2014/main" id="{2E80C965-DB6D-4F81-9E9E-B027384D0BD6}"/>
+              </a:ext>
+              <a:ext uri="{C183D7F6-B498-43B3-948B-1728B52AA6E4}">
+                <adec:decorative xmlns:adec="http://schemas.microsoft.com/office/drawing/2017/decorative" val="1"/>
+              </a:ext>
+            </a:extLst>
+          </p:cNvPr>
+          <p:cNvSpPr>
+            <a:spLocks noGrp="1" noRot="1" noChangeAspect="1" noMove="1" noResize="1" noEditPoints="1" noAdjustHandles="1" noChangeArrowheads="1" noChangeShapeType="1" noTextEdit="1"/>
+          </p:cNvSpPr>
+          <p:nvPr>
+            <p:extLst>
+              <p:ext uri="{386F3935-93C4-4BCD-93E2-E3B085C9AB24}">
+                <p16:designElem xmlns:p16="http://schemas.microsoft.com/office/powerpoint/2015/main" val="1"/>
+              </p:ext>
+            </p:extLst>
+          </p:nvPr>
+        </p:nvSpPr>
+        <p:spPr>
+          <a:xfrm rot="2700000">
+            <a:off x="2737196" y="6033666"/>
+            <a:ext cx="645368" cy="645368"/>
+          </a:xfrm>
+          <a:prstGeom prst="rect">
+            <a:avLst/>
+          </a:prstGeom>
+          <a:solidFill>
+            <a:schemeClr val="accent4">
+              <a:alpha val="30000"/>
+            </a:schemeClr>
+          </a:solidFill>
+          <a:ln>
+            <a:noFill/>
+          </a:ln>
+        </p:spPr>
+        <p:style>
+          <a:lnRef idx="2">
+            <a:schemeClr val="accent1">
+              <a:shade val="50000"/>
+            </a:schemeClr>
+          </a:lnRef>
+          <a:fillRef idx="1">
+            <a:schemeClr val="accent1"/>
+          </a:fillRef>
+          <a:effectRef idx="0">
+            <a:schemeClr val="accent1"/>
+          </a:effectRef>
+          <a:fontRef idx="minor">
+            <a:schemeClr val="lt1"/>
+          </a:fontRef>
+        </p:style>
+        <p:txBody>
+          <a:bodyPr rtlCol="0" anchor="ctr"/>
+          <a:lstStyle/>
+          <a:p>
+            <a:pPr algn="ctr"/>
+            <a:endParaRPr lang="en-US"/>
+          </a:p>
+        </p:txBody>
+      </p:sp>
+      <p:sp>
+        <p:nvSpPr>
+          <p:cNvPr id="43" name="Isosceles Triangle 42">
+            <a:extLst>
+              <a:ext uri="{FF2B5EF4-FFF2-40B4-BE49-F238E27FC236}">
+                <a16:creationId xmlns:a16="http://schemas.microsoft.com/office/drawing/2014/main" id="{633C5E46-DAC5-4661-9C87-22B08E2A512F}"/>
+              </a:ext>
+              <a:ext uri="{C183D7F6-B498-43B3-948B-1728B52AA6E4}">
+                <adec:decorative xmlns:adec="http://schemas.microsoft.com/office/drawing/2017/decorative" val="1"/>
+              </a:ext>
+            </a:extLst>
+          </p:cNvPr>
+          <p:cNvSpPr>
+            <a:spLocks noGrp="1" noRot="1" noChangeAspect="1" noMove="1" noResize="1" noEditPoints="1" noAdjustHandles="1" noChangeArrowheads="1" noChangeShapeType="1" noTextEdit="1"/>
+          </p:cNvSpPr>
+          <p:nvPr>
+            <p:extLst>
+              <p:ext uri="{386F3935-93C4-4BCD-93E2-E3B085C9AB24}">
+                <p16:designElem xmlns:p16="http://schemas.microsoft.com/office/powerpoint/2015/main" val="1"/>
+              </p:ext>
+            </p:extLst>
+          </p:nvPr>
+        </p:nvSpPr>
+        <p:spPr>
+          <a:xfrm>
+            <a:off x="1343436" y="5721108"/>
+            <a:ext cx="2261965" cy="1136891"/>
+          </a:xfrm>
+          <a:prstGeom prst="triangle">
+            <a:avLst>
+              <a:gd name="adj" fmla="val 50000"/>
+            </a:avLst>
+          </a:prstGeom>
+          <a:solidFill>
+            <a:schemeClr val="accent4">
+              <a:alpha val="30000"/>
+            </a:schemeClr>
+          </a:solidFill>
+          <a:ln>
+            <a:noFill/>
+          </a:ln>
+        </p:spPr>
+        <p:style>
+          <a:lnRef idx="2">
+            <a:schemeClr val="accent1">
+              <a:shade val="50000"/>
+            </a:schemeClr>
+          </a:lnRef>
+          <a:fillRef idx="1">
+            <a:schemeClr val="accent1"/>
+          </a:fillRef>
+          <a:effectRef idx="0">
+            <a:schemeClr val="accent1"/>
+          </a:effectRef>
+          <a:fontRef idx="minor">
+            <a:schemeClr val="lt1"/>
+          </a:fontRef>
+        </p:style>
+        <p:txBody>
+          <a:bodyPr rtlCol="0" anchor="ctr"/>
+          <a:lstStyle/>
+          <a:p>
+            <a:pPr algn="ctr"/>
+            <a:endParaRPr lang="en-US"/>
+          </a:p>
+        </p:txBody>
+      </p:sp>
+      <p:pic>
+        <p:nvPicPr>
+          <p:cNvPr id="3" name="Picture 2" descr="A screenshot of a phone&#10;&#10;AI-generated content may be incorrect.">
+            <a:extLst>
+              <a:ext uri="{FF2B5EF4-FFF2-40B4-BE49-F238E27FC236}">
+                <a16:creationId xmlns:a16="http://schemas.microsoft.com/office/drawing/2014/main" id="{729C5134-DCF6-52A5-5D5D-06EE4A3A7B4B}"/>
+              </a:ext>
+            </a:extLst>
+          </p:cNvPr>
+          <p:cNvPicPr>
+            <a:picLocks noChangeAspect="1"/>
+          </p:cNvPicPr>
+          <p:nvPr/>
+        </p:nvPicPr>
+        <p:blipFill>
+          <a:blip r:embed="rId2"/>
+          <a:stretch>
+            <a:fillRect/>
+          </a:stretch>
+        </p:blipFill>
+        <p:spPr>
+          <a:xfrm>
+            <a:off x="4703234" y="643467"/>
+            <a:ext cx="2785532" cy="5571065"/>
+          </a:xfrm>
+          <a:prstGeom prst="rect">
+            <a:avLst/>
+          </a:prstGeom>
+          <a:ln>
+            <a:noFill/>
+          </a:ln>
+        </p:spPr>
+      </p:pic>
+    </p:spTree>
+    <p:extLst>
+      <p:ext uri="{BB962C8B-B14F-4D97-AF65-F5344CB8AC3E}">
+        <p14:creationId xmlns:p14="http://schemas.microsoft.com/office/powerpoint/2010/main" val="850988241"/>
+      </p:ext>
+    </p:extLst>
+  </p:cSld>
+  <p:clrMapOvr>
+    <a:masterClrMapping/>
+  </p:clrMapOvr>
+  <mc:AlternateContent xmlns:mc="http://schemas.openxmlformats.org/markup-compatibility/2006">
+    <mc:Choice xmlns:p14="http://schemas.microsoft.com/office/powerpoint/2010/main" Requires="p14">
+      <p:transition spd="med" p14:dur="700">
+        <p:fade/>
+      </p:transition>
+    </mc:Choice>
+    <mc:Fallback>
+      <p:transition spd="med">
+        <p:fade/>
+      </p:transition>
+    </mc:Fallback>
+  </mc:AlternateContent>
+</p:sld>
+</file>
+
+<file path=ppt/slides/slide8.xml><?xml version="1.0" encoding="utf-8"?>
+<p:sld xmlns:a="http://schemas.openxmlformats.org/drawingml/2006/main" xmlns:r="http://schemas.openxmlformats.org/officeDocument/2006/relationships" xmlns:p="http://schemas.openxmlformats.org/presentationml/2006/main">
+  <p:cSld>
+    <p:bg>
+      <p:bgPr>
+        <a:solidFill>
+          <a:schemeClr val="bg1"/>
+        </a:solidFill>
+        <a:effectLst/>
+      </p:bgPr>
+    </p:bg>
+    <p:spTree>
+      <p:nvGrpSpPr>
+        <p:cNvPr id="1" name="">
+          <a:extLst>
+            <a:ext uri="{FF2B5EF4-FFF2-40B4-BE49-F238E27FC236}">
+              <a16:creationId xmlns:a16="http://schemas.microsoft.com/office/drawing/2014/main" id="{71C40942-AFBC-AF8C-7996-43AB03F77B2B}"/>
+            </a:ext>
+          </a:extLst>
+        </p:cNvPr>
+        <p:cNvGrpSpPr/>
+        <p:nvPr/>
+      </p:nvGrpSpPr>
+      <p:grpSpPr>
+        <a:xfrm>
+          <a:off x="0" y="0"/>
+          <a:ext cx="0" cy="0"/>
+          <a:chOff x="0" y="0"/>
+          <a:chExt cx="0" cy="0"/>
+        </a:xfrm>
+      </p:grpSpPr>
+      <p:sp>
+        <p:nvSpPr>
+          <p:cNvPr id="18" name="Rectangle 17">
+            <a:extLst>
+              <a:ext uri="{FF2B5EF4-FFF2-40B4-BE49-F238E27FC236}">
+                <a16:creationId xmlns:a16="http://schemas.microsoft.com/office/drawing/2014/main" id="{F3060C83-F051-4F0E-ABAD-AA0DFC48B218}"/>
+              </a:ext>
+              <a:ext uri="{C183D7F6-B498-43B3-948B-1728B52AA6E4}">
+                <adec:decorative xmlns:adec="http://schemas.microsoft.com/office/drawing/2017/decorative" val="1"/>
+              </a:ext>
+            </a:extLst>
+          </p:cNvPr>
+          <p:cNvSpPr>
+            <a:spLocks noGrp="1" noRot="1" noChangeAspect="1" noMove="1" noResize="1" noEditPoints="1" noAdjustHandles="1" noChangeArrowheads="1" noChangeShapeType="1" noTextEdit="1"/>
+          </p:cNvSpPr>
+          <p:nvPr>
+            <p:extLst>
+              <p:ext uri="{386F3935-93C4-4BCD-93E2-E3B085C9AB24}">
+                <p16:designElem xmlns:p16="http://schemas.microsoft.com/office/powerpoint/2015/main" val="1"/>
+              </p:ext>
+            </p:extLst>
+          </p:nvPr>
+        </p:nvSpPr>
+        <p:spPr>
+          <a:xfrm>
+            <a:off x="0" y="0"/>
+            <a:ext cx="12192000" cy="6858000"/>
+          </a:xfrm>
+          <a:prstGeom prst="rect">
+            <a:avLst/>
+          </a:prstGeom>
+          <a:solidFill>
+            <a:schemeClr val="bg1"/>
+          </a:solidFill>
+          <a:ln>
+            <a:noFill/>
+          </a:ln>
+        </p:spPr>
+        <p:style>
+          <a:lnRef idx="2">
+            <a:schemeClr val="accent1">
+              <a:shade val="50000"/>
+            </a:schemeClr>
+          </a:lnRef>
+          <a:fillRef idx="1">
+            <a:schemeClr val="accent1"/>
+          </a:fillRef>
+          <a:effectRef idx="0">
+            <a:schemeClr val="accent1"/>
+          </a:effectRef>
+          <a:fontRef idx="minor">
+            <a:schemeClr val="lt1"/>
+          </a:fontRef>
+        </p:style>
+        <p:txBody>
+          <a:bodyPr rtlCol="0" anchor="ctr"/>
+          <a:lstStyle/>
+          <a:p>
+            <a:pPr algn="ctr"/>
+            <a:endParaRPr lang="en-US" dirty="0"/>
+          </a:p>
+        </p:txBody>
+      </p:sp>
+      <p:sp>
+        <p:nvSpPr>
+          <p:cNvPr id="20" name="Freeform: Shape 19">
+            <a:extLst>
+              <a:ext uri="{FF2B5EF4-FFF2-40B4-BE49-F238E27FC236}">
+                <a16:creationId xmlns:a16="http://schemas.microsoft.com/office/drawing/2014/main" id="{83C98ABE-055B-441F-B07E-44F97F083C39}"/>
+              </a:ext>
+              <a:ext uri="{C183D7F6-B498-43B3-948B-1728B52AA6E4}">
+                <adec:decorative xmlns:adec="http://schemas.microsoft.com/office/drawing/2017/decorative" val="1"/>
+              </a:ext>
+            </a:extLst>
+          </p:cNvPr>
+          <p:cNvSpPr>
+            <a:spLocks noGrp="1" noRot="1" noChangeAspect="1" noMove="1" noResize="1" noEditPoints="1" noAdjustHandles="1" noChangeArrowheads="1" noChangeShapeType="1" noTextEdit="1"/>
+          </p:cNvSpPr>
+          <p:nvPr>
+            <p:extLst>
+              <p:ext uri="{386F3935-93C4-4BCD-93E2-E3B085C9AB24}">
+                <p16:designElem xmlns:p16="http://schemas.microsoft.com/office/powerpoint/2015/main" val="1"/>
+              </p:ext>
+            </p:extLst>
+          </p:nvPr>
+        </p:nvSpPr>
+        <p:spPr>
+          <a:xfrm rot="18900000" flipH="1">
+            <a:off x="-376156" y="-253670"/>
+            <a:ext cx="1827638" cy="1376989"/>
+          </a:xfrm>
+          <a:custGeom>
+            <a:avLst/>
+            <a:gdLst>
+              <a:gd name="connsiteX0" fmla="*/ 0 w 1827638"/>
+              <a:gd name="connsiteY0" fmla="*/ 987379 h 1376989"/>
+              <a:gd name="connsiteX1" fmla="*/ 987379 w 1827638"/>
+              <a:gd name="connsiteY1" fmla="*/ 0 h 1376989"/>
+              <a:gd name="connsiteX2" fmla="*/ 1827638 w 1827638"/>
+              <a:gd name="connsiteY2" fmla="*/ 840260 h 1376989"/>
+              <a:gd name="connsiteX3" fmla="*/ 1827638 w 1827638"/>
+              <a:gd name="connsiteY3" fmla="*/ 1376989 h 1376989"/>
+              <a:gd name="connsiteX4" fmla="*/ 0 w 1827638"/>
+              <a:gd name="connsiteY4" fmla="*/ 1376989 h 1376989"/>
+            </a:gdLst>
+            <a:ahLst/>
+            <a:cxnLst>
+              <a:cxn ang="0">
+                <a:pos x="connsiteX0" y="connsiteY0"/>
+              </a:cxn>
+              <a:cxn ang="0">
+                <a:pos x="connsiteX1" y="connsiteY1"/>
+              </a:cxn>
+              <a:cxn ang="0">
+                <a:pos x="connsiteX2" y="connsiteY2"/>
+              </a:cxn>
+              <a:cxn ang="0">
+                <a:pos x="connsiteX3" y="connsiteY3"/>
+              </a:cxn>
+              <a:cxn ang="0">
+                <a:pos x="connsiteX4" y="connsiteY4"/>
+              </a:cxn>
+            </a:cxnLst>
+            <a:rect l="l" t="t" r="r" b="b"/>
+            <a:pathLst>
+              <a:path w="1827638" h="1376989">
+                <a:moveTo>
+                  <a:pt x="0" y="987379"/>
+                </a:moveTo>
+                <a:lnTo>
+                  <a:pt x="987379" y="0"/>
+                </a:lnTo>
+                <a:lnTo>
+                  <a:pt x="1827638" y="840260"/>
+                </a:lnTo>
+                <a:lnTo>
+                  <a:pt x="1827638" y="1376989"/>
+                </a:lnTo>
+                <a:lnTo>
+                  <a:pt x="0" y="1376989"/>
+                </a:lnTo>
+                <a:close/>
+              </a:path>
+            </a:pathLst>
+          </a:custGeom>
+          <a:solidFill>
+            <a:schemeClr val="accent1">
+              <a:alpha val="30000"/>
+            </a:schemeClr>
+          </a:solidFill>
+          <a:ln>
+            <a:noFill/>
+          </a:ln>
+        </p:spPr>
+        <p:style>
+          <a:lnRef idx="2">
+            <a:schemeClr val="accent1">
+              <a:shade val="50000"/>
+            </a:schemeClr>
+          </a:lnRef>
+          <a:fillRef idx="1">
+            <a:schemeClr val="accent1"/>
+          </a:fillRef>
+          <a:effectRef idx="0">
+            <a:schemeClr val="accent1"/>
+          </a:effectRef>
+          <a:fontRef idx="minor">
+            <a:schemeClr val="lt1"/>
+          </a:fontRef>
+        </p:style>
+        <p:txBody>
+          <a:bodyPr rtlCol="0" anchor="ctr"/>
+          <a:lstStyle/>
+          <a:p>
+            <a:pPr algn="ctr"/>
+            <a:endParaRPr lang="en-US" dirty="0"/>
+          </a:p>
+        </p:txBody>
+      </p:sp>
+      <p:sp>
+        <p:nvSpPr>
+          <p:cNvPr id="22" name="Rectangle 21">
+            <a:extLst>
+              <a:ext uri="{FF2B5EF4-FFF2-40B4-BE49-F238E27FC236}">
+                <a16:creationId xmlns:a16="http://schemas.microsoft.com/office/drawing/2014/main" id="{29FDB030-9B49-4CED-8CCD-4D99382388AC}"/>
+              </a:ext>
+              <a:ext uri="{C183D7F6-B498-43B3-948B-1728B52AA6E4}">
+                <adec:decorative xmlns:adec="http://schemas.microsoft.com/office/drawing/2017/decorative" val="1"/>
+              </a:ext>
+            </a:extLst>
+          </p:cNvPr>
+          <p:cNvSpPr>
+            <a:spLocks noGrp="1" noRot="1" noChangeAspect="1" noMove="1" noResize="1" noEditPoints="1" noAdjustHandles="1" noChangeArrowheads="1" noChangeShapeType="1" noTextEdit="1"/>
+          </p:cNvSpPr>
+          <p:nvPr>
+            <p:extLst>
+              <p:ext uri="{386F3935-93C4-4BCD-93E2-E3B085C9AB24}">
+                <p16:designElem xmlns:p16="http://schemas.microsoft.com/office/powerpoint/2015/main" val="1"/>
+              </p:ext>
+            </p:extLst>
+          </p:nvPr>
+        </p:nvSpPr>
+        <p:spPr>
+          <a:xfrm rot="18900000" flipH="1">
+            <a:off x="891641" y="422146"/>
+            <a:ext cx="645368" cy="645368"/>
+          </a:xfrm>
+          <a:prstGeom prst="rect">
+            <a:avLst/>
+          </a:prstGeom>
+          <a:solidFill>
+            <a:schemeClr val="accent1">
+              <a:alpha val="30000"/>
+            </a:schemeClr>
+          </a:solidFill>
+          <a:ln>
+            <a:noFill/>
+          </a:ln>
+        </p:spPr>
+        <p:style>
+          <a:lnRef idx="2">
+            <a:schemeClr val="accent1">
+              <a:shade val="50000"/>
+            </a:schemeClr>
+          </a:lnRef>
+          <a:fillRef idx="1">
+            <a:schemeClr val="accent1"/>
+          </a:fillRef>
+          <a:effectRef idx="0">
+            <a:schemeClr val="accent1"/>
+          </a:effectRef>
+          <a:fontRef idx="minor">
+            <a:schemeClr val="lt1"/>
+          </a:fontRef>
+        </p:style>
+        <p:txBody>
+          <a:bodyPr rtlCol="0" anchor="ctr"/>
+          <a:lstStyle/>
+          <a:p>
+            <a:pPr algn="ctr"/>
+            <a:endParaRPr lang="en-US"/>
+          </a:p>
+        </p:txBody>
+      </p:sp>
+      <p:sp>
+        <p:nvSpPr>
+          <p:cNvPr id="24" name="Rectangle 23">
+            <a:extLst>
+              <a:ext uri="{FF2B5EF4-FFF2-40B4-BE49-F238E27FC236}">
+                <a16:creationId xmlns:a16="http://schemas.microsoft.com/office/drawing/2014/main" id="{3783CA14-24A1-485C-8B30-D6A5D87987AD}"/>
+              </a:ext>
+              <a:ext uri="{C183D7F6-B498-43B3-948B-1728B52AA6E4}">
+                <adec:decorative xmlns:adec="http://schemas.microsoft.com/office/drawing/2017/decorative" val="1"/>
+              </a:ext>
+            </a:extLst>
+          </p:cNvPr>
+          <p:cNvSpPr>
+            <a:spLocks noGrp="1" noRot="1" noChangeAspect="1" noMove="1" noResize="1" noEditPoints="1" noAdjustHandles="1" noChangeArrowheads="1" noChangeShapeType="1" noTextEdit="1"/>
+          </p:cNvSpPr>
+          <p:nvPr>
+            <p:extLst>
+              <p:ext uri="{386F3935-93C4-4BCD-93E2-E3B085C9AB24}">
+                <p16:designElem xmlns:p16="http://schemas.microsoft.com/office/powerpoint/2015/main" val="1"/>
+              </p:ext>
+            </p:extLst>
+          </p:nvPr>
+        </p:nvSpPr>
+        <p:spPr>
+          <a:xfrm rot="18900000" flipH="1">
+            <a:off x="10043482" y="655140"/>
+            <a:ext cx="687472" cy="687472"/>
+          </a:xfrm>
+          <a:prstGeom prst="rect">
+            <a:avLst/>
+          </a:prstGeom>
+          <a:solidFill>
+            <a:schemeClr val="accent4">
+              <a:alpha val="30000"/>
+            </a:schemeClr>
+          </a:solidFill>
+          <a:ln>
+            <a:noFill/>
+          </a:ln>
+        </p:spPr>
+        <p:style>
+          <a:lnRef idx="2">
+            <a:schemeClr val="accent1">
+              <a:shade val="50000"/>
+            </a:schemeClr>
+          </a:lnRef>
+          <a:fillRef idx="1">
+            <a:schemeClr val="accent1"/>
+          </a:fillRef>
+          <a:effectRef idx="0">
+            <a:schemeClr val="accent1"/>
+          </a:effectRef>
+          <a:fontRef idx="minor">
+            <a:schemeClr val="lt1"/>
+          </a:fontRef>
+        </p:style>
+        <p:txBody>
+          <a:bodyPr rtlCol="0" anchor="ctr"/>
+          <a:lstStyle/>
+          <a:p>
+            <a:pPr algn="ctr"/>
+            <a:endParaRPr lang="en-US"/>
+          </a:p>
+        </p:txBody>
+      </p:sp>
+      <p:sp>
+        <p:nvSpPr>
+          <p:cNvPr id="26" name="Freeform: Shape 25">
+            <a:extLst>
+              <a:ext uri="{FF2B5EF4-FFF2-40B4-BE49-F238E27FC236}">
+                <a16:creationId xmlns:a16="http://schemas.microsoft.com/office/drawing/2014/main" id="{9A97C86A-04D6-40F7-AE84-31AB43E6A846}"/>
+              </a:ext>
+              <a:ext uri="{C183D7F6-B498-43B3-948B-1728B52AA6E4}">
+                <adec:decorative xmlns:adec="http://schemas.microsoft.com/office/drawing/2017/decorative" val="1"/>
+              </a:ext>
+            </a:extLst>
+          </p:cNvPr>
+          <p:cNvSpPr>
+            <a:spLocks noGrp="1" noRot="1" noChangeAspect="1" noMove="1" noResize="1" noEditPoints="1" noAdjustHandles="1" noChangeArrowheads="1" noChangeShapeType="1" noTextEdit="1"/>
+          </p:cNvSpPr>
+          <p:nvPr>
+            <p:extLst>
+              <p:ext uri="{386F3935-93C4-4BCD-93E2-E3B085C9AB24}">
+                <p16:designElem xmlns:p16="http://schemas.microsoft.com/office/powerpoint/2015/main" val="1"/>
+              </p:ext>
+            </p:extLst>
+          </p:nvPr>
+        </p:nvSpPr>
+        <p:spPr>
+          <a:xfrm rot="10800000" flipH="1">
+            <a:off x="9356643" y="0"/>
+            <a:ext cx="2835357" cy="1480837"/>
+          </a:xfrm>
+          <a:custGeom>
+            <a:avLst/>
+            <a:gdLst>
+              <a:gd name="connsiteX0" fmla="*/ 2835357 w 2835357"/>
+              <a:gd name="connsiteY0" fmla="*/ 1480837 h 1480837"/>
+              <a:gd name="connsiteX1" fmla="*/ 0 w 2835357"/>
+              <a:gd name="connsiteY1" fmla="*/ 1480837 h 1480837"/>
+              <a:gd name="connsiteX2" fmla="*/ 1552727 w 2835357"/>
+              <a:gd name="connsiteY2" fmla="*/ 0 h 1480837"/>
+              <a:gd name="connsiteX3" fmla="*/ 2835357 w 2835357"/>
+              <a:gd name="connsiteY3" fmla="*/ 1223245 h 1480837"/>
+            </a:gdLst>
+            <a:ahLst/>
+            <a:cxnLst>
+              <a:cxn ang="0">
+                <a:pos x="connsiteX0" y="connsiteY0"/>
+              </a:cxn>
+              <a:cxn ang="0">
+                <a:pos x="connsiteX1" y="connsiteY1"/>
+              </a:cxn>
+              <a:cxn ang="0">
+                <a:pos x="connsiteX2" y="connsiteY2"/>
+              </a:cxn>
+              <a:cxn ang="0">
+                <a:pos x="connsiteX3" y="connsiteY3"/>
+              </a:cxn>
+            </a:cxnLst>
+            <a:rect l="l" t="t" r="r" b="b"/>
+            <a:pathLst>
+              <a:path w="2835357" h="1480837">
+                <a:moveTo>
+                  <a:pt x="2835357" y="1480837"/>
+                </a:moveTo>
+                <a:lnTo>
+                  <a:pt x="0" y="1480837"/>
+                </a:lnTo>
+                <a:lnTo>
+                  <a:pt x="1552727" y="0"/>
+                </a:lnTo>
+                <a:lnTo>
+                  <a:pt x="2835357" y="1223245"/>
+                </a:lnTo>
+                <a:close/>
+              </a:path>
+            </a:pathLst>
+          </a:custGeom>
+          <a:solidFill>
+            <a:schemeClr val="accent4">
+              <a:alpha val="30000"/>
+            </a:schemeClr>
+          </a:solidFill>
+          <a:ln>
+            <a:noFill/>
+          </a:ln>
+        </p:spPr>
+        <p:style>
+          <a:lnRef idx="2">
+            <a:schemeClr val="accent1">
+              <a:shade val="50000"/>
+            </a:schemeClr>
+          </a:lnRef>
+          <a:fillRef idx="1">
+            <a:schemeClr val="accent1"/>
+          </a:fillRef>
+          <a:effectRef idx="0">
+            <a:schemeClr val="accent1"/>
+          </a:effectRef>
+          <a:fontRef idx="minor">
+            <a:schemeClr val="lt1"/>
+          </a:fontRef>
+        </p:style>
+        <p:txBody>
+          <a:bodyPr wrap="square" rtlCol="0" anchor="ctr">
+            <a:noAutofit/>
+          </a:bodyPr>
+          <a:lstStyle/>
+          <a:p>
+            <a:pPr algn="ctr"/>
+            <a:endParaRPr lang="en-US" dirty="0"/>
+          </a:p>
+        </p:txBody>
+      </p:sp>
+      <p:sp>
+        <p:nvSpPr>
+          <p:cNvPr id="28" name="Isosceles Triangle 27">
+            <a:extLst>
+              <a:ext uri="{FF2B5EF4-FFF2-40B4-BE49-F238E27FC236}">
+                <a16:creationId xmlns:a16="http://schemas.microsoft.com/office/drawing/2014/main" id="{FF9F2414-84E8-453E-B1F3-389FDE8192D9}"/>
+              </a:ext>
+              <a:ext uri="{C183D7F6-B498-43B3-948B-1728B52AA6E4}">
+                <adec:decorative xmlns:adec="http://schemas.microsoft.com/office/drawing/2017/decorative" val="1"/>
+              </a:ext>
+            </a:extLst>
+          </p:cNvPr>
+          <p:cNvSpPr>
+            <a:spLocks noGrp="1" noRot="1" noChangeAspect="1" noMove="1" noResize="1" noEditPoints="1" noAdjustHandles="1" noChangeArrowheads="1" noChangeShapeType="1" noTextEdit="1"/>
+          </p:cNvSpPr>
+          <p:nvPr>
+            <p:extLst>
+              <p:ext uri="{386F3935-93C4-4BCD-93E2-E3B085C9AB24}">
+                <p16:designElem xmlns:p16="http://schemas.microsoft.com/office/powerpoint/2015/main" val="1"/>
+              </p:ext>
+            </p:extLst>
+          </p:nvPr>
+        </p:nvSpPr>
+        <p:spPr>
+          <a:xfrm flipH="1">
+            <a:off x="7976344" y="6115501"/>
+            <a:ext cx="1494513" cy="742499"/>
+          </a:xfrm>
+          <a:prstGeom prst="triangle">
+            <a:avLst/>
+          </a:prstGeom>
+          <a:solidFill>
+            <a:schemeClr val="accent1">
+              <a:alpha val="30000"/>
+            </a:schemeClr>
+          </a:solidFill>
+          <a:ln>
+            <a:noFill/>
+          </a:ln>
+        </p:spPr>
+        <p:style>
+          <a:lnRef idx="2">
+            <a:schemeClr val="accent1">
+              <a:shade val="50000"/>
+            </a:schemeClr>
+          </a:lnRef>
+          <a:fillRef idx="1">
+            <a:schemeClr val="accent1"/>
+          </a:fillRef>
+          <a:effectRef idx="0">
+            <a:schemeClr val="accent1"/>
+          </a:effectRef>
+          <a:fontRef idx="minor">
+            <a:schemeClr val="lt1"/>
+          </a:fontRef>
+        </p:style>
+        <p:txBody>
+          <a:bodyPr rtlCol="0" anchor="ctr"/>
+          <a:lstStyle/>
+          <a:p>
+            <a:pPr algn="ctr"/>
+            <a:endParaRPr lang="en-US"/>
+          </a:p>
+        </p:txBody>
+      </p:sp>
+      <p:pic>
+        <p:nvPicPr>
+          <p:cNvPr id="3" name="Picture 2" descr="A screenshot of a wifi sign&#10;&#10;AI-generated content may be incorrect.">
+            <a:extLst>
+              <a:ext uri="{FF2B5EF4-FFF2-40B4-BE49-F238E27FC236}">
+                <a16:creationId xmlns:a16="http://schemas.microsoft.com/office/drawing/2014/main" id="{B22306EA-B863-9A66-52C5-0E89662A1E4E}"/>
+              </a:ext>
+            </a:extLst>
+          </p:cNvPr>
+          <p:cNvPicPr>
+            <a:picLocks noChangeAspect="1"/>
+          </p:cNvPicPr>
+          <p:nvPr/>
+        </p:nvPicPr>
+        <p:blipFill>
+          <a:blip r:embed="rId2"/>
+          <a:stretch>
+            <a:fillRect/>
+          </a:stretch>
+        </p:blipFill>
+        <p:spPr>
+          <a:xfrm>
+            <a:off x="4696270" y="643467"/>
+            <a:ext cx="2799459" cy="5571065"/>
+          </a:xfrm>
+          <a:prstGeom prst="rect">
+            <a:avLst/>
+          </a:prstGeom>
+          <a:ln>
+            <a:noFill/>
+          </a:ln>
+        </p:spPr>
+      </p:pic>
+      <p:sp>
+        <p:nvSpPr>
+          <p:cNvPr id="30" name="Isosceles Triangle 29">
+            <a:extLst>
+              <a:ext uri="{FF2B5EF4-FFF2-40B4-BE49-F238E27FC236}">
+                <a16:creationId xmlns:a16="http://schemas.microsoft.com/office/drawing/2014/main" id="{3ECA69A1-7536-43AC-85EF-C7106179F5ED}"/>
+              </a:ext>
+              <a:ext uri="{C183D7F6-B498-43B3-948B-1728B52AA6E4}">
+                <adec:decorative xmlns:adec="http://schemas.microsoft.com/office/drawing/2017/decorative" val="1"/>
+              </a:ext>
+            </a:extLst>
+          </p:cNvPr>
+          <p:cNvSpPr>
+            <a:spLocks noGrp="1" noRot="1" noChangeAspect="1" noMove="1" noResize="1" noEditPoints="1" noAdjustHandles="1" noChangeArrowheads="1" noChangeShapeType="1" noTextEdit="1"/>
+          </p:cNvSpPr>
+          <p:nvPr>
+            <p:extLst>
+              <p:ext uri="{386F3935-93C4-4BCD-93E2-E3B085C9AB24}">
+                <p16:designElem xmlns:p16="http://schemas.microsoft.com/office/powerpoint/2015/main" val="1"/>
+              </p:ext>
+            </p:extLst>
+          </p:nvPr>
+        </p:nvSpPr>
+        <p:spPr>
+          <a:xfrm flipH="1">
+            <a:off x="7604080" y="6453143"/>
+            <a:ext cx="814903" cy="404857"/>
+          </a:xfrm>
+          <a:prstGeom prst="triangle">
+            <a:avLst/>
+          </a:prstGeom>
+          <a:solidFill>
+            <a:schemeClr val="accent1">
+              <a:alpha val="30000"/>
+            </a:schemeClr>
+          </a:solidFill>
+          <a:ln>
+            <a:noFill/>
+          </a:ln>
+        </p:spPr>
+        <p:style>
+          <a:lnRef idx="2">
+            <a:schemeClr val="accent1">
+              <a:shade val="50000"/>
+            </a:schemeClr>
+          </a:lnRef>
+          <a:fillRef idx="1">
+            <a:schemeClr val="accent1"/>
+          </a:fillRef>
+          <a:effectRef idx="0">
+            <a:schemeClr val="accent1"/>
+          </a:effectRef>
+          <a:fontRef idx="minor">
+            <a:schemeClr val="lt1"/>
+          </a:fontRef>
+        </p:style>
+        <p:txBody>
+          <a:bodyPr rtlCol="0" anchor="ctr"/>
+          <a:lstStyle/>
+          <a:p>
+            <a:pPr algn="ctr"/>
+            <a:endParaRPr lang="en-US"/>
+          </a:p>
+        </p:txBody>
+      </p:sp>
+    </p:spTree>
+    <p:extLst>
+      <p:ext uri="{BB962C8B-B14F-4D97-AF65-F5344CB8AC3E}">
+        <p14:creationId xmlns:p14="http://schemas.microsoft.com/office/powerpoint/2010/main" val="4123466674"/>
+      </p:ext>
+    </p:extLst>
+  </p:cSld>
+  <p:clrMapOvr>
+    <a:masterClrMapping/>
+  </p:clrMapOvr>
+  <mc:AlternateContent xmlns:mc="http://schemas.openxmlformats.org/markup-compatibility/2006">
+    <mc:Choice xmlns:p14="http://schemas.microsoft.com/office/powerpoint/2010/main" Requires="p14">
+      <p:transition spd="med" p14:dur="700">
+        <p:fade/>
+      </p:transition>
+    </mc:Choice>
+    <mc:Fallback>
+      <p:transition spd="med">
+        <p:fade/>
+      </p:transition>
+    </mc:Fallback>
+  </mc:AlternateContent>
+</p:sld>
+</file>
+
+<file path=ppt/slides/slide9.xml><?xml version="1.0" encoding="utf-8"?>
+<p:sld xmlns:a="http://schemas.openxmlformats.org/drawingml/2006/main" xmlns:r="http://schemas.openxmlformats.org/officeDocument/2006/relationships" xmlns:p="http://schemas.openxmlformats.org/presentationml/2006/main">
+  <p:cSld>
+    <p:bg>
+      <p:bgPr>
+        <a:solidFill>
+          <a:schemeClr val="bg1"/>
+        </a:solidFill>
+        <a:effectLst/>
+      </p:bgPr>
+    </p:bg>
+    <p:spTree>
+      <p:nvGrpSpPr>
+        <p:cNvPr id="1" name="">
+          <a:extLst>
+            <a:ext uri="{FF2B5EF4-FFF2-40B4-BE49-F238E27FC236}">
+              <a16:creationId xmlns:a16="http://schemas.microsoft.com/office/drawing/2014/main" id="{102A357C-27EF-1B6F-398E-92777F5ABD5D}"/>
+            </a:ext>
+          </a:extLst>
+        </p:cNvPr>
+        <p:cNvGrpSpPr/>
+        <p:nvPr/>
+      </p:nvGrpSpPr>
+      <p:grpSpPr>
+        <a:xfrm>
+          <a:off x="0" y="0"/>
+          <a:ext cx="0" cy="0"/>
+          <a:chOff x="0" y="0"/>
+          <a:chExt cx="0" cy="0"/>
+        </a:xfrm>
+      </p:grpSpPr>
+      <p:sp>
+        <p:nvSpPr>
+          <p:cNvPr id="18" name="Rectangle 17">
+            <a:extLst>
+              <a:ext uri="{FF2B5EF4-FFF2-40B4-BE49-F238E27FC236}">
+                <a16:creationId xmlns:a16="http://schemas.microsoft.com/office/drawing/2014/main" id="{86FF76B9-219D-4469-AF87-0236D29032F1}"/>
+              </a:ext>
+              <a:ext uri="{C183D7F6-B498-43B3-948B-1728B52AA6E4}">
+                <adec:decorative xmlns:adec="http://schemas.microsoft.com/office/drawing/2017/decorative" val="1"/>
+              </a:ext>
+            </a:extLst>
+          </p:cNvPr>
+          <p:cNvSpPr>
+            <a:spLocks noGrp="1" noRot="1" noChangeAspect="1" noMove="1" noResize="1" noEditPoints="1" noAdjustHandles="1" noChangeArrowheads="1" noChangeShapeType="1" noTextEdit="1"/>
+          </p:cNvSpPr>
+          <p:nvPr>
+            <p:extLst>
+              <p:ext uri="{386F3935-93C4-4BCD-93E2-E3B085C9AB24}">
+                <p16:designElem xmlns:p16="http://schemas.microsoft.com/office/powerpoint/2015/main" val="1"/>
+              </p:ext>
+            </p:extLst>
+          </p:nvPr>
+        </p:nvSpPr>
+        <p:spPr>
+          <a:xfrm>
+            <a:off x="0" y="0"/>
+            <a:ext cx="12192000" cy="6858000"/>
+          </a:xfrm>
+          <a:prstGeom prst="rect">
+            <a:avLst/>
+          </a:prstGeom>
+          <a:solidFill>
+            <a:schemeClr val="bg1"/>
+          </a:solidFill>
+          <a:ln>
+            <a:noFill/>
+          </a:ln>
+        </p:spPr>
+        <p:style>
+          <a:lnRef idx="2">
+            <a:schemeClr val="accent1">
+              <a:shade val="50000"/>
+            </a:schemeClr>
+          </a:lnRef>
+          <a:fillRef idx="1">
+            <a:schemeClr val="accent1"/>
+          </a:fillRef>
+          <a:effectRef idx="0">
+            <a:schemeClr val="accent1"/>
+          </a:effectRef>
+          <a:fontRef idx="minor">
+            <a:schemeClr val="lt1"/>
+          </a:fontRef>
+        </p:style>
+        <p:txBody>
+          <a:bodyPr rtlCol="0" anchor="ctr"/>
+          <a:lstStyle/>
+          <a:p>
+            <a:pPr algn="ctr"/>
+            <a:endParaRPr lang="en-US" dirty="0"/>
+          </a:p>
+        </p:txBody>
+      </p:sp>
+      <p:grpSp>
+        <p:nvGrpSpPr>
+          <p:cNvPr id="20" name="Group 19">
+            <a:extLst>
+              <a:ext uri="{FF2B5EF4-FFF2-40B4-BE49-F238E27FC236}">
+                <a16:creationId xmlns:a16="http://schemas.microsoft.com/office/drawing/2014/main" id="{DB88BD78-87E1-424D-B479-C37D8E41B12E}"/>
+              </a:ext>
+              <a:ext uri="{C183D7F6-B498-43B3-948B-1728B52AA6E4}">
+                <adec:decorative xmlns:adec="http://schemas.microsoft.com/office/drawing/2017/decorative" val="1"/>
+              </a:ext>
+            </a:extLst>
+          </p:cNvPr>
+          <p:cNvGrpSpPr>
+            <a:grpSpLocks noGrp="1" noUngrp="1" noRot="1" noChangeAspect="1" noMove="1" noResize="1"/>
+          </p:cNvGrpSpPr>
+          <p:nvPr>
+            <p:extLst>
+              <p:ext uri="{386F3935-93C4-4BCD-93E2-E3B085C9AB24}">
+                <p16:designElem xmlns:p16="http://schemas.microsoft.com/office/powerpoint/2015/main" val="1"/>
+              </p:ext>
+            </p:extLst>
+          </p:nvPr>
+        </p:nvGrpSpPr>
+        <p:grpSpPr>
+          <a:xfrm flipH="1">
+            <a:off x="10964637" y="2358"/>
+            <a:ext cx="1876653" cy="1766008"/>
+            <a:chOff x="-648769" y="2358"/>
+            <a:chExt cx="1876653" cy="1766008"/>
+          </a:xfrm>
+        </p:grpSpPr>
+        <p:sp>
+          <p:nvSpPr>
+            <p:cNvPr id="21" name="Freeform: Shape 20">
+              <a:extLst>
+                <a:ext uri="{FF2B5EF4-FFF2-40B4-BE49-F238E27FC236}">
+                  <a16:creationId xmlns:a16="http://schemas.microsoft.com/office/drawing/2014/main" id="{C05EB894-9410-4B20-95E4-7A25101AB895}"/>
+                </a:ext>
+                <a:ext uri="{C183D7F6-B498-43B3-948B-1728B52AA6E4}">
+                  <adec:decorative xmlns:adec="http://schemas.microsoft.com/office/drawing/2017/decorative" val="1"/>
+                </a:ext>
+              </a:extLst>
+            </p:cNvPr>
+            <p:cNvSpPr/>
+            <p:nvPr>
+              <p:extLst>
+                <p:ext uri="{386F3935-93C4-4BCD-93E2-E3B085C9AB24}">
+                  <p16:designElem xmlns:p16="http://schemas.microsoft.com/office/powerpoint/2015/main" val="1"/>
+                </p:ext>
+              </p:extLst>
+            </p:nvPr>
+          </p:nvSpPr>
+          <p:spPr>
+            <a:xfrm rot="2700000">
+              <a:off x="-415188" y="-231223"/>
+              <a:ext cx="1409491" cy="1876653"/>
+            </a:xfrm>
+            <a:custGeom>
+              <a:avLst/>
+              <a:gdLst>
+                <a:gd name="connsiteX0" fmla="*/ 0 w 1409491"/>
+                <a:gd name="connsiteY0" fmla="*/ 643075 h 1876653"/>
+                <a:gd name="connsiteX1" fmla="*/ 643075 w 1409491"/>
+                <a:gd name="connsiteY1" fmla="*/ 0 h 1876653"/>
+                <a:gd name="connsiteX2" fmla="*/ 1409491 w 1409491"/>
+                <a:gd name="connsiteY2" fmla="*/ 0 h 1876653"/>
+                <a:gd name="connsiteX3" fmla="*/ 1409491 w 1409491"/>
+                <a:gd name="connsiteY3" fmla="*/ 1876653 h 1876653"/>
+                <a:gd name="connsiteX4" fmla="*/ 1233578 w 1409491"/>
+                <a:gd name="connsiteY4" fmla="*/ 1876653 h 1876653"/>
+              </a:gdLst>
+              <a:ahLst/>
+              <a:cxnLst>
+                <a:cxn ang="0">
+                  <a:pos x="connsiteX0" y="connsiteY0"/>
+                </a:cxn>
+                <a:cxn ang="0">
+                  <a:pos x="connsiteX1" y="connsiteY1"/>
+                </a:cxn>
+                <a:cxn ang="0">
+                  <a:pos x="connsiteX2" y="connsiteY2"/>
+                </a:cxn>
+                <a:cxn ang="0">
+                  <a:pos x="connsiteX3" y="connsiteY3"/>
+                </a:cxn>
+                <a:cxn ang="0">
+                  <a:pos x="connsiteX4" y="connsiteY4"/>
+                </a:cxn>
+              </a:cxnLst>
+              <a:rect l="l" t="t" r="r" b="b"/>
+              <a:pathLst>
+                <a:path w="1409491" h="1876653">
+                  <a:moveTo>
+                    <a:pt x="0" y="643075"/>
+                  </a:moveTo>
+                  <a:lnTo>
+                    <a:pt x="643075" y="0"/>
+                  </a:lnTo>
+                  <a:lnTo>
+                    <a:pt x="1409491" y="0"/>
+                  </a:lnTo>
+                  <a:lnTo>
+                    <a:pt x="1409491" y="1876653"/>
+                  </a:lnTo>
+                  <a:lnTo>
+                    <a:pt x="1233578" y="1876653"/>
+                  </a:lnTo>
+                  <a:close/>
+                </a:path>
+              </a:pathLst>
+            </a:custGeom>
+            <a:solidFill>
+              <a:schemeClr val="accent1">
+                <a:alpha val="30000"/>
+              </a:schemeClr>
+            </a:solidFill>
+            <a:ln>
+              <a:noFill/>
+            </a:ln>
+          </p:spPr>
+          <p:style>
+            <a:lnRef idx="2">
+              <a:schemeClr val="accent1">
+                <a:shade val="50000"/>
+              </a:schemeClr>
+            </a:lnRef>
+            <a:fillRef idx="1">
+              <a:schemeClr val="accent1"/>
+            </a:fillRef>
+            <a:effectRef idx="0">
+              <a:schemeClr val="accent1"/>
+            </a:effectRef>
+            <a:fontRef idx="minor">
+              <a:schemeClr val="lt1"/>
+            </a:fontRef>
+          </p:style>
+          <p:txBody>
+            <a:bodyPr rtlCol="0" anchor="ctr"/>
+            <a:lstStyle/>
+            <a:p>
+              <a:pPr algn="ctr"/>
+              <a:endParaRPr lang="en-US"/>
+            </a:p>
+          </p:txBody>
+        </p:sp>
+        <p:sp>
+          <p:nvSpPr>
+            <p:cNvPr id="22" name="Rectangle 21">
+              <a:extLst>
+                <a:ext uri="{FF2B5EF4-FFF2-40B4-BE49-F238E27FC236}">
+                  <a16:creationId xmlns:a16="http://schemas.microsoft.com/office/drawing/2014/main" id="{166E38B6-B050-4340-8E8F-3A971DADC031}"/>
+                </a:ext>
+                <a:ext uri="{C183D7F6-B498-43B3-948B-1728B52AA6E4}">
+                  <adec:decorative xmlns:adec="http://schemas.microsoft.com/office/drawing/2017/decorative" val="1"/>
+                </a:ext>
+              </a:extLst>
+            </p:cNvPr>
+            <p:cNvSpPr/>
+            <p:nvPr>
+              <p:extLst>
+                <p:ext uri="{386F3935-93C4-4BCD-93E2-E3B085C9AB24}">
+                  <p16:designElem xmlns:p16="http://schemas.microsoft.com/office/powerpoint/2015/main" val="1"/>
+                </p:ext>
+              </p:extLst>
+            </p:nvPr>
+          </p:nvSpPr>
+          <p:spPr>
+            <a:xfrm rot="2700000">
+              <a:off x="301285" y="1282788"/>
+              <a:ext cx="485578" cy="485578"/>
+            </a:xfrm>
+            <a:prstGeom prst="rect">
+              <a:avLst/>
+            </a:prstGeom>
+            <a:solidFill>
+              <a:schemeClr val="accent1">
+                <a:alpha val="30000"/>
+              </a:schemeClr>
+            </a:solidFill>
+            <a:ln>
+              <a:noFill/>
+            </a:ln>
+          </p:spPr>
+          <p:style>
+            <a:lnRef idx="2">
+              <a:schemeClr val="accent1">
+                <a:shade val="50000"/>
+              </a:schemeClr>
+            </a:lnRef>
+            <a:fillRef idx="1">
+              <a:schemeClr val="accent1"/>
+            </a:fillRef>
+            <a:effectRef idx="0">
+              <a:schemeClr val="accent1"/>
+            </a:effectRef>
+            <a:fontRef idx="minor">
+              <a:schemeClr val="lt1"/>
+            </a:fontRef>
+          </p:style>
+          <p:txBody>
+            <a:bodyPr rtlCol="0" anchor="ctr"/>
+            <a:lstStyle/>
+            <a:p>
+              <a:pPr algn="ctr"/>
+              <a:endParaRPr lang="en-US"/>
+            </a:p>
+          </p:txBody>
+        </p:sp>
+      </p:grpSp>
+      <p:sp>
+        <p:nvSpPr>
+          <p:cNvPr id="24" name="Rectangle 23">
+            <a:extLst>
+              <a:ext uri="{FF2B5EF4-FFF2-40B4-BE49-F238E27FC236}">
+                <a16:creationId xmlns:a16="http://schemas.microsoft.com/office/drawing/2014/main" id="{2E80C965-DB6D-4F81-9E9E-B027384D0BD6}"/>
+              </a:ext>
+              <a:ext uri="{C183D7F6-B498-43B3-948B-1728B52AA6E4}">
+                <adec:decorative xmlns:adec="http://schemas.microsoft.com/office/drawing/2017/decorative" val="1"/>
+              </a:ext>
+            </a:extLst>
+          </p:cNvPr>
+          <p:cNvSpPr>
+            <a:spLocks noGrp="1" noRot="1" noChangeAspect="1" noMove="1" noResize="1" noEditPoints="1" noAdjustHandles="1" noChangeArrowheads="1" noChangeShapeType="1" noTextEdit="1"/>
+          </p:cNvSpPr>
+          <p:nvPr>
+            <p:extLst>
+              <p:ext uri="{386F3935-93C4-4BCD-93E2-E3B085C9AB24}">
+                <p16:designElem xmlns:p16="http://schemas.microsoft.com/office/powerpoint/2015/main" val="1"/>
+              </p:ext>
+            </p:extLst>
+          </p:nvPr>
+        </p:nvSpPr>
+        <p:spPr>
+          <a:xfrm rot="2700000">
+            <a:off x="2737196" y="6033666"/>
+            <a:ext cx="645368" cy="645368"/>
+          </a:xfrm>
+          <a:prstGeom prst="rect">
+            <a:avLst/>
+          </a:prstGeom>
+          <a:solidFill>
+            <a:schemeClr val="accent4">
+              <a:alpha val="30000"/>
+            </a:schemeClr>
+          </a:solidFill>
+          <a:ln>
+            <a:noFill/>
+          </a:ln>
+        </p:spPr>
+        <p:style>
+          <a:lnRef idx="2">
+            <a:schemeClr val="accent1">
+              <a:shade val="50000"/>
+            </a:schemeClr>
+          </a:lnRef>
+          <a:fillRef idx="1">
+            <a:schemeClr val="accent1"/>
+          </a:fillRef>
+          <a:effectRef idx="0">
+            <a:schemeClr val="accent1"/>
+          </a:effectRef>
+          <a:fontRef idx="minor">
+            <a:schemeClr val="lt1"/>
+          </a:fontRef>
+        </p:style>
+        <p:txBody>
+          <a:bodyPr rtlCol="0" anchor="ctr"/>
+          <a:lstStyle/>
+          <a:p>
+            <a:pPr algn="ctr"/>
+            <a:endParaRPr lang="en-US"/>
+          </a:p>
+        </p:txBody>
+      </p:sp>
+      <p:sp>
+        <p:nvSpPr>
+          <p:cNvPr id="26" name="Isosceles Triangle 25">
+            <a:extLst>
+              <a:ext uri="{FF2B5EF4-FFF2-40B4-BE49-F238E27FC236}">
+                <a16:creationId xmlns:a16="http://schemas.microsoft.com/office/drawing/2014/main" id="{633C5E46-DAC5-4661-9C87-22B08E2A512F}"/>
+              </a:ext>
+              <a:ext uri="{C183D7F6-B498-43B3-948B-1728B52AA6E4}">
+                <adec:decorative xmlns:adec="http://schemas.microsoft.com/office/drawing/2017/decorative" val="1"/>
+              </a:ext>
+            </a:extLst>
+          </p:cNvPr>
+          <p:cNvSpPr>
+            <a:spLocks noGrp="1" noRot="1" noChangeAspect="1" noMove="1" noResize="1" noEditPoints="1" noAdjustHandles="1" noChangeArrowheads="1" noChangeShapeType="1" noTextEdit="1"/>
+          </p:cNvSpPr>
+          <p:nvPr>
+            <p:extLst>
+              <p:ext uri="{386F3935-93C4-4BCD-93E2-E3B085C9AB24}">
+                <p16:designElem xmlns:p16="http://schemas.microsoft.com/office/powerpoint/2015/main" val="1"/>
+              </p:ext>
+            </p:extLst>
+          </p:nvPr>
+        </p:nvSpPr>
+        <p:spPr>
+          <a:xfrm>
+            <a:off x="1343436" y="5721108"/>
+            <a:ext cx="2261965" cy="1136891"/>
+          </a:xfrm>
+          <a:prstGeom prst="triangle">
+            <a:avLst>
+              <a:gd name="adj" fmla="val 50000"/>
+            </a:avLst>
+          </a:prstGeom>
+          <a:solidFill>
+            <a:schemeClr val="accent4">
+              <a:alpha val="30000"/>
+            </a:schemeClr>
+          </a:solidFill>
+          <a:ln>
+            <a:noFill/>
+          </a:ln>
+        </p:spPr>
+        <p:style>
+          <a:lnRef idx="2">
+            <a:schemeClr val="accent1">
+              <a:shade val="50000"/>
+            </a:schemeClr>
+          </a:lnRef>
+          <a:fillRef idx="1">
+            <a:schemeClr val="accent1"/>
+          </a:fillRef>
+          <a:effectRef idx="0">
+            <a:schemeClr val="accent1"/>
+          </a:effectRef>
+          <a:fontRef idx="minor">
+            <a:schemeClr val="lt1"/>
+          </a:fontRef>
+        </p:style>
+        <p:txBody>
+          <a:bodyPr rtlCol="0" anchor="ctr"/>
+          <a:lstStyle/>
+          <a:p>
+            <a:pPr algn="ctr"/>
+            <a:endParaRPr lang="en-US"/>
+          </a:p>
+        </p:txBody>
+      </p:sp>
+      <p:pic>
+        <p:nvPicPr>
+          <p:cNvPr id="3" name="Picture 2" descr="A screenshot of a phone&#10;&#10;AI-generated content may be incorrect.">
+            <a:extLst>
+              <a:ext uri="{FF2B5EF4-FFF2-40B4-BE49-F238E27FC236}">
+                <a16:creationId xmlns:a16="http://schemas.microsoft.com/office/drawing/2014/main" id="{C6B2A4B3-D30A-A1CB-84CB-6150A352574E}"/>
+              </a:ext>
+            </a:extLst>
+          </p:cNvPr>
+          <p:cNvPicPr>
+            <a:picLocks noChangeAspect="1"/>
+          </p:cNvPicPr>
+          <p:nvPr/>
+        </p:nvPicPr>
+        <p:blipFill>
+          <a:blip r:embed="rId2"/>
+          <a:stretch>
+            <a:fillRect/>
+          </a:stretch>
+        </p:blipFill>
+        <p:spPr>
+          <a:xfrm>
+            <a:off x="4738053" y="643467"/>
+            <a:ext cx="2715893" cy="5571065"/>
+          </a:xfrm>
+          <a:prstGeom prst="rect">
+            <a:avLst/>
+          </a:prstGeom>
+          <a:ln>
+            <a:noFill/>
+          </a:ln>
+        </p:spPr>
+      </p:pic>
+    </p:spTree>
+    <p:extLst>
+      <p:ext uri="{BB962C8B-B14F-4D97-AF65-F5344CB8AC3E}">
+        <p14:creationId xmlns:p14="http://schemas.microsoft.com/office/powerpoint/2010/main" val="2940934515"/>
+      </p:ext>
+    </p:extLst>
+  </p:cSld>
+  <p:clrMapOvr>
+    <a:masterClrMapping/>
+  </p:clrMapOvr>
+  <mc:AlternateContent xmlns:mc="http://schemas.openxmlformats.org/markup-compatibility/2006">
+    <mc:Choice xmlns:p14="http://schemas.microsoft.com/office/powerpoint/2010/main" Requires="p14">
+      <p:transition spd="med" p14:dur="700">
+        <p:fade/>
+      </p:transition>
+    </mc:Choice>
+    <mc:Fallback>
+      <p:transition spd="med">
+        <p:fade/>
       </p:transition>
     </mc:Fallback>
   </mc:AlternateContent>

--- a/PPP.pptx
+++ b/PPP.pptx
@@ -9,11 +9,13 @@
     <p:sldId id="258" r:id="rId3"/>
     <p:sldId id="257" r:id="rId4"/>
     <p:sldId id="259" r:id="rId5"/>
-    <p:sldId id="260" r:id="rId6"/>
-    <p:sldId id="261" r:id="rId7"/>
-    <p:sldId id="262" r:id="rId8"/>
-    <p:sldId id="263" r:id="rId9"/>
-    <p:sldId id="264" r:id="rId10"/>
+    <p:sldId id="265" r:id="rId6"/>
+    <p:sldId id="266" r:id="rId7"/>
+    <p:sldId id="260" r:id="rId8"/>
+    <p:sldId id="261" r:id="rId9"/>
+    <p:sldId id="262" r:id="rId10"/>
+    <p:sldId id="263" r:id="rId11"/>
+    <p:sldId id="264" r:id="rId12"/>
   </p:sldIdLst>
   <p:sldSz cx="12192000" cy="6858000"/>
   <p:notesSz cx="6858000" cy="9144000"/>
@@ -118,6 +120,276 @@
     </p:ext>
   </p:extLst>
 </p:presentation>
+</file>
+
+<file path=ppt/ink/ink1.xml><?xml version="1.0" encoding="utf-8"?>
+<inkml:ink xmlns:inkml="http://www.w3.org/2003/InkML">
+  <inkml:definitions>
+    <inkml:context xml:id="ctx0">
+      <inkml:inkSource xml:id="inkSrc0">
+        <inkml:traceFormat>
+          <inkml:channel name="X" type="integer" min="-2.14748E9" max="2.14748E9" units="cm"/>
+          <inkml:channel name="Y" type="integer" min="-2.14748E9" max="2.14748E9" units="cm"/>
+          <inkml:channel name="F" type="integer" max="32767" units="dev"/>
+        </inkml:traceFormat>
+        <inkml:channelProperties>
+          <inkml:channelProperty channel="X" name="resolution" value="1000" units="1/cm"/>
+          <inkml:channelProperty channel="Y" name="resolution" value="1000" units="1/cm"/>
+          <inkml:channelProperty channel="F" name="resolution" value="0" units="1/dev"/>
+        </inkml:channelProperties>
+      </inkml:inkSource>
+      <inkml:timestamp xml:id="ts0" timeString="2026-01-23T13:07:28.624"/>
+    </inkml:context>
+    <inkml:brush xml:id="br0">
+      <inkml:brushProperty name="width" value="0.05" units="cm"/>
+      <inkml:brushProperty name="height" value="0.05" units="cm"/>
+    </inkml:brush>
+  </inkml:definitions>
+  <inkml:trace contextRef="#ctx0" brushRef="#br0">1 184 24575,'0'-2'0,"1"0"0,-1-1 0,1 1 0,-1 0 0,1 0 0,0-1 0,0 1 0,0 0 0,0 0 0,0 0 0,1 0 0,-1 0 0,1 0 0,3-3 0,0 0 0,1-1 0,0 1 0,8-4 0,9-5 0,1 2 0,48-19 0,-25 13 0,-16 2 0,-23 11 0,0 1 0,0 0 0,15-5 0,-10 6 0,0 0 0,0 1 0,0 1 0,0 0 0,0 0 0,1 1 0,16 3 0,-26-2 0,-1-1 0,1 1 0,-1 1 0,1-1 0,-1 0 0,1 1 0,-1-1 0,0 1 0,0 0 0,0 0 0,0 1 0,0-1 0,-1 0 0,1 1 0,3 5 0,-3-5 0,-1 1 0,1 0 0,-1 0 0,-1 1 0,1-1 0,-1 0 0,1 1 0,-1-1 0,0 1 0,-1-1 0,1 1 0,-1 4 0,1 4 0,-2 1 0,1 0 0,-2-1 0,0 1 0,0-1 0,-1 1 0,-7 17 0,-29 69 0,35-91 0,0-1 0,-1 1 0,0-1 0,0 0 0,-7 8 0,-3 5 0,8-13 0,0 0 0,0-1 0,-1 1 0,1-2 0,-2 1 0,-9 6 0,4-4 0,-16 16 0,21-16 0,-55 49 0,56-53 0,0 0 0,0 0 0,-1-1 0,-18 7 0,9-4 0,14-4 0,8-3 0,9-3 0,16-7 0,-1-2 0,50-30 0,-67 36 0,-1 0 0,1 0 0,0 1 0,0 0 0,0 1 0,1 0 0,-1 1 0,17-3 0,-14 5 0,0-2 0,17-5 0,-17 4 0,24-3 0,13 4 55,57 3 0,-44 1-1530,-46-1-5351</inkml:trace>
+</inkml:ink>
+</file>
+
+<file path=ppt/ink/ink10.xml><?xml version="1.0" encoding="utf-8"?>
+<inkml:ink xmlns:inkml="http://www.w3.org/2003/InkML">
+  <inkml:definitions>
+    <inkml:context xml:id="ctx0">
+      <inkml:inkSource xml:id="inkSrc0">
+        <inkml:traceFormat>
+          <inkml:channel name="X" type="integer" min="-2.14748E9" max="2.14748E9" units="cm"/>
+          <inkml:channel name="Y" type="integer" min="-2.14748E9" max="2.14748E9" units="cm"/>
+          <inkml:channel name="F" type="integer" max="32767" units="dev"/>
+        </inkml:traceFormat>
+        <inkml:channelProperties>
+          <inkml:channelProperty channel="X" name="resolution" value="1000" units="1/cm"/>
+          <inkml:channelProperty channel="Y" name="resolution" value="1000" units="1/cm"/>
+          <inkml:channelProperty channel="F" name="resolution" value="0" units="1/dev"/>
+        </inkml:channelProperties>
+      </inkml:inkSource>
+      <inkml:timestamp xml:id="ts0" timeString="2026-01-23T13:09:08.935"/>
+    </inkml:context>
+    <inkml:brush xml:id="br0">
+      <inkml:brushProperty name="width" value="0.05" units="cm"/>
+      <inkml:brushProperty name="height" value="0.05" units="cm"/>
+    </inkml:brush>
+  </inkml:definitions>
+  <inkml:trace contextRef="#ctx0" brushRef="#br0">0 424 24575,'0'-2'0,"1"0"0,-1 0 0,1 0 0,0 0 0,-1 0 0,1 0 0,0 0 0,0 0 0,0 0 0,0 0 0,1 1 0,2-4 0,21-21 0,-19 20 0,4-2 0,0 0 0,1 0 0,-1 1 0,14-6 0,-23 13 0,8-7 0,0 1 0,-1-2 0,1 1 0,-1-1 0,13-17 0,3-2 0,-16 18 0,2 0 0,-1 0 0,17-11 0,-20 16 0,0-1 0,0 0 0,-1 0 0,0 0 0,0 0 0,7-11 0,-5 4 0,0 1 0,10-23 0,-16 30 0,1-1 0,-1 1 0,0-1 0,0 0 0,0 0 0,0-7 0,-1 10 0,0-1 0,0 1 0,0-1 0,-1 1 0,1-1 0,-1 1 0,1-1 0,-1 1 0,0 0 0,0 0 0,0-1 0,0 1 0,0 0 0,-2-3 0,3 5 0,-1 0 0,1-1 0,0 1 0,-1 0 0,1-1 0,0 1 0,-1 0 0,1-1 0,0 1 0,-1 0 0,1 0 0,-1-1 0,1 1 0,-1 0 0,1 0 0,-1 0 0,1 0 0,-1-1 0,1 1 0,-1 0 0,1 0 0,-1 0 0,1 0 0,-1 0 0,1 0 0,-1 0 0,1 1 0,-1-1 0,1 0 0,0 0 0,-1 0 0,1 0 0,-1 1 0,1-1 0,-1 0 0,1 0 0,0 1 0,-1-1 0,1 0 0,-1 1 0,1-1 0,0 0 0,-1 1 0,1-1 0,0 1 0,0-1 0,-1 0 0,1 1 0,0-1 0,0 1 0,-2 3 0,0-1 0,0 1 0,1 0 0,-3 6 0,2 5 0,0 0 0,1-1 0,1 1 0,0 0 0,1 0 0,0-1 0,1 1 0,6 20 0,0-9 0,2 8 0,-6 10 0,-1 0 0,-4 50 0,-1-20 0,2 202 0,1-264 85,0 0-1,1 0 1,6 20-1,-5-19-651,0 0-1,2 22 0,-4-22-6258</inkml:trace>
+</inkml:ink>
+</file>
+
+<file path=ppt/ink/ink2.xml><?xml version="1.0" encoding="utf-8"?>
+<inkml:ink xmlns:inkml="http://www.w3.org/2003/InkML">
+  <inkml:definitions>
+    <inkml:context xml:id="ctx0">
+      <inkml:inkSource xml:id="inkSrc0">
+        <inkml:traceFormat>
+          <inkml:channel name="X" type="integer" min="-2.14748E9" max="2.14748E9" units="cm"/>
+          <inkml:channel name="Y" type="integer" min="-2.14748E9" max="2.14748E9" units="cm"/>
+          <inkml:channel name="F" type="integer" max="32767" units="dev"/>
+        </inkml:traceFormat>
+        <inkml:channelProperties>
+          <inkml:channelProperty channel="X" name="resolution" value="1000" units="1/cm"/>
+          <inkml:channelProperty channel="Y" name="resolution" value="1000" units="1/cm"/>
+          <inkml:channelProperty channel="F" name="resolution" value="0" units="1/dev"/>
+        </inkml:channelProperties>
+      </inkml:inkSource>
+      <inkml:timestamp xml:id="ts0" timeString="2026-01-23T13:07:32.872"/>
+    </inkml:context>
+    <inkml:brush xml:id="br0">
+      <inkml:brushProperty name="width" value="0.05" units="cm"/>
+      <inkml:brushProperty name="height" value="0.05" units="cm"/>
+    </inkml:brush>
+  </inkml:definitions>
+  <inkml:trace contextRef="#ctx0" brushRef="#br0">69 29 24575,'3'0'0,"-1"0"0,1-1 0,-1 0 0,1 0 0,-1 0 0,0 0 0,1 0 0,2-2 0,10-5 0,-3 5 0,-1 1 0,0-1 0,0 2 0,1 0 0,-1 0 0,1 1 0,19 2 0,-14 0 0,-1 1 0,0 1 0,-1 0 0,30 12 0,-30-8 0,1 1 0,-2 0 0,1 1 0,-1 1 0,-1 0 0,17 17 0,-27-24 0,-1-1 0,1 0 0,0 1 0,-1 0 0,0 0 0,0-1 0,0 1 0,-1 1 0,1-1 0,-1 0 0,0 0 0,1 7 0,0 4 0,-1 0 0,-2 20 0,1-29 0,0-1 0,-1 0 0,0-1 0,0 1 0,0 0 0,-1 0 0,1-1 0,-1 1 0,0-1 0,-1 0 0,1 1 0,-1-1 0,-5 7 0,-2 0 0,0 0 0,-23 18 0,28-26 0,0 1 0,0-1 0,0 0 0,-1-1 0,1 1 0,-1-1 0,0 0 0,1 0 0,-1-1 0,-12 2 0,-1-2 0,0 0 0,-19-3 0,35 2 0,-3 0 0,9-1 0,6 0 0,33-16 0,-32 12 0,-1 1 0,1 0 0,0 1 0,0 0 0,12-1 0,-14 3 0,0 0 0,0 1 0,0 0 0,0 1 0,0-1 0,9 3 0,-15-2 0,0-1 0,1 1 0,-1 0 0,0 0 0,1 0 0,-1 0 0,0 0 0,0 0 0,0 0 0,0 1 0,0-1 0,0 1 0,0 0 0,0 0 0,-1-1 0,1 1 0,-1 0 0,1 0 0,-1 1 0,0-1 0,0 0 0,0 0 0,2 5 0,0 9 0,-2-11 0,0-1 0,0 0 0,0 1 0,0-1 0,1 0 0,-1 0 0,4 5 0,1 2 0,0 0 0,-1 1 0,0 0 0,0 0 0,-2 0 0,1 0 0,-2 1 0,0-1 0,1 17 0,-2-7 0,-1 1 0,-1-1 0,-1 0 0,-7 33 0,7-47 0,1-1 0,-2 1 0,1-1 0,-8 14 0,9-18 0,-1-1 0,0 1 0,1-1 0,-1 1 0,0-1 0,-1 0 0,1 0 0,0 0 0,-1 0 0,1 0 0,-1 0 0,1-1 0,-1 1 0,0-1 0,-3 1 0,-10 2 0,1-1 0,-1 0 0,0-1 0,1-1 0,-1-1 0,0 0 0,0-1 0,-16-4 0,21 3 0,0-1 0,0-1 0,0 0 0,1-1 0,-19-10 0,12 6 0,-19-8 0,30 14 0,-1 0 0,1-1 0,0 0 0,0 0 0,-6-6 0,-10-7 0,11 11 0,-2-3 0,-1 0 0,2-1 0,-1 0 0,-15-17 0,22 17-1365,1 2-5461</inkml:trace>
+</inkml:ink>
+</file>
+
+<file path=ppt/ink/ink3.xml><?xml version="1.0" encoding="utf-8"?>
+<inkml:ink xmlns:inkml="http://www.w3.org/2003/InkML">
+  <inkml:definitions>
+    <inkml:context xml:id="ctx0">
+      <inkml:inkSource xml:id="inkSrc0">
+        <inkml:traceFormat>
+          <inkml:channel name="X" type="integer" min="-2.14748E9" max="2.14748E9" units="cm"/>
+          <inkml:channel name="Y" type="integer" min="-2.14748E9" max="2.14748E9" units="cm"/>
+          <inkml:channel name="F" type="integer" max="32767" units="dev"/>
+        </inkml:traceFormat>
+        <inkml:channelProperties>
+          <inkml:channelProperty channel="X" name="resolution" value="1000" units="1/cm"/>
+          <inkml:channelProperty channel="Y" name="resolution" value="1000" units="1/cm"/>
+          <inkml:channelProperty channel="F" name="resolution" value="0" units="1/dev"/>
+        </inkml:channelProperties>
+      </inkml:inkSource>
+      <inkml:timestamp xml:id="ts0" timeString="2026-01-23T13:07:36.285"/>
+    </inkml:context>
+    <inkml:brush xml:id="br0">
+      <inkml:brushProperty name="width" value="0.05" units="cm"/>
+      <inkml:brushProperty name="height" value="0.05" units="cm"/>
+    </inkml:brush>
+  </inkml:definitions>
+  <inkml:trace contextRef="#ctx0" brushRef="#br0">0 1 23706,'29'833'0</inkml:trace>
+</inkml:ink>
+</file>
+
+<file path=ppt/ink/ink4.xml><?xml version="1.0" encoding="utf-8"?>
+<inkml:ink xmlns:inkml="http://www.w3.org/2003/InkML">
+  <inkml:definitions>
+    <inkml:context xml:id="ctx0">
+      <inkml:inkSource xml:id="inkSrc0">
+        <inkml:traceFormat>
+          <inkml:channel name="X" type="integer" min="-2.14748E9" max="2.14748E9" units="cm"/>
+          <inkml:channel name="Y" type="integer" min="-2.14748E9" max="2.14748E9" units="cm"/>
+          <inkml:channel name="F" type="integer" max="32767" units="dev"/>
+        </inkml:traceFormat>
+        <inkml:channelProperties>
+          <inkml:channelProperty channel="X" name="resolution" value="1000" units="1/cm"/>
+          <inkml:channelProperty channel="Y" name="resolution" value="1000" units="1/cm"/>
+          <inkml:channelProperty channel="F" name="resolution" value="0" units="1/dev"/>
+        </inkml:channelProperties>
+      </inkml:inkSource>
+      <inkml:timestamp xml:id="ts0" timeString="2026-01-23T13:07:39.507"/>
+    </inkml:context>
+    <inkml:brush xml:id="br0">
+      <inkml:brushProperty name="width" value="0.05" units="cm"/>
+      <inkml:brushProperty name="height" value="0.05" units="cm"/>
+    </inkml:brush>
+  </inkml:definitions>
+  <inkml:trace contextRef="#ctx0" brushRef="#br0">0 0 24575,'1'25'0,"5"45"0,12 11 0,-12-59 0,-1 1 0,2 43 0,-5 46 0,1-89 0,-3-23 0,0 0 0,0 1 0,0-1 0,0 0 0,1 1 0,-1-1 0,0 0 0,0 1 0,0-1 0,0 0 0,1 0 0,-1 1 0,0-1 0,0 0 0,1 0 0,-1 1 0,0-1 0,0 0 0,1 0 0,-1 0 0,0 0 0,0 1 0,1-1 0,0 0 0,-1 0 0,1 0 0,-1-1 0,1 1 0,-1 0 0,1 0 0,-1 0 0,1-1 0,-1 1 0,1 0 0,-1-1 0,0 1 0,1 0 0,-1-1 0,1 1 0,-1-1 0,0 1 0,1 0 0,-1-1 0,0 0 0,20-32 0,-15 24 0,0 0 0,7-9 0,-10 16 0,0 0 0,0 0 0,0 1 0,0-1 0,1 1 0,-1-1 0,0 1 0,1 0 0,-1 0 0,0 0 0,1 0 0,2 0 0,35-6 0,-30 6 0,9-1 0,-13 2 0,0-1 0,0 1 0,0-1 0,0-1 0,6-1 0,2-3 0,0 1 0,0 0 0,1 1 0,-1 1 0,1 1 0,0 0 0,18 0 0,269 3 0,-294 0 0,0 0 0,0 0 0,0 1 0,14 5 0,-12-4 0,-1-1 0,19 4 0,17-5-1365,-32-1-5461</inkml:trace>
+</inkml:ink>
+</file>
+
+<file path=ppt/ink/ink5.xml><?xml version="1.0" encoding="utf-8"?>
+<inkml:ink xmlns:inkml="http://www.w3.org/2003/InkML">
+  <inkml:definitions>
+    <inkml:context xml:id="ctx0">
+      <inkml:inkSource xml:id="inkSrc0">
+        <inkml:traceFormat>
+          <inkml:channel name="X" type="integer" min="-2.14748E9" max="2.14748E9" units="cm"/>
+          <inkml:channel name="Y" type="integer" min="-2.14748E9" max="2.14748E9" units="cm"/>
+          <inkml:channel name="F" type="integer" max="32767" units="dev"/>
+        </inkml:traceFormat>
+        <inkml:channelProperties>
+          <inkml:channelProperty channel="X" name="resolution" value="1000" units="1/cm"/>
+          <inkml:channelProperty channel="Y" name="resolution" value="1000" units="1/cm"/>
+          <inkml:channelProperty channel="F" name="resolution" value="0" units="1/dev"/>
+        </inkml:channelProperties>
+      </inkml:inkSource>
+      <inkml:timestamp xml:id="ts0" timeString="2026-01-23T13:07:47.418"/>
+    </inkml:context>
+    <inkml:brush xml:id="br0">
+      <inkml:brushProperty name="width" value="0.05" units="cm"/>
+      <inkml:brushProperty name="height" value="0.05" units="cm"/>
+    </inkml:brush>
+  </inkml:definitions>
+  <inkml:trace contextRef="#ctx0" brushRef="#br0">464 0 24575,'-450'0'-1365,"437"0"-5461</inkml:trace>
+</inkml:ink>
+</file>
+
+<file path=ppt/ink/ink6.xml><?xml version="1.0" encoding="utf-8"?>
+<inkml:ink xmlns:inkml="http://www.w3.org/2003/InkML">
+  <inkml:definitions>
+    <inkml:context xml:id="ctx0">
+      <inkml:inkSource xml:id="inkSrc0">
+        <inkml:traceFormat>
+          <inkml:channel name="X" type="integer" min="-2.14748E9" max="2.14748E9" units="cm"/>
+          <inkml:channel name="Y" type="integer" min="-2.14748E9" max="2.14748E9" units="cm"/>
+          <inkml:channel name="F" type="integer" max="32767" units="dev"/>
+        </inkml:traceFormat>
+        <inkml:channelProperties>
+          <inkml:channelProperty channel="X" name="resolution" value="1000" units="1/cm"/>
+          <inkml:channelProperty channel="Y" name="resolution" value="1000" units="1/cm"/>
+          <inkml:channelProperty channel="F" name="resolution" value="0" units="1/dev"/>
+        </inkml:channelProperties>
+      </inkml:inkSource>
+      <inkml:timestamp xml:id="ts0" timeString="2026-01-23T13:07:49.086"/>
+    </inkml:context>
+    <inkml:brush xml:id="br0">
+      <inkml:brushProperty name="width" value="0.05" units="cm"/>
+      <inkml:brushProperty name="height" value="0.05" units="cm"/>
+    </inkml:brush>
+  </inkml:definitions>
+  <inkml:trace contextRef="#ctx0" brushRef="#br0">6 0 23839,'0'380'0</inkml:trace>
+</inkml:ink>
+</file>
+
+<file path=ppt/ink/ink7.xml><?xml version="1.0" encoding="utf-8"?>
+<inkml:ink xmlns:inkml="http://www.w3.org/2003/InkML">
+  <inkml:definitions>
+    <inkml:context xml:id="ctx0">
+      <inkml:inkSource xml:id="inkSrc0">
+        <inkml:traceFormat>
+          <inkml:channel name="X" type="integer" min="-2.14748E9" max="2.14748E9" units="cm"/>
+          <inkml:channel name="Y" type="integer" min="-2.14748E9" max="2.14748E9" units="cm"/>
+          <inkml:channel name="F" type="integer" max="32767" units="dev"/>
+        </inkml:traceFormat>
+        <inkml:channelProperties>
+          <inkml:channelProperty channel="X" name="resolution" value="1000" units="1/cm"/>
+          <inkml:channelProperty channel="Y" name="resolution" value="1000" units="1/cm"/>
+          <inkml:channelProperty channel="F" name="resolution" value="0" units="1/dev"/>
+        </inkml:channelProperties>
+      </inkml:inkSource>
+      <inkml:timestamp xml:id="ts0" timeString="2026-01-23T13:07:55.252"/>
+    </inkml:context>
+    <inkml:brush xml:id="br0">
+      <inkml:brushProperty name="width" value="0.05" units="cm"/>
+      <inkml:brushProperty name="height" value="0.05" units="cm"/>
+    </inkml:brush>
+  </inkml:definitions>
+  <inkml:trace contextRef="#ctx0" brushRef="#br0">1 13 24575,'62'1'0,"67"-2"0,-87-4 0,-25 2 0,19 0 0,-24 3 0,5-2 0,1 2 0,0 1 0,0 0 0,-1 1 0,1 1 0,19 5 0,-35-7 0,1 0 0,-1 0 0,1 0 0,-1 1 0,1-1 0,-1 0 0,0 1 0,0 0 0,0-1 0,0 1 0,3 3 0,-2-1 0,0 1 0,0 0 0,0 0 0,2 7 0,4 9 0,-3-9 0,0 1 0,-2-1 0,5 16 0,-5-13 0,-1 1 0,-1-1 0,0 0 0,-1 1 0,0 0 0,-2-1 0,-3 30 0,1-35 0,0 0 0,-1 0 0,0 0 0,0-1 0,-1 0 0,-7 11 0,4-7 0,5-8 0,0 1 0,-1 1 0,1-1 0,-2 0 0,1 0 0,-1 0 0,0 0 0,0-1 0,0 0 0,-1 0 0,-6 4 0,-2-1 0,9-4 0,-1 0 0,1-1 0,-1 0 0,1-1 0,-1 1 0,0-1 0,0 0 0,0 0 0,0-1 0,-8 1 0,-28 0 0,-44-5 0,74 1 0,0 0 0,0 0 0,1-1 0,-1-1 0,1 0 0,-17-9 0,23 10 0,0 0 0,1-1 0,-1 0 0,1 0 0,0 0 0,1 0 0,-1 0 0,1-1 0,-6-8 0,5 6 0,-1 0 0,-1 0 0,-5-6 0,7 9-105,1-1 0,0 1 0,0-1 0,0 1 0,1-1 0,0 0 0,-1 0 0,2 0 0,-1 0 0,1 0 0,-1 0 0,0-11 0,0 3-6721</inkml:trace>
+</inkml:ink>
+</file>
+
+<file path=ppt/ink/ink8.xml><?xml version="1.0" encoding="utf-8"?>
+<inkml:ink xmlns:inkml="http://www.w3.org/2003/InkML">
+  <inkml:definitions>
+    <inkml:context xml:id="ctx0">
+      <inkml:inkSource xml:id="inkSrc0">
+        <inkml:traceFormat>
+          <inkml:channel name="X" type="integer" min="-2.14748E9" max="2.14748E9" units="cm"/>
+          <inkml:channel name="Y" type="integer" min="-2.14748E9" max="2.14748E9" units="cm"/>
+          <inkml:channel name="F" type="integer" max="32767" units="dev"/>
+        </inkml:traceFormat>
+        <inkml:channelProperties>
+          <inkml:channelProperty channel="X" name="resolution" value="1000" units="1/cm"/>
+          <inkml:channelProperty channel="Y" name="resolution" value="1000" units="1/cm"/>
+          <inkml:channelProperty channel="F" name="resolution" value="0" units="1/dev"/>
+        </inkml:channelProperties>
+      </inkml:inkSource>
+      <inkml:timestamp xml:id="ts0" timeString="2026-01-23T13:08:01.882"/>
+    </inkml:context>
+    <inkml:brush xml:id="br0">
+      <inkml:brushProperty name="width" value="0.05" units="cm"/>
+      <inkml:brushProperty name="height" value="0.05" units="cm"/>
+    </inkml:brush>
+  </inkml:definitions>
+  <inkml:trace contextRef="#ctx0" brushRef="#br0">315 1 24575,'-3'0'0,"0"0"0,1 0 0,-1 1 0,1-1 0,-1 1 0,0 0 0,1 0 0,-1 0 0,1 0 0,0 0 0,-4 3 0,-23 20 0,15-11 0,0-1 0,5-5 0,1 1 0,-1-1 0,2 1 0,-11 13 0,-31 46 0,28-42 0,2 2 0,-17 29 0,21-29 0,11-21 0,0 1 0,0-1 0,1 1 0,-1 0 0,1 0 0,1 1 0,0-1 0,0 1 0,-2 12 0,4 137 0,1-70 0,-1-82 0,0-1 0,1 1 0,-1 0 0,1-1 0,0 1 0,1 0 0,-1-1 0,1 1 0,-1-1 0,1 0 0,1 1 0,-1-1 0,1 0 0,-1 0 0,1 0 0,0-1 0,0 1 0,5 3 0,-1-2 0,0 0 0,0 0 0,1 0 0,0-1 0,0 0 0,0-1 0,0 0 0,0 0 0,9 1 0,10 1 0,0-1 0,1-1 0,51-1 0,-44-2 0,29-1 0,-62 1 0,-1 0 0,0 0 0,0-1 0,0 1 0,1 0 0,-1-1 0,0 1 0,0-1 0,0 1 0,0-1 0,0 1 0,0-1 0,0 0 0,0 0 0,0 1 0,0-1 0,0 0 0,1-2 0,0 0 0,0 0 0,0-1 0,0 1 0,1-7 0,8-12 0,4 4 0,-12 16 0,-1-1 0,0 1 0,1-1 0,-1 1 0,0-1 0,0 0 0,-1 0 0,1 0 0,-1 0 0,1 0 0,-1 0 0,1-7 0,1-13 0,-2-1 0,-3-35 0,0 7 0,2 46 0,-1 0 0,1 0 0,-1 0 0,0 0 0,-1 0 0,0 0 0,0 0 0,0 0 0,-6-11 0,6 14 0,0 0 0,-1-1 0,1 1 0,-1 0 0,1 0 0,-1 0 0,0 1 0,0-1 0,0 1 0,-1-1 0,1 1 0,0 0 0,-1 0 0,0 1 0,1-1 0,-6-1 0,-13-1 0,1 1 0,0 0 0,-1 2 0,1 0 0,-1 2 0,-22 2 0,40-2 0,0 0 0,0-1 0,-1 1 0,1 1 0,0-1 0,0 1 0,0-1 0,1 1 0,-1 0 0,0 1 0,1-1 0,-1 1 0,1-1 0,0 1 0,-5 6 0,3-3 0,0 0 0,1 1 0,0 0 0,1 0 0,0 0 0,0 0 0,-4 14 0,5-13 0,-1-1 0,-1 1 0,-6 10 0,7-12 0,-1-1 0,1 1 0,1 0 0,-1 0 0,1 0 0,0 1 0,-1 5 0,1 10-235,2 33 0,0-44-660,0 1-5931</inkml:trace>
+</inkml:ink>
+</file>
+
+<file path=ppt/ink/ink9.xml><?xml version="1.0" encoding="utf-8"?>
+<inkml:ink xmlns:inkml="http://www.w3.org/2003/InkML">
+  <inkml:definitions>
+    <inkml:context xml:id="ctx0">
+      <inkml:inkSource xml:id="inkSrc0">
+        <inkml:traceFormat>
+          <inkml:channel name="X" type="integer" min="-2.14748E9" max="2.14748E9" units="cm"/>
+          <inkml:channel name="Y" type="integer" min="-2.14748E9" max="2.14748E9" units="cm"/>
+          <inkml:channel name="F" type="integer" max="32767" units="dev"/>
+        </inkml:traceFormat>
+        <inkml:channelProperties>
+          <inkml:channelProperty channel="X" name="resolution" value="1000" units="1/cm"/>
+          <inkml:channelProperty channel="Y" name="resolution" value="1000" units="1/cm"/>
+          <inkml:channelProperty channel="F" name="resolution" value="0" units="1/dev"/>
+        </inkml:channelProperties>
+      </inkml:inkSource>
+      <inkml:timestamp xml:id="ts0" timeString="2026-01-23T13:08:57.928"/>
+    </inkml:context>
+    <inkml:brush xml:id="br0">
+      <inkml:brushProperty name="width" value="0.05" units="cm"/>
+      <inkml:brushProperty name="height" value="0.05" units="cm"/>
+    </inkml:brush>
+  </inkml:definitions>
+  <inkml:trace contextRef="#ctx0" brushRef="#br0">1 56 24575,'33'-1'0,"45"-9"0,-4 1 0,9-3 0,-17 2 0,137-4 0,-26 15-1365,-160-1-5461</inkml:trace>
+</inkml:ink>
 </file>
 
 <file path=ppt/slideLayouts/slideLayout1.xml><?xml version="1.0" encoding="utf-8"?>
@@ -3714,6 +3986,616 @@
 </p:sld>
 </file>
 
+<file path=ppt/slides/slide10.xml><?xml version="1.0" encoding="utf-8"?>
+<p:sld xmlns:a="http://schemas.openxmlformats.org/drawingml/2006/main" xmlns:r="http://schemas.openxmlformats.org/officeDocument/2006/relationships" xmlns:p="http://schemas.openxmlformats.org/presentationml/2006/main">
+  <p:cSld>
+    <p:bg>
+      <p:bgPr>
+        <a:solidFill>
+          <a:schemeClr val="bg1"/>
+        </a:solidFill>
+        <a:effectLst/>
+      </p:bgPr>
+    </p:bg>
+    <p:spTree>
+      <p:nvGrpSpPr>
+        <p:cNvPr id="1" name="">
+          <a:extLst>
+            <a:ext uri="{FF2B5EF4-FFF2-40B4-BE49-F238E27FC236}">
+              <a16:creationId xmlns:a16="http://schemas.microsoft.com/office/drawing/2014/main" id="{71C40942-AFBC-AF8C-7996-43AB03F77B2B}"/>
+            </a:ext>
+          </a:extLst>
+        </p:cNvPr>
+        <p:cNvGrpSpPr/>
+        <p:nvPr/>
+      </p:nvGrpSpPr>
+      <p:grpSpPr>
+        <a:xfrm>
+          <a:off x="0" y="0"/>
+          <a:ext cx="0" cy="0"/>
+          <a:chOff x="0" y="0"/>
+          <a:chExt cx="0" cy="0"/>
+        </a:xfrm>
+      </p:grpSpPr>
+      <p:sp>
+        <p:nvSpPr>
+          <p:cNvPr id="9" name="Rectangle 8">
+            <a:extLst>
+              <a:ext uri="{FF2B5EF4-FFF2-40B4-BE49-F238E27FC236}">
+                <a16:creationId xmlns:a16="http://schemas.microsoft.com/office/drawing/2014/main" id="{A9F529C3-C941-49FD-8C67-82F134F64BDB}"/>
+              </a:ext>
+              <a:ext uri="{C183D7F6-B498-43B3-948B-1728B52AA6E4}">
+                <adec:decorative xmlns:adec="http://schemas.microsoft.com/office/drawing/2017/decorative" val="1"/>
+              </a:ext>
+            </a:extLst>
+          </p:cNvPr>
+          <p:cNvSpPr>
+            <a:spLocks noGrp="1" noRot="1" noChangeAspect="1" noMove="1" noResize="1" noEditPoints="1" noAdjustHandles="1" noChangeArrowheads="1" noChangeShapeType="1" noTextEdit="1"/>
+          </p:cNvSpPr>
+          <p:nvPr>
+            <p:extLst>
+              <p:ext uri="{386F3935-93C4-4BCD-93E2-E3B085C9AB24}">
+                <p16:designElem xmlns:p16="http://schemas.microsoft.com/office/powerpoint/2015/main" val="1"/>
+              </p:ext>
+            </p:extLst>
+          </p:nvPr>
+        </p:nvSpPr>
+        <p:spPr>
+          <a:xfrm>
+            <a:off x="0" y="0"/>
+            <a:ext cx="12192000" cy="6858000"/>
+          </a:xfrm>
+          <a:prstGeom prst="rect">
+            <a:avLst/>
+          </a:prstGeom>
+          <a:solidFill>
+            <a:schemeClr val="tx1">
+              <a:lumMod val="50000"/>
+              <a:lumOff val="50000"/>
+              <a:alpha val="30000"/>
+            </a:schemeClr>
+          </a:solidFill>
+          <a:ln>
+            <a:noFill/>
+          </a:ln>
+        </p:spPr>
+        <p:style>
+          <a:lnRef idx="2">
+            <a:schemeClr val="accent1">
+              <a:shade val="50000"/>
+            </a:schemeClr>
+          </a:lnRef>
+          <a:fillRef idx="1">
+            <a:schemeClr val="accent1"/>
+          </a:fillRef>
+          <a:effectRef idx="0">
+            <a:schemeClr val="accent1"/>
+          </a:effectRef>
+          <a:fontRef idx="minor">
+            <a:schemeClr val="lt1"/>
+          </a:fontRef>
+        </p:style>
+        <p:txBody>
+          <a:bodyPr rtlCol="0" anchor="ctr"/>
+          <a:lstStyle/>
+          <a:p>
+            <a:pPr algn="ctr"/>
+            <a:endParaRPr lang="en-US"/>
+          </a:p>
+        </p:txBody>
+      </p:sp>
+      <p:sp>
+        <p:nvSpPr>
+          <p:cNvPr id="11" name="Rectangle 10">
+            <a:extLst>
+              <a:ext uri="{FF2B5EF4-FFF2-40B4-BE49-F238E27FC236}">
+                <a16:creationId xmlns:a16="http://schemas.microsoft.com/office/drawing/2014/main" id="{20586029-32A0-47E5-9AEC-AE3ABA6B94D0}"/>
+              </a:ext>
+              <a:ext uri="{C183D7F6-B498-43B3-948B-1728B52AA6E4}">
+                <adec:decorative xmlns:adec="http://schemas.microsoft.com/office/drawing/2017/decorative" val="1"/>
+              </a:ext>
+            </a:extLst>
+          </p:cNvPr>
+          <p:cNvSpPr>
+            <a:spLocks noGrp="1" noRot="1" noChangeAspect="1" noMove="1" noResize="1" noEditPoints="1" noAdjustHandles="1" noChangeArrowheads="1" noChangeShapeType="1" noTextEdit="1"/>
+          </p:cNvSpPr>
+          <p:nvPr>
+            <p:extLst>
+              <p:ext uri="{386F3935-93C4-4BCD-93E2-E3B085C9AB24}">
+                <p16:designElem xmlns:p16="http://schemas.microsoft.com/office/powerpoint/2015/main" val="1"/>
+              </p:ext>
+            </p:extLst>
+          </p:nvPr>
+        </p:nvSpPr>
+        <p:spPr>
+          <a:xfrm>
+            <a:off x="477012" y="480060"/>
+            <a:ext cx="11237976" cy="5897880"/>
+          </a:xfrm>
+          <a:prstGeom prst="rect">
+            <a:avLst/>
+          </a:prstGeom>
+          <a:solidFill>
+            <a:srgbClr val="FFFFFF"/>
+          </a:solidFill>
+          <a:ln w="9525">
+            <a:noFill/>
+          </a:ln>
+          <a:effectLst>
+            <a:outerShdw blurRad="63500" dist="17780" dir="5400000" algn="t" rotWithShape="0">
+              <a:prstClr val="black">
+                <a:alpha val="43000"/>
+              </a:prstClr>
+            </a:outerShdw>
+          </a:effectLst>
+        </p:spPr>
+        <p:style>
+          <a:lnRef idx="2">
+            <a:schemeClr val="accent1">
+              <a:shade val="50000"/>
+            </a:schemeClr>
+          </a:lnRef>
+          <a:fillRef idx="1">
+            <a:schemeClr val="accent1"/>
+          </a:fillRef>
+          <a:effectRef idx="0">
+            <a:schemeClr val="accent1"/>
+          </a:effectRef>
+          <a:fontRef idx="minor">
+            <a:schemeClr val="lt1"/>
+          </a:fontRef>
+        </p:style>
+        <p:txBody>
+          <a:bodyPr rtlCol="0" anchor="ctr"/>
+          <a:lstStyle/>
+          <a:p>
+            <a:pPr algn="ctr"/>
+            <a:endParaRPr lang="en-US"/>
+          </a:p>
+        </p:txBody>
+      </p:sp>
+      <p:pic>
+        <p:nvPicPr>
+          <p:cNvPr id="3" name="Picture 2" descr="A screenshot of a wifi sign&#10;&#10;AI-generated content may be incorrect.">
+            <a:extLst>
+              <a:ext uri="{FF2B5EF4-FFF2-40B4-BE49-F238E27FC236}">
+                <a16:creationId xmlns:a16="http://schemas.microsoft.com/office/drawing/2014/main" id="{B22306EA-B863-9A66-52C5-0E89662A1E4E}"/>
+              </a:ext>
+            </a:extLst>
+          </p:cNvPr>
+          <p:cNvPicPr>
+            <a:picLocks noChangeAspect="1"/>
+          </p:cNvPicPr>
+          <p:nvPr/>
+        </p:nvPicPr>
+        <p:blipFill>
+          <a:blip r:embed="rId2"/>
+          <a:stretch>
+            <a:fillRect/>
+          </a:stretch>
+        </p:blipFill>
+        <p:spPr>
+          <a:xfrm>
+            <a:off x="1891095" y="643466"/>
+            <a:ext cx="2799460" cy="5571066"/>
+          </a:xfrm>
+          <a:prstGeom prst="rect">
+            <a:avLst/>
+          </a:prstGeom>
+        </p:spPr>
+      </p:pic>
+      <p:cxnSp>
+        <p:nvCxnSpPr>
+          <p:cNvPr id="13" name="Straight Connector 12">
+            <a:extLst>
+              <a:ext uri="{FF2B5EF4-FFF2-40B4-BE49-F238E27FC236}">
+                <a16:creationId xmlns:a16="http://schemas.microsoft.com/office/drawing/2014/main" id="{8C730EAB-A532-4295-A302-FB4B90DB9F5E}"/>
+              </a:ext>
+              <a:ext uri="{C183D7F6-B498-43B3-948B-1728B52AA6E4}">
+                <adec:decorative xmlns:adec="http://schemas.microsoft.com/office/drawing/2017/decorative" val="1"/>
+              </a:ext>
+            </a:extLst>
+          </p:cNvPr>
+          <p:cNvCxnSpPr>
+            <a:cxnSpLocks noGrp="1" noRot="1" noChangeAspect="1" noMove="1" noResize="1" noEditPoints="1" noAdjustHandles="1" noChangeArrowheads="1" noChangeShapeType="1"/>
+          </p:cNvCxnSpPr>
+          <p:nvPr>
+            <p:extLst>
+              <p:ext uri="{386F3935-93C4-4BCD-93E2-E3B085C9AB24}">
+                <p16:designElem xmlns:p16="http://schemas.microsoft.com/office/powerpoint/2015/main" val="1"/>
+              </p:ext>
+            </p:extLst>
+          </p:nvPr>
+        </p:nvCxnSpPr>
+        <p:spPr>
+          <a:xfrm>
+            <a:off x="6079958" y="1143000"/>
+            <a:ext cx="0" cy="4572000"/>
+          </a:xfrm>
+          <a:prstGeom prst="line">
+            <a:avLst/>
+          </a:prstGeom>
+          <a:ln>
+            <a:solidFill>
+              <a:srgbClr val="4E4E4E"/>
+            </a:solidFill>
+          </a:ln>
+        </p:spPr>
+        <p:style>
+          <a:lnRef idx="1">
+            <a:schemeClr val="accent1"/>
+          </a:lnRef>
+          <a:fillRef idx="0">
+            <a:schemeClr val="accent1"/>
+          </a:fillRef>
+          <a:effectRef idx="0">
+            <a:schemeClr val="accent1"/>
+          </a:effectRef>
+          <a:fontRef idx="minor">
+            <a:schemeClr val="tx1"/>
+          </a:fontRef>
+        </p:style>
+      </p:cxnSp>
+      <p:pic>
+        <p:nvPicPr>
+          <p:cNvPr id="4" name="Picture 3" descr="A screen shot of a wifi connection&#10;&#10;AI-generated content may be incorrect.">
+            <a:extLst>
+              <a:ext uri="{FF2B5EF4-FFF2-40B4-BE49-F238E27FC236}">
+                <a16:creationId xmlns:a16="http://schemas.microsoft.com/office/drawing/2014/main" id="{90BB192D-5E89-4B86-9452-CF31E400A55B}"/>
+              </a:ext>
+            </a:extLst>
+          </p:cNvPr>
+          <p:cNvPicPr>
+            <a:picLocks noChangeAspect="1"/>
+          </p:cNvPicPr>
+          <p:nvPr/>
+        </p:nvPicPr>
+        <p:blipFill>
+          <a:blip r:embed="rId3"/>
+          <a:stretch>
+            <a:fillRect/>
+          </a:stretch>
+        </p:blipFill>
+        <p:spPr>
+          <a:xfrm>
+            <a:off x="7598938" y="643467"/>
+            <a:ext cx="2604473" cy="5571066"/>
+          </a:xfrm>
+          <a:prstGeom prst="rect">
+            <a:avLst/>
+          </a:prstGeom>
+        </p:spPr>
+      </p:pic>
+    </p:spTree>
+    <p:extLst>
+      <p:ext uri="{BB962C8B-B14F-4D97-AF65-F5344CB8AC3E}">
+        <p14:creationId xmlns:p14="http://schemas.microsoft.com/office/powerpoint/2010/main" val="4123466674"/>
+      </p:ext>
+    </p:extLst>
+  </p:cSld>
+  <p:clrMapOvr>
+    <a:masterClrMapping/>
+  </p:clrMapOvr>
+  <mc:AlternateContent xmlns:mc="http://schemas.openxmlformats.org/markup-compatibility/2006" xmlns:p14="http://schemas.microsoft.com/office/powerpoint/2010/main">
+    <mc:Choice Requires="p14">
+      <p:transition spd="med" p14:dur="700">
+        <p:fade/>
+      </p:transition>
+    </mc:Choice>
+    <mc:Fallback xmlns="">
+      <p:transition spd="med">
+        <p:fade/>
+      </p:transition>
+    </mc:Fallback>
+  </mc:AlternateContent>
+</p:sld>
+</file>
+
+<file path=ppt/slides/slide11.xml><?xml version="1.0" encoding="utf-8"?>
+<p:sld xmlns:a="http://schemas.openxmlformats.org/drawingml/2006/main" xmlns:r="http://schemas.openxmlformats.org/officeDocument/2006/relationships" xmlns:p="http://schemas.openxmlformats.org/presentationml/2006/main">
+  <p:cSld>
+    <p:bg>
+      <p:bgPr>
+        <a:solidFill>
+          <a:schemeClr val="bg1"/>
+        </a:solidFill>
+        <a:effectLst/>
+      </p:bgPr>
+    </p:bg>
+    <p:spTree>
+      <p:nvGrpSpPr>
+        <p:cNvPr id="1" name="">
+          <a:extLst>
+            <a:ext uri="{FF2B5EF4-FFF2-40B4-BE49-F238E27FC236}">
+              <a16:creationId xmlns:a16="http://schemas.microsoft.com/office/drawing/2014/main" id="{102A357C-27EF-1B6F-398E-92777F5ABD5D}"/>
+            </a:ext>
+          </a:extLst>
+        </p:cNvPr>
+        <p:cNvGrpSpPr/>
+        <p:nvPr/>
+      </p:nvGrpSpPr>
+      <p:grpSpPr>
+        <a:xfrm>
+          <a:off x="0" y="0"/>
+          <a:ext cx="0" cy="0"/>
+          <a:chOff x="0" y="0"/>
+          <a:chExt cx="0" cy="0"/>
+        </a:xfrm>
+      </p:grpSpPr>
+      <p:sp>
+        <p:nvSpPr>
+          <p:cNvPr id="58" name="Rectangle 57">
+            <a:extLst>
+              <a:ext uri="{FF2B5EF4-FFF2-40B4-BE49-F238E27FC236}">
+                <a16:creationId xmlns:a16="http://schemas.microsoft.com/office/drawing/2014/main" id="{A9F529C3-C941-49FD-8C67-82F134F64BDB}"/>
+              </a:ext>
+              <a:ext uri="{C183D7F6-B498-43B3-948B-1728B52AA6E4}">
+                <adec:decorative xmlns:adec="http://schemas.microsoft.com/office/drawing/2017/decorative" val="1"/>
+              </a:ext>
+            </a:extLst>
+          </p:cNvPr>
+          <p:cNvSpPr>
+            <a:spLocks noGrp="1" noRot="1" noChangeAspect="1" noMove="1" noResize="1" noEditPoints="1" noAdjustHandles="1" noChangeArrowheads="1" noChangeShapeType="1" noTextEdit="1"/>
+          </p:cNvSpPr>
+          <p:nvPr>
+            <p:extLst>
+              <p:ext uri="{386F3935-93C4-4BCD-93E2-E3B085C9AB24}">
+                <p16:designElem xmlns:p16="http://schemas.microsoft.com/office/powerpoint/2015/main" val="1"/>
+              </p:ext>
+            </p:extLst>
+          </p:nvPr>
+        </p:nvSpPr>
+        <p:spPr>
+          <a:xfrm>
+            <a:off x="0" y="0"/>
+            <a:ext cx="12192000" cy="6858000"/>
+          </a:xfrm>
+          <a:prstGeom prst="rect">
+            <a:avLst/>
+          </a:prstGeom>
+          <a:solidFill>
+            <a:schemeClr val="tx1">
+              <a:lumMod val="50000"/>
+              <a:lumOff val="50000"/>
+              <a:alpha val="30000"/>
+            </a:schemeClr>
+          </a:solidFill>
+          <a:ln>
+            <a:noFill/>
+          </a:ln>
+        </p:spPr>
+        <p:style>
+          <a:lnRef idx="2">
+            <a:schemeClr val="accent1">
+              <a:shade val="50000"/>
+            </a:schemeClr>
+          </a:lnRef>
+          <a:fillRef idx="1">
+            <a:schemeClr val="accent1"/>
+          </a:fillRef>
+          <a:effectRef idx="0">
+            <a:schemeClr val="accent1"/>
+          </a:effectRef>
+          <a:fontRef idx="minor">
+            <a:schemeClr val="lt1"/>
+          </a:fontRef>
+        </p:style>
+        <p:txBody>
+          <a:bodyPr rtlCol="0" anchor="ctr"/>
+          <a:lstStyle/>
+          <a:p>
+            <a:pPr algn="ctr"/>
+            <a:endParaRPr lang="en-US"/>
+          </a:p>
+        </p:txBody>
+      </p:sp>
+      <p:sp>
+        <p:nvSpPr>
+          <p:cNvPr id="60" name="Rectangle 59">
+            <a:extLst>
+              <a:ext uri="{FF2B5EF4-FFF2-40B4-BE49-F238E27FC236}">
+                <a16:creationId xmlns:a16="http://schemas.microsoft.com/office/drawing/2014/main" id="{20586029-32A0-47E5-9AEC-AE3ABA6B94D0}"/>
+              </a:ext>
+              <a:ext uri="{C183D7F6-B498-43B3-948B-1728B52AA6E4}">
+                <adec:decorative xmlns:adec="http://schemas.microsoft.com/office/drawing/2017/decorative" val="1"/>
+              </a:ext>
+            </a:extLst>
+          </p:cNvPr>
+          <p:cNvSpPr>
+            <a:spLocks noGrp="1" noRot="1" noChangeAspect="1" noMove="1" noResize="1" noEditPoints="1" noAdjustHandles="1" noChangeArrowheads="1" noChangeShapeType="1" noTextEdit="1"/>
+          </p:cNvSpPr>
+          <p:nvPr>
+            <p:extLst>
+              <p:ext uri="{386F3935-93C4-4BCD-93E2-E3B085C9AB24}">
+                <p16:designElem xmlns:p16="http://schemas.microsoft.com/office/powerpoint/2015/main" val="1"/>
+              </p:ext>
+            </p:extLst>
+          </p:nvPr>
+        </p:nvSpPr>
+        <p:spPr>
+          <a:xfrm>
+            <a:off x="477012" y="480060"/>
+            <a:ext cx="11237976" cy="5897880"/>
+          </a:xfrm>
+          <a:prstGeom prst="rect">
+            <a:avLst/>
+          </a:prstGeom>
+          <a:solidFill>
+            <a:srgbClr val="FFFFFF"/>
+          </a:solidFill>
+          <a:ln w="9525">
+            <a:noFill/>
+          </a:ln>
+          <a:effectLst>
+            <a:outerShdw blurRad="63500" dist="17780" dir="5400000" algn="t" rotWithShape="0">
+              <a:prstClr val="black">
+                <a:alpha val="43000"/>
+              </a:prstClr>
+            </a:outerShdw>
+          </a:effectLst>
+        </p:spPr>
+        <p:style>
+          <a:lnRef idx="2">
+            <a:schemeClr val="accent1">
+              <a:shade val="50000"/>
+            </a:schemeClr>
+          </a:lnRef>
+          <a:fillRef idx="1">
+            <a:schemeClr val="accent1"/>
+          </a:fillRef>
+          <a:effectRef idx="0">
+            <a:schemeClr val="accent1"/>
+          </a:effectRef>
+          <a:fontRef idx="minor">
+            <a:schemeClr val="lt1"/>
+          </a:fontRef>
+        </p:style>
+        <p:txBody>
+          <a:bodyPr rtlCol="0" anchor="ctr"/>
+          <a:lstStyle/>
+          <a:p>
+            <a:pPr algn="ctr"/>
+            <a:endParaRPr lang="en-US"/>
+          </a:p>
+        </p:txBody>
+      </p:sp>
+      <p:pic>
+        <p:nvPicPr>
+          <p:cNvPr id="3" name="Picture 2" descr="A screenshot of a phone&#10;&#10;AI-generated content may be incorrect.">
+            <a:extLst>
+              <a:ext uri="{FF2B5EF4-FFF2-40B4-BE49-F238E27FC236}">
+                <a16:creationId xmlns:a16="http://schemas.microsoft.com/office/drawing/2014/main" id="{C6B2A4B3-D30A-A1CB-84CB-6150A352574E}"/>
+              </a:ext>
+            </a:extLst>
+          </p:cNvPr>
+          <p:cNvPicPr>
+            <a:picLocks noChangeAspect="1"/>
+          </p:cNvPicPr>
+          <p:nvPr/>
+        </p:nvPicPr>
+        <p:blipFill>
+          <a:blip r:embed="rId2"/>
+          <a:stretch>
+            <a:fillRect/>
+          </a:stretch>
+        </p:blipFill>
+        <p:spPr>
+          <a:xfrm>
+            <a:off x="1932878" y="643466"/>
+            <a:ext cx="2715894" cy="5571066"/>
+          </a:xfrm>
+          <a:prstGeom prst="rect">
+            <a:avLst/>
+          </a:prstGeom>
+        </p:spPr>
+      </p:pic>
+      <p:cxnSp>
+        <p:nvCxnSpPr>
+          <p:cNvPr id="62" name="Straight Connector 61">
+            <a:extLst>
+              <a:ext uri="{FF2B5EF4-FFF2-40B4-BE49-F238E27FC236}">
+                <a16:creationId xmlns:a16="http://schemas.microsoft.com/office/drawing/2014/main" id="{8C730EAB-A532-4295-A302-FB4B90DB9F5E}"/>
+              </a:ext>
+              <a:ext uri="{C183D7F6-B498-43B3-948B-1728B52AA6E4}">
+                <adec:decorative xmlns:adec="http://schemas.microsoft.com/office/drawing/2017/decorative" val="1"/>
+              </a:ext>
+            </a:extLst>
+          </p:cNvPr>
+          <p:cNvCxnSpPr>
+            <a:cxnSpLocks noGrp="1" noRot="1" noChangeAspect="1" noMove="1" noResize="1" noEditPoints="1" noAdjustHandles="1" noChangeArrowheads="1" noChangeShapeType="1"/>
+          </p:cNvCxnSpPr>
+          <p:nvPr>
+            <p:extLst>
+              <p:ext uri="{386F3935-93C4-4BCD-93E2-E3B085C9AB24}">
+                <p16:designElem xmlns:p16="http://schemas.microsoft.com/office/powerpoint/2015/main" val="1"/>
+              </p:ext>
+            </p:extLst>
+          </p:nvPr>
+        </p:nvCxnSpPr>
+        <p:spPr>
+          <a:xfrm>
+            <a:off x="6079958" y="1143000"/>
+            <a:ext cx="0" cy="4572000"/>
+          </a:xfrm>
+          <a:prstGeom prst="line">
+            <a:avLst/>
+          </a:prstGeom>
+          <a:ln>
+            <a:solidFill>
+              <a:srgbClr val="4E4E4E"/>
+            </a:solidFill>
+          </a:ln>
+        </p:spPr>
+        <p:style>
+          <a:lnRef idx="1">
+            <a:schemeClr val="accent1"/>
+          </a:lnRef>
+          <a:fillRef idx="0">
+            <a:schemeClr val="accent1"/>
+          </a:fillRef>
+          <a:effectRef idx="0">
+            <a:schemeClr val="accent1"/>
+          </a:effectRef>
+          <a:fontRef idx="minor">
+            <a:schemeClr val="tx1"/>
+          </a:fontRef>
+        </p:style>
+      </p:cxnSp>
+      <p:pic>
+        <p:nvPicPr>
+          <p:cNvPr id="6" name="Picture 5" descr="A screen shot of a phone&#10;&#10;AI-generated content may be incorrect.">
+            <a:extLst>
+              <a:ext uri="{FF2B5EF4-FFF2-40B4-BE49-F238E27FC236}">
+                <a16:creationId xmlns:a16="http://schemas.microsoft.com/office/drawing/2014/main" id="{A711DF69-4271-468D-6634-E67F8973AAE5}"/>
+              </a:ext>
+            </a:extLst>
+          </p:cNvPr>
+          <p:cNvPicPr>
+            <a:picLocks noChangeAspect="1"/>
+          </p:cNvPicPr>
+          <p:nvPr/>
+        </p:nvPicPr>
+        <p:blipFill>
+          <a:blip r:embed="rId3"/>
+          <a:stretch>
+            <a:fillRect/>
+          </a:stretch>
+        </p:blipFill>
+        <p:spPr>
+          <a:xfrm>
+            <a:off x="7598938" y="643467"/>
+            <a:ext cx="2604473" cy="5571066"/>
+          </a:xfrm>
+          <a:prstGeom prst="rect">
+            <a:avLst/>
+          </a:prstGeom>
+        </p:spPr>
+      </p:pic>
+    </p:spTree>
+    <p:extLst>
+      <p:ext uri="{BB962C8B-B14F-4D97-AF65-F5344CB8AC3E}">
+        <p14:creationId xmlns:p14="http://schemas.microsoft.com/office/powerpoint/2010/main" val="2940934515"/>
+      </p:ext>
+    </p:extLst>
+  </p:cSld>
+  <p:clrMapOvr>
+    <a:masterClrMapping/>
+  </p:clrMapOvr>
+  <mc:AlternateContent xmlns:mc="http://schemas.openxmlformats.org/markup-compatibility/2006" xmlns:p14="http://schemas.microsoft.com/office/powerpoint/2010/main">
+    <mc:Choice Requires="p14">
+      <p:transition spd="med" p14:dur="700">
+        <p:fade/>
+      </p:transition>
+    </mc:Choice>
+    <mc:Fallback xmlns="">
+      <p:transition spd="med">
+        <p:fade/>
+      </p:transition>
+    </mc:Fallback>
+  </mc:AlternateContent>
+</p:sld>
+</file>
+
 <file path=ppt/slides/slide2.xml><?xml version="1.0" encoding="utf-8"?>
 <p:sld xmlns:a="http://schemas.openxmlformats.org/drawingml/2006/main" xmlns:r="http://schemas.openxmlformats.org/officeDocument/2006/relationships" xmlns:p="http://schemas.openxmlformats.org/presentationml/2006/main">
   <p:cSld>
@@ -4009,13 +4891,13 @@
   <p:clrMapOvr>
     <a:masterClrMapping/>
   </p:clrMapOvr>
-  <mc:AlternateContent xmlns:mc="http://schemas.openxmlformats.org/markup-compatibility/2006">
-    <mc:Choice xmlns:p14="http://schemas.microsoft.com/office/powerpoint/2010/main" Requires="p14">
+  <mc:AlternateContent xmlns:mc="http://schemas.openxmlformats.org/markup-compatibility/2006" xmlns:p14="http://schemas.microsoft.com/office/powerpoint/2010/main">
+    <mc:Choice Requires="p14">
       <p:transition spd="slow" p14:dur="800">
         <p:circle/>
       </p:transition>
     </mc:Choice>
-    <mc:Fallback>
+    <mc:Fallback xmlns="">
       <p:transition spd="slow">
         <p:circle/>
       </p:transition>
@@ -4650,6 +5532,516 @@
           </a:prstGeom>
         </p:spPr>
       </p:pic>
+      <mc:AlternateContent xmlns:mc="http://schemas.openxmlformats.org/markup-compatibility/2006">
+        <mc:Choice xmlns:p14="http://schemas.microsoft.com/office/powerpoint/2010/main" Requires="p14">
+          <p:contentPart p14:bwMode="auto" r:id="rId3">
+            <p14:nvContentPartPr>
+              <p14:cNvPr id="6" name="Ink 5">
+                <a:extLst>
+                  <a:ext uri="{FF2B5EF4-FFF2-40B4-BE49-F238E27FC236}">
+                    <a16:creationId xmlns:a16="http://schemas.microsoft.com/office/drawing/2014/main" id="{B232295E-377C-F7D8-9213-CBD857EE5E46}"/>
+                  </a:ext>
+                </a:extLst>
+              </p14:cNvPr>
+              <p14:cNvContentPartPr/>
+              <p14:nvPr/>
+            </p14:nvContentPartPr>
+            <p14:xfrm>
+              <a:off x="1318782" y="3666330"/>
+              <a:ext cx="266040" cy="216000"/>
+            </p14:xfrm>
+          </p:contentPart>
+        </mc:Choice>
+        <mc:Fallback>
+          <p:pic>
+            <p:nvPicPr>
+              <p:cNvPr id="6" name="Ink 5">
+                <a:extLst>
+                  <a:ext uri="{FF2B5EF4-FFF2-40B4-BE49-F238E27FC236}">
+                    <a16:creationId xmlns:a16="http://schemas.microsoft.com/office/drawing/2014/main" id="{B232295E-377C-F7D8-9213-CBD857EE5E46}"/>
+                  </a:ext>
+                </a:extLst>
+              </p:cNvPr>
+              <p:cNvPicPr/>
+              <p:nvPr/>
+            </p:nvPicPr>
+            <p:blipFill>
+              <a:blip r:embed="rId4"/>
+              <a:stretch>
+                <a:fillRect/>
+              </a:stretch>
+            </p:blipFill>
+            <p:spPr>
+              <a:xfrm>
+                <a:off x="1310142" y="3657330"/>
+                <a:ext cx="283680" cy="233640"/>
+              </a:xfrm>
+              <a:prstGeom prst="rect">
+                <a:avLst/>
+              </a:prstGeom>
+            </p:spPr>
+          </p:pic>
+        </mc:Fallback>
+      </mc:AlternateContent>
+      <mc:AlternateContent xmlns:mc="http://schemas.openxmlformats.org/markup-compatibility/2006">
+        <mc:Choice xmlns:p14="http://schemas.microsoft.com/office/powerpoint/2010/main" Requires="p14">
+          <p:contentPart p14:bwMode="auto" r:id="rId5">
+            <p14:nvContentPartPr>
+              <p14:cNvPr id="7" name="Ink 6">
+                <a:extLst>
+                  <a:ext uri="{FF2B5EF4-FFF2-40B4-BE49-F238E27FC236}">
+                    <a16:creationId xmlns:a16="http://schemas.microsoft.com/office/drawing/2014/main" id="{15181B0D-41CE-B37B-786C-43E511C6106A}"/>
+                  </a:ext>
+                </a:extLst>
+              </p14:cNvPr>
+              <p14:cNvContentPartPr/>
+              <p14:nvPr/>
+            </p14:nvContentPartPr>
+            <p14:xfrm>
+              <a:off x="1339302" y="4636530"/>
+              <a:ext cx="191160" cy="296640"/>
+            </p14:xfrm>
+          </p:contentPart>
+        </mc:Choice>
+        <mc:Fallback>
+          <p:pic>
+            <p:nvPicPr>
+              <p:cNvPr id="7" name="Ink 6">
+                <a:extLst>
+                  <a:ext uri="{FF2B5EF4-FFF2-40B4-BE49-F238E27FC236}">
+                    <a16:creationId xmlns:a16="http://schemas.microsoft.com/office/drawing/2014/main" id="{15181B0D-41CE-B37B-786C-43E511C6106A}"/>
+                  </a:ext>
+                </a:extLst>
+              </p:cNvPr>
+              <p:cNvPicPr/>
+              <p:nvPr/>
+            </p:nvPicPr>
+            <p:blipFill>
+              <a:blip r:embed="rId6"/>
+              <a:stretch>
+                <a:fillRect/>
+              </a:stretch>
+            </p:blipFill>
+            <p:spPr>
+              <a:xfrm>
+                <a:off x="1330302" y="4627890"/>
+                <a:ext cx="208800" cy="314280"/>
+              </a:xfrm>
+              <a:prstGeom prst="rect">
+                <a:avLst/>
+              </a:prstGeom>
+            </p:spPr>
+          </p:pic>
+        </mc:Fallback>
+      </mc:AlternateContent>
+      <mc:AlternateContent xmlns:mc="http://schemas.openxmlformats.org/markup-compatibility/2006">
+        <mc:Choice xmlns:p14="http://schemas.microsoft.com/office/powerpoint/2010/main" Requires="p14">
+          <p:contentPart p14:bwMode="auto" r:id="rId7">
+            <p14:nvContentPartPr>
+              <p14:cNvPr id="9" name="Ink 8">
+                <a:extLst>
+                  <a:ext uri="{FF2B5EF4-FFF2-40B4-BE49-F238E27FC236}">
+                    <a16:creationId xmlns:a16="http://schemas.microsoft.com/office/drawing/2014/main" id="{EC965BFC-0A28-FAAC-115F-C90BCC4D9E32}"/>
+                  </a:ext>
+                </a:extLst>
+              </p14:cNvPr>
+              <p14:cNvContentPartPr/>
+              <p14:nvPr/>
+            </p14:nvContentPartPr>
+            <p14:xfrm>
+              <a:off x="8064462" y="2597850"/>
+              <a:ext cx="10440" cy="300240"/>
+            </p14:xfrm>
+          </p:contentPart>
+        </mc:Choice>
+        <mc:Fallback>
+          <p:pic>
+            <p:nvPicPr>
+              <p:cNvPr id="9" name="Ink 8">
+                <a:extLst>
+                  <a:ext uri="{FF2B5EF4-FFF2-40B4-BE49-F238E27FC236}">
+                    <a16:creationId xmlns:a16="http://schemas.microsoft.com/office/drawing/2014/main" id="{EC965BFC-0A28-FAAC-115F-C90BCC4D9E32}"/>
+                  </a:ext>
+                </a:extLst>
+              </p:cNvPr>
+              <p:cNvPicPr/>
+              <p:nvPr/>
+            </p:nvPicPr>
+            <p:blipFill>
+              <a:blip r:embed="rId8"/>
+              <a:stretch>
+                <a:fillRect/>
+              </a:stretch>
+            </p:blipFill>
+            <p:spPr>
+              <a:xfrm>
+                <a:off x="8055462" y="2589210"/>
+                <a:ext cx="28080" cy="317880"/>
+              </a:xfrm>
+              <a:prstGeom prst="rect">
+                <a:avLst/>
+              </a:prstGeom>
+            </p:spPr>
+          </p:pic>
+        </mc:Fallback>
+      </mc:AlternateContent>
+      <mc:AlternateContent xmlns:mc="http://schemas.openxmlformats.org/markup-compatibility/2006">
+        <mc:Choice xmlns:p14="http://schemas.microsoft.com/office/powerpoint/2010/main" Requires="p14">
+          <p:contentPart p14:bwMode="auto" r:id="rId9">
+            <p14:nvContentPartPr>
+              <p14:cNvPr id="18" name="Ink 17">
+                <a:extLst>
+                  <a:ext uri="{FF2B5EF4-FFF2-40B4-BE49-F238E27FC236}">
+                    <a16:creationId xmlns:a16="http://schemas.microsoft.com/office/drawing/2014/main" id="{79FA70FB-891C-F8C3-563E-AE27D4E2CC61}"/>
+                  </a:ext>
+                </a:extLst>
+              </p14:cNvPr>
+              <p14:cNvContentPartPr/>
+              <p14:nvPr/>
+            </p14:nvContentPartPr>
+            <p14:xfrm>
+              <a:off x="7880533" y="2622865"/>
+              <a:ext cx="303120" cy="154440"/>
+            </p14:xfrm>
+          </p:contentPart>
+        </mc:Choice>
+        <mc:Fallback>
+          <p:pic>
+            <p:nvPicPr>
+              <p:cNvPr id="18" name="Ink 17">
+                <a:extLst>
+                  <a:ext uri="{FF2B5EF4-FFF2-40B4-BE49-F238E27FC236}">
+                    <a16:creationId xmlns:a16="http://schemas.microsoft.com/office/drawing/2014/main" id="{79FA70FB-891C-F8C3-563E-AE27D4E2CC61}"/>
+                  </a:ext>
+                </a:extLst>
+              </p:cNvPr>
+              <p:cNvPicPr/>
+              <p:nvPr/>
+            </p:nvPicPr>
+            <p:blipFill>
+              <a:blip r:embed="rId10"/>
+              <a:stretch>
+                <a:fillRect/>
+              </a:stretch>
+            </p:blipFill>
+            <p:spPr>
+              <a:xfrm>
+                <a:off x="7871533" y="2613865"/>
+                <a:ext cx="320760" cy="172080"/>
+              </a:xfrm>
+              <a:prstGeom prst="rect">
+                <a:avLst/>
+              </a:prstGeom>
+            </p:spPr>
+          </p:pic>
+        </mc:Fallback>
+      </mc:AlternateContent>
+      <mc:AlternateContent xmlns:mc="http://schemas.openxmlformats.org/markup-compatibility/2006">
+        <mc:Choice xmlns:p14="http://schemas.microsoft.com/office/powerpoint/2010/main" Requires="p14">
+          <p:contentPart p14:bwMode="auto" r:id="rId11">
+            <p14:nvContentPartPr>
+              <p14:cNvPr id="20" name="Ink 19">
+                <a:extLst>
+                  <a:ext uri="{FF2B5EF4-FFF2-40B4-BE49-F238E27FC236}">
+                    <a16:creationId xmlns:a16="http://schemas.microsoft.com/office/drawing/2014/main" id="{6D459C65-C6E2-67ED-69B6-605745F5AD99}"/>
+                  </a:ext>
+                </a:extLst>
+              </p14:cNvPr>
+              <p14:cNvContentPartPr/>
+              <p14:nvPr/>
+            </p14:nvContentPartPr>
+            <p14:xfrm>
+              <a:off x="7737613" y="3581185"/>
+              <a:ext cx="167040" cy="360"/>
+            </p14:xfrm>
+          </p:contentPart>
+        </mc:Choice>
+        <mc:Fallback>
+          <p:pic>
+            <p:nvPicPr>
+              <p:cNvPr id="20" name="Ink 19">
+                <a:extLst>
+                  <a:ext uri="{FF2B5EF4-FFF2-40B4-BE49-F238E27FC236}">
+                    <a16:creationId xmlns:a16="http://schemas.microsoft.com/office/drawing/2014/main" id="{6D459C65-C6E2-67ED-69B6-605745F5AD99}"/>
+                  </a:ext>
+                </a:extLst>
+              </p:cNvPr>
+              <p:cNvPicPr/>
+              <p:nvPr/>
+            </p:nvPicPr>
+            <p:blipFill>
+              <a:blip r:embed="rId12"/>
+              <a:stretch>
+                <a:fillRect/>
+              </a:stretch>
+            </p:blipFill>
+            <p:spPr>
+              <a:xfrm>
+                <a:off x="7728973" y="3572185"/>
+                <a:ext cx="184680" cy="18000"/>
+              </a:xfrm>
+              <a:prstGeom prst="rect">
+                <a:avLst/>
+              </a:prstGeom>
+            </p:spPr>
+          </p:pic>
+        </mc:Fallback>
+      </mc:AlternateContent>
+      <mc:AlternateContent xmlns:mc="http://schemas.openxmlformats.org/markup-compatibility/2006">
+        <mc:Choice xmlns:p14="http://schemas.microsoft.com/office/powerpoint/2010/main" Requires="p14">
+          <p:contentPart p14:bwMode="auto" r:id="rId13">
+            <p14:nvContentPartPr>
+              <p14:cNvPr id="22" name="Ink 21">
+                <a:extLst>
+                  <a:ext uri="{FF2B5EF4-FFF2-40B4-BE49-F238E27FC236}">
+                    <a16:creationId xmlns:a16="http://schemas.microsoft.com/office/drawing/2014/main" id="{831A1A4F-A7F8-409D-714B-FD2C5117FA78}"/>
+                  </a:ext>
+                </a:extLst>
+              </p14:cNvPr>
+              <p14:cNvContentPartPr/>
+              <p14:nvPr/>
+            </p14:nvContentPartPr>
+            <p14:xfrm>
+              <a:off x="7732213" y="3581185"/>
+              <a:ext cx="720" cy="136800"/>
+            </p14:xfrm>
+          </p:contentPart>
+        </mc:Choice>
+        <mc:Fallback>
+          <p:pic>
+            <p:nvPicPr>
+              <p:cNvPr id="22" name="Ink 21">
+                <a:extLst>
+                  <a:ext uri="{FF2B5EF4-FFF2-40B4-BE49-F238E27FC236}">
+                    <a16:creationId xmlns:a16="http://schemas.microsoft.com/office/drawing/2014/main" id="{831A1A4F-A7F8-409D-714B-FD2C5117FA78}"/>
+                  </a:ext>
+                </a:extLst>
+              </p:cNvPr>
+              <p:cNvPicPr/>
+              <p:nvPr/>
+            </p:nvPicPr>
+            <p:blipFill>
+              <a:blip r:embed="rId14"/>
+              <a:stretch>
+                <a:fillRect/>
+              </a:stretch>
+            </p:blipFill>
+            <p:spPr>
+              <a:xfrm>
+                <a:off x="7714213" y="3572185"/>
+                <a:ext cx="36000" cy="154440"/>
+              </a:xfrm>
+              <a:prstGeom prst="rect">
+                <a:avLst/>
+              </a:prstGeom>
+            </p:spPr>
+          </p:pic>
+        </mc:Fallback>
+      </mc:AlternateContent>
+      <mc:AlternateContent xmlns:mc="http://schemas.openxmlformats.org/markup-compatibility/2006">
+        <mc:Choice xmlns:p14="http://schemas.microsoft.com/office/powerpoint/2010/main" Requires="p14">
+          <p:contentPart p14:bwMode="auto" r:id="rId15">
+            <p14:nvContentPartPr>
+              <p14:cNvPr id="23" name="Ink 22">
+                <a:extLst>
+                  <a:ext uri="{FF2B5EF4-FFF2-40B4-BE49-F238E27FC236}">
+                    <a16:creationId xmlns:a16="http://schemas.microsoft.com/office/drawing/2014/main" id="{709AD00C-8722-0161-F823-4C7E7C2ECBAC}"/>
+                  </a:ext>
+                </a:extLst>
+              </p14:cNvPr>
+              <p14:cNvContentPartPr/>
+              <p14:nvPr/>
+            </p14:nvContentPartPr>
+            <p14:xfrm>
+              <a:off x="7736173" y="3712945"/>
+              <a:ext cx="192960" cy="182160"/>
+            </p14:xfrm>
+          </p:contentPart>
+        </mc:Choice>
+        <mc:Fallback>
+          <p:pic>
+            <p:nvPicPr>
+              <p:cNvPr id="23" name="Ink 22">
+                <a:extLst>
+                  <a:ext uri="{FF2B5EF4-FFF2-40B4-BE49-F238E27FC236}">
+                    <a16:creationId xmlns:a16="http://schemas.microsoft.com/office/drawing/2014/main" id="{709AD00C-8722-0161-F823-4C7E7C2ECBAC}"/>
+                  </a:ext>
+                </a:extLst>
+              </p:cNvPr>
+              <p:cNvPicPr/>
+              <p:nvPr/>
+            </p:nvPicPr>
+            <p:blipFill>
+              <a:blip r:embed="rId16"/>
+              <a:stretch>
+                <a:fillRect/>
+              </a:stretch>
+            </p:blipFill>
+            <p:spPr>
+              <a:xfrm>
+                <a:off x="7727533" y="3703945"/>
+                <a:ext cx="210600" cy="199800"/>
+              </a:xfrm>
+              <a:prstGeom prst="rect">
+                <a:avLst/>
+              </a:prstGeom>
+            </p:spPr>
+          </p:pic>
+        </mc:Fallback>
+      </mc:AlternateContent>
+      <mc:AlternateContent xmlns:mc="http://schemas.openxmlformats.org/markup-compatibility/2006">
+        <mc:Choice xmlns:p14="http://schemas.microsoft.com/office/powerpoint/2010/main" Requires="p14">
+          <p:contentPart p14:bwMode="auto" r:id="rId17">
+            <p14:nvContentPartPr>
+              <p14:cNvPr id="24" name="Ink 23">
+                <a:extLst>
+                  <a:ext uri="{FF2B5EF4-FFF2-40B4-BE49-F238E27FC236}">
+                    <a16:creationId xmlns:a16="http://schemas.microsoft.com/office/drawing/2014/main" id="{3804B1E3-4A8C-B916-9C07-71D5F3D3F410}"/>
+                  </a:ext>
+                </a:extLst>
+              </p14:cNvPr>
+              <p14:cNvContentPartPr/>
+              <p14:nvPr/>
+            </p14:nvContentPartPr>
+            <p14:xfrm>
+              <a:off x="7823653" y="4603945"/>
+              <a:ext cx="170640" cy="281160"/>
+            </p14:xfrm>
+          </p:contentPart>
+        </mc:Choice>
+        <mc:Fallback>
+          <p:pic>
+            <p:nvPicPr>
+              <p:cNvPr id="24" name="Ink 23">
+                <a:extLst>
+                  <a:ext uri="{FF2B5EF4-FFF2-40B4-BE49-F238E27FC236}">
+                    <a16:creationId xmlns:a16="http://schemas.microsoft.com/office/drawing/2014/main" id="{3804B1E3-4A8C-B916-9C07-71D5F3D3F410}"/>
+                  </a:ext>
+                </a:extLst>
+              </p:cNvPr>
+              <p:cNvPicPr/>
+              <p:nvPr/>
+            </p:nvPicPr>
+            <p:blipFill>
+              <a:blip r:embed="rId18"/>
+              <a:stretch>
+                <a:fillRect/>
+              </a:stretch>
+            </p:blipFill>
+            <p:spPr>
+              <a:xfrm>
+                <a:off x="7815013" y="4595305"/>
+                <a:ext cx="188280" cy="298800"/>
+              </a:xfrm>
+              <a:prstGeom prst="rect">
+                <a:avLst/>
+              </a:prstGeom>
+            </p:spPr>
+          </p:pic>
+        </mc:Fallback>
+      </mc:AlternateContent>
+      <mc:AlternateContent xmlns:mc="http://schemas.openxmlformats.org/markup-compatibility/2006">
+        <mc:Choice xmlns:p14="http://schemas.microsoft.com/office/powerpoint/2010/main" Requires="p14">
+          <p:contentPart p14:bwMode="auto" r:id="rId19">
+            <p14:nvContentPartPr>
+              <p14:cNvPr id="26" name="Ink 25">
+                <a:extLst>
+                  <a:ext uri="{FF2B5EF4-FFF2-40B4-BE49-F238E27FC236}">
+                    <a16:creationId xmlns:a16="http://schemas.microsoft.com/office/drawing/2014/main" id="{2962FE6B-5C72-FDCD-479A-AC0FE6B2F77A}"/>
+                  </a:ext>
+                </a:extLst>
+              </p14:cNvPr>
+              <p14:cNvContentPartPr/>
+              <p14:nvPr/>
+            </p14:nvContentPartPr>
+            <p14:xfrm>
+              <a:off x="1295053" y="2835265"/>
+              <a:ext cx="263520" cy="20520"/>
+            </p14:xfrm>
+          </p:contentPart>
+        </mc:Choice>
+        <mc:Fallback>
+          <p:pic>
+            <p:nvPicPr>
+              <p:cNvPr id="26" name="Ink 25">
+                <a:extLst>
+                  <a:ext uri="{FF2B5EF4-FFF2-40B4-BE49-F238E27FC236}">
+                    <a16:creationId xmlns:a16="http://schemas.microsoft.com/office/drawing/2014/main" id="{2962FE6B-5C72-FDCD-479A-AC0FE6B2F77A}"/>
+                  </a:ext>
+                </a:extLst>
+              </p:cNvPr>
+              <p:cNvPicPr/>
+              <p:nvPr/>
+            </p:nvPicPr>
+            <p:blipFill>
+              <a:blip r:embed="rId20"/>
+              <a:stretch>
+                <a:fillRect/>
+              </a:stretch>
+            </p:blipFill>
+            <p:spPr>
+              <a:xfrm>
+                <a:off x="1286413" y="2826265"/>
+                <a:ext cx="281160" cy="38160"/>
+              </a:xfrm>
+              <a:prstGeom prst="rect">
+                <a:avLst/>
+              </a:prstGeom>
+            </p:spPr>
+          </p:pic>
+        </mc:Fallback>
+      </mc:AlternateContent>
+      <mc:AlternateContent xmlns:mc="http://schemas.openxmlformats.org/markup-compatibility/2006">
+        <mc:Choice xmlns:p14="http://schemas.microsoft.com/office/powerpoint/2010/main" Requires="p14">
+          <p:contentPart p14:bwMode="auto" r:id="rId21">
+            <p14:nvContentPartPr>
+              <p14:cNvPr id="29" name="Ink 28">
+                <a:extLst>
+                  <a:ext uri="{FF2B5EF4-FFF2-40B4-BE49-F238E27FC236}">
+                    <a16:creationId xmlns:a16="http://schemas.microsoft.com/office/drawing/2014/main" id="{AA22F047-8D1D-8DAA-7BF7-9873A1372ABA}"/>
+                  </a:ext>
+                </a:extLst>
+              </p14:cNvPr>
+              <p14:cNvContentPartPr/>
+              <p14:nvPr/>
+            </p14:nvContentPartPr>
+            <p14:xfrm>
+              <a:off x="1311253" y="2502265"/>
+              <a:ext cx="125280" cy="331560"/>
+            </p14:xfrm>
+          </p:contentPart>
+        </mc:Choice>
+        <mc:Fallback>
+          <p:pic>
+            <p:nvPicPr>
+              <p:cNvPr id="29" name="Ink 28">
+                <a:extLst>
+                  <a:ext uri="{FF2B5EF4-FFF2-40B4-BE49-F238E27FC236}">
+                    <a16:creationId xmlns:a16="http://schemas.microsoft.com/office/drawing/2014/main" id="{AA22F047-8D1D-8DAA-7BF7-9873A1372ABA}"/>
+                  </a:ext>
+                </a:extLst>
+              </p:cNvPr>
+              <p:cNvPicPr/>
+              <p:nvPr/>
+            </p:nvPicPr>
+            <p:blipFill>
+              <a:blip r:embed="rId22"/>
+              <a:stretch>
+                <a:fillRect/>
+              </a:stretch>
+            </p:blipFill>
+            <p:spPr>
+              <a:xfrm>
+                <a:off x="1302253" y="2493265"/>
+                <a:ext cx="142920" cy="349200"/>
+              </a:xfrm>
+              <a:prstGeom prst="rect">
+                <a:avLst/>
+              </a:prstGeom>
+            </p:spPr>
+          </p:pic>
+        </mc:Fallback>
+      </mc:AlternateContent>
     </p:spTree>
     <p:extLst>
       <p:ext uri="{BB962C8B-B14F-4D97-AF65-F5344CB8AC3E}">
@@ -4660,13 +6052,13 @@
   <p:clrMapOvr>
     <a:masterClrMapping/>
   </p:clrMapOvr>
-  <mc:AlternateContent xmlns:mc="http://schemas.openxmlformats.org/markup-compatibility/2006">
-    <mc:Choice xmlns:p14="http://schemas.microsoft.com/office/powerpoint/2010/main" Requires="p14">
+  <mc:AlternateContent xmlns:mc="http://schemas.openxmlformats.org/markup-compatibility/2006" xmlns:p14="http://schemas.microsoft.com/office/powerpoint/2010/main">
+    <mc:Choice Requires="p14">
       <p:transition spd="slow" p14:dur="1500">
         <p:split orient="vert"/>
       </p:transition>
     </mc:Choice>
-    <mc:Fallback>
+    <mc:Fallback xmlns="">
       <p:transition spd="slow">
         <p:split orient="vert"/>
       </p:transition>
@@ -4708,10 +6100,10 @@
       </p:grpSpPr>
       <p:sp>
         <p:nvSpPr>
-          <p:cNvPr id="18" name="Rectangle 17">
-            <a:extLst>
-              <a:ext uri="{FF2B5EF4-FFF2-40B4-BE49-F238E27FC236}">
-                <a16:creationId xmlns:a16="http://schemas.microsoft.com/office/drawing/2014/main" id="{F3060C83-F051-4F0E-ABAD-AA0DFC48B218}"/>
+          <p:cNvPr id="9" name="Rectangle 8">
+            <a:extLst>
+              <a:ext uri="{FF2B5EF4-FFF2-40B4-BE49-F238E27FC236}">
+                <a16:creationId xmlns:a16="http://schemas.microsoft.com/office/drawing/2014/main" id="{A9F529C3-C941-49FD-8C67-82F134F64BDB}"/>
               </a:ext>
               <a:ext uri="{C183D7F6-B498-43B3-948B-1728B52AA6E4}">
                 <adec:decorative xmlns:adec="http://schemas.microsoft.com/office/drawing/2017/decorative" val="1"/>
@@ -4738,7 +6130,11 @@
             <a:avLst/>
           </a:prstGeom>
           <a:solidFill>
-            <a:schemeClr val="bg1"/>
+            <a:schemeClr val="tx1">
+              <a:lumMod val="50000"/>
+              <a:lumOff val="50000"/>
+              <a:alpha val="30000"/>
+            </a:schemeClr>
           </a:solidFill>
           <a:ln>
             <a:noFill/>
@@ -4765,16 +6161,16 @@
           <a:lstStyle/>
           <a:p>
             <a:pPr algn="ctr"/>
-            <a:endParaRPr lang="en-US" dirty="0"/>
-          </a:p>
-        </p:txBody>
-      </p:sp>
-      <p:sp>
-        <p:nvSpPr>
-          <p:cNvPr id="20" name="Freeform: Shape 19">
-            <a:extLst>
-              <a:ext uri="{FF2B5EF4-FFF2-40B4-BE49-F238E27FC236}">
-                <a16:creationId xmlns:a16="http://schemas.microsoft.com/office/drawing/2014/main" id="{83C98ABE-055B-441F-B07E-44F97F083C39}"/>
+            <a:endParaRPr lang="en-US"/>
+          </a:p>
+        </p:txBody>
+      </p:sp>
+      <p:sp>
+        <p:nvSpPr>
+          <p:cNvPr id="11" name="Rectangle 10">
+            <a:extLst>
+              <a:ext uri="{FF2B5EF4-FFF2-40B4-BE49-F238E27FC236}">
+                <a16:creationId xmlns:a16="http://schemas.microsoft.com/office/drawing/2014/main" id="{20586029-32A0-47E5-9AEC-AE3ABA6B94D0}"/>
               </a:ext>
               <a:ext uri="{C183D7F6-B498-43B3-948B-1728B52AA6E4}">
                 <adec:decorative xmlns:adec="http://schemas.microsoft.com/office/drawing/2017/decorative" val="1"/>
@@ -4793,72 +6189,26 @@
           </p:nvPr>
         </p:nvSpPr>
         <p:spPr>
-          <a:xfrm rot="18900000" flipH="1">
-            <a:off x="-376156" y="-253670"/>
-            <a:ext cx="1827638" cy="1376989"/>
-          </a:xfrm>
-          <a:custGeom>
+          <a:xfrm>
+            <a:off x="477012" y="480060"/>
+            <a:ext cx="11237976" cy="5897880"/>
+          </a:xfrm>
+          <a:prstGeom prst="rect">
             <a:avLst/>
-            <a:gdLst>
-              <a:gd name="connsiteX0" fmla="*/ 0 w 1827638"/>
-              <a:gd name="connsiteY0" fmla="*/ 987379 h 1376989"/>
-              <a:gd name="connsiteX1" fmla="*/ 987379 w 1827638"/>
-              <a:gd name="connsiteY1" fmla="*/ 0 h 1376989"/>
-              <a:gd name="connsiteX2" fmla="*/ 1827638 w 1827638"/>
-              <a:gd name="connsiteY2" fmla="*/ 840260 h 1376989"/>
-              <a:gd name="connsiteX3" fmla="*/ 1827638 w 1827638"/>
-              <a:gd name="connsiteY3" fmla="*/ 1376989 h 1376989"/>
-              <a:gd name="connsiteX4" fmla="*/ 0 w 1827638"/>
-              <a:gd name="connsiteY4" fmla="*/ 1376989 h 1376989"/>
-            </a:gdLst>
-            <a:ahLst/>
-            <a:cxnLst>
-              <a:cxn ang="0">
-                <a:pos x="connsiteX0" y="connsiteY0"/>
-              </a:cxn>
-              <a:cxn ang="0">
-                <a:pos x="connsiteX1" y="connsiteY1"/>
-              </a:cxn>
-              <a:cxn ang="0">
-                <a:pos x="connsiteX2" y="connsiteY2"/>
-              </a:cxn>
-              <a:cxn ang="0">
-                <a:pos x="connsiteX3" y="connsiteY3"/>
-              </a:cxn>
-              <a:cxn ang="0">
-                <a:pos x="connsiteX4" y="connsiteY4"/>
-              </a:cxn>
-            </a:cxnLst>
-            <a:rect l="l" t="t" r="r" b="b"/>
-            <a:pathLst>
-              <a:path w="1827638" h="1376989">
-                <a:moveTo>
-                  <a:pt x="0" y="987379"/>
-                </a:moveTo>
-                <a:lnTo>
-                  <a:pt x="987379" y="0"/>
-                </a:lnTo>
-                <a:lnTo>
-                  <a:pt x="1827638" y="840260"/>
-                </a:lnTo>
-                <a:lnTo>
-                  <a:pt x="1827638" y="1376989"/>
-                </a:lnTo>
-                <a:lnTo>
-                  <a:pt x="0" y="1376989"/>
-                </a:lnTo>
-                <a:close/>
-              </a:path>
-            </a:pathLst>
-          </a:custGeom>
+          </a:prstGeom>
           <a:solidFill>
-            <a:schemeClr val="accent1">
-              <a:alpha val="30000"/>
-            </a:schemeClr>
+            <a:srgbClr val="FFFFFF"/>
           </a:solidFill>
-          <a:ln>
+          <a:ln w="9525">
             <a:noFill/>
           </a:ln>
+          <a:effectLst>
+            <a:outerShdw blurRad="63500" dist="17780" dir="5400000" algn="t" rotWithShape="0">
+              <a:prstClr val="black">
+                <a:alpha val="43000"/>
+              </a:prstClr>
+            </a:outerShdw>
+          </a:effectLst>
         </p:spPr>
         <p:style>
           <a:lnRef idx="2">
@@ -4881,25 +6231,56 @@
           <a:lstStyle/>
           <a:p>
             <a:pPr algn="ctr"/>
-            <a:endParaRPr lang="en-US" dirty="0"/>
-          </a:p>
-        </p:txBody>
-      </p:sp>
-      <p:sp>
-        <p:nvSpPr>
-          <p:cNvPr id="22" name="Rectangle 21">
-            <a:extLst>
-              <a:ext uri="{FF2B5EF4-FFF2-40B4-BE49-F238E27FC236}">
-                <a16:creationId xmlns:a16="http://schemas.microsoft.com/office/drawing/2014/main" id="{29FDB030-9B49-4CED-8CCD-4D99382388AC}"/>
+            <a:endParaRPr lang="en-US"/>
+          </a:p>
+        </p:txBody>
+      </p:sp>
+      <p:pic>
+        <p:nvPicPr>
+          <p:cNvPr id="4" name="Picture 3" descr="A screenshot of a phone&#10;&#10;AI-generated content may be incorrect.">
+            <a:extLst>
+              <a:ext uri="{FF2B5EF4-FFF2-40B4-BE49-F238E27FC236}">
+                <a16:creationId xmlns:a16="http://schemas.microsoft.com/office/drawing/2014/main" id="{F21D1DB0-1AE4-934B-14BF-BF4A07ADA2FF}"/>
+              </a:ext>
+            </a:extLst>
+          </p:cNvPr>
+          <p:cNvPicPr>
+            <a:picLocks noChangeAspect="1"/>
+          </p:cNvPicPr>
+          <p:nvPr/>
+        </p:nvPicPr>
+        <p:blipFill>
+          <a:blip r:embed="rId2"/>
+          <a:srcRect l="796" t="1053" r="1486" b="743"/>
+          <a:stretch>
+            <a:fillRect/>
+          </a:stretch>
+        </p:blipFill>
+        <p:spPr>
+          <a:xfrm>
+            <a:off x="1988103" y="643466"/>
+            <a:ext cx="2605443" cy="5571066"/>
+          </a:xfrm>
+          <a:prstGeom prst="rect">
+            <a:avLst/>
+          </a:prstGeom>
+        </p:spPr>
+      </p:pic>
+      <p:cxnSp>
+        <p:nvCxnSpPr>
+          <p:cNvPr id="13" name="Straight Connector 12">
+            <a:extLst>
+              <a:ext uri="{FF2B5EF4-FFF2-40B4-BE49-F238E27FC236}">
+                <a16:creationId xmlns:a16="http://schemas.microsoft.com/office/drawing/2014/main" id="{8C730EAB-A532-4295-A302-FB4B90DB9F5E}"/>
               </a:ext>
               <a:ext uri="{C183D7F6-B498-43B3-948B-1728B52AA6E4}">
                 <adec:decorative xmlns:adec="http://schemas.microsoft.com/office/drawing/2017/decorative" val="1"/>
               </a:ext>
             </a:extLst>
           </p:cNvPr>
-          <p:cNvSpPr>
-            <a:spLocks noGrp="1" noRot="1" noChangeAspect="1" noMove="1" noResize="1" noEditPoints="1" noAdjustHandles="1" noChangeArrowheads="1" noChangeShapeType="1" noTextEdit="1"/>
-          </p:cNvSpPr>
+          <p:cNvCxnSpPr>
+            <a:cxnSpLocks noGrp="1" noRot="1" noChangeAspect="1" noMove="1" noResize="1" noEditPoints="1" noAdjustHandles="1" noChangeArrowheads="1" noChangeShapeType="1"/>
+          </p:cNvCxnSpPr>
           <p:nvPr>
             <p:extLst>
               <p:ext uri="{386F3935-93C4-4BCD-93E2-E3B085C9AB24}">
@@ -4907,17 +6288,227 @@
               </p:ext>
             </p:extLst>
           </p:nvPr>
-        </p:nvSpPr>
-        <p:spPr>
-          <a:xfrm rot="18900000" flipH="1">
-            <a:off x="891641" y="422146"/>
-            <a:ext cx="645368" cy="645368"/>
+        </p:nvCxnSpPr>
+        <p:spPr>
+          <a:xfrm>
+            <a:off x="6079958" y="1143000"/>
+            <a:ext cx="0" cy="4572000"/>
+          </a:xfrm>
+          <a:prstGeom prst="line">
+            <a:avLst/>
+          </a:prstGeom>
+          <a:ln>
+            <a:solidFill>
+              <a:srgbClr val="4E4E4E"/>
+            </a:solidFill>
+          </a:ln>
+        </p:spPr>
+        <p:style>
+          <a:lnRef idx="1">
+            <a:schemeClr val="accent1"/>
+          </a:lnRef>
+          <a:fillRef idx="0">
+            <a:schemeClr val="accent1"/>
+          </a:fillRef>
+          <a:effectRef idx="0">
+            <a:schemeClr val="accent1"/>
+          </a:effectRef>
+          <a:fontRef idx="minor">
+            <a:schemeClr val="tx1"/>
+          </a:fontRef>
+        </p:style>
+      </p:cxnSp>
+      <p:pic>
+        <p:nvPicPr>
+          <p:cNvPr id="3" name="Picture 2" descr="A screenshot of a phone&#10;&#10;AI-generated content may be incorrect.">
+            <a:extLst>
+              <a:ext uri="{FF2B5EF4-FFF2-40B4-BE49-F238E27FC236}">
+                <a16:creationId xmlns:a16="http://schemas.microsoft.com/office/drawing/2014/main" id="{50C870FE-EF54-D6D0-B39A-F4E8D06243EF}"/>
+              </a:ext>
+            </a:extLst>
+          </p:cNvPr>
+          <p:cNvPicPr>
+            <a:picLocks noChangeAspect="1"/>
+          </p:cNvPicPr>
+          <p:nvPr/>
+        </p:nvPicPr>
+        <p:blipFill>
+          <a:blip r:embed="rId2"/>
+          <a:stretch>
+            <a:fillRect/>
+          </a:stretch>
+        </p:blipFill>
+        <p:spPr>
+          <a:xfrm>
+            <a:off x="7591974" y="643467"/>
+            <a:ext cx="2618400" cy="5571066"/>
+          </a:xfrm>
+          <a:prstGeom prst="rect">
+            <a:avLst/>
+          </a:prstGeom>
+        </p:spPr>
+      </p:pic>
+      <p:sp>
+        <p:nvSpPr>
+          <p:cNvPr id="6" name="TextBox 5">
+            <a:extLst>
+              <a:ext uri="{FF2B5EF4-FFF2-40B4-BE49-F238E27FC236}">
+                <a16:creationId xmlns:a16="http://schemas.microsoft.com/office/drawing/2014/main" id="{2556AEC3-CAEE-6E45-A753-56BE46423923}"/>
+              </a:ext>
+            </a:extLst>
+          </p:cNvPr>
+          <p:cNvSpPr txBox="1"/>
+          <p:nvPr/>
+        </p:nvSpPr>
+        <p:spPr>
+          <a:xfrm>
+            <a:off x="6485744" y="2898098"/>
+            <a:ext cx="969361" cy="369332"/>
+          </a:xfrm>
+          <a:prstGeom prst="rect">
+            <a:avLst/>
+          </a:prstGeom>
+          <a:noFill/>
+        </p:spPr>
+        <p:txBody>
+          <a:bodyPr wrap="square" rtlCol="0">
+            <a:spAutoFit/>
+          </a:bodyPr>
+          <a:lstStyle/>
+          <a:p>
+            <a:r>
+              <a:rPr lang="de-CH" dirty="0"/>
+              <a:t>FIGMA</a:t>
+            </a:r>
+          </a:p>
+        </p:txBody>
+      </p:sp>
+      <p:sp>
+        <p:nvSpPr>
+          <p:cNvPr id="7" name="TextBox 6">
+            <a:extLst>
+              <a:ext uri="{FF2B5EF4-FFF2-40B4-BE49-F238E27FC236}">
+                <a16:creationId xmlns:a16="http://schemas.microsoft.com/office/drawing/2014/main" id="{700BE292-4DB7-CAF3-2B51-FBAC1C7047A7}"/>
+              </a:ext>
+            </a:extLst>
+          </p:cNvPr>
+          <p:cNvSpPr txBox="1"/>
+          <p:nvPr/>
+        </p:nvSpPr>
+        <p:spPr>
+          <a:xfrm>
+            <a:off x="4872091" y="2898098"/>
+            <a:ext cx="969361" cy="369332"/>
+          </a:xfrm>
+          <a:prstGeom prst="rect">
+            <a:avLst/>
+          </a:prstGeom>
+          <a:noFill/>
+        </p:spPr>
+        <p:txBody>
+          <a:bodyPr wrap="square" rtlCol="0">
+            <a:spAutoFit/>
+          </a:bodyPr>
+          <a:lstStyle/>
+          <a:p>
+            <a:r>
+              <a:rPr lang="de-CH" dirty="0"/>
+              <a:t>REAL</a:t>
+            </a:r>
+          </a:p>
+        </p:txBody>
+      </p:sp>
+    </p:spTree>
+    <p:extLst>
+      <p:ext uri="{BB962C8B-B14F-4D97-AF65-F5344CB8AC3E}">
+        <p14:creationId xmlns:p14="http://schemas.microsoft.com/office/powerpoint/2010/main" val="2083936505"/>
+      </p:ext>
+    </p:extLst>
+  </p:cSld>
+  <p:clrMapOvr>
+    <a:masterClrMapping/>
+  </p:clrMapOvr>
+  <mc:AlternateContent xmlns:mc="http://schemas.openxmlformats.org/markup-compatibility/2006" xmlns:p159="http://schemas.microsoft.com/office/powerpoint/2015/09/main">
+    <mc:Choice Requires="p159">
+      <p:transition xmlns:p14="http://schemas.microsoft.com/office/powerpoint/2010/main" spd="slow" p14:dur="2000">
+        <p159:morph option="byObject"/>
+      </p:transition>
+    </mc:Choice>
+    <mc:Fallback xmlns="">
+      <p:transition spd="slow">
+        <p:fade/>
+      </p:transition>
+    </mc:Fallback>
+  </mc:AlternateContent>
+</p:sld>
+</file>
+
+<file path=ppt/slides/slide5.xml><?xml version="1.0" encoding="utf-8"?>
+<p:sld xmlns:a="http://schemas.openxmlformats.org/drawingml/2006/main" xmlns:r="http://schemas.openxmlformats.org/officeDocument/2006/relationships" xmlns:p="http://schemas.openxmlformats.org/presentationml/2006/main">
+  <p:cSld>
+    <p:bg>
+      <p:bgPr>
+        <a:solidFill>
+          <a:schemeClr val="bg1"/>
+        </a:solidFill>
+        <a:effectLst/>
+      </p:bgPr>
+    </p:bg>
+    <p:spTree>
+      <p:nvGrpSpPr>
+        <p:cNvPr id="1" name="">
+          <a:extLst>
+            <a:ext uri="{FF2B5EF4-FFF2-40B4-BE49-F238E27FC236}">
+              <a16:creationId xmlns:a16="http://schemas.microsoft.com/office/drawing/2014/main" id="{94B04CBA-55E0-D4DF-4D07-778388A7E9EE}"/>
+            </a:ext>
+          </a:extLst>
+        </p:cNvPr>
+        <p:cNvGrpSpPr/>
+        <p:nvPr/>
+      </p:nvGrpSpPr>
+      <p:grpSpPr>
+        <a:xfrm>
+          <a:off x="0" y="0"/>
+          <a:ext cx="0" cy="0"/>
+          <a:chOff x="0" y="0"/>
+          <a:chExt cx="0" cy="0"/>
+        </a:xfrm>
+      </p:grpSpPr>
+      <p:sp>
+        <p:nvSpPr>
+          <p:cNvPr id="11" name="Rectangle 10">
+            <a:extLst>
+              <a:ext uri="{FF2B5EF4-FFF2-40B4-BE49-F238E27FC236}">
+                <a16:creationId xmlns:a16="http://schemas.microsoft.com/office/drawing/2014/main" id="{A9F529C3-C941-49FD-8C67-82F134F64BDB}"/>
+              </a:ext>
+              <a:ext uri="{C183D7F6-B498-43B3-948B-1728B52AA6E4}">
+                <adec:decorative xmlns:adec="http://schemas.microsoft.com/office/drawing/2017/decorative" val="1"/>
+              </a:ext>
+            </a:extLst>
+          </p:cNvPr>
+          <p:cNvSpPr>
+            <a:spLocks noGrp="1" noRot="1" noChangeAspect="1" noMove="1" noResize="1" noEditPoints="1" noAdjustHandles="1" noChangeArrowheads="1" noChangeShapeType="1" noTextEdit="1"/>
+          </p:cNvSpPr>
+          <p:nvPr>
+            <p:extLst>
+              <p:ext uri="{386F3935-93C4-4BCD-93E2-E3B085C9AB24}">
+                <p16:designElem xmlns:p16="http://schemas.microsoft.com/office/powerpoint/2015/main" val="1"/>
+              </p:ext>
+            </p:extLst>
+          </p:nvPr>
+        </p:nvSpPr>
+        <p:spPr>
+          <a:xfrm>
+            <a:off x="0" y="0"/>
+            <a:ext cx="12192000" cy="6858000"/>
           </a:xfrm>
           <a:prstGeom prst="rect">
             <a:avLst/>
           </a:prstGeom>
           <a:solidFill>
-            <a:schemeClr val="accent1">
+            <a:schemeClr val="tx1">
+              <a:lumMod val="50000"/>
+              <a:lumOff val="50000"/>
               <a:alpha val="30000"/>
             </a:schemeClr>
           </a:solidFill>
@@ -4952,10 +6543,10 @@
       </p:sp>
       <p:sp>
         <p:nvSpPr>
-          <p:cNvPr id="24" name="Rectangle 23">
-            <a:extLst>
-              <a:ext uri="{FF2B5EF4-FFF2-40B4-BE49-F238E27FC236}">
-                <a16:creationId xmlns:a16="http://schemas.microsoft.com/office/drawing/2014/main" id="{3783CA14-24A1-485C-8B30-D6A5D87987AD}"/>
+          <p:cNvPr id="13" name="Rectangle 12">
+            <a:extLst>
+              <a:ext uri="{FF2B5EF4-FFF2-40B4-BE49-F238E27FC236}">
+                <a16:creationId xmlns:a16="http://schemas.microsoft.com/office/drawing/2014/main" id="{20586029-32A0-47E5-9AEC-AE3ABA6B94D0}"/>
               </a:ext>
               <a:ext uri="{C183D7F6-B498-43B3-948B-1728B52AA6E4}">
                 <adec:decorative xmlns:adec="http://schemas.microsoft.com/office/drawing/2017/decorative" val="1"/>
@@ -4974,21 +6565,26 @@
           </p:nvPr>
         </p:nvSpPr>
         <p:spPr>
-          <a:xfrm rot="18900000" flipH="1">
-            <a:off x="10043482" y="655140"/>
-            <a:ext cx="687472" cy="687472"/>
+          <a:xfrm>
+            <a:off x="477012" y="480060"/>
+            <a:ext cx="11237976" cy="5897880"/>
           </a:xfrm>
           <a:prstGeom prst="rect">
             <a:avLst/>
           </a:prstGeom>
           <a:solidFill>
-            <a:schemeClr val="accent4">
-              <a:alpha val="30000"/>
-            </a:schemeClr>
+            <a:srgbClr val="FFFFFF"/>
           </a:solidFill>
-          <a:ln>
+          <a:ln w="9525">
             <a:noFill/>
           </a:ln>
+          <a:effectLst>
+            <a:outerShdw blurRad="63500" dist="17780" dir="5400000" algn="t" rotWithShape="0">
+              <a:prstClr val="black">
+                <a:alpha val="43000"/>
+              </a:prstClr>
+            </a:outerShdw>
+          </a:effectLst>
         </p:spPr>
         <p:style>
           <a:lnRef idx="2">
@@ -5015,187 +6611,12 @@
           </a:p>
         </p:txBody>
       </p:sp>
-      <p:sp>
-        <p:nvSpPr>
-          <p:cNvPr id="26" name="Freeform: Shape 25">
-            <a:extLst>
-              <a:ext uri="{FF2B5EF4-FFF2-40B4-BE49-F238E27FC236}">
-                <a16:creationId xmlns:a16="http://schemas.microsoft.com/office/drawing/2014/main" id="{9A97C86A-04D6-40F7-AE84-31AB43E6A846}"/>
-              </a:ext>
-              <a:ext uri="{C183D7F6-B498-43B3-948B-1728B52AA6E4}">
-                <adec:decorative xmlns:adec="http://schemas.microsoft.com/office/drawing/2017/decorative" val="1"/>
-              </a:ext>
-            </a:extLst>
-          </p:cNvPr>
-          <p:cNvSpPr>
-            <a:spLocks noGrp="1" noRot="1" noChangeAspect="1" noMove="1" noResize="1" noEditPoints="1" noAdjustHandles="1" noChangeArrowheads="1" noChangeShapeType="1" noTextEdit="1"/>
-          </p:cNvSpPr>
-          <p:nvPr>
-            <p:extLst>
-              <p:ext uri="{386F3935-93C4-4BCD-93E2-E3B085C9AB24}">
-                <p16:designElem xmlns:p16="http://schemas.microsoft.com/office/powerpoint/2015/main" val="1"/>
-              </p:ext>
-            </p:extLst>
-          </p:nvPr>
-        </p:nvSpPr>
-        <p:spPr>
-          <a:xfrm rot="10800000" flipH="1">
-            <a:off x="9356643" y="0"/>
-            <a:ext cx="2835357" cy="1480837"/>
-          </a:xfrm>
-          <a:custGeom>
-            <a:avLst/>
-            <a:gdLst>
-              <a:gd name="connsiteX0" fmla="*/ 2835357 w 2835357"/>
-              <a:gd name="connsiteY0" fmla="*/ 1480837 h 1480837"/>
-              <a:gd name="connsiteX1" fmla="*/ 0 w 2835357"/>
-              <a:gd name="connsiteY1" fmla="*/ 1480837 h 1480837"/>
-              <a:gd name="connsiteX2" fmla="*/ 1552727 w 2835357"/>
-              <a:gd name="connsiteY2" fmla="*/ 0 h 1480837"/>
-              <a:gd name="connsiteX3" fmla="*/ 2835357 w 2835357"/>
-              <a:gd name="connsiteY3" fmla="*/ 1223245 h 1480837"/>
-            </a:gdLst>
-            <a:ahLst/>
-            <a:cxnLst>
-              <a:cxn ang="0">
-                <a:pos x="connsiteX0" y="connsiteY0"/>
-              </a:cxn>
-              <a:cxn ang="0">
-                <a:pos x="connsiteX1" y="connsiteY1"/>
-              </a:cxn>
-              <a:cxn ang="0">
-                <a:pos x="connsiteX2" y="connsiteY2"/>
-              </a:cxn>
-              <a:cxn ang="0">
-                <a:pos x="connsiteX3" y="connsiteY3"/>
-              </a:cxn>
-            </a:cxnLst>
-            <a:rect l="l" t="t" r="r" b="b"/>
-            <a:pathLst>
-              <a:path w="2835357" h="1480837">
-                <a:moveTo>
-                  <a:pt x="2835357" y="1480837"/>
-                </a:moveTo>
-                <a:lnTo>
-                  <a:pt x="0" y="1480837"/>
-                </a:lnTo>
-                <a:lnTo>
-                  <a:pt x="1552727" y="0"/>
-                </a:lnTo>
-                <a:lnTo>
-                  <a:pt x="2835357" y="1223245"/>
-                </a:lnTo>
-                <a:close/>
-              </a:path>
-            </a:pathLst>
-          </a:custGeom>
-          <a:solidFill>
-            <a:schemeClr val="accent4">
-              <a:alpha val="30000"/>
-            </a:schemeClr>
-          </a:solidFill>
-          <a:ln>
-            <a:noFill/>
-          </a:ln>
-        </p:spPr>
-        <p:style>
-          <a:lnRef idx="2">
-            <a:schemeClr val="accent1">
-              <a:shade val="50000"/>
-            </a:schemeClr>
-          </a:lnRef>
-          <a:fillRef idx="1">
-            <a:schemeClr val="accent1"/>
-          </a:fillRef>
-          <a:effectRef idx="0">
-            <a:schemeClr val="accent1"/>
-          </a:effectRef>
-          <a:fontRef idx="minor">
-            <a:schemeClr val="lt1"/>
-          </a:fontRef>
-        </p:style>
-        <p:txBody>
-          <a:bodyPr wrap="square" rtlCol="0" anchor="ctr">
-            <a:noAutofit/>
-          </a:bodyPr>
-          <a:lstStyle/>
-          <a:p>
-            <a:pPr algn="ctr"/>
-            <a:endParaRPr lang="en-US" dirty="0"/>
-          </a:p>
-        </p:txBody>
-      </p:sp>
-      <p:sp>
-        <p:nvSpPr>
-          <p:cNvPr id="28" name="Isosceles Triangle 27">
-            <a:extLst>
-              <a:ext uri="{FF2B5EF4-FFF2-40B4-BE49-F238E27FC236}">
-                <a16:creationId xmlns:a16="http://schemas.microsoft.com/office/drawing/2014/main" id="{FF9F2414-84E8-453E-B1F3-389FDE8192D9}"/>
-              </a:ext>
-              <a:ext uri="{C183D7F6-B498-43B3-948B-1728B52AA6E4}">
-                <adec:decorative xmlns:adec="http://schemas.microsoft.com/office/drawing/2017/decorative" val="1"/>
-              </a:ext>
-            </a:extLst>
-          </p:cNvPr>
-          <p:cNvSpPr>
-            <a:spLocks noGrp="1" noRot="1" noChangeAspect="1" noMove="1" noResize="1" noEditPoints="1" noAdjustHandles="1" noChangeArrowheads="1" noChangeShapeType="1" noTextEdit="1"/>
-          </p:cNvSpPr>
-          <p:nvPr>
-            <p:extLst>
-              <p:ext uri="{386F3935-93C4-4BCD-93E2-E3B085C9AB24}">
-                <p16:designElem xmlns:p16="http://schemas.microsoft.com/office/powerpoint/2015/main" val="1"/>
-              </p:ext>
-            </p:extLst>
-          </p:nvPr>
-        </p:nvSpPr>
-        <p:spPr>
-          <a:xfrm flipH="1">
-            <a:off x="7976344" y="6115501"/>
-            <a:ext cx="1494513" cy="742499"/>
-          </a:xfrm>
-          <a:prstGeom prst="triangle">
-            <a:avLst/>
-          </a:prstGeom>
-          <a:solidFill>
-            <a:schemeClr val="accent1">
-              <a:alpha val="30000"/>
-            </a:schemeClr>
-          </a:solidFill>
-          <a:ln>
-            <a:noFill/>
-          </a:ln>
-        </p:spPr>
-        <p:style>
-          <a:lnRef idx="2">
-            <a:schemeClr val="accent1">
-              <a:shade val="50000"/>
-            </a:schemeClr>
-          </a:lnRef>
-          <a:fillRef idx="1">
-            <a:schemeClr val="accent1"/>
-          </a:fillRef>
-          <a:effectRef idx="0">
-            <a:schemeClr val="accent1"/>
-          </a:effectRef>
-          <a:fontRef idx="minor">
-            <a:schemeClr val="lt1"/>
-          </a:fontRef>
-        </p:style>
-        <p:txBody>
-          <a:bodyPr rtlCol="0" anchor="ctr"/>
-          <a:lstStyle/>
-          <a:p>
-            <a:pPr algn="ctr"/>
-            <a:endParaRPr lang="en-US"/>
-          </a:p>
-        </p:txBody>
-      </p:sp>
       <p:pic>
         <p:nvPicPr>
-          <p:cNvPr id="5" name="Picture 4" descr="A screenshot of a phone&#10;&#10;AI-generated content may be incorrect.">
-            <a:extLst>
-              <a:ext uri="{FF2B5EF4-FFF2-40B4-BE49-F238E27FC236}">
-                <a16:creationId xmlns:a16="http://schemas.microsoft.com/office/drawing/2014/main" id="{7F5EDD95-EF0C-B851-0351-2D22D3B8C703}"/>
+          <p:cNvPr id="3" name="Picture 2" descr="A white rectangular object with a trophy&#10;&#10;AI-generated content may be incorrect.">
+            <a:extLst>
+              <a:ext uri="{FF2B5EF4-FFF2-40B4-BE49-F238E27FC236}">
+                <a16:creationId xmlns:a16="http://schemas.microsoft.com/office/drawing/2014/main" id="{DC497F34-2D59-702C-74AE-1DD76A151029}"/>
               </a:ext>
             </a:extLst>
           </p:cNvPr>
@@ -5212,32 +6633,29 @@
         </p:blipFill>
         <p:spPr>
           <a:xfrm>
-            <a:off x="4717162" y="643467"/>
-            <a:ext cx="2757676" cy="5571065"/>
+            <a:off x="1891095" y="643466"/>
+            <a:ext cx="2799460" cy="5571066"/>
           </a:xfrm>
           <a:prstGeom prst="rect">
             <a:avLst/>
           </a:prstGeom>
-          <a:ln>
-            <a:noFill/>
-          </a:ln>
         </p:spPr>
       </p:pic>
-      <p:sp>
-        <p:nvSpPr>
-          <p:cNvPr id="30" name="Isosceles Triangle 29">
-            <a:extLst>
-              <a:ext uri="{FF2B5EF4-FFF2-40B4-BE49-F238E27FC236}">
-                <a16:creationId xmlns:a16="http://schemas.microsoft.com/office/drawing/2014/main" id="{3ECA69A1-7536-43AC-85EF-C7106179F5ED}"/>
+      <p:cxnSp>
+        <p:nvCxnSpPr>
+          <p:cNvPr id="15" name="Straight Connector 14">
+            <a:extLst>
+              <a:ext uri="{FF2B5EF4-FFF2-40B4-BE49-F238E27FC236}">
+                <a16:creationId xmlns:a16="http://schemas.microsoft.com/office/drawing/2014/main" id="{8C730EAB-A532-4295-A302-FB4B90DB9F5E}"/>
               </a:ext>
               <a:ext uri="{C183D7F6-B498-43B3-948B-1728B52AA6E4}">
                 <adec:decorative xmlns:adec="http://schemas.microsoft.com/office/drawing/2017/decorative" val="1"/>
               </a:ext>
             </a:extLst>
           </p:cNvPr>
-          <p:cNvSpPr>
-            <a:spLocks noGrp="1" noRot="1" noChangeAspect="1" noMove="1" noResize="1" noEditPoints="1" noAdjustHandles="1" noChangeArrowheads="1" noChangeShapeType="1" noTextEdit="1"/>
-          </p:cNvSpPr>
+          <p:cNvCxnSpPr>
+            <a:cxnSpLocks noGrp="1" noRot="1" noChangeAspect="1" noMove="1" noResize="1" noEditPoints="1" noAdjustHandles="1" noChangeArrowheads="1" noChangeShapeType="1"/>
+          </p:cNvCxnSpPr>
           <p:nvPr>
             <p:extLst>
               <p:ext uri="{386F3935-93C4-4BCD-93E2-E3B085C9AB24}">
@@ -5245,53 +6663,70 @@
               </p:ext>
             </p:extLst>
           </p:nvPr>
-        </p:nvSpPr>
-        <p:spPr>
-          <a:xfrm flipH="1">
-            <a:off x="7604080" y="6453143"/>
-            <a:ext cx="814903" cy="404857"/>
-          </a:xfrm>
-          <a:prstGeom prst="triangle">
+        </p:nvCxnSpPr>
+        <p:spPr>
+          <a:xfrm>
+            <a:off x="6079958" y="1143000"/>
+            <a:ext cx="0" cy="4572000"/>
+          </a:xfrm>
+          <a:prstGeom prst="line">
             <a:avLst/>
           </a:prstGeom>
-          <a:solidFill>
-            <a:schemeClr val="accent1">
-              <a:alpha val="30000"/>
-            </a:schemeClr>
-          </a:solidFill>
           <a:ln>
-            <a:noFill/>
+            <a:solidFill>
+              <a:srgbClr val="4E4E4E"/>
+            </a:solidFill>
           </a:ln>
         </p:spPr>
         <p:style>
-          <a:lnRef idx="2">
-            <a:schemeClr val="accent1">
-              <a:shade val="50000"/>
-            </a:schemeClr>
+          <a:lnRef idx="1">
+            <a:schemeClr val="accent1"/>
           </a:lnRef>
-          <a:fillRef idx="1">
+          <a:fillRef idx="0">
             <a:schemeClr val="accent1"/>
           </a:fillRef>
           <a:effectRef idx="0">
             <a:schemeClr val="accent1"/>
           </a:effectRef>
           <a:fontRef idx="minor">
-            <a:schemeClr val="lt1"/>
+            <a:schemeClr val="tx1"/>
           </a:fontRef>
         </p:style>
-        <p:txBody>
-          <a:bodyPr rtlCol="0" anchor="ctr"/>
-          <a:lstStyle/>
-          <a:p>
-            <a:pPr algn="ctr"/>
-            <a:endParaRPr lang="en-US"/>
-          </a:p>
-        </p:txBody>
-      </p:sp>
+      </p:cxnSp>
+      <p:pic>
+        <p:nvPicPr>
+          <p:cNvPr id="6" name="Picture 5" descr="A screenshot of a cell phone&#10;&#10;AI-generated content may be incorrect.">
+            <a:extLst>
+              <a:ext uri="{FF2B5EF4-FFF2-40B4-BE49-F238E27FC236}">
+                <a16:creationId xmlns:a16="http://schemas.microsoft.com/office/drawing/2014/main" id="{9833BEC2-EC97-C947-37AF-B0F8656B0E54}"/>
+              </a:ext>
+            </a:extLst>
+          </p:cNvPr>
+          <p:cNvPicPr>
+            <a:picLocks noChangeAspect="1"/>
+          </p:cNvPicPr>
+          <p:nvPr/>
+        </p:nvPicPr>
+        <p:blipFill>
+          <a:blip r:embed="rId3"/>
+          <a:stretch>
+            <a:fillRect/>
+          </a:stretch>
+        </p:blipFill>
+        <p:spPr>
+          <a:xfrm>
+            <a:off x="7598938" y="643467"/>
+            <a:ext cx="2604473" cy="5571066"/>
+          </a:xfrm>
+          <a:prstGeom prst="rect">
+            <a:avLst/>
+          </a:prstGeom>
+        </p:spPr>
+      </p:pic>
     </p:spTree>
     <p:extLst>
       <p:ext uri="{BB962C8B-B14F-4D97-AF65-F5344CB8AC3E}">
-        <p14:creationId xmlns:p14="http://schemas.microsoft.com/office/powerpoint/2010/main" val="2083936505"/>
+        <p14:creationId xmlns:p14="http://schemas.microsoft.com/office/powerpoint/2010/main" val="3640037148"/>
       </p:ext>
     </p:extLst>
   </p:cSld>
@@ -5313,7 +6748,312 @@
 </p:sld>
 </file>
 
-<file path=ppt/slides/slide5.xml><?xml version="1.0" encoding="utf-8"?>
+<file path=ppt/slides/slide6.xml><?xml version="1.0" encoding="utf-8"?>
+<p:sld xmlns:a="http://schemas.openxmlformats.org/drawingml/2006/main" xmlns:r="http://schemas.openxmlformats.org/officeDocument/2006/relationships" xmlns:p="http://schemas.openxmlformats.org/presentationml/2006/main">
+  <p:cSld>
+    <p:bg>
+      <p:bgPr>
+        <a:solidFill>
+          <a:schemeClr val="bg1"/>
+        </a:solidFill>
+        <a:effectLst/>
+      </p:bgPr>
+    </p:bg>
+    <p:spTree>
+      <p:nvGrpSpPr>
+        <p:cNvPr id="1" name="">
+          <a:extLst>
+            <a:ext uri="{FF2B5EF4-FFF2-40B4-BE49-F238E27FC236}">
+              <a16:creationId xmlns:a16="http://schemas.microsoft.com/office/drawing/2014/main" id="{AFC56905-6415-95AB-BB77-CB0E2408FAC4}"/>
+            </a:ext>
+          </a:extLst>
+        </p:cNvPr>
+        <p:cNvGrpSpPr/>
+        <p:nvPr/>
+      </p:nvGrpSpPr>
+      <p:grpSpPr>
+        <a:xfrm>
+          <a:off x="0" y="0"/>
+          <a:ext cx="0" cy="0"/>
+          <a:chOff x="0" y="0"/>
+          <a:chExt cx="0" cy="0"/>
+        </a:xfrm>
+      </p:grpSpPr>
+      <p:sp>
+        <p:nvSpPr>
+          <p:cNvPr id="10" name="Rectangle 9">
+            <a:extLst>
+              <a:ext uri="{FF2B5EF4-FFF2-40B4-BE49-F238E27FC236}">
+                <a16:creationId xmlns:a16="http://schemas.microsoft.com/office/drawing/2014/main" id="{A9F529C3-C941-49FD-8C67-82F134F64BDB}"/>
+              </a:ext>
+              <a:ext uri="{C183D7F6-B498-43B3-948B-1728B52AA6E4}">
+                <adec:decorative xmlns:adec="http://schemas.microsoft.com/office/drawing/2017/decorative" val="1"/>
+              </a:ext>
+            </a:extLst>
+          </p:cNvPr>
+          <p:cNvSpPr>
+            <a:spLocks noGrp="1" noRot="1" noChangeAspect="1" noMove="1" noResize="1" noEditPoints="1" noAdjustHandles="1" noChangeArrowheads="1" noChangeShapeType="1" noTextEdit="1"/>
+          </p:cNvSpPr>
+          <p:nvPr>
+            <p:extLst>
+              <p:ext uri="{386F3935-93C4-4BCD-93E2-E3B085C9AB24}">
+                <p16:designElem xmlns:p16="http://schemas.microsoft.com/office/powerpoint/2015/main" val="1"/>
+              </p:ext>
+            </p:extLst>
+          </p:nvPr>
+        </p:nvSpPr>
+        <p:spPr>
+          <a:xfrm>
+            <a:off x="0" y="0"/>
+            <a:ext cx="12192000" cy="6858000"/>
+          </a:xfrm>
+          <a:prstGeom prst="rect">
+            <a:avLst/>
+          </a:prstGeom>
+          <a:solidFill>
+            <a:schemeClr val="tx1">
+              <a:lumMod val="50000"/>
+              <a:lumOff val="50000"/>
+              <a:alpha val="30000"/>
+            </a:schemeClr>
+          </a:solidFill>
+          <a:ln>
+            <a:noFill/>
+          </a:ln>
+        </p:spPr>
+        <p:style>
+          <a:lnRef idx="2">
+            <a:schemeClr val="accent1">
+              <a:shade val="50000"/>
+            </a:schemeClr>
+          </a:lnRef>
+          <a:fillRef idx="1">
+            <a:schemeClr val="accent1"/>
+          </a:fillRef>
+          <a:effectRef idx="0">
+            <a:schemeClr val="accent1"/>
+          </a:effectRef>
+          <a:fontRef idx="minor">
+            <a:schemeClr val="lt1"/>
+          </a:fontRef>
+        </p:style>
+        <p:txBody>
+          <a:bodyPr rtlCol="0" anchor="ctr"/>
+          <a:lstStyle/>
+          <a:p>
+            <a:pPr algn="ctr"/>
+            <a:endParaRPr lang="en-US"/>
+          </a:p>
+        </p:txBody>
+      </p:sp>
+      <p:sp>
+        <p:nvSpPr>
+          <p:cNvPr id="12" name="Rectangle 11">
+            <a:extLst>
+              <a:ext uri="{FF2B5EF4-FFF2-40B4-BE49-F238E27FC236}">
+                <a16:creationId xmlns:a16="http://schemas.microsoft.com/office/drawing/2014/main" id="{20586029-32A0-47E5-9AEC-AE3ABA6B94D0}"/>
+              </a:ext>
+              <a:ext uri="{C183D7F6-B498-43B3-948B-1728B52AA6E4}">
+                <adec:decorative xmlns:adec="http://schemas.microsoft.com/office/drawing/2017/decorative" val="1"/>
+              </a:ext>
+            </a:extLst>
+          </p:cNvPr>
+          <p:cNvSpPr>
+            <a:spLocks noGrp="1" noRot="1" noChangeAspect="1" noMove="1" noResize="1" noEditPoints="1" noAdjustHandles="1" noChangeArrowheads="1" noChangeShapeType="1" noTextEdit="1"/>
+          </p:cNvSpPr>
+          <p:nvPr>
+            <p:extLst>
+              <p:ext uri="{386F3935-93C4-4BCD-93E2-E3B085C9AB24}">
+                <p16:designElem xmlns:p16="http://schemas.microsoft.com/office/powerpoint/2015/main" val="1"/>
+              </p:ext>
+            </p:extLst>
+          </p:nvPr>
+        </p:nvSpPr>
+        <p:spPr>
+          <a:xfrm>
+            <a:off x="477012" y="480060"/>
+            <a:ext cx="11237976" cy="5897880"/>
+          </a:xfrm>
+          <a:prstGeom prst="rect">
+            <a:avLst/>
+          </a:prstGeom>
+          <a:solidFill>
+            <a:srgbClr val="FFFFFF"/>
+          </a:solidFill>
+          <a:ln w="9525">
+            <a:noFill/>
+          </a:ln>
+          <a:effectLst>
+            <a:outerShdw blurRad="63500" dist="17780" dir="5400000" algn="t" rotWithShape="0">
+              <a:prstClr val="black">
+                <a:alpha val="43000"/>
+              </a:prstClr>
+            </a:outerShdw>
+          </a:effectLst>
+        </p:spPr>
+        <p:style>
+          <a:lnRef idx="2">
+            <a:schemeClr val="accent1">
+              <a:shade val="50000"/>
+            </a:schemeClr>
+          </a:lnRef>
+          <a:fillRef idx="1">
+            <a:schemeClr val="accent1"/>
+          </a:fillRef>
+          <a:effectRef idx="0">
+            <a:schemeClr val="accent1"/>
+          </a:effectRef>
+          <a:fontRef idx="minor">
+            <a:schemeClr val="lt1"/>
+          </a:fontRef>
+        </p:style>
+        <p:txBody>
+          <a:bodyPr rtlCol="0" anchor="ctr"/>
+          <a:lstStyle/>
+          <a:p>
+            <a:pPr algn="ctr"/>
+            <a:endParaRPr lang="en-US"/>
+          </a:p>
+        </p:txBody>
+      </p:sp>
+      <p:pic>
+        <p:nvPicPr>
+          <p:cNvPr id="5" name="Picture 4" descr="A screenshot of a phone&#10;&#10;AI-generated content may be incorrect.">
+            <a:extLst>
+              <a:ext uri="{FF2B5EF4-FFF2-40B4-BE49-F238E27FC236}">
+                <a16:creationId xmlns:a16="http://schemas.microsoft.com/office/drawing/2014/main" id="{03BB2FD7-DDA7-7A29-F05B-4D2CAA60DA57}"/>
+              </a:ext>
+            </a:extLst>
+          </p:cNvPr>
+          <p:cNvPicPr>
+            <a:picLocks noChangeAspect="1"/>
+          </p:cNvPicPr>
+          <p:nvPr/>
+        </p:nvPicPr>
+        <p:blipFill>
+          <a:blip r:embed="rId2"/>
+          <a:stretch>
+            <a:fillRect/>
+          </a:stretch>
+        </p:blipFill>
+        <p:spPr>
+          <a:xfrm>
+            <a:off x="1911986" y="643466"/>
+            <a:ext cx="2757677" cy="5571066"/>
+          </a:xfrm>
+          <a:prstGeom prst="rect">
+            <a:avLst/>
+          </a:prstGeom>
+        </p:spPr>
+      </p:pic>
+      <p:cxnSp>
+        <p:nvCxnSpPr>
+          <p:cNvPr id="14" name="Straight Connector 13">
+            <a:extLst>
+              <a:ext uri="{FF2B5EF4-FFF2-40B4-BE49-F238E27FC236}">
+                <a16:creationId xmlns:a16="http://schemas.microsoft.com/office/drawing/2014/main" id="{8C730EAB-A532-4295-A302-FB4B90DB9F5E}"/>
+              </a:ext>
+              <a:ext uri="{C183D7F6-B498-43B3-948B-1728B52AA6E4}">
+                <adec:decorative xmlns:adec="http://schemas.microsoft.com/office/drawing/2017/decorative" val="1"/>
+              </a:ext>
+            </a:extLst>
+          </p:cNvPr>
+          <p:cNvCxnSpPr>
+            <a:cxnSpLocks noGrp="1" noRot="1" noChangeAspect="1" noMove="1" noResize="1" noEditPoints="1" noAdjustHandles="1" noChangeArrowheads="1" noChangeShapeType="1"/>
+          </p:cNvCxnSpPr>
+          <p:nvPr>
+            <p:extLst>
+              <p:ext uri="{386F3935-93C4-4BCD-93E2-E3B085C9AB24}">
+                <p16:designElem xmlns:p16="http://schemas.microsoft.com/office/powerpoint/2015/main" val="1"/>
+              </p:ext>
+            </p:extLst>
+          </p:nvPr>
+        </p:nvCxnSpPr>
+        <p:spPr>
+          <a:xfrm>
+            <a:off x="6079958" y="1143000"/>
+            <a:ext cx="0" cy="4572000"/>
+          </a:xfrm>
+          <a:prstGeom prst="line">
+            <a:avLst/>
+          </a:prstGeom>
+          <a:ln>
+            <a:solidFill>
+              <a:srgbClr val="4E4E4E"/>
+            </a:solidFill>
+          </a:ln>
+        </p:spPr>
+        <p:style>
+          <a:lnRef idx="1">
+            <a:schemeClr val="accent1"/>
+          </a:lnRef>
+          <a:fillRef idx="0">
+            <a:schemeClr val="accent1"/>
+          </a:fillRef>
+          <a:effectRef idx="0">
+            <a:schemeClr val="accent1"/>
+          </a:effectRef>
+          <a:fontRef idx="minor">
+            <a:schemeClr val="tx1"/>
+          </a:fontRef>
+        </p:style>
+      </p:cxnSp>
+      <p:pic>
+        <p:nvPicPr>
+          <p:cNvPr id="3" name="Picture 2" descr="A screenshot of a map&#10;&#10;AI-generated content may be incorrect.">
+            <a:extLst>
+              <a:ext uri="{FF2B5EF4-FFF2-40B4-BE49-F238E27FC236}">
+                <a16:creationId xmlns:a16="http://schemas.microsoft.com/office/drawing/2014/main" id="{A83DE432-C033-BE0D-B8F6-37C423763DB9}"/>
+              </a:ext>
+            </a:extLst>
+          </p:cNvPr>
+          <p:cNvPicPr>
+            <a:picLocks noChangeAspect="1"/>
+          </p:cNvPicPr>
+          <p:nvPr/>
+        </p:nvPicPr>
+        <p:blipFill>
+          <a:blip r:embed="rId3"/>
+          <a:stretch>
+            <a:fillRect/>
+          </a:stretch>
+        </p:blipFill>
+        <p:spPr>
+          <a:xfrm>
+            <a:off x="7591974" y="643467"/>
+            <a:ext cx="2618400" cy="5571066"/>
+          </a:xfrm>
+          <a:prstGeom prst="rect">
+            <a:avLst/>
+          </a:prstGeom>
+        </p:spPr>
+      </p:pic>
+    </p:spTree>
+    <p:extLst>
+      <p:ext uri="{BB962C8B-B14F-4D97-AF65-F5344CB8AC3E}">
+        <p14:creationId xmlns:p14="http://schemas.microsoft.com/office/powerpoint/2010/main" val="2690320245"/>
+      </p:ext>
+    </p:extLst>
+  </p:cSld>
+  <p:clrMapOvr>
+    <a:masterClrMapping/>
+  </p:clrMapOvr>
+  <mc:AlternateContent xmlns:mc="http://schemas.openxmlformats.org/markup-compatibility/2006">
+    <mc:Choice xmlns:p159="http://schemas.microsoft.com/office/powerpoint/2015/09/main" Requires="p159">
+      <p:transition xmlns:p14="http://schemas.microsoft.com/office/powerpoint/2010/main" spd="slow" p14:dur="2000">
+        <p159:morph option="byObject"/>
+      </p:transition>
+    </mc:Choice>
+    <mc:Fallback>
+      <p:transition spd="slow">
+        <p:fade/>
+      </p:transition>
+    </mc:Fallback>
+  </mc:AlternateContent>
+</p:sld>
+</file>
+
+<file path=ppt/slides/slide7.xml><?xml version="1.0" encoding="utf-8"?>
 <p:sld xmlns:a="http://schemas.openxmlformats.org/drawingml/2006/main" xmlns:r="http://schemas.openxmlformats.org/officeDocument/2006/relationships" xmlns:p="http://schemas.openxmlformats.org/presentationml/2006/main">
   <p:cSld>
     <p:bg>
@@ -5346,10 +7086,10 @@
       </p:grpSpPr>
       <p:sp>
         <p:nvSpPr>
-          <p:cNvPr id="35" name="Rectangle 34">
-            <a:extLst>
-              <a:ext uri="{FF2B5EF4-FFF2-40B4-BE49-F238E27FC236}">
-                <a16:creationId xmlns:a16="http://schemas.microsoft.com/office/drawing/2014/main" id="{86FF76B9-219D-4469-AF87-0236D29032F1}"/>
+          <p:cNvPr id="9" name="Rectangle 8">
+            <a:extLst>
+              <a:ext uri="{FF2B5EF4-FFF2-40B4-BE49-F238E27FC236}">
+                <a16:creationId xmlns:a16="http://schemas.microsoft.com/office/drawing/2014/main" id="{A9F529C3-C941-49FD-8C67-82F134F64BDB}"/>
               </a:ext>
               <a:ext uri="{C183D7F6-B498-43B3-948B-1728B52AA6E4}">
                 <adec:decorative xmlns:adec="http://schemas.microsoft.com/office/drawing/2017/decorative" val="1"/>
@@ -5376,7 +7116,11 @@
             <a:avLst/>
           </a:prstGeom>
           <a:solidFill>
-            <a:schemeClr val="bg1"/>
+            <a:schemeClr val="tx1">
+              <a:lumMod val="50000"/>
+              <a:lumOff val="50000"/>
+              <a:alpha val="30000"/>
+            </a:schemeClr>
           </a:solidFill>
           <a:ln>
             <a:noFill/>
@@ -5403,25 +7147,25 @@
           <a:lstStyle/>
           <a:p>
             <a:pPr algn="ctr"/>
-            <a:endParaRPr lang="en-US" dirty="0"/>
-          </a:p>
-        </p:txBody>
-      </p:sp>
-      <p:grpSp>
-        <p:nvGrpSpPr>
-          <p:cNvPr id="37" name="Group 36">
-            <a:extLst>
-              <a:ext uri="{FF2B5EF4-FFF2-40B4-BE49-F238E27FC236}">
-                <a16:creationId xmlns:a16="http://schemas.microsoft.com/office/drawing/2014/main" id="{DB88BD78-87E1-424D-B479-C37D8E41B12E}"/>
+            <a:endParaRPr lang="en-US"/>
+          </a:p>
+        </p:txBody>
+      </p:sp>
+      <p:sp>
+        <p:nvSpPr>
+          <p:cNvPr id="11" name="Rectangle 10">
+            <a:extLst>
+              <a:ext uri="{FF2B5EF4-FFF2-40B4-BE49-F238E27FC236}">
+                <a16:creationId xmlns:a16="http://schemas.microsoft.com/office/drawing/2014/main" id="{20586029-32A0-47E5-9AEC-AE3ABA6B94D0}"/>
               </a:ext>
               <a:ext uri="{C183D7F6-B498-43B3-948B-1728B52AA6E4}">
                 <adec:decorative xmlns:adec="http://schemas.microsoft.com/office/drawing/2017/decorative" val="1"/>
               </a:ext>
             </a:extLst>
           </p:cNvPr>
-          <p:cNvGrpSpPr>
-            <a:grpSpLocks noGrp="1" noUngrp="1" noRot="1" noChangeAspect="1" noMove="1" noResize="1"/>
-          </p:cNvGrpSpPr>
+          <p:cNvSpPr>
+            <a:spLocks noGrp="1" noRot="1" noChangeAspect="1" noMove="1" noResize="1" noEditPoints="1" noAdjustHandles="1" noChangeArrowheads="1" noChangeShapeType="1" noTextEdit="1"/>
+          </p:cNvSpPr>
           <p:nvPr>
             <p:extLst>
               <p:ext uri="{386F3935-93C4-4BCD-93E2-E3B085C9AB24}">
@@ -5429,232 +7173,28 @@
               </p:ext>
             </p:extLst>
           </p:nvPr>
-        </p:nvGrpSpPr>
-        <p:grpSpPr>
-          <a:xfrm flipH="1">
-            <a:off x="10964637" y="2358"/>
-            <a:ext cx="1876653" cy="1766008"/>
-            <a:chOff x="-648769" y="2358"/>
-            <a:chExt cx="1876653" cy="1766008"/>
-          </a:xfrm>
-        </p:grpSpPr>
-        <p:sp>
-          <p:nvSpPr>
-            <p:cNvPr id="38" name="Freeform: Shape 37">
-              <a:extLst>
-                <a:ext uri="{FF2B5EF4-FFF2-40B4-BE49-F238E27FC236}">
-                  <a16:creationId xmlns:a16="http://schemas.microsoft.com/office/drawing/2014/main" id="{C05EB894-9410-4B20-95E4-7A25101AB895}"/>
-                </a:ext>
-                <a:ext uri="{C183D7F6-B498-43B3-948B-1728B52AA6E4}">
-                  <adec:decorative xmlns:adec="http://schemas.microsoft.com/office/drawing/2017/decorative" val="1"/>
-                </a:ext>
-              </a:extLst>
-            </p:cNvPr>
-            <p:cNvSpPr/>
-            <p:nvPr>
-              <p:extLst>
-                <p:ext uri="{386F3935-93C4-4BCD-93E2-E3B085C9AB24}">
-                  <p16:designElem xmlns:p16="http://schemas.microsoft.com/office/powerpoint/2015/main" val="1"/>
-                </p:ext>
-              </p:extLst>
-            </p:nvPr>
-          </p:nvSpPr>
-          <p:spPr>
-            <a:xfrm rot="2700000">
-              <a:off x="-415188" y="-231223"/>
-              <a:ext cx="1409491" cy="1876653"/>
-            </a:xfrm>
-            <a:custGeom>
-              <a:avLst/>
-              <a:gdLst>
-                <a:gd name="connsiteX0" fmla="*/ 0 w 1409491"/>
-                <a:gd name="connsiteY0" fmla="*/ 643075 h 1876653"/>
-                <a:gd name="connsiteX1" fmla="*/ 643075 w 1409491"/>
-                <a:gd name="connsiteY1" fmla="*/ 0 h 1876653"/>
-                <a:gd name="connsiteX2" fmla="*/ 1409491 w 1409491"/>
-                <a:gd name="connsiteY2" fmla="*/ 0 h 1876653"/>
-                <a:gd name="connsiteX3" fmla="*/ 1409491 w 1409491"/>
-                <a:gd name="connsiteY3" fmla="*/ 1876653 h 1876653"/>
-                <a:gd name="connsiteX4" fmla="*/ 1233578 w 1409491"/>
-                <a:gd name="connsiteY4" fmla="*/ 1876653 h 1876653"/>
-              </a:gdLst>
-              <a:ahLst/>
-              <a:cxnLst>
-                <a:cxn ang="0">
-                  <a:pos x="connsiteX0" y="connsiteY0"/>
-                </a:cxn>
-                <a:cxn ang="0">
-                  <a:pos x="connsiteX1" y="connsiteY1"/>
-                </a:cxn>
-                <a:cxn ang="0">
-                  <a:pos x="connsiteX2" y="connsiteY2"/>
-                </a:cxn>
-                <a:cxn ang="0">
-                  <a:pos x="connsiteX3" y="connsiteY3"/>
-                </a:cxn>
-                <a:cxn ang="0">
-                  <a:pos x="connsiteX4" y="connsiteY4"/>
-                </a:cxn>
-              </a:cxnLst>
-              <a:rect l="l" t="t" r="r" b="b"/>
-              <a:pathLst>
-                <a:path w="1409491" h="1876653">
-                  <a:moveTo>
-                    <a:pt x="0" y="643075"/>
-                  </a:moveTo>
-                  <a:lnTo>
-                    <a:pt x="643075" y="0"/>
-                  </a:lnTo>
-                  <a:lnTo>
-                    <a:pt x="1409491" y="0"/>
-                  </a:lnTo>
-                  <a:lnTo>
-                    <a:pt x="1409491" y="1876653"/>
-                  </a:lnTo>
-                  <a:lnTo>
-                    <a:pt x="1233578" y="1876653"/>
-                  </a:lnTo>
-                  <a:close/>
-                </a:path>
-              </a:pathLst>
-            </a:custGeom>
-            <a:solidFill>
-              <a:schemeClr val="accent1">
-                <a:alpha val="30000"/>
-              </a:schemeClr>
-            </a:solidFill>
-            <a:ln>
-              <a:noFill/>
-            </a:ln>
-          </p:spPr>
-          <p:style>
-            <a:lnRef idx="2">
-              <a:schemeClr val="accent1">
-                <a:shade val="50000"/>
-              </a:schemeClr>
-            </a:lnRef>
-            <a:fillRef idx="1">
-              <a:schemeClr val="accent1"/>
-            </a:fillRef>
-            <a:effectRef idx="0">
-              <a:schemeClr val="accent1"/>
-            </a:effectRef>
-            <a:fontRef idx="minor">
-              <a:schemeClr val="lt1"/>
-            </a:fontRef>
-          </p:style>
-          <p:txBody>
-            <a:bodyPr rtlCol="0" anchor="ctr"/>
-            <a:lstStyle/>
-            <a:p>
-              <a:pPr algn="ctr"/>
-              <a:endParaRPr lang="en-US"/>
-            </a:p>
-          </p:txBody>
-        </p:sp>
-        <p:sp>
-          <p:nvSpPr>
-            <p:cNvPr id="39" name="Rectangle 38">
-              <a:extLst>
-                <a:ext uri="{FF2B5EF4-FFF2-40B4-BE49-F238E27FC236}">
-                  <a16:creationId xmlns:a16="http://schemas.microsoft.com/office/drawing/2014/main" id="{166E38B6-B050-4340-8E8F-3A971DADC031}"/>
-                </a:ext>
-                <a:ext uri="{C183D7F6-B498-43B3-948B-1728B52AA6E4}">
-                  <adec:decorative xmlns:adec="http://schemas.microsoft.com/office/drawing/2017/decorative" val="1"/>
-                </a:ext>
-              </a:extLst>
-            </p:cNvPr>
-            <p:cNvSpPr/>
-            <p:nvPr>
-              <p:extLst>
-                <p:ext uri="{386F3935-93C4-4BCD-93E2-E3B085C9AB24}">
-                  <p16:designElem xmlns:p16="http://schemas.microsoft.com/office/powerpoint/2015/main" val="1"/>
-                </p:ext>
-              </p:extLst>
-            </p:nvPr>
-          </p:nvSpPr>
-          <p:spPr>
-            <a:xfrm rot="2700000">
-              <a:off x="301285" y="1282788"/>
-              <a:ext cx="485578" cy="485578"/>
-            </a:xfrm>
-            <a:prstGeom prst="rect">
-              <a:avLst/>
-            </a:prstGeom>
-            <a:solidFill>
-              <a:schemeClr val="accent1">
-                <a:alpha val="30000"/>
-              </a:schemeClr>
-            </a:solidFill>
-            <a:ln>
-              <a:noFill/>
-            </a:ln>
-          </p:spPr>
-          <p:style>
-            <a:lnRef idx="2">
-              <a:schemeClr val="accent1">
-                <a:shade val="50000"/>
-              </a:schemeClr>
-            </a:lnRef>
-            <a:fillRef idx="1">
-              <a:schemeClr val="accent1"/>
-            </a:fillRef>
-            <a:effectRef idx="0">
-              <a:schemeClr val="accent1"/>
-            </a:effectRef>
-            <a:fontRef idx="minor">
-              <a:schemeClr val="lt1"/>
-            </a:fontRef>
-          </p:style>
-          <p:txBody>
-            <a:bodyPr rtlCol="0" anchor="ctr"/>
-            <a:lstStyle/>
-            <a:p>
-              <a:pPr algn="ctr"/>
-              <a:endParaRPr lang="en-US"/>
-            </a:p>
-          </p:txBody>
-        </p:sp>
-      </p:grpSp>
-      <p:sp>
-        <p:nvSpPr>
-          <p:cNvPr id="41" name="Rectangle 40">
-            <a:extLst>
-              <a:ext uri="{FF2B5EF4-FFF2-40B4-BE49-F238E27FC236}">
-                <a16:creationId xmlns:a16="http://schemas.microsoft.com/office/drawing/2014/main" id="{2E80C965-DB6D-4F81-9E9E-B027384D0BD6}"/>
-              </a:ext>
-              <a:ext uri="{C183D7F6-B498-43B3-948B-1728B52AA6E4}">
-                <adec:decorative xmlns:adec="http://schemas.microsoft.com/office/drawing/2017/decorative" val="1"/>
-              </a:ext>
-            </a:extLst>
-          </p:cNvPr>
-          <p:cNvSpPr>
-            <a:spLocks noGrp="1" noRot="1" noChangeAspect="1" noMove="1" noResize="1" noEditPoints="1" noAdjustHandles="1" noChangeArrowheads="1" noChangeShapeType="1" noTextEdit="1"/>
-          </p:cNvSpPr>
-          <p:nvPr>
-            <p:extLst>
-              <p:ext uri="{386F3935-93C4-4BCD-93E2-E3B085C9AB24}">
-                <p16:designElem xmlns:p16="http://schemas.microsoft.com/office/powerpoint/2015/main" val="1"/>
-              </p:ext>
-            </p:extLst>
-          </p:nvPr>
-        </p:nvSpPr>
-        <p:spPr>
-          <a:xfrm rot="2700000">
-            <a:off x="2737196" y="6033666"/>
-            <a:ext cx="645368" cy="645368"/>
+        </p:nvSpPr>
+        <p:spPr>
+          <a:xfrm>
+            <a:off x="477012" y="480060"/>
+            <a:ext cx="11237976" cy="5897880"/>
           </a:xfrm>
           <a:prstGeom prst="rect">
             <a:avLst/>
           </a:prstGeom>
           <a:solidFill>
-            <a:schemeClr val="accent4">
-              <a:alpha val="30000"/>
-            </a:schemeClr>
+            <a:srgbClr val="FFFFFF"/>
           </a:solidFill>
-          <a:ln>
+          <a:ln w="9525">
             <a:noFill/>
           </a:ln>
+          <a:effectLst>
+            <a:outerShdw blurRad="63500" dist="17780" dir="5400000" algn="t" rotWithShape="0">
+              <a:prstClr val="black">
+                <a:alpha val="43000"/>
+              </a:prstClr>
+            </a:outerShdw>
+          </a:effectLst>
         </p:spPr>
         <p:style>
           <a:lnRef idx="2">
@@ -5681,73 +7221,6 @@
           </a:p>
         </p:txBody>
       </p:sp>
-      <p:sp>
-        <p:nvSpPr>
-          <p:cNvPr id="43" name="Isosceles Triangle 42">
-            <a:extLst>
-              <a:ext uri="{FF2B5EF4-FFF2-40B4-BE49-F238E27FC236}">
-                <a16:creationId xmlns:a16="http://schemas.microsoft.com/office/drawing/2014/main" id="{633C5E46-DAC5-4661-9C87-22B08E2A512F}"/>
-              </a:ext>
-              <a:ext uri="{C183D7F6-B498-43B3-948B-1728B52AA6E4}">
-                <adec:decorative xmlns:adec="http://schemas.microsoft.com/office/drawing/2017/decorative" val="1"/>
-              </a:ext>
-            </a:extLst>
-          </p:cNvPr>
-          <p:cNvSpPr>
-            <a:spLocks noGrp="1" noRot="1" noChangeAspect="1" noMove="1" noResize="1" noEditPoints="1" noAdjustHandles="1" noChangeArrowheads="1" noChangeShapeType="1" noTextEdit="1"/>
-          </p:cNvSpPr>
-          <p:nvPr>
-            <p:extLst>
-              <p:ext uri="{386F3935-93C4-4BCD-93E2-E3B085C9AB24}">
-                <p16:designElem xmlns:p16="http://schemas.microsoft.com/office/powerpoint/2015/main" val="1"/>
-              </p:ext>
-            </p:extLst>
-          </p:nvPr>
-        </p:nvSpPr>
-        <p:spPr>
-          <a:xfrm>
-            <a:off x="1343436" y="5721108"/>
-            <a:ext cx="2261965" cy="1136891"/>
-          </a:xfrm>
-          <a:prstGeom prst="triangle">
-            <a:avLst>
-              <a:gd name="adj" fmla="val 50000"/>
-            </a:avLst>
-          </a:prstGeom>
-          <a:solidFill>
-            <a:schemeClr val="accent4">
-              <a:alpha val="30000"/>
-            </a:schemeClr>
-          </a:solidFill>
-          <a:ln>
-            <a:noFill/>
-          </a:ln>
-        </p:spPr>
-        <p:style>
-          <a:lnRef idx="2">
-            <a:schemeClr val="accent1">
-              <a:shade val="50000"/>
-            </a:schemeClr>
-          </a:lnRef>
-          <a:fillRef idx="1">
-            <a:schemeClr val="accent1"/>
-          </a:fillRef>
-          <a:effectRef idx="0">
-            <a:schemeClr val="accent1"/>
-          </a:effectRef>
-          <a:fontRef idx="minor">
-            <a:schemeClr val="lt1"/>
-          </a:fontRef>
-        </p:style>
-        <p:txBody>
-          <a:bodyPr rtlCol="0" anchor="ctr"/>
-          <a:lstStyle/>
-          <a:p>
-            <a:pPr algn="ctr"/>
-            <a:endParaRPr lang="en-US"/>
-          </a:p>
-        </p:txBody>
-      </p:sp>
       <p:pic>
         <p:nvPicPr>
           <p:cNvPr id="3" name="Picture 2" descr="A screenshot of a phone&#10;&#10;AI-generated content may be incorrect.">
@@ -5770,15 +7243,94 @@
         </p:blipFill>
         <p:spPr>
           <a:xfrm>
-            <a:off x="4731089" y="643467"/>
-            <a:ext cx="2729822" cy="5571065"/>
+            <a:off x="1925914" y="643466"/>
+            <a:ext cx="2729822" cy="5571066"/>
           </a:xfrm>
           <a:prstGeom prst="rect">
             <a:avLst/>
           </a:prstGeom>
+        </p:spPr>
+      </p:pic>
+      <p:cxnSp>
+        <p:nvCxnSpPr>
+          <p:cNvPr id="13" name="Straight Connector 12">
+            <a:extLst>
+              <a:ext uri="{FF2B5EF4-FFF2-40B4-BE49-F238E27FC236}">
+                <a16:creationId xmlns:a16="http://schemas.microsoft.com/office/drawing/2014/main" id="{8C730EAB-A532-4295-A302-FB4B90DB9F5E}"/>
+              </a:ext>
+              <a:ext uri="{C183D7F6-B498-43B3-948B-1728B52AA6E4}">
+                <adec:decorative xmlns:adec="http://schemas.microsoft.com/office/drawing/2017/decorative" val="1"/>
+              </a:ext>
+            </a:extLst>
+          </p:cNvPr>
+          <p:cNvCxnSpPr>
+            <a:cxnSpLocks noGrp="1" noRot="1" noChangeAspect="1" noMove="1" noResize="1" noEditPoints="1" noAdjustHandles="1" noChangeArrowheads="1" noChangeShapeType="1"/>
+          </p:cNvCxnSpPr>
+          <p:nvPr>
+            <p:extLst>
+              <p:ext uri="{386F3935-93C4-4BCD-93E2-E3B085C9AB24}">
+                <p16:designElem xmlns:p16="http://schemas.microsoft.com/office/powerpoint/2015/main" val="1"/>
+              </p:ext>
+            </p:extLst>
+          </p:nvPr>
+        </p:nvCxnSpPr>
+        <p:spPr>
+          <a:xfrm>
+            <a:off x="6079958" y="1143000"/>
+            <a:ext cx="0" cy="4572000"/>
+          </a:xfrm>
+          <a:prstGeom prst="line">
+            <a:avLst/>
+          </a:prstGeom>
           <a:ln>
-            <a:noFill/>
+            <a:solidFill>
+              <a:srgbClr val="4E4E4E"/>
+            </a:solidFill>
           </a:ln>
+        </p:spPr>
+        <p:style>
+          <a:lnRef idx="1">
+            <a:schemeClr val="accent1"/>
+          </a:lnRef>
+          <a:fillRef idx="0">
+            <a:schemeClr val="accent1"/>
+          </a:fillRef>
+          <a:effectRef idx="0">
+            <a:schemeClr val="accent1"/>
+          </a:effectRef>
+          <a:fontRef idx="minor">
+            <a:schemeClr val="tx1"/>
+          </a:fontRef>
+        </p:style>
+      </p:cxnSp>
+      <p:pic>
+        <p:nvPicPr>
+          <p:cNvPr id="4" name="Picture 3" descr="A screenshot of a qr code&#10;&#10;AI-generated content may be incorrect.">
+            <a:extLst>
+              <a:ext uri="{FF2B5EF4-FFF2-40B4-BE49-F238E27FC236}">
+                <a16:creationId xmlns:a16="http://schemas.microsoft.com/office/drawing/2014/main" id="{7C8B4E40-EB06-10CD-B6BB-68DC956FF5E3}"/>
+              </a:ext>
+            </a:extLst>
+          </p:cNvPr>
+          <p:cNvPicPr>
+            <a:picLocks noChangeAspect="1"/>
+          </p:cNvPicPr>
+          <p:nvPr/>
+        </p:nvPicPr>
+        <p:blipFill>
+          <a:blip r:embed="rId3"/>
+          <a:stretch>
+            <a:fillRect/>
+          </a:stretch>
+        </p:blipFill>
+        <p:spPr>
+          <a:xfrm>
+            <a:off x="7598938" y="643467"/>
+            <a:ext cx="2604473" cy="5571066"/>
+          </a:xfrm>
+          <a:prstGeom prst="rect">
+            <a:avLst/>
+          </a:prstGeom>
         </p:spPr>
       </p:pic>
     </p:spTree>
@@ -5791,13 +7343,13 @@
   <p:clrMapOvr>
     <a:masterClrMapping/>
   </p:clrMapOvr>
-  <mc:AlternateContent xmlns:mc="http://schemas.openxmlformats.org/markup-compatibility/2006">
-    <mc:Choice xmlns:p14="http://schemas.microsoft.com/office/powerpoint/2010/main" Requires="p14">
+  <mc:AlternateContent xmlns:mc="http://schemas.openxmlformats.org/markup-compatibility/2006" xmlns:p14="http://schemas.microsoft.com/office/powerpoint/2010/main">
+    <mc:Choice Requires="p14">
       <p:transition spd="med" p14:dur="700">
         <p:fade/>
       </p:transition>
     </mc:Choice>
-    <mc:Fallback>
+    <mc:Fallback xmlns="">
       <p:transition spd="med">
         <p:fade/>
       </p:transition>
@@ -5806,7 +7358,7 @@
 </p:sld>
 </file>
 
-<file path=ppt/slides/slide6.xml><?xml version="1.0" encoding="utf-8"?>
+<file path=ppt/slides/slide8.xml><?xml version="1.0" encoding="utf-8"?>
 <p:sld xmlns:a="http://schemas.openxmlformats.org/drawingml/2006/main" xmlns:r="http://schemas.openxmlformats.org/officeDocument/2006/relationships" xmlns:p="http://schemas.openxmlformats.org/presentationml/2006/main">
   <p:cSld>
     <p:bg>
@@ -5839,10 +7391,10 @@
       </p:grpSpPr>
       <p:sp>
         <p:nvSpPr>
-          <p:cNvPr id="35" name="Rectangle 34">
-            <a:extLst>
-              <a:ext uri="{FF2B5EF4-FFF2-40B4-BE49-F238E27FC236}">
-                <a16:creationId xmlns:a16="http://schemas.microsoft.com/office/drawing/2014/main" id="{F3060C83-F051-4F0E-ABAD-AA0DFC48B218}"/>
+          <p:cNvPr id="9" name="Rectangle 8">
+            <a:extLst>
+              <a:ext uri="{FF2B5EF4-FFF2-40B4-BE49-F238E27FC236}">
+                <a16:creationId xmlns:a16="http://schemas.microsoft.com/office/drawing/2014/main" id="{A9F529C3-C941-49FD-8C67-82F134F64BDB}"/>
               </a:ext>
               <a:ext uri="{C183D7F6-B498-43B3-948B-1728B52AA6E4}">
                 <adec:decorative xmlns:adec="http://schemas.microsoft.com/office/drawing/2017/decorative" val="1"/>
@@ -5869,7 +7421,11 @@
             <a:avLst/>
           </a:prstGeom>
           <a:solidFill>
-            <a:schemeClr val="bg1"/>
+            <a:schemeClr val="tx1">
+              <a:lumMod val="50000"/>
+              <a:lumOff val="50000"/>
+              <a:alpha val="30000"/>
+            </a:schemeClr>
           </a:solidFill>
           <a:ln>
             <a:noFill/>
@@ -5896,16 +7452,16 @@
           <a:lstStyle/>
           <a:p>
             <a:pPr algn="ctr"/>
-            <a:endParaRPr lang="en-US" dirty="0"/>
-          </a:p>
-        </p:txBody>
-      </p:sp>
-      <p:sp>
-        <p:nvSpPr>
-          <p:cNvPr id="37" name="Freeform: Shape 36">
-            <a:extLst>
-              <a:ext uri="{FF2B5EF4-FFF2-40B4-BE49-F238E27FC236}">
-                <a16:creationId xmlns:a16="http://schemas.microsoft.com/office/drawing/2014/main" id="{83C98ABE-055B-441F-B07E-44F97F083C39}"/>
+            <a:endParaRPr lang="en-US"/>
+          </a:p>
+        </p:txBody>
+      </p:sp>
+      <p:sp>
+        <p:nvSpPr>
+          <p:cNvPr id="11" name="Rectangle 10">
+            <a:extLst>
+              <a:ext uri="{FF2B5EF4-FFF2-40B4-BE49-F238E27FC236}">
+                <a16:creationId xmlns:a16="http://schemas.microsoft.com/office/drawing/2014/main" id="{20586029-32A0-47E5-9AEC-AE3ABA6B94D0}"/>
               </a:ext>
               <a:ext uri="{C183D7F6-B498-43B3-948B-1728B52AA6E4}">
                 <adec:decorative xmlns:adec="http://schemas.microsoft.com/office/drawing/2017/decorative" val="1"/>
@@ -5924,72 +7480,26 @@
           </p:nvPr>
         </p:nvSpPr>
         <p:spPr>
-          <a:xfrm rot="18900000" flipH="1">
-            <a:off x="-376156" y="-253670"/>
-            <a:ext cx="1827638" cy="1376989"/>
-          </a:xfrm>
-          <a:custGeom>
+          <a:xfrm>
+            <a:off x="477012" y="480060"/>
+            <a:ext cx="11237976" cy="5897880"/>
+          </a:xfrm>
+          <a:prstGeom prst="rect">
             <a:avLst/>
-            <a:gdLst>
-              <a:gd name="connsiteX0" fmla="*/ 0 w 1827638"/>
-              <a:gd name="connsiteY0" fmla="*/ 987379 h 1376989"/>
-              <a:gd name="connsiteX1" fmla="*/ 987379 w 1827638"/>
-              <a:gd name="connsiteY1" fmla="*/ 0 h 1376989"/>
-              <a:gd name="connsiteX2" fmla="*/ 1827638 w 1827638"/>
-              <a:gd name="connsiteY2" fmla="*/ 840260 h 1376989"/>
-              <a:gd name="connsiteX3" fmla="*/ 1827638 w 1827638"/>
-              <a:gd name="connsiteY3" fmla="*/ 1376989 h 1376989"/>
-              <a:gd name="connsiteX4" fmla="*/ 0 w 1827638"/>
-              <a:gd name="connsiteY4" fmla="*/ 1376989 h 1376989"/>
-            </a:gdLst>
-            <a:ahLst/>
-            <a:cxnLst>
-              <a:cxn ang="0">
-                <a:pos x="connsiteX0" y="connsiteY0"/>
-              </a:cxn>
-              <a:cxn ang="0">
-                <a:pos x="connsiteX1" y="connsiteY1"/>
-              </a:cxn>
-              <a:cxn ang="0">
-                <a:pos x="connsiteX2" y="connsiteY2"/>
-              </a:cxn>
-              <a:cxn ang="0">
-                <a:pos x="connsiteX3" y="connsiteY3"/>
-              </a:cxn>
-              <a:cxn ang="0">
-                <a:pos x="connsiteX4" y="connsiteY4"/>
-              </a:cxn>
-            </a:cxnLst>
-            <a:rect l="l" t="t" r="r" b="b"/>
-            <a:pathLst>
-              <a:path w="1827638" h="1376989">
-                <a:moveTo>
-                  <a:pt x="0" y="987379"/>
-                </a:moveTo>
-                <a:lnTo>
-                  <a:pt x="987379" y="0"/>
-                </a:lnTo>
-                <a:lnTo>
-                  <a:pt x="1827638" y="840260"/>
-                </a:lnTo>
-                <a:lnTo>
-                  <a:pt x="1827638" y="1376989"/>
-                </a:lnTo>
-                <a:lnTo>
-                  <a:pt x="0" y="1376989"/>
-                </a:lnTo>
-                <a:close/>
-              </a:path>
-            </a:pathLst>
-          </a:custGeom>
+          </a:prstGeom>
           <a:solidFill>
-            <a:schemeClr val="accent1">
-              <a:alpha val="30000"/>
-            </a:schemeClr>
+            <a:srgbClr val="FFFFFF"/>
           </a:solidFill>
-          <a:ln>
+          <a:ln w="9525">
             <a:noFill/>
           </a:ln>
+          <a:effectLst>
+            <a:outerShdw blurRad="63500" dist="17780" dir="5400000" algn="t" rotWithShape="0">
+              <a:prstClr val="black">
+                <a:alpha val="43000"/>
+              </a:prstClr>
+            </a:outerShdw>
+          </a:effectLst>
         </p:spPr>
         <p:style>
           <a:lnRef idx="2">
@@ -6012,311 +7522,6 @@
           <a:lstStyle/>
           <a:p>
             <a:pPr algn="ctr"/>
-            <a:endParaRPr lang="en-US" dirty="0"/>
-          </a:p>
-        </p:txBody>
-      </p:sp>
-      <p:sp>
-        <p:nvSpPr>
-          <p:cNvPr id="39" name="Rectangle 38">
-            <a:extLst>
-              <a:ext uri="{FF2B5EF4-FFF2-40B4-BE49-F238E27FC236}">
-                <a16:creationId xmlns:a16="http://schemas.microsoft.com/office/drawing/2014/main" id="{29FDB030-9B49-4CED-8CCD-4D99382388AC}"/>
-              </a:ext>
-              <a:ext uri="{C183D7F6-B498-43B3-948B-1728B52AA6E4}">
-                <adec:decorative xmlns:adec="http://schemas.microsoft.com/office/drawing/2017/decorative" val="1"/>
-              </a:ext>
-            </a:extLst>
-          </p:cNvPr>
-          <p:cNvSpPr>
-            <a:spLocks noGrp="1" noRot="1" noChangeAspect="1" noMove="1" noResize="1" noEditPoints="1" noAdjustHandles="1" noChangeArrowheads="1" noChangeShapeType="1" noTextEdit="1"/>
-          </p:cNvSpPr>
-          <p:nvPr>
-            <p:extLst>
-              <p:ext uri="{386F3935-93C4-4BCD-93E2-E3B085C9AB24}">
-                <p16:designElem xmlns:p16="http://schemas.microsoft.com/office/powerpoint/2015/main" val="1"/>
-              </p:ext>
-            </p:extLst>
-          </p:nvPr>
-        </p:nvSpPr>
-        <p:spPr>
-          <a:xfrm rot="18900000" flipH="1">
-            <a:off x="891641" y="422146"/>
-            <a:ext cx="645368" cy="645368"/>
-          </a:xfrm>
-          <a:prstGeom prst="rect">
-            <a:avLst/>
-          </a:prstGeom>
-          <a:solidFill>
-            <a:schemeClr val="accent1">
-              <a:alpha val="30000"/>
-            </a:schemeClr>
-          </a:solidFill>
-          <a:ln>
-            <a:noFill/>
-          </a:ln>
-        </p:spPr>
-        <p:style>
-          <a:lnRef idx="2">
-            <a:schemeClr val="accent1">
-              <a:shade val="50000"/>
-            </a:schemeClr>
-          </a:lnRef>
-          <a:fillRef idx="1">
-            <a:schemeClr val="accent1"/>
-          </a:fillRef>
-          <a:effectRef idx="0">
-            <a:schemeClr val="accent1"/>
-          </a:effectRef>
-          <a:fontRef idx="minor">
-            <a:schemeClr val="lt1"/>
-          </a:fontRef>
-        </p:style>
-        <p:txBody>
-          <a:bodyPr rtlCol="0" anchor="ctr"/>
-          <a:lstStyle/>
-          <a:p>
-            <a:pPr algn="ctr"/>
-            <a:endParaRPr lang="en-US"/>
-          </a:p>
-        </p:txBody>
-      </p:sp>
-      <p:sp>
-        <p:nvSpPr>
-          <p:cNvPr id="41" name="Rectangle 40">
-            <a:extLst>
-              <a:ext uri="{FF2B5EF4-FFF2-40B4-BE49-F238E27FC236}">
-                <a16:creationId xmlns:a16="http://schemas.microsoft.com/office/drawing/2014/main" id="{3783CA14-24A1-485C-8B30-D6A5D87987AD}"/>
-              </a:ext>
-              <a:ext uri="{C183D7F6-B498-43B3-948B-1728B52AA6E4}">
-                <adec:decorative xmlns:adec="http://schemas.microsoft.com/office/drawing/2017/decorative" val="1"/>
-              </a:ext>
-            </a:extLst>
-          </p:cNvPr>
-          <p:cNvSpPr>
-            <a:spLocks noGrp="1" noRot="1" noChangeAspect="1" noMove="1" noResize="1" noEditPoints="1" noAdjustHandles="1" noChangeArrowheads="1" noChangeShapeType="1" noTextEdit="1"/>
-          </p:cNvSpPr>
-          <p:nvPr>
-            <p:extLst>
-              <p:ext uri="{386F3935-93C4-4BCD-93E2-E3B085C9AB24}">
-                <p16:designElem xmlns:p16="http://schemas.microsoft.com/office/powerpoint/2015/main" val="1"/>
-              </p:ext>
-            </p:extLst>
-          </p:nvPr>
-        </p:nvSpPr>
-        <p:spPr>
-          <a:xfrm rot="18900000" flipH="1">
-            <a:off x="10043482" y="655140"/>
-            <a:ext cx="687472" cy="687472"/>
-          </a:xfrm>
-          <a:prstGeom prst="rect">
-            <a:avLst/>
-          </a:prstGeom>
-          <a:solidFill>
-            <a:schemeClr val="accent4">
-              <a:alpha val="30000"/>
-            </a:schemeClr>
-          </a:solidFill>
-          <a:ln>
-            <a:noFill/>
-          </a:ln>
-        </p:spPr>
-        <p:style>
-          <a:lnRef idx="2">
-            <a:schemeClr val="accent1">
-              <a:shade val="50000"/>
-            </a:schemeClr>
-          </a:lnRef>
-          <a:fillRef idx="1">
-            <a:schemeClr val="accent1"/>
-          </a:fillRef>
-          <a:effectRef idx="0">
-            <a:schemeClr val="accent1"/>
-          </a:effectRef>
-          <a:fontRef idx="minor">
-            <a:schemeClr val="lt1"/>
-          </a:fontRef>
-        </p:style>
-        <p:txBody>
-          <a:bodyPr rtlCol="0" anchor="ctr"/>
-          <a:lstStyle/>
-          <a:p>
-            <a:pPr algn="ctr"/>
-            <a:endParaRPr lang="en-US"/>
-          </a:p>
-        </p:txBody>
-      </p:sp>
-      <p:sp>
-        <p:nvSpPr>
-          <p:cNvPr id="43" name="Freeform: Shape 42">
-            <a:extLst>
-              <a:ext uri="{FF2B5EF4-FFF2-40B4-BE49-F238E27FC236}">
-                <a16:creationId xmlns:a16="http://schemas.microsoft.com/office/drawing/2014/main" id="{9A97C86A-04D6-40F7-AE84-31AB43E6A846}"/>
-              </a:ext>
-              <a:ext uri="{C183D7F6-B498-43B3-948B-1728B52AA6E4}">
-                <adec:decorative xmlns:adec="http://schemas.microsoft.com/office/drawing/2017/decorative" val="1"/>
-              </a:ext>
-            </a:extLst>
-          </p:cNvPr>
-          <p:cNvSpPr>
-            <a:spLocks noGrp="1" noRot="1" noChangeAspect="1" noMove="1" noResize="1" noEditPoints="1" noAdjustHandles="1" noChangeArrowheads="1" noChangeShapeType="1" noTextEdit="1"/>
-          </p:cNvSpPr>
-          <p:nvPr>
-            <p:extLst>
-              <p:ext uri="{386F3935-93C4-4BCD-93E2-E3B085C9AB24}">
-                <p16:designElem xmlns:p16="http://schemas.microsoft.com/office/powerpoint/2015/main" val="1"/>
-              </p:ext>
-            </p:extLst>
-          </p:nvPr>
-        </p:nvSpPr>
-        <p:spPr>
-          <a:xfrm rot="10800000" flipH="1">
-            <a:off x="9356643" y="0"/>
-            <a:ext cx="2835357" cy="1480837"/>
-          </a:xfrm>
-          <a:custGeom>
-            <a:avLst/>
-            <a:gdLst>
-              <a:gd name="connsiteX0" fmla="*/ 2835357 w 2835357"/>
-              <a:gd name="connsiteY0" fmla="*/ 1480837 h 1480837"/>
-              <a:gd name="connsiteX1" fmla="*/ 0 w 2835357"/>
-              <a:gd name="connsiteY1" fmla="*/ 1480837 h 1480837"/>
-              <a:gd name="connsiteX2" fmla="*/ 1552727 w 2835357"/>
-              <a:gd name="connsiteY2" fmla="*/ 0 h 1480837"/>
-              <a:gd name="connsiteX3" fmla="*/ 2835357 w 2835357"/>
-              <a:gd name="connsiteY3" fmla="*/ 1223245 h 1480837"/>
-            </a:gdLst>
-            <a:ahLst/>
-            <a:cxnLst>
-              <a:cxn ang="0">
-                <a:pos x="connsiteX0" y="connsiteY0"/>
-              </a:cxn>
-              <a:cxn ang="0">
-                <a:pos x="connsiteX1" y="connsiteY1"/>
-              </a:cxn>
-              <a:cxn ang="0">
-                <a:pos x="connsiteX2" y="connsiteY2"/>
-              </a:cxn>
-              <a:cxn ang="0">
-                <a:pos x="connsiteX3" y="connsiteY3"/>
-              </a:cxn>
-            </a:cxnLst>
-            <a:rect l="l" t="t" r="r" b="b"/>
-            <a:pathLst>
-              <a:path w="2835357" h="1480837">
-                <a:moveTo>
-                  <a:pt x="2835357" y="1480837"/>
-                </a:moveTo>
-                <a:lnTo>
-                  <a:pt x="0" y="1480837"/>
-                </a:lnTo>
-                <a:lnTo>
-                  <a:pt x="1552727" y="0"/>
-                </a:lnTo>
-                <a:lnTo>
-                  <a:pt x="2835357" y="1223245"/>
-                </a:lnTo>
-                <a:close/>
-              </a:path>
-            </a:pathLst>
-          </a:custGeom>
-          <a:solidFill>
-            <a:schemeClr val="accent4">
-              <a:alpha val="30000"/>
-            </a:schemeClr>
-          </a:solidFill>
-          <a:ln>
-            <a:noFill/>
-          </a:ln>
-        </p:spPr>
-        <p:style>
-          <a:lnRef idx="2">
-            <a:schemeClr val="accent1">
-              <a:shade val="50000"/>
-            </a:schemeClr>
-          </a:lnRef>
-          <a:fillRef idx="1">
-            <a:schemeClr val="accent1"/>
-          </a:fillRef>
-          <a:effectRef idx="0">
-            <a:schemeClr val="accent1"/>
-          </a:effectRef>
-          <a:fontRef idx="minor">
-            <a:schemeClr val="lt1"/>
-          </a:fontRef>
-        </p:style>
-        <p:txBody>
-          <a:bodyPr wrap="square" rtlCol="0" anchor="ctr">
-            <a:noAutofit/>
-          </a:bodyPr>
-          <a:lstStyle/>
-          <a:p>
-            <a:pPr algn="ctr"/>
-            <a:endParaRPr lang="en-US" dirty="0"/>
-          </a:p>
-        </p:txBody>
-      </p:sp>
-      <p:sp>
-        <p:nvSpPr>
-          <p:cNvPr id="45" name="Isosceles Triangle 44">
-            <a:extLst>
-              <a:ext uri="{FF2B5EF4-FFF2-40B4-BE49-F238E27FC236}">
-                <a16:creationId xmlns:a16="http://schemas.microsoft.com/office/drawing/2014/main" id="{FF9F2414-84E8-453E-B1F3-389FDE8192D9}"/>
-              </a:ext>
-              <a:ext uri="{C183D7F6-B498-43B3-948B-1728B52AA6E4}">
-                <adec:decorative xmlns:adec="http://schemas.microsoft.com/office/drawing/2017/decorative" val="1"/>
-              </a:ext>
-            </a:extLst>
-          </p:cNvPr>
-          <p:cNvSpPr>
-            <a:spLocks noGrp="1" noRot="1" noChangeAspect="1" noMove="1" noResize="1" noEditPoints="1" noAdjustHandles="1" noChangeArrowheads="1" noChangeShapeType="1" noTextEdit="1"/>
-          </p:cNvSpPr>
-          <p:nvPr>
-            <p:extLst>
-              <p:ext uri="{386F3935-93C4-4BCD-93E2-E3B085C9AB24}">
-                <p16:designElem xmlns:p16="http://schemas.microsoft.com/office/powerpoint/2015/main" val="1"/>
-              </p:ext>
-            </p:extLst>
-          </p:nvPr>
-        </p:nvSpPr>
-        <p:spPr>
-          <a:xfrm flipH="1">
-            <a:off x="7976344" y="6115501"/>
-            <a:ext cx="1494513" cy="742499"/>
-          </a:xfrm>
-          <a:prstGeom prst="triangle">
-            <a:avLst/>
-          </a:prstGeom>
-          <a:solidFill>
-            <a:schemeClr val="accent1">
-              <a:alpha val="30000"/>
-            </a:schemeClr>
-          </a:solidFill>
-          <a:ln>
-            <a:noFill/>
-          </a:ln>
-        </p:spPr>
-        <p:style>
-          <a:lnRef idx="2">
-            <a:schemeClr val="accent1">
-              <a:shade val="50000"/>
-            </a:schemeClr>
-          </a:lnRef>
-          <a:fillRef idx="1">
-            <a:schemeClr val="accent1"/>
-          </a:fillRef>
-          <a:effectRef idx="0">
-            <a:schemeClr val="accent1"/>
-          </a:effectRef>
-          <a:fontRef idx="minor">
-            <a:schemeClr val="lt1"/>
-          </a:fontRef>
-        </p:style>
-        <p:txBody>
-          <a:bodyPr rtlCol="0" anchor="ctr"/>
-          <a:lstStyle/>
-          <a:p>
-            <a:pPr algn="ctr"/>
             <a:endParaRPr lang="en-US"/>
           </a:p>
         </p:txBody>
@@ -6343,32 +7548,29 @@
         </p:blipFill>
         <p:spPr>
           <a:xfrm>
-            <a:off x="4717162" y="643467"/>
-            <a:ext cx="2757676" cy="5571065"/>
+            <a:off x="1911986" y="643466"/>
+            <a:ext cx="2757677" cy="5571066"/>
           </a:xfrm>
           <a:prstGeom prst="rect">
             <a:avLst/>
           </a:prstGeom>
-          <a:ln>
-            <a:noFill/>
-          </a:ln>
         </p:spPr>
       </p:pic>
-      <p:sp>
-        <p:nvSpPr>
-          <p:cNvPr id="47" name="Isosceles Triangle 46">
-            <a:extLst>
-              <a:ext uri="{FF2B5EF4-FFF2-40B4-BE49-F238E27FC236}">
-                <a16:creationId xmlns:a16="http://schemas.microsoft.com/office/drawing/2014/main" id="{3ECA69A1-7536-43AC-85EF-C7106179F5ED}"/>
+      <p:cxnSp>
+        <p:nvCxnSpPr>
+          <p:cNvPr id="13" name="Straight Connector 12">
+            <a:extLst>
+              <a:ext uri="{FF2B5EF4-FFF2-40B4-BE49-F238E27FC236}">
+                <a16:creationId xmlns:a16="http://schemas.microsoft.com/office/drawing/2014/main" id="{8C730EAB-A532-4295-A302-FB4B90DB9F5E}"/>
               </a:ext>
               <a:ext uri="{C183D7F6-B498-43B3-948B-1728B52AA6E4}">
                 <adec:decorative xmlns:adec="http://schemas.microsoft.com/office/drawing/2017/decorative" val="1"/>
               </a:ext>
             </a:extLst>
           </p:cNvPr>
-          <p:cNvSpPr>
-            <a:spLocks noGrp="1" noRot="1" noChangeAspect="1" noMove="1" noResize="1" noEditPoints="1" noAdjustHandles="1" noChangeArrowheads="1" noChangeShapeType="1" noTextEdit="1"/>
-          </p:cNvSpPr>
+          <p:cNvCxnSpPr>
+            <a:cxnSpLocks noGrp="1" noRot="1" noChangeAspect="1" noMove="1" noResize="1" noEditPoints="1" noAdjustHandles="1" noChangeArrowheads="1" noChangeShapeType="1"/>
+          </p:cNvCxnSpPr>
           <p:nvPr>
             <p:extLst>
               <p:ext uri="{386F3935-93C4-4BCD-93E2-E3B085C9AB24}">
@@ -6376,49 +7578,66 @@
               </p:ext>
             </p:extLst>
           </p:nvPr>
-        </p:nvSpPr>
-        <p:spPr>
-          <a:xfrm flipH="1">
-            <a:off x="7604080" y="6453143"/>
-            <a:ext cx="814903" cy="404857"/>
-          </a:xfrm>
-          <a:prstGeom prst="triangle">
+        </p:nvCxnSpPr>
+        <p:spPr>
+          <a:xfrm>
+            <a:off x="6079958" y="1143000"/>
+            <a:ext cx="0" cy="4572000"/>
+          </a:xfrm>
+          <a:prstGeom prst="line">
             <a:avLst/>
           </a:prstGeom>
-          <a:solidFill>
-            <a:schemeClr val="accent1">
-              <a:alpha val="30000"/>
-            </a:schemeClr>
-          </a:solidFill>
           <a:ln>
-            <a:noFill/>
+            <a:solidFill>
+              <a:srgbClr val="4E4E4E"/>
+            </a:solidFill>
           </a:ln>
         </p:spPr>
         <p:style>
-          <a:lnRef idx="2">
-            <a:schemeClr val="accent1">
-              <a:shade val="50000"/>
-            </a:schemeClr>
+          <a:lnRef idx="1">
+            <a:schemeClr val="accent1"/>
           </a:lnRef>
-          <a:fillRef idx="1">
+          <a:fillRef idx="0">
             <a:schemeClr val="accent1"/>
           </a:fillRef>
           <a:effectRef idx="0">
             <a:schemeClr val="accent1"/>
           </a:effectRef>
           <a:fontRef idx="minor">
-            <a:schemeClr val="lt1"/>
+            <a:schemeClr val="tx1"/>
           </a:fontRef>
         </p:style>
-        <p:txBody>
-          <a:bodyPr rtlCol="0" anchor="ctr"/>
-          <a:lstStyle/>
-          <a:p>
-            <a:pPr algn="ctr"/>
-            <a:endParaRPr lang="en-US"/>
-          </a:p>
-        </p:txBody>
-      </p:sp>
+      </p:cxnSp>
+      <p:pic>
+        <p:nvPicPr>
+          <p:cNvPr id="4" name="Picture 3" descr="A screen shot of a phone&#10;&#10;AI-generated content may be incorrect.">
+            <a:extLst>
+              <a:ext uri="{FF2B5EF4-FFF2-40B4-BE49-F238E27FC236}">
+                <a16:creationId xmlns:a16="http://schemas.microsoft.com/office/drawing/2014/main" id="{0DA1CE77-3044-A253-9C48-8223FAAC36EA}"/>
+              </a:ext>
+            </a:extLst>
+          </p:cNvPr>
+          <p:cNvPicPr>
+            <a:picLocks noChangeAspect="1"/>
+          </p:cNvPicPr>
+          <p:nvPr/>
+        </p:nvPicPr>
+        <p:blipFill>
+          <a:blip r:embed="rId3"/>
+          <a:stretch>
+            <a:fillRect/>
+          </a:stretch>
+        </p:blipFill>
+        <p:spPr>
+          <a:xfrm>
+            <a:off x="7605902" y="643467"/>
+            <a:ext cx="2590545" cy="5571066"/>
+          </a:xfrm>
+          <a:prstGeom prst="rect">
+            <a:avLst/>
+          </a:prstGeom>
+        </p:spPr>
+      </p:pic>
     </p:spTree>
     <p:extLst>
       <p:ext uri="{BB962C8B-B14F-4D97-AF65-F5344CB8AC3E}">
@@ -6429,13 +7648,13 @@
   <p:clrMapOvr>
     <a:masterClrMapping/>
   </p:clrMapOvr>
-  <mc:AlternateContent xmlns:mc="http://schemas.openxmlformats.org/markup-compatibility/2006">
-    <mc:Choice xmlns:p14="http://schemas.microsoft.com/office/powerpoint/2010/main" Requires="p14">
+  <mc:AlternateContent xmlns:mc="http://schemas.openxmlformats.org/markup-compatibility/2006" xmlns:p14="http://schemas.microsoft.com/office/powerpoint/2010/main">
+    <mc:Choice Requires="p14">
       <p:transition spd="med" p14:dur="700">
         <p:fade/>
       </p:transition>
     </mc:Choice>
-    <mc:Fallback>
+    <mc:Fallback xmlns="">
       <p:transition spd="med">
         <p:fade/>
       </p:transition>
@@ -6444,7 +7663,7 @@
 </p:sld>
 </file>
 
-<file path=ppt/slides/slide7.xml><?xml version="1.0" encoding="utf-8"?>
+<file path=ppt/slides/slide9.xml><?xml version="1.0" encoding="utf-8"?>
 <p:sld xmlns:a="http://schemas.openxmlformats.org/drawingml/2006/main" xmlns:r="http://schemas.openxmlformats.org/officeDocument/2006/relationships" xmlns:p="http://schemas.openxmlformats.org/presentationml/2006/main">
   <p:cSld>
     <p:bg>
@@ -6477,10 +7696,10 @@
       </p:grpSpPr>
       <p:sp>
         <p:nvSpPr>
-          <p:cNvPr id="35" name="Rectangle 34">
-            <a:extLst>
-              <a:ext uri="{FF2B5EF4-FFF2-40B4-BE49-F238E27FC236}">
-                <a16:creationId xmlns:a16="http://schemas.microsoft.com/office/drawing/2014/main" id="{86FF76B9-219D-4469-AF87-0236D29032F1}"/>
+          <p:cNvPr id="9" name="Rectangle 8">
+            <a:extLst>
+              <a:ext uri="{FF2B5EF4-FFF2-40B4-BE49-F238E27FC236}">
+                <a16:creationId xmlns:a16="http://schemas.microsoft.com/office/drawing/2014/main" id="{A9F529C3-C941-49FD-8C67-82F134F64BDB}"/>
               </a:ext>
               <a:ext uri="{C183D7F6-B498-43B3-948B-1728B52AA6E4}">
                 <adec:decorative xmlns:adec="http://schemas.microsoft.com/office/drawing/2017/decorative" val="1"/>
@@ -6507,7 +7726,11 @@
             <a:avLst/>
           </a:prstGeom>
           <a:solidFill>
-            <a:schemeClr val="bg1"/>
+            <a:schemeClr val="tx1">
+              <a:lumMod val="50000"/>
+              <a:lumOff val="50000"/>
+              <a:alpha val="30000"/>
+            </a:schemeClr>
           </a:solidFill>
           <a:ln>
             <a:noFill/>
@@ -6534,25 +7757,25 @@
           <a:lstStyle/>
           <a:p>
             <a:pPr algn="ctr"/>
-            <a:endParaRPr lang="en-US" dirty="0"/>
-          </a:p>
-        </p:txBody>
-      </p:sp>
-      <p:grpSp>
-        <p:nvGrpSpPr>
-          <p:cNvPr id="37" name="Group 36">
-            <a:extLst>
-              <a:ext uri="{FF2B5EF4-FFF2-40B4-BE49-F238E27FC236}">
-                <a16:creationId xmlns:a16="http://schemas.microsoft.com/office/drawing/2014/main" id="{DB88BD78-87E1-424D-B479-C37D8E41B12E}"/>
+            <a:endParaRPr lang="en-US"/>
+          </a:p>
+        </p:txBody>
+      </p:sp>
+      <p:sp>
+        <p:nvSpPr>
+          <p:cNvPr id="11" name="Rectangle 10">
+            <a:extLst>
+              <a:ext uri="{FF2B5EF4-FFF2-40B4-BE49-F238E27FC236}">
+                <a16:creationId xmlns:a16="http://schemas.microsoft.com/office/drawing/2014/main" id="{20586029-32A0-47E5-9AEC-AE3ABA6B94D0}"/>
               </a:ext>
               <a:ext uri="{C183D7F6-B498-43B3-948B-1728B52AA6E4}">
                 <adec:decorative xmlns:adec="http://schemas.microsoft.com/office/drawing/2017/decorative" val="1"/>
               </a:ext>
             </a:extLst>
           </p:cNvPr>
-          <p:cNvGrpSpPr>
-            <a:grpSpLocks noGrp="1" noUngrp="1" noRot="1" noChangeAspect="1" noMove="1" noResize="1"/>
-          </p:cNvGrpSpPr>
+          <p:cNvSpPr>
+            <a:spLocks noGrp="1" noRot="1" noChangeAspect="1" noMove="1" noResize="1" noEditPoints="1" noAdjustHandles="1" noChangeArrowheads="1" noChangeShapeType="1" noTextEdit="1"/>
+          </p:cNvSpPr>
           <p:nvPr>
             <p:extLst>
               <p:ext uri="{386F3935-93C4-4BCD-93E2-E3B085C9AB24}">
@@ -6560,232 +7783,28 @@
               </p:ext>
             </p:extLst>
           </p:nvPr>
-        </p:nvGrpSpPr>
-        <p:grpSpPr>
-          <a:xfrm flipH="1">
-            <a:off x="10964637" y="2358"/>
-            <a:ext cx="1876653" cy="1766008"/>
-            <a:chOff x="-648769" y="2358"/>
-            <a:chExt cx="1876653" cy="1766008"/>
-          </a:xfrm>
-        </p:grpSpPr>
-        <p:sp>
-          <p:nvSpPr>
-            <p:cNvPr id="38" name="Freeform: Shape 37">
-              <a:extLst>
-                <a:ext uri="{FF2B5EF4-FFF2-40B4-BE49-F238E27FC236}">
-                  <a16:creationId xmlns:a16="http://schemas.microsoft.com/office/drawing/2014/main" id="{C05EB894-9410-4B20-95E4-7A25101AB895}"/>
-                </a:ext>
-                <a:ext uri="{C183D7F6-B498-43B3-948B-1728B52AA6E4}">
-                  <adec:decorative xmlns:adec="http://schemas.microsoft.com/office/drawing/2017/decorative" val="1"/>
-                </a:ext>
-              </a:extLst>
-            </p:cNvPr>
-            <p:cNvSpPr/>
-            <p:nvPr>
-              <p:extLst>
-                <p:ext uri="{386F3935-93C4-4BCD-93E2-E3B085C9AB24}">
-                  <p16:designElem xmlns:p16="http://schemas.microsoft.com/office/powerpoint/2015/main" val="1"/>
-                </p:ext>
-              </p:extLst>
-            </p:nvPr>
-          </p:nvSpPr>
-          <p:spPr>
-            <a:xfrm rot="2700000">
-              <a:off x="-415188" y="-231223"/>
-              <a:ext cx="1409491" cy="1876653"/>
-            </a:xfrm>
-            <a:custGeom>
-              <a:avLst/>
-              <a:gdLst>
-                <a:gd name="connsiteX0" fmla="*/ 0 w 1409491"/>
-                <a:gd name="connsiteY0" fmla="*/ 643075 h 1876653"/>
-                <a:gd name="connsiteX1" fmla="*/ 643075 w 1409491"/>
-                <a:gd name="connsiteY1" fmla="*/ 0 h 1876653"/>
-                <a:gd name="connsiteX2" fmla="*/ 1409491 w 1409491"/>
-                <a:gd name="connsiteY2" fmla="*/ 0 h 1876653"/>
-                <a:gd name="connsiteX3" fmla="*/ 1409491 w 1409491"/>
-                <a:gd name="connsiteY3" fmla="*/ 1876653 h 1876653"/>
-                <a:gd name="connsiteX4" fmla="*/ 1233578 w 1409491"/>
-                <a:gd name="connsiteY4" fmla="*/ 1876653 h 1876653"/>
-              </a:gdLst>
-              <a:ahLst/>
-              <a:cxnLst>
-                <a:cxn ang="0">
-                  <a:pos x="connsiteX0" y="connsiteY0"/>
-                </a:cxn>
-                <a:cxn ang="0">
-                  <a:pos x="connsiteX1" y="connsiteY1"/>
-                </a:cxn>
-                <a:cxn ang="0">
-                  <a:pos x="connsiteX2" y="connsiteY2"/>
-                </a:cxn>
-                <a:cxn ang="0">
-                  <a:pos x="connsiteX3" y="connsiteY3"/>
-                </a:cxn>
-                <a:cxn ang="0">
-                  <a:pos x="connsiteX4" y="connsiteY4"/>
-                </a:cxn>
-              </a:cxnLst>
-              <a:rect l="l" t="t" r="r" b="b"/>
-              <a:pathLst>
-                <a:path w="1409491" h="1876653">
-                  <a:moveTo>
-                    <a:pt x="0" y="643075"/>
-                  </a:moveTo>
-                  <a:lnTo>
-                    <a:pt x="643075" y="0"/>
-                  </a:lnTo>
-                  <a:lnTo>
-                    <a:pt x="1409491" y="0"/>
-                  </a:lnTo>
-                  <a:lnTo>
-                    <a:pt x="1409491" y="1876653"/>
-                  </a:lnTo>
-                  <a:lnTo>
-                    <a:pt x="1233578" y="1876653"/>
-                  </a:lnTo>
-                  <a:close/>
-                </a:path>
-              </a:pathLst>
-            </a:custGeom>
-            <a:solidFill>
-              <a:schemeClr val="accent1">
-                <a:alpha val="30000"/>
-              </a:schemeClr>
-            </a:solidFill>
-            <a:ln>
-              <a:noFill/>
-            </a:ln>
-          </p:spPr>
-          <p:style>
-            <a:lnRef idx="2">
-              <a:schemeClr val="accent1">
-                <a:shade val="50000"/>
-              </a:schemeClr>
-            </a:lnRef>
-            <a:fillRef idx="1">
-              <a:schemeClr val="accent1"/>
-            </a:fillRef>
-            <a:effectRef idx="0">
-              <a:schemeClr val="accent1"/>
-            </a:effectRef>
-            <a:fontRef idx="minor">
-              <a:schemeClr val="lt1"/>
-            </a:fontRef>
-          </p:style>
-          <p:txBody>
-            <a:bodyPr rtlCol="0" anchor="ctr"/>
-            <a:lstStyle/>
-            <a:p>
-              <a:pPr algn="ctr"/>
-              <a:endParaRPr lang="en-US"/>
-            </a:p>
-          </p:txBody>
-        </p:sp>
-        <p:sp>
-          <p:nvSpPr>
-            <p:cNvPr id="39" name="Rectangle 38">
-              <a:extLst>
-                <a:ext uri="{FF2B5EF4-FFF2-40B4-BE49-F238E27FC236}">
-                  <a16:creationId xmlns:a16="http://schemas.microsoft.com/office/drawing/2014/main" id="{166E38B6-B050-4340-8E8F-3A971DADC031}"/>
-                </a:ext>
-                <a:ext uri="{C183D7F6-B498-43B3-948B-1728B52AA6E4}">
-                  <adec:decorative xmlns:adec="http://schemas.microsoft.com/office/drawing/2017/decorative" val="1"/>
-                </a:ext>
-              </a:extLst>
-            </p:cNvPr>
-            <p:cNvSpPr/>
-            <p:nvPr>
-              <p:extLst>
-                <p:ext uri="{386F3935-93C4-4BCD-93E2-E3B085C9AB24}">
-                  <p16:designElem xmlns:p16="http://schemas.microsoft.com/office/powerpoint/2015/main" val="1"/>
-                </p:ext>
-              </p:extLst>
-            </p:nvPr>
-          </p:nvSpPr>
-          <p:spPr>
-            <a:xfrm rot="2700000">
-              <a:off x="301285" y="1282788"/>
-              <a:ext cx="485578" cy="485578"/>
-            </a:xfrm>
-            <a:prstGeom prst="rect">
-              <a:avLst/>
-            </a:prstGeom>
-            <a:solidFill>
-              <a:schemeClr val="accent1">
-                <a:alpha val="30000"/>
-              </a:schemeClr>
-            </a:solidFill>
-            <a:ln>
-              <a:noFill/>
-            </a:ln>
-          </p:spPr>
-          <p:style>
-            <a:lnRef idx="2">
-              <a:schemeClr val="accent1">
-                <a:shade val="50000"/>
-              </a:schemeClr>
-            </a:lnRef>
-            <a:fillRef idx="1">
-              <a:schemeClr val="accent1"/>
-            </a:fillRef>
-            <a:effectRef idx="0">
-              <a:schemeClr val="accent1"/>
-            </a:effectRef>
-            <a:fontRef idx="minor">
-              <a:schemeClr val="lt1"/>
-            </a:fontRef>
-          </p:style>
-          <p:txBody>
-            <a:bodyPr rtlCol="0" anchor="ctr"/>
-            <a:lstStyle/>
-            <a:p>
-              <a:pPr algn="ctr"/>
-              <a:endParaRPr lang="en-US"/>
-            </a:p>
-          </p:txBody>
-        </p:sp>
-      </p:grpSp>
-      <p:sp>
-        <p:nvSpPr>
-          <p:cNvPr id="41" name="Rectangle 40">
-            <a:extLst>
-              <a:ext uri="{FF2B5EF4-FFF2-40B4-BE49-F238E27FC236}">
-                <a16:creationId xmlns:a16="http://schemas.microsoft.com/office/drawing/2014/main" id="{2E80C965-DB6D-4F81-9E9E-B027384D0BD6}"/>
-              </a:ext>
-              <a:ext uri="{C183D7F6-B498-43B3-948B-1728B52AA6E4}">
-                <adec:decorative xmlns:adec="http://schemas.microsoft.com/office/drawing/2017/decorative" val="1"/>
-              </a:ext>
-            </a:extLst>
-          </p:cNvPr>
-          <p:cNvSpPr>
-            <a:spLocks noGrp="1" noRot="1" noChangeAspect="1" noMove="1" noResize="1" noEditPoints="1" noAdjustHandles="1" noChangeArrowheads="1" noChangeShapeType="1" noTextEdit="1"/>
-          </p:cNvSpPr>
-          <p:nvPr>
-            <p:extLst>
-              <p:ext uri="{386F3935-93C4-4BCD-93E2-E3B085C9AB24}">
-                <p16:designElem xmlns:p16="http://schemas.microsoft.com/office/powerpoint/2015/main" val="1"/>
-              </p:ext>
-            </p:extLst>
-          </p:nvPr>
-        </p:nvSpPr>
-        <p:spPr>
-          <a:xfrm rot="2700000">
-            <a:off x="2737196" y="6033666"/>
-            <a:ext cx="645368" cy="645368"/>
+        </p:nvSpPr>
+        <p:spPr>
+          <a:xfrm>
+            <a:off x="477012" y="480060"/>
+            <a:ext cx="11237976" cy="5897880"/>
           </a:xfrm>
           <a:prstGeom prst="rect">
             <a:avLst/>
           </a:prstGeom>
           <a:solidFill>
-            <a:schemeClr val="accent4">
-              <a:alpha val="30000"/>
-            </a:schemeClr>
+            <a:srgbClr val="FFFFFF"/>
           </a:solidFill>
-          <a:ln>
+          <a:ln w="9525">
             <a:noFill/>
           </a:ln>
+          <a:effectLst>
+            <a:outerShdw blurRad="63500" dist="17780" dir="5400000" algn="t" rotWithShape="0">
+              <a:prstClr val="black">
+                <a:alpha val="43000"/>
+              </a:prstClr>
+            </a:outerShdw>
+          </a:effectLst>
         </p:spPr>
         <p:style>
           <a:lnRef idx="2">
@@ -6812,73 +7831,6 @@
           </a:p>
         </p:txBody>
       </p:sp>
-      <p:sp>
-        <p:nvSpPr>
-          <p:cNvPr id="43" name="Isosceles Triangle 42">
-            <a:extLst>
-              <a:ext uri="{FF2B5EF4-FFF2-40B4-BE49-F238E27FC236}">
-                <a16:creationId xmlns:a16="http://schemas.microsoft.com/office/drawing/2014/main" id="{633C5E46-DAC5-4661-9C87-22B08E2A512F}"/>
-              </a:ext>
-              <a:ext uri="{C183D7F6-B498-43B3-948B-1728B52AA6E4}">
-                <adec:decorative xmlns:adec="http://schemas.microsoft.com/office/drawing/2017/decorative" val="1"/>
-              </a:ext>
-            </a:extLst>
-          </p:cNvPr>
-          <p:cNvSpPr>
-            <a:spLocks noGrp="1" noRot="1" noChangeAspect="1" noMove="1" noResize="1" noEditPoints="1" noAdjustHandles="1" noChangeArrowheads="1" noChangeShapeType="1" noTextEdit="1"/>
-          </p:cNvSpPr>
-          <p:nvPr>
-            <p:extLst>
-              <p:ext uri="{386F3935-93C4-4BCD-93E2-E3B085C9AB24}">
-                <p16:designElem xmlns:p16="http://schemas.microsoft.com/office/powerpoint/2015/main" val="1"/>
-              </p:ext>
-            </p:extLst>
-          </p:nvPr>
-        </p:nvSpPr>
-        <p:spPr>
-          <a:xfrm>
-            <a:off x="1343436" y="5721108"/>
-            <a:ext cx="2261965" cy="1136891"/>
-          </a:xfrm>
-          <a:prstGeom prst="triangle">
-            <a:avLst>
-              <a:gd name="adj" fmla="val 50000"/>
-            </a:avLst>
-          </a:prstGeom>
-          <a:solidFill>
-            <a:schemeClr val="accent4">
-              <a:alpha val="30000"/>
-            </a:schemeClr>
-          </a:solidFill>
-          <a:ln>
-            <a:noFill/>
-          </a:ln>
-        </p:spPr>
-        <p:style>
-          <a:lnRef idx="2">
-            <a:schemeClr val="accent1">
-              <a:shade val="50000"/>
-            </a:schemeClr>
-          </a:lnRef>
-          <a:fillRef idx="1">
-            <a:schemeClr val="accent1"/>
-          </a:fillRef>
-          <a:effectRef idx="0">
-            <a:schemeClr val="accent1"/>
-          </a:effectRef>
-          <a:fontRef idx="minor">
-            <a:schemeClr val="lt1"/>
-          </a:fontRef>
-        </p:style>
-        <p:txBody>
-          <a:bodyPr rtlCol="0" anchor="ctr"/>
-          <a:lstStyle/>
-          <a:p>
-            <a:pPr algn="ctr"/>
-            <a:endParaRPr lang="en-US"/>
-          </a:p>
-        </p:txBody>
-      </p:sp>
       <p:pic>
         <p:nvPicPr>
           <p:cNvPr id="3" name="Picture 2" descr="A screenshot of a phone&#10;&#10;AI-generated content may be incorrect.">
@@ -6901,15 +7853,94 @@
         </p:blipFill>
         <p:spPr>
           <a:xfrm>
-            <a:off x="4703234" y="643467"/>
-            <a:ext cx="2785532" cy="5571065"/>
+            <a:off x="1898058" y="643466"/>
+            <a:ext cx="2785533" cy="5571066"/>
           </a:xfrm>
           <a:prstGeom prst="rect">
             <a:avLst/>
           </a:prstGeom>
+        </p:spPr>
+      </p:pic>
+      <p:cxnSp>
+        <p:nvCxnSpPr>
+          <p:cNvPr id="13" name="Straight Connector 12">
+            <a:extLst>
+              <a:ext uri="{FF2B5EF4-FFF2-40B4-BE49-F238E27FC236}">
+                <a16:creationId xmlns:a16="http://schemas.microsoft.com/office/drawing/2014/main" id="{8C730EAB-A532-4295-A302-FB4B90DB9F5E}"/>
+              </a:ext>
+              <a:ext uri="{C183D7F6-B498-43B3-948B-1728B52AA6E4}">
+                <adec:decorative xmlns:adec="http://schemas.microsoft.com/office/drawing/2017/decorative" val="1"/>
+              </a:ext>
+            </a:extLst>
+          </p:cNvPr>
+          <p:cNvCxnSpPr>
+            <a:cxnSpLocks noGrp="1" noRot="1" noChangeAspect="1" noMove="1" noResize="1" noEditPoints="1" noAdjustHandles="1" noChangeArrowheads="1" noChangeShapeType="1"/>
+          </p:cNvCxnSpPr>
+          <p:nvPr>
+            <p:extLst>
+              <p:ext uri="{386F3935-93C4-4BCD-93E2-E3B085C9AB24}">
+                <p16:designElem xmlns:p16="http://schemas.microsoft.com/office/powerpoint/2015/main" val="1"/>
+              </p:ext>
+            </p:extLst>
+          </p:nvPr>
+        </p:nvCxnSpPr>
+        <p:spPr>
+          <a:xfrm>
+            <a:off x="6079958" y="1143000"/>
+            <a:ext cx="0" cy="4572000"/>
+          </a:xfrm>
+          <a:prstGeom prst="line">
+            <a:avLst/>
+          </a:prstGeom>
           <a:ln>
-            <a:noFill/>
+            <a:solidFill>
+              <a:srgbClr val="4E4E4E"/>
+            </a:solidFill>
           </a:ln>
+        </p:spPr>
+        <p:style>
+          <a:lnRef idx="1">
+            <a:schemeClr val="accent1"/>
+          </a:lnRef>
+          <a:fillRef idx="0">
+            <a:schemeClr val="accent1"/>
+          </a:fillRef>
+          <a:effectRef idx="0">
+            <a:schemeClr val="accent1"/>
+          </a:effectRef>
+          <a:fontRef idx="minor">
+            <a:schemeClr val="tx1"/>
+          </a:fontRef>
+        </p:style>
+      </p:cxnSp>
+      <p:pic>
+        <p:nvPicPr>
+          <p:cNvPr id="4" name="Picture 3" descr="A screenshot of a phone&#10;&#10;AI-generated content may be incorrect.">
+            <a:extLst>
+              <a:ext uri="{FF2B5EF4-FFF2-40B4-BE49-F238E27FC236}">
+                <a16:creationId xmlns:a16="http://schemas.microsoft.com/office/drawing/2014/main" id="{56A7D2C8-D216-3D5E-9AB8-256381A7D309}"/>
+              </a:ext>
+            </a:extLst>
+          </p:cNvPr>
+          <p:cNvPicPr>
+            <a:picLocks noChangeAspect="1"/>
+          </p:cNvPicPr>
+          <p:nvPr/>
+        </p:nvPicPr>
+        <p:blipFill>
+          <a:blip r:embed="rId3"/>
+          <a:stretch>
+            <a:fillRect/>
+          </a:stretch>
+        </p:blipFill>
+        <p:spPr>
+          <a:xfrm>
+            <a:off x="7605902" y="643467"/>
+            <a:ext cx="2590545" cy="5571066"/>
+          </a:xfrm>
+          <a:prstGeom prst="rect">
+            <a:avLst/>
+          </a:prstGeom>
         </p:spPr>
       </p:pic>
     </p:spTree>
@@ -6922,1144 +7953,13 @@
   <p:clrMapOvr>
     <a:masterClrMapping/>
   </p:clrMapOvr>
-  <mc:AlternateContent xmlns:mc="http://schemas.openxmlformats.org/markup-compatibility/2006">
-    <mc:Choice xmlns:p14="http://schemas.microsoft.com/office/powerpoint/2010/main" Requires="p14">
+  <mc:AlternateContent xmlns:mc="http://schemas.openxmlformats.org/markup-compatibility/2006" xmlns:p14="http://schemas.microsoft.com/office/powerpoint/2010/main">
+    <mc:Choice Requires="p14">
       <p:transition spd="med" p14:dur="700">
         <p:fade/>
       </p:transition>
     </mc:Choice>
-    <mc:Fallback>
-      <p:transition spd="med">
-        <p:fade/>
-      </p:transition>
-    </mc:Fallback>
-  </mc:AlternateContent>
-</p:sld>
-</file>
-
-<file path=ppt/slides/slide8.xml><?xml version="1.0" encoding="utf-8"?>
-<p:sld xmlns:a="http://schemas.openxmlformats.org/drawingml/2006/main" xmlns:r="http://schemas.openxmlformats.org/officeDocument/2006/relationships" xmlns:p="http://schemas.openxmlformats.org/presentationml/2006/main">
-  <p:cSld>
-    <p:bg>
-      <p:bgPr>
-        <a:solidFill>
-          <a:schemeClr val="bg1"/>
-        </a:solidFill>
-        <a:effectLst/>
-      </p:bgPr>
-    </p:bg>
-    <p:spTree>
-      <p:nvGrpSpPr>
-        <p:cNvPr id="1" name="">
-          <a:extLst>
-            <a:ext uri="{FF2B5EF4-FFF2-40B4-BE49-F238E27FC236}">
-              <a16:creationId xmlns:a16="http://schemas.microsoft.com/office/drawing/2014/main" id="{71C40942-AFBC-AF8C-7996-43AB03F77B2B}"/>
-            </a:ext>
-          </a:extLst>
-        </p:cNvPr>
-        <p:cNvGrpSpPr/>
-        <p:nvPr/>
-      </p:nvGrpSpPr>
-      <p:grpSpPr>
-        <a:xfrm>
-          <a:off x="0" y="0"/>
-          <a:ext cx="0" cy="0"/>
-          <a:chOff x="0" y="0"/>
-          <a:chExt cx="0" cy="0"/>
-        </a:xfrm>
-      </p:grpSpPr>
-      <p:sp>
-        <p:nvSpPr>
-          <p:cNvPr id="18" name="Rectangle 17">
-            <a:extLst>
-              <a:ext uri="{FF2B5EF4-FFF2-40B4-BE49-F238E27FC236}">
-                <a16:creationId xmlns:a16="http://schemas.microsoft.com/office/drawing/2014/main" id="{F3060C83-F051-4F0E-ABAD-AA0DFC48B218}"/>
-              </a:ext>
-              <a:ext uri="{C183D7F6-B498-43B3-948B-1728B52AA6E4}">
-                <adec:decorative xmlns:adec="http://schemas.microsoft.com/office/drawing/2017/decorative" val="1"/>
-              </a:ext>
-            </a:extLst>
-          </p:cNvPr>
-          <p:cNvSpPr>
-            <a:spLocks noGrp="1" noRot="1" noChangeAspect="1" noMove="1" noResize="1" noEditPoints="1" noAdjustHandles="1" noChangeArrowheads="1" noChangeShapeType="1" noTextEdit="1"/>
-          </p:cNvSpPr>
-          <p:nvPr>
-            <p:extLst>
-              <p:ext uri="{386F3935-93C4-4BCD-93E2-E3B085C9AB24}">
-                <p16:designElem xmlns:p16="http://schemas.microsoft.com/office/powerpoint/2015/main" val="1"/>
-              </p:ext>
-            </p:extLst>
-          </p:nvPr>
-        </p:nvSpPr>
-        <p:spPr>
-          <a:xfrm>
-            <a:off x="0" y="0"/>
-            <a:ext cx="12192000" cy="6858000"/>
-          </a:xfrm>
-          <a:prstGeom prst="rect">
-            <a:avLst/>
-          </a:prstGeom>
-          <a:solidFill>
-            <a:schemeClr val="bg1"/>
-          </a:solidFill>
-          <a:ln>
-            <a:noFill/>
-          </a:ln>
-        </p:spPr>
-        <p:style>
-          <a:lnRef idx="2">
-            <a:schemeClr val="accent1">
-              <a:shade val="50000"/>
-            </a:schemeClr>
-          </a:lnRef>
-          <a:fillRef idx="1">
-            <a:schemeClr val="accent1"/>
-          </a:fillRef>
-          <a:effectRef idx="0">
-            <a:schemeClr val="accent1"/>
-          </a:effectRef>
-          <a:fontRef idx="minor">
-            <a:schemeClr val="lt1"/>
-          </a:fontRef>
-        </p:style>
-        <p:txBody>
-          <a:bodyPr rtlCol="0" anchor="ctr"/>
-          <a:lstStyle/>
-          <a:p>
-            <a:pPr algn="ctr"/>
-            <a:endParaRPr lang="en-US" dirty="0"/>
-          </a:p>
-        </p:txBody>
-      </p:sp>
-      <p:sp>
-        <p:nvSpPr>
-          <p:cNvPr id="20" name="Freeform: Shape 19">
-            <a:extLst>
-              <a:ext uri="{FF2B5EF4-FFF2-40B4-BE49-F238E27FC236}">
-                <a16:creationId xmlns:a16="http://schemas.microsoft.com/office/drawing/2014/main" id="{83C98ABE-055B-441F-B07E-44F97F083C39}"/>
-              </a:ext>
-              <a:ext uri="{C183D7F6-B498-43B3-948B-1728B52AA6E4}">
-                <adec:decorative xmlns:adec="http://schemas.microsoft.com/office/drawing/2017/decorative" val="1"/>
-              </a:ext>
-            </a:extLst>
-          </p:cNvPr>
-          <p:cNvSpPr>
-            <a:spLocks noGrp="1" noRot="1" noChangeAspect="1" noMove="1" noResize="1" noEditPoints="1" noAdjustHandles="1" noChangeArrowheads="1" noChangeShapeType="1" noTextEdit="1"/>
-          </p:cNvSpPr>
-          <p:nvPr>
-            <p:extLst>
-              <p:ext uri="{386F3935-93C4-4BCD-93E2-E3B085C9AB24}">
-                <p16:designElem xmlns:p16="http://schemas.microsoft.com/office/powerpoint/2015/main" val="1"/>
-              </p:ext>
-            </p:extLst>
-          </p:nvPr>
-        </p:nvSpPr>
-        <p:spPr>
-          <a:xfrm rot="18900000" flipH="1">
-            <a:off x="-376156" y="-253670"/>
-            <a:ext cx="1827638" cy="1376989"/>
-          </a:xfrm>
-          <a:custGeom>
-            <a:avLst/>
-            <a:gdLst>
-              <a:gd name="connsiteX0" fmla="*/ 0 w 1827638"/>
-              <a:gd name="connsiteY0" fmla="*/ 987379 h 1376989"/>
-              <a:gd name="connsiteX1" fmla="*/ 987379 w 1827638"/>
-              <a:gd name="connsiteY1" fmla="*/ 0 h 1376989"/>
-              <a:gd name="connsiteX2" fmla="*/ 1827638 w 1827638"/>
-              <a:gd name="connsiteY2" fmla="*/ 840260 h 1376989"/>
-              <a:gd name="connsiteX3" fmla="*/ 1827638 w 1827638"/>
-              <a:gd name="connsiteY3" fmla="*/ 1376989 h 1376989"/>
-              <a:gd name="connsiteX4" fmla="*/ 0 w 1827638"/>
-              <a:gd name="connsiteY4" fmla="*/ 1376989 h 1376989"/>
-            </a:gdLst>
-            <a:ahLst/>
-            <a:cxnLst>
-              <a:cxn ang="0">
-                <a:pos x="connsiteX0" y="connsiteY0"/>
-              </a:cxn>
-              <a:cxn ang="0">
-                <a:pos x="connsiteX1" y="connsiteY1"/>
-              </a:cxn>
-              <a:cxn ang="0">
-                <a:pos x="connsiteX2" y="connsiteY2"/>
-              </a:cxn>
-              <a:cxn ang="0">
-                <a:pos x="connsiteX3" y="connsiteY3"/>
-              </a:cxn>
-              <a:cxn ang="0">
-                <a:pos x="connsiteX4" y="connsiteY4"/>
-              </a:cxn>
-            </a:cxnLst>
-            <a:rect l="l" t="t" r="r" b="b"/>
-            <a:pathLst>
-              <a:path w="1827638" h="1376989">
-                <a:moveTo>
-                  <a:pt x="0" y="987379"/>
-                </a:moveTo>
-                <a:lnTo>
-                  <a:pt x="987379" y="0"/>
-                </a:lnTo>
-                <a:lnTo>
-                  <a:pt x="1827638" y="840260"/>
-                </a:lnTo>
-                <a:lnTo>
-                  <a:pt x="1827638" y="1376989"/>
-                </a:lnTo>
-                <a:lnTo>
-                  <a:pt x="0" y="1376989"/>
-                </a:lnTo>
-                <a:close/>
-              </a:path>
-            </a:pathLst>
-          </a:custGeom>
-          <a:solidFill>
-            <a:schemeClr val="accent1">
-              <a:alpha val="30000"/>
-            </a:schemeClr>
-          </a:solidFill>
-          <a:ln>
-            <a:noFill/>
-          </a:ln>
-        </p:spPr>
-        <p:style>
-          <a:lnRef idx="2">
-            <a:schemeClr val="accent1">
-              <a:shade val="50000"/>
-            </a:schemeClr>
-          </a:lnRef>
-          <a:fillRef idx="1">
-            <a:schemeClr val="accent1"/>
-          </a:fillRef>
-          <a:effectRef idx="0">
-            <a:schemeClr val="accent1"/>
-          </a:effectRef>
-          <a:fontRef idx="minor">
-            <a:schemeClr val="lt1"/>
-          </a:fontRef>
-        </p:style>
-        <p:txBody>
-          <a:bodyPr rtlCol="0" anchor="ctr"/>
-          <a:lstStyle/>
-          <a:p>
-            <a:pPr algn="ctr"/>
-            <a:endParaRPr lang="en-US" dirty="0"/>
-          </a:p>
-        </p:txBody>
-      </p:sp>
-      <p:sp>
-        <p:nvSpPr>
-          <p:cNvPr id="22" name="Rectangle 21">
-            <a:extLst>
-              <a:ext uri="{FF2B5EF4-FFF2-40B4-BE49-F238E27FC236}">
-                <a16:creationId xmlns:a16="http://schemas.microsoft.com/office/drawing/2014/main" id="{29FDB030-9B49-4CED-8CCD-4D99382388AC}"/>
-              </a:ext>
-              <a:ext uri="{C183D7F6-B498-43B3-948B-1728B52AA6E4}">
-                <adec:decorative xmlns:adec="http://schemas.microsoft.com/office/drawing/2017/decorative" val="1"/>
-              </a:ext>
-            </a:extLst>
-          </p:cNvPr>
-          <p:cNvSpPr>
-            <a:spLocks noGrp="1" noRot="1" noChangeAspect="1" noMove="1" noResize="1" noEditPoints="1" noAdjustHandles="1" noChangeArrowheads="1" noChangeShapeType="1" noTextEdit="1"/>
-          </p:cNvSpPr>
-          <p:nvPr>
-            <p:extLst>
-              <p:ext uri="{386F3935-93C4-4BCD-93E2-E3B085C9AB24}">
-                <p16:designElem xmlns:p16="http://schemas.microsoft.com/office/powerpoint/2015/main" val="1"/>
-              </p:ext>
-            </p:extLst>
-          </p:nvPr>
-        </p:nvSpPr>
-        <p:spPr>
-          <a:xfrm rot="18900000" flipH="1">
-            <a:off x="891641" y="422146"/>
-            <a:ext cx="645368" cy="645368"/>
-          </a:xfrm>
-          <a:prstGeom prst="rect">
-            <a:avLst/>
-          </a:prstGeom>
-          <a:solidFill>
-            <a:schemeClr val="accent1">
-              <a:alpha val="30000"/>
-            </a:schemeClr>
-          </a:solidFill>
-          <a:ln>
-            <a:noFill/>
-          </a:ln>
-        </p:spPr>
-        <p:style>
-          <a:lnRef idx="2">
-            <a:schemeClr val="accent1">
-              <a:shade val="50000"/>
-            </a:schemeClr>
-          </a:lnRef>
-          <a:fillRef idx="1">
-            <a:schemeClr val="accent1"/>
-          </a:fillRef>
-          <a:effectRef idx="0">
-            <a:schemeClr val="accent1"/>
-          </a:effectRef>
-          <a:fontRef idx="minor">
-            <a:schemeClr val="lt1"/>
-          </a:fontRef>
-        </p:style>
-        <p:txBody>
-          <a:bodyPr rtlCol="0" anchor="ctr"/>
-          <a:lstStyle/>
-          <a:p>
-            <a:pPr algn="ctr"/>
-            <a:endParaRPr lang="en-US"/>
-          </a:p>
-        </p:txBody>
-      </p:sp>
-      <p:sp>
-        <p:nvSpPr>
-          <p:cNvPr id="24" name="Rectangle 23">
-            <a:extLst>
-              <a:ext uri="{FF2B5EF4-FFF2-40B4-BE49-F238E27FC236}">
-                <a16:creationId xmlns:a16="http://schemas.microsoft.com/office/drawing/2014/main" id="{3783CA14-24A1-485C-8B30-D6A5D87987AD}"/>
-              </a:ext>
-              <a:ext uri="{C183D7F6-B498-43B3-948B-1728B52AA6E4}">
-                <adec:decorative xmlns:adec="http://schemas.microsoft.com/office/drawing/2017/decorative" val="1"/>
-              </a:ext>
-            </a:extLst>
-          </p:cNvPr>
-          <p:cNvSpPr>
-            <a:spLocks noGrp="1" noRot="1" noChangeAspect="1" noMove="1" noResize="1" noEditPoints="1" noAdjustHandles="1" noChangeArrowheads="1" noChangeShapeType="1" noTextEdit="1"/>
-          </p:cNvSpPr>
-          <p:nvPr>
-            <p:extLst>
-              <p:ext uri="{386F3935-93C4-4BCD-93E2-E3B085C9AB24}">
-                <p16:designElem xmlns:p16="http://schemas.microsoft.com/office/powerpoint/2015/main" val="1"/>
-              </p:ext>
-            </p:extLst>
-          </p:nvPr>
-        </p:nvSpPr>
-        <p:spPr>
-          <a:xfrm rot="18900000" flipH="1">
-            <a:off x="10043482" y="655140"/>
-            <a:ext cx="687472" cy="687472"/>
-          </a:xfrm>
-          <a:prstGeom prst="rect">
-            <a:avLst/>
-          </a:prstGeom>
-          <a:solidFill>
-            <a:schemeClr val="accent4">
-              <a:alpha val="30000"/>
-            </a:schemeClr>
-          </a:solidFill>
-          <a:ln>
-            <a:noFill/>
-          </a:ln>
-        </p:spPr>
-        <p:style>
-          <a:lnRef idx="2">
-            <a:schemeClr val="accent1">
-              <a:shade val="50000"/>
-            </a:schemeClr>
-          </a:lnRef>
-          <a:fillRef idx="1">
-            <a:schemeClr val="accent1"/>
-          </a:fillRef>
-          <a:effectRef idx="0">
-            <a:schemeClr val="accent1"/>
-          </a:effectRef>
-          <a:fontRef idx="minor">
-            <a:schemeClr val="lt1"/>
-          </a:fontRef>
-        </p:style>
-        <p:txBody>
-          <a:bodyPr rtlCol="0" anchor="ctr"/>
-          <a:lstStyle/>
-          <a:p>
-            <a:pPr algn="ctr"/>
-            <a:endParaRPr lang="en-US"/>
-          </a:p>
-        </p:txBody>
-      </p:sp>
-      <p:sp>
-        <p:nvSpPr>
-          <p:cNvPr id="26" name="Freeform: Shape 25">
-            <a:extLst>
-              <a:ext uri="{FF2B5EF4-FFF2-40B4-BE49-F238E27FC236}">
-                <a16:creationId xmlns:a16="http://schemas.microsoft.com/office/drawing/2014/main" id="{9A97C86A-04D6-40F7-AE84-31AB43E6A846}"/>
-              </a:ext>
-              <a:ext uri="{C183D7F6-B498-43B3-948B-1728B52AA6E4}">
-                <adec:decorative xmlns:adec="http://schemas.microsoft.com/office/drawing/2017/decorative" val="1"/>
-              </a:ext>
-            </a:extLst>
-          </p:cNvPr>
-          <p:cNvSpPr>
-            <a:spLocks noGrp="1" noRot="1" noChangeAspect="1" noMove="1" noResize="1" noEditPoints="1" noAdjustHandles="1" noChangeArrowheads="1" noChangeShapeType="1" noTextEdit="1"/>
-          </p:cNvSpPr>
-          <p:nvPr>
-            <p:extLst>
-              <p:ext uri="{386F3935-93C4-4BCD-93E2-E3B085C9AB24}">
-                <p16:designElem xmlns:p16="http://schemas.microsoft.com/office/powerpoint/2015/main" val="1"/>
-              </p:ext>
-            </p:extLst>
-          </p:nvPr>
-        </p:nvSpPr>
-        <p:spPr>
-          <a:xfrm rot="10800000" flipH="1">
-            <a:off x="9356643" y="0"/>
-            <a:ext cx="2835357" cy="1480837"/>
-          </a:xfrm>
-          <a:custGeom>
-            <a:avLst/>
-            <a:gdLst>
-              <a:gd name="connsiteX0" fmla="*/ 2835357 w 2835357"/>
-              <a:gd name="connsiteY0" fmla="*/ 1480837 h 1480837"/>
-              <a:gd name="connsiteX1" fmla="*/ 0 w 2835357"/>
-              <a:gd name="connsiteY1" fmla="*/ 1480837 h 1480837"/>
-              <a:gd name="connsiteX2" fmla="*/ 1552727 w 2835357"/>
-              <a:gd name="connsiteY2" fmla="*/ 0 h 1480837"/>
-              <a:gd name="connsiteX3" fmla="*/ 2835357 w 2835357"/>
-              <a:gd name="connsiteY3" fmla="*/ 1223245 h 1480837"/>
-            </a:gdLst>
-            <a:ahLst/>
-            <a:cxnLst>
-              <a:cxn ang="0">
-                <a:pos x="connsiteX0" y="connsiteY0"/>
-              </a:cxn>
-              <a:cxn ang="0">
-                <a:pos x="connsiteX1" y="connsiteY1"/>
-              </a:cxn>
-              <a:cxn ang="0">
-                <a:pos x="connsiteX2" y="connsiteY2"/>
-              </a:cxn>
-              <a:cxn ang="0">
-                <a:pos x="connsiteX3" y="connsiteY3"/>
-              </a:cxn>
-            </a:cxnLst>
-            <a:rect l="l" t="t" r="r" b="b"/>
-            <a:pathLst>
-              <a:path w="2835357" h="1480837">
-                <a:moveTo>
-                  <a:pt x="2835357" y="1480837"/>
-                </a:moveTo>
-                <a:lnTo>
-                  <a:pt x="0" y="1480837"/>
-                </a:lnTo>
-                <a:lnTo>
-                  <a:pt x="1552727" y="0"/>
-                </a:lnTo>
-                <a:lnTo>
-                  <a:pt x="2835357" y="1223245"/>
-                </a:lnTo>
-                <a:close/>
-              </a:path>
-            </a:pathLst>
-          </a:custGeom>
-          <a:solidFill>
-            <a:schemeClr val="accent4">
-              <a:alpha val="30000"/>
-            </a:schemeClr>
-          </a:solidFill>
-          <a:ln>
-            <a:noFill/>
-          </a:ln>
-        </p:spPr>
-        <p:style>
-          <a:lnRef idx="2">
-            <a:schemeClr val="accent1">
-              <a:shade val="50000"/>
-            </a:schemeClr>
-          </a:lnRef>
-          <a:fillRef idx="1">
-            <a:schemeClr val="accent1"/>
-          </a:fillRef>
-          <a:effectRef idx="0">
-            <a:schemeClr val="accent1"/>
-          </a:effectRef>
-          <a:fontRef idx="minor">
-            <a:schemeClr val="lt1"/>
-          </a:fontRef>
-        </p:style>
-        <p:txBody>
-          <a:bodyPr wrap="square" rtlCol="0" anchor="ctr">
-            <a:noAutofit/>
-          </a:bodyPr>
-          <a:lstStyle/>
-          <a:p>
-            <a:pPr algn="ctr"/>
-            <a:endParaRPr lang="en-US" dirty="0"/>
-          </a:p>
-        </p:txBody>
-      </p:sp>
-      <p:sp>
-        <p:nvSpPr>
-          <p:cNvPr id="28" name="Isosceles Triangle 27">
-            <a:extLst>
-              <a:ext uri="{FF2B5EF4-FFF2-40B4-BE49-F238E27FC236}">
-                <a16:creationId xmlns:a16="http://schemas.microsoft.com/office/drawing/2014/main" id="{FF9F2414-84E8-453E-B1F3-389FDE8192D9}"/>
-              </a:ext>
-              <a:ext uri="{C183D7F6-B498-43B3-948B-1728B52AA6E4}">
-                <adec:decorative xmlns:adec="http://schemas.microsoft.com/office/drawing/2017/decorative" val="1"/>
-              </a:ext>
-            </a:extLst>
-          </p:cNvPr>
-          <p:cNvSpPr>
-            <a:spLocks noGrp="1" noRot="1" noChangeAspect="1" noMove="1" noResize="1" noEditPoints="1" noAdjustHandles="1" noChangeArrowheads="1" noChangeShapeType="1" noTextEdit="1"/>
-          </p:cNvSpPr>
-          <p:nvPr>
-            <p:extLst>
-              <p:ext uri="{386F3935-93C4-4BCD-93E2-E3B085C9AB24}">
-                <p16:designElem xmlns:p16="http://schemas.microsoft.com/office/powerpoint/2015/main" val="1"/>
-              </p:ext>
-            </p:extLst>
-          </p:nvPr>
-        </p:nvSpPr>
-        <p:spPr>
-          <a:xfrm flipH="1">
-            <a:off x="7976344" y="6115501"/>
-            <a:ext cx="1494513" cy="742499"/>
-          </a:xfrm>
-          <a:prstGeom prst="triangle">
-            <a:avLst/>
-          </a:prstGeom>
-          <a:solidFill>
-            <a:schemeClr val="accent1">
-              <a:alpha val="30000"/>
-            </a:schemeClr>
-          </a:solidFill>
-          <a:ln>
-            <a:noFill/>
-          </a:ln>
-        </p:spPr>
-        <p:style>
-          <a:lnRef idx="2">
-            <a:schemeClr val="accent1">
-              <a:shade val="50000"/>
-            </a:schemeClr>
-          </a:lnRef>
-          <a:fillRef idx="1">
-            <a:schemeClr val="accent1"/>
-          </a:fillRef>
-          <a:effectRef idx="0">
-            <a:schemeClr val="accent1"/>
-          </a:effectRef>
-          <a:fontRef idx="minor">
-            <a:schemeClr val="lt1"/>
-          </a:fontRef>
-        </p:style>
-        <p:txBody>
-          <a:bodyPr rtlCol="0" anchor="ctr"/>
-          <a:lstStyle/>
-          <a:p>
-            <a:pPr algn="ctr"/>
-            <a:endParaRPr lang="en-US"/>
-          </a:p>
-        </p:txBody>
-      </p:sp>
-      <p:pic>
-        <p:nvPicPr>
-          <p:cNvPr id="3" name="Picture 2" descr="A screenshot of a wifi sign&#10;&#10;AI-generated content may be incorrect.">
-            <a:extLst>
-              <a:ext uri="{FF2B5EF4-FFF2-40B4-BE49-F238E27FC236}">
-                <a16:creationId xmlns:a16="http://schemas.microsoft.com/office/drawing/2014/main" id="{B22306EA-B863-9A66-52C5-0E89662A1E4E}"/>
-              </a:ext>
-            </a:extLst>
-          </p:cNvPr>
-          <p:cNvPicPr>
-            <a:picLocks noChangeAspect="1"/>
-          </p:cNvPicPr>
-          <p:nvPr/>
-        </p:nvPicPr>
-        <p:blipFill>
-          <a:blip r:embed="rId2"/>
-          <a:stretch>
-            <a:fillRect/>
-          </a:stretch>
-        </p:blipFill>
-        <p:spPr>
-          <a:xfrm>
-            <a:off x="4696270" y="643467"/>
-            <a:ext cx="2799459" cy="5571065"/>
-          </a:xfrm>
-          <a:prstGeom prst="rect">
-            <a:avLst/>
-          </a:prstGeom>
-          <a:ln>
-            <a:noFill/>
-          </a:ln>
-        </p:spPr>
-      </p:pic>
-      <p:sp>
-        <p:nvSpPr>
-          <p:cNvPr id="30" name="Isosceles Triangle 29">
-            <a:extLst>
-              <a:ext uri="{FF2B5EF4-FFF2-40B4-BE49-F238E27FC236}">
-                <a16:creationId xmlns:a16="http://schemas.microsoft.com/office/drawing/2014/main" id="{3ECA69A1-7536-43AC-85EF-C7106179F5ED}"/>
-              </a:ext>
-              <a:ext uri="{C183D7F6-B498-43B3-948B-1728B52AA6E4}">
-                <adec:decorative xmlns:adec="http://schemas.microsoft.com/office/drawing/2017/decorative" val="1"/>
-              </a:ext>
-            </a:extLst>
-          </p:cNvPr>
-          <p:cNvSpPr>
-            <a:spLocks noGrp="1" noRot="1" noChangeAspect="1" noMove="1" noResize="1" noEditPoints="1" noAdjustHandles="1" noChangeArrowheads="1" noChangeShapeType="1" noTextEdit="1"/>
-          </p:cNvSpPr>
-          <p:nvPr>
-            <p:extLst>
-              <p:ext uri="{386F3935-93C4-4BCD-93E2-E3B085C9AB24}">
-                <p16:designElem xmlns:p16="http://schemas.microsoft.com/office/powerpoint/2015/main" val="1"/>
-              </p:ext>
-            </p:extLst>
-          </p:nvPr>
-        </p:nvSpPr>
-        <p:spPr>
-          <a:xfrm flipH="1">
-            <a:off x="7604080" y="6453143"/>
-            <a:ext cx="814903" cy="404857"/>
-          </a:xfrm>
-          <a:prstGeom prst="triangle">
-            <a:avLst/>
-          </a:prstGeom>
-          <a:solidFill>
-            <a:schemeClr val="accent1">
-              <a:alpha val="30000"/>
-            </a:schemeClr>
-          </a:solidFill>
-          <a:ln>
-            <a:noFill/>
-          </a:ln>
-        </p:spPr>
-        <p:style>
-          <a:lnRef idx="2">
-            <a:schemeClr val="accent1">
-              <a:shade val="50000"/>
-            </a:schemeClr>
-          </a:lnRef>
-          <a:fillRef idx="1">
-            <a:schemeClr val="accent1"/>
-          </a:fillRef>
-          <a:effectRef idx="0">
-            <a:schemeClr val="accent1"/>
-          </a:effectRef>
-          <a:fontRef idx="minor">
-            <a:schemeClr val="lt1"/>
-          </a:fontRef>
-        </p:style>
-        <p:txBody>
-          <a:bodyPr rtlCol="0" anchor="ctr"/>
-          <a:lstStyle/>
-          <a:p>
-            <a:pPr algn="ctr"/>
-            <a:endParaRPr lang="en-US"/>
-          </a:p>
-        </p:txBody>
-      </p:sp>
-    </p:spTree>
-    <p:extLst>
-      <p:ext uri="{BB962C8B-B14F-4D97-AF65-F5344CB8AC3E}">
-        <p14:creationId xmlns:p14="http://schemas.microsoft.com/office/powerpoint/2010/main" val="4123466674"/>
-      </p:ext>
-    </p:extLst>
-  </p:cSld>
-  <p:clrMapOvr>
-    <a:masterClrMapping/>
-  </p:clrMapOvr>
-  <mc:AlternateContent xmlns:mc="http://schemas.openxmlformats.org/markup-compatibility/2006">
-    <mc:Choice xmlns:p14="http://schemas.microsoft.com/office/powerpoint/2010/main" Requires="p14">
-      <p:transition spd="med" p14:dur="700">
-        <p:fade/>
-      </p:transition>
-    </mc:Choice>
-    <mc:Fallback>
-      <p:transition spd="med">
-        <p:fade/>
-      </p:transition>
-    </mc:Fallback>
-  </mc:AlternateContent>
-</p:sld>
-</file>
-
-<file path=ppt/slides/slide9.xml><?xml version="1.0" encoding="utf-8"?>
-<p:sld xmlns:a="http://schemas.openxmlformats.org/drawingml/2006/main" xmlns:r="http://schemas.openxmlformats.org/officeDocument/2006/relationships" xmlns:p="http://schemas.openxmlformats.org/presentationml/2006/main">
-  <p:cSld>
-    <p:bg>
-      <p:bgPr>
-        <a:solidFill>
-          <a:schemeClr val="bg1"/>
-        </a:solidFill>
-        <a:effectLst/>
-      </p:bgPr>
-    </p:bg>
-    <p:spTree>
-      <p:nvGrpSpPr>
-        <p:cNvPr id="1" name="">
-          <a:extLst>
-            <a:ext uri="{FF2B5EF4-FFF2-40B4-BE49-F238E27FC236}">
-              <a16:creationId xmlns:a16="http://schemas.microsoft.com/office/drawing/2014/main" id="{102A357C-27EF-1B6F-398E-92777F5ABD5D}"/>
-            </a:ext>
-          </a:extLst>
-        </p:cNvPr>
-        <p:cNvGrpSpPr/>
-        <p:nvPr/>
-      </p:nvGrpSpPr>
-      <p:grpSpPr>
-        <a:xfrm>
-          <a:off x="0" y="0"/>
-          <a:ext cx="0" cy="0"/>
-          <a:chOff x="0" y="0"/>
-          <a:chExt cx="0" cy="0"/>
-        </a:xfrm>
-      </p:grpSpPr>
-      <p:sp>
-        <p:nvSpPr>
-          <p:cNvPr id="18" name="Rectangle 17">
-            <a:extLst>
-              <a:ext uri="{FF2B5EF4-FFF2-40B4-BE49-F238E27FC236}">
-                <a16:creationId xmlns:a16="http://schemas.microsoft.com/office/drawing/2014/main" id="{86FF76B9-219D-4469-AF87-0236D29032F1}"/>
-              </a:ext>
-              <a:ext uri="{C183D7F6-B498-43B3-948B-1728B52AA6E4}">
-                <adec:decorative xmlns:adec="http://schemas.microsoft.com/office/drawing/2017/decorative" val="1"/>
-              </a:ext>
-            </a:extLst>
-          </p:cNvPr>
-          <p:cNvSpPr>
-            <a:spLocks noGrp="1" noRot="1" noChangeAspect="1" noMove="1" noResize="1" noEditPoints="1" noAdjustHandles="1" noChangeArrowheads="1" noChangeShapeType="1" noTextEdit="1"/>
-          </p:cNvSpPr>
-          <p:nvPr>
-            <p:extLst>
-              <p:ext uri="{386F3935-93C4-4BCD-93E2-E3B085C9AB24}">
-                <p16:designElem xmlns:p16="http://schemas.microsoft.com/office/powerpoint/2015/main" val="1"/>
-              </p:ext>
-            </p:extLst>
-          </p:nvPr>
-        </p:nvSpPr>
-        <p:spPr>
-          <a:xfrm>
-            <a:off x="0" y="0"/>
-            <a:ext cx="12192000" cy="6858000"/>
-          </a:xfrm>
-          <a:prstGeom prst="rect">
-            <a:avLst/>
-          </a:prstGeom>
-          <a:solidFill>
-            <a:schemeClr val="bg1"/>
-          </a:solidFill>
-          <a:ln>
-            <a:noFill/>
-          </a:ln>
-        </p:spPr>
-        <p:style>
-          <a:lnRef idx="2">
-            <a:schemeClr val="accent1">
-              <a:shade val="50000"/>
-            </a:schemeClr>
-          </a:lnRef>
-          <a:fillRef idx="1">
-            <a:schemeClr val="accent1"/>
-          </a:fillRef>
-          <a:effectRef idx="0">
-            <a:schemeClr val="accent1"/>
-          </a:effectRef>
-          <a:fontRef idx="minor">
-            <a:schemeClr val="lt1"/>
-          </a:fontRef>
-        </p:style>
-        <p:txBody>
-          <a:bodyPr rtlCol="0" anchor="ctr"/>
-          <a:lstStyle/>
-          <a:p>
-            <a:pPr algn="ctr"/>
-            <a:endParaRPr lang="en-US" dirty="0"/>
-          </a:p>
-        </p:txBody>
-      </p:sp>
-      <p:grpSp>
-        <p:nvGrpSpPr>
-          <p:cNvPr id="20" name="Group 19">
-            <a:extLst>
-              <a:ext uri="{FF2B5EF4-FFF2-40B4-BE49-F238E27FC236}">
-                <a16:creationId xmlns:a16="http://schemas.microsoft.com/office/drawing/2014/main" id="{DB88BD78-87E1-424D-B479-C37D8E41B12E}"/>
-              </a:ext>
-              <a:ext uri="{C183D7F6-B498-43B3-948B-1728B52AA6E4}">
-                <adec:decorative xmlns:adec="http://schemas.microsoft.com/office/drawing/2017/decorative" val="1"/>
-              </a:ext>
-            </a:extLst>
-          </p:cNvPr>
-          <p:cNvGrpSpPr>
-            <a:grpSpLocks noGrp="1" noUngrp="1" noRot="1" noChangeAspect="1" noMove="1" noResize="1"/>
-          </p:cNvGrpSpPr>
-          <p:nvPr>
-            <p:extLst>
-              <p:ext uri="{386F3935-93C4-4BCD-93E2-E3B085C9AB24}">
-                <p16:designElem xmlns:p16="http://schemas.microsoft.com/office/powerpoint/2015/main" val="1"/>
-              </p:ext>
-            </p:extLst>
-          </p:nvPr>
-        </p:nvGrpSpPr>
-        <p:grpSpPr>
-          <a:xfrm flipH="1">
-            <a:off x="10964637" y="2358"/>
-            <a:ext cx="1876653" cy="1766008"/>
-            <a:chOff x="-648769" y="2358"/>
-            <a:chExt cx="1876653" cy="1766008"/>
-          </a:xfrm>
-        </p:grpSpPr>
-        <p:sp>
-          <p:nvSpPr>
-            <p:cNvPr id="21" name="Freeform: Shape 20">
-              <a:extLst>
-                <a:ext uri="{FF2B5EF4-FFF2-40B4-BE49-F238E27FC236}">
-                  <a16:creationId xmlns:a16="http://schemas.microsoft.com/office/drawing/2014/main" id="{C05EB894-9410-4B20-95E4-7A25101AB895}"/>
-                </a:ext>
-                <a:ext uri="{C183D7F6-B498-43B3-948B-1728B52AA6E4}">
-                  <adec:decorative xmlns:adec="http://schemas.microsoft.com/office/drawing/2017/decorative" val="1"/>
-                </a:ext>
-              </a:extLst>
-            </p:cNvPr>
-            <p:cNvSpPr/>
-            <p:nvPr>
-              <p:extLst>
-                <p:ext uri="{386F3935-93C4-4BCD-93E2-E3B085C9AB24}">
-                  <p16:designElem xmlns:p16="http://schemas.microsoft.com/office/powerpoint/2015/main" val="1"/>
-                </p:ext>
-              </p:extLst>
-            </p:nvPr>
-          </p:nvSpPr>
-          <p:spPr>
-            <a:xfrm rot="2700000">
-              <a:off x="-415188" y="-231223"/>
-              <a:ext cx="1409491" cy="1876653"/>
-            </a:xfrm>
-            <a:custGeom>
-              <a:avLst/>
-              <a:gdLst>
-                <a:gd name="connsiteX0" fmla="*/ 0 w 1409491"/>
-                <a:gd name="connsiteY0" fmla="*/ 643075 h 1876653"/>
-                <a:gd name="connsiteX1" fmla="*/ 643075 w 1409491"/>
-                <a:gd name="connsiteY1" fmla="*/ 0 h 1876653"/>
-                <a:gd name="connsiteX2" fmla="*/ 1409491 w 1409491"/>
-                <a:gd name="connsiteY2" fmla="*/ 0 h 1876653"/>
-                <a:gd name="connsiteX3" fmla="*/ 1409491 w 1409491"/>
-                <a:gd name="connsiteY3" fmla="*/ 1876653 h 1876653"/>
-                <a:gd name="connsiteX4" fmla="*/ 1233578 w 1409491"/>
-                <a:gd name="connsiteY4" fmla="*/ 1876653 h 1876653"/>
-              </a:gdLst>
-              <a:ahLst/>
-              <a:cxnLst>
-                <a:cxn ang="0">
-                  <a:pos x="connsiteX0" y="connsiteY0"/>
-                </a:cxn>
-                <a:cxn ang="0">
-                  <a:pos x="connsiteX1" y="connsiteY1"/>
-                </a:cxn>
-                <a:cxn ang="0">
-                  <a:pos x="connsiteX2" y="connsiteY2"/>
-                </a:cxn>
-                <a:cxn ang="0">
-                  <a:pos x="connsiteX3" y="connsiteY3"/>
-                </a:cxn>
-                <a:cxn ang="0">
-                  <a:pos x="connsiteX4" y="connsiteY4"/>
-                </a:cxn>
-              </a:cxnLst>
-              <a:rect l="l" t="t" r="r" b="b"/>
-              <a:pathLst>
-                <a:path w="1409491" h="1876653">
-                  <a:moveTo>
-                    <a:pt x="0" y="643075"/>
-                  </a:moveTo>
-                  <a:lnTo>
-                    <a:pt x="643075" y="0"/>
-                  </a:lnTo>
-                  <a:lnTo>
-                    <a:pt x="1409491" y="0"/>
-                  </a:lnTo>
-                  <a:lnTo>
-                    <a:pt x="1409491" y="1876653"/>
-                  </a:lnTo>
-                  <a:lnTo>
-                    <a:pt x="1233578" y="1876653"/>
-                  </a:lnTo>
-                  <a:close/>
-                </a:path>
-              </a:pathLst>
-            </a:custGeom>
-            <a:solidFill>
-              <a:schemeClr val="accent1">
-                <a:alpha val="30000"/>
-              </a:schemeClr>
-            </a:solidFill>
-            <a:ln>
-              <a:noFill/>
-            </a:ln>
-          </p:spPr>
-          <p:style>
-            <a:lnRef idx="2">
-              <a:schemeClr val="accent1">
-                <a:shade val="50000"/>
-              </a:schemeClr>
-            </a:lnRef>
-            <a:fillRef idx="1">
-              <a:schemeClr val="accent1"/>
-            </a:fillRef>
-            <a:effectRef idx="0">
-              <a:schemeClr val="accent1"/>
-            </a:effectRef>
-            <a:fontRef idx="minor">
-              <a:schemeClr val="lt1"/>
-            </a:fontRef>
-          </p:style>
-          <p:txBody>
-            <a:bodyPr rtlCol="0" anchor="ctr"/>
-            <a:lstStyle/>
-            <a:p>
-              <a:pPr algn="ctr"/>
-              <a:endParaRPr lang="en-US"/>
-            </a:p>
-          </p:txBody>
-        </p:sp>
-        <p:sp>
-          <p:nvSpPr>
-            <p:cNvPr id="22" name="Rectangle 21">
-              <a:extLst>
-                <a:ext uri="{FF2B5EF4-FFF2-40B4-BE49-F238E27FC236}">
-                  <a16:creationId xmlns:a16="http://schemas.microsoft.com/office/drawing/2014/main" id="{166E38B6-B050-4340-8E8F-3A971DADC031}"/>
-                </a:ext>
-                <a:ext uri="{C183D7F6-B498-43B3-948B-1728B52AA6E4}">
-                  <adec:decorative xmlns:adec="http://schemas.microsoft.com/office/drawing/2017/decorative" val="1"/>
-                </a:ext>
-              </a:extLst>
-            </p:cNvPr>
-            <p:cNvSpPr/>
-            <p:nvPr>
-              <p:extLst>
-                <p:ext uri="{386F3935-93C4-4BCD-93E2-E3B085C9AB24}">
-                  <p16:designElem xmlns:p16="http://schemas.microsoft.com/office/powerpoint/2015/main" val="1"/>
-                </p:ext>
-              </p:extLst>
-            </p:nvPr>
-          </p:nvSpPr>
-          <p:spPr>
-            <a:xfrm rot="2700000">
-              <a:off x="301285" y="1282788"/>
-              <a:ext cx="485578" cy="485578"/>
-            </a:xfrm>
-            <a:prstGeom prst="rect">
-              <a:avLst/>
-            </a:prstGeom>
-            <a:solidFill>
-              <a:schemeClr val="accent1">
-                <a:alpha val="30000"/>
-              </a:schemeClr>
-            </a:solidFill>
-            <a:ln>
-              <a:noFill/>
-            </a:ln>
-          </p:spPr>
-          <p:style>
-            <a:lnRef idx="2">
-              <a:schemeClr val="accent1">
-                <a:shade val="50000"/>
-              </a:schemeClr>
-            </a:lnRef>
-            <a:fillRef idx="1">
-              <a:schemeClr val="accent1"/>
-            </a:fillRef>
-            <a:effectRef idx="0">
-              <a:schemeClr val="accent1"/>
-            </a:effectRef>
-            <a:fontRef idx="minor">
-              <a:schemeClr val="lt1"/>
-            </a:fontRef>
-          </p:style>
-          <p:txBody>
-            <a:bodyPr rtlCol="0" anchor="ctr"/>
-            <a:lstStyle/>
-            <a:p>
-              <a:pPr algn="ctr"/>
-              <a:endParaRPr lang="en-US"/>
-            </a:p>
-          </p:txBody>
-        </p:sp>
-      </p:grpSp>
-      <p:sp>
-        <p:nvSpPr>
-          <p:cNvPr id="24" name="Rectangle 23">
-            <a:extLst>
-              <a:ext uri="{FF2B5EF4-FFF2-40B4-BE49-F238E27FC236}">
-                <a16:creationId xmlns:a16="http://schemas.microsoft.com/office/drawing/2014/main" id="{2E80C965-DB6D-4F81-9E9E-B027384D0BD6}"/>
-              </a:ext>
-              <a:ext uri="{C183D7F6-B498-43B3-948B-1728B52AA6E4}">
-                <adec:decorative xmlns:adec="http://schemas.microsoft.com/office/drawing/2017/decorative" val="1"/>
-              </a:ext>
-            </a:extLst>
-          </p:cNvPr>
-          <p:cNvSpPr>
-            <a:spLocks noGrp="1" noRot="1" noChangeAspect="1" noMove="1" noResize="1" noEditPoints="1" noAdjustHandles="1" noChangeArrowheads="1" noChangeShapeType="1" noTextEdit="1"/>
-          </p:cNvSpPr>
-          <p:nvPr>
-            <p:extLst>
-              <p:ext uri="{386F3935-93C4-4BCD-93E2-E3B085C9AB24}">
-                <p16:designElem xmlns:p16="http://schemas.microsoft.com/office/powerpoint/2015/main" val="1"/>
-              </p:ext>
-            </p:extLst>
-          </p:nvPr>
-        </p:nvSpPr>
-        <p:spPr>
-          <a:xfrm rot="2700000">
-            <a:off x="2737196" y="6033666"/>
-            <a:ext cx="645368" cy="645368"/>
-          </a:xfrm>
-          <a:prstGeom prst="rect">
-            <a:avLst/>
-          </a:prstGeom>
-          <a:solidFill>
-            <a:schemeClr val="accent4">
-              <a:alpha val="30000"/>
-            </a:schemeClr>
-          </a:solidFill>
-          <a:ln>
-            <a:noFill/>
-          </a:ln>
-        </p:spPr>
-        <p:style>
-          <a:lnRef idx="2">
-            <a:schemeClr val="accent1">
-              <a:shade val="50000"/>
-            </a:schemeClr>
-          </a:lnRef>
-          <a:fillRef idx="1">
-            <a:schemeClr val="accent1"/>
-          </a:fillRef>
-          <a:effectRef idx="0">
-            <a:schemeClr val="accent1"/>
-          </a:effectRef>
-          <a:fontRef idx="minor">
-            <a:schemeClr val="lt1"/>
-          </a:fontRef>
-        </p:style>
-        <p:txBody>
-          <a:bodyPr rtlCol="0" anchor="ctr"/>
-          <a:lstStyle/>
-          <a:p>
-            <a:pPr algn="ctr"/>
-            <a:endParaRPr lang="en-US"/>
-          </a:p>
-        </p:txBody>
-      </p:sp>
-      <p:sp>
-        <p:nvSpPr>
-          <p:cNvPr id="26" name="Isosceles Triangle 25">
-            <a:extLst>
-              <a:ext uri="{FF2B5EF4-FFF2-40B4-BE49-F238E27FC236}">
-                <a16:creationId xmlns:a16="http://schemas.microsoft.com/office/drawing/2014/main" id="{633C5E46-DAC5-4661-9C87-22B08E2A512F}"/>
-              </a:ext>
-              <a:ext uri="{C183D7F6-B498-43B3-948B-1728B52AA6E4}">
-                <adec:decorative xmlns:adec="http://schemas.microsoft.com/office/drawing/2017/decorative" val="1"/>
-              </a:ext>
-            </a:extLst>
-          </p:cNvPr>
-          <p:cNvSpPr>
-            <a:spLocks noGrp="1" noRot="1" noChangeAspect="1" noMove="1" noResize="1" noEditPoints="1" noAdjustHandles="1" noChangeArrowheads="1" noChangeShapeType="1" noTextEdit="1"/>
-          </p:cNvSpPr>
-          <p:nvPr>
-            <p:extLst>
-              <p:ext uri="{386F3935-93C4-4BCD-93E2-E3B085C9AB24}">
-                <p16:designElem xmlns:p16="http://schemas.microsoft.com/office/powerpoint/2015/main" val="1"/>
-              </p:ext>
-            </p:extLst>
-          </p:nvPr>
-        </p:nvSpPr>
-        <p:spPr>
-          <a:xfrm>
-            <a:off x="1343436" y="5721108"/>
-            <a:ext cx="2261965" cy="1136891"/>
-          </a:xfrm>
-          <a:prstGeom prst="triangle">
-            <a:avLst>
-              <a:gd name="adj" fmla="val 50000"/>
-            </a:avLst>
-          </a:prstGeom>
-          <a:solidFill>
-            <a:schemeClr val="accent4">
-              <a:alpha val="30000"/>
-            </a:schemeClr>
-          </a:solidFill>
-          <a:ln>
-            <a:noFill/>
-          </a:ln>
-        </p:spPr>
-        <p:style>
-          <a:lnRef idx="2">
-            <a:schemeClr val="accent1">
-              <a:shade val="50000"/>
-            </a:schemeClr>
-          </a:lnRef>
-          <a:fillRef idx="1">
-            <a:schemeClr val="accent1"/>
-          </a:fillRef>
-          <a:effectRef idx="0">
-            <a:schemeClr val="accent1"/>
-          </a:effectRef>
-          <a:fontRef idx="minor">
-            <a:schemeClr val="lt1"/>
-          </a:fontRef>
-        </p:style>
-        <p:txBody>
-          <a:bodyPr rtlCol="0" anchor="ctr"/>
-          <a:lstStyle/>
-          <a:p>
-            <a:pPr algn="ctr"/>
-            <a:endParaRPr lang="en-US"/>
-          </a:p>
-        </p:txBody>
-      </p:sp>
-      <p:pic>
-        <p:nvPicPr>
-          <p:cNvPr id="3" name="Picture 2" descr="A screenshot of a phone&#10;&#10;AI-generated content may be incorrect.">
-            <a:extLst>
-              <a:ext uri="{FF2B5EF4-FFF2-40B4-BE49-F238E27FC236}">
-                <a16:creationId xmlns:a16="http://schemas.microsoft.com/office/drawing/2014/main" id="{C6B2A4B3-D30A-A1CB-84CB-6150A352574E}"/>
-              </a:ext>
-            </a:extLst>
-          </p:cNvPr>
-          <p:cNvPicPr>
-            <a:picLocks noChangeAspect="1"/>
-          </p:cNvPicPr>
-          <p:nvPr/>
-        </p:nvPicPr>
-        <p:blipFill>
-          <a:blip r:embed="rId2"/>
-          <a:stretch>
-            <a:fillRect/>
-          </a:stretch>
-        </p:blipFill>
-        <p:spPr>
-          <a:xfrm>
-            <a:off x="4738053" y="643467"/>
-            <a:ext cx="2715893" cy="5571065"/>
-          </a:xfrm>
-          <a:prstGeom prst="rect">
-            <a:avLst/>
-          </a:prstGeom>
-          <a:ln>
-            <a:noFill/>
-          </a:ln>
-        </p:spPr>
-      </p:pic>
-    </p:spTree>
-    <p:extLst>
-      <p:ext uri="{BB962C8B-B14F-4D97-AF65-F5344CB8AC3E}">
-        <p14:creationId xmlns:p14="http://schemas.microsoft.com/office/powerpoint/2010/main" val="2940934515"/>
-      </p:ext>
-    </p:extLst>
-  </p:cSld>
-  <p:clrMapOvr>
-    <a:masterClrMapping/>
-  </p:clrMapOvr>
-  <mc:AlternateContent xmlns:mc="http://schemas.openxmlformats.org/markup-compatibility/2006">
-    <mc:Choice xmlns:p14="http://schemas.microsoft.com/office/powerpoint/2010/main" Requires="p14">
-      <p:transition spd="med" p14:dur="700">
-        <p:fade/>
-      </p:transition>
-    </mc:Choice>
-    <mc:Fallback>
+    <mc:Fallback xmlns="">
       <p:transition spd="med">
         <p:fade/>
       </p:transition>
